--- a/notes/csc493-ln002.pptx
+++ b/notes/csc493-ln002.pptx
@@ -5,20 +5,22 @@
     <p:sldMasterId id="2147483651" r:id="rId1"/>
   </p:sldMasterIdLst>
   <p:notesMasterIdLst>
-    <p:notesMasterId r:id="rId10"/>
+    <p:notesMasterId r:id="rId12"/>
   </p:notesMasterIdLst>
   <p:handoutMasterIdLst>
-    <p:handoutMasterId r:id="rId11"/>
+    <p:handoutMasterId r:id="rId13"/>
   </p:handoutMasterIdLst>
   <p:sldIdLst>
     <p:sldId id="256" r:id="rId2"/>
-    <p:sldId id="257" r:id="rId3"/>
-    <p:sldId id="258" r:id="rId4"/>
-    <p:sldId id="259" r:id="rId5"/>
-    <p:sldId id="260" r:id="rId6"/>
-    <p:sldId id="261" r:id="rId7"/>
-    <p:sldId id="262" r:id="rId8"/>
-    <p:sldId id="263" r:id="rId9"/>
+    <p:sldId id="264" r:id="rId3"/>
+    <p:sldId id="257" r:id="rId4"/>
+    <p:sldId id="258" r:id="rId5"/>
+    <p:sldId id="259" r:id="rId6"/>
+    <p:sldId id="260" r:id="rId7"/>
+    <p:sldId id="261" r:id="rId8"/>
+    <p:sldId id="262" r:id="rId9"/>
+    <p:sldId id="263" r:id="rId10"/>
+    <p:sldId id="279" r:id="rId11"/>
   </p:sldIdLst>
   <p:sldSz cx="9144000" cy="6858000" type="screen4x3"/>
   <p:notesSz cx="6856413" cy="9083675"/>
@@ -5167,9 +5169,16 @@
             <p:ph type="title"/>
           </p:nvPr>
         </p:nvSpPr>
-        <p:spPr/>
-        <p:txBody>
-          <a:bodyPr/>
+        <p:spPr>
+          <a:xfrm>
+            <a:off x="1524000" y="190500"/>
+            <a:ext cx="7010400" cy="1527175"/>
+          </a:xfrm>
+        </p:spPr>
+        <p:txBody>
+          <a:bodyPr wrap="square" anchor="ctr">
+            <a:normAutofit/>
+          </a:bodyPr>
           <a:lstStyle/>
           <a:p>
             <a:r>
@@ -5179,6 +5188,54 @@
           </a:p>
         </p:txBody>
       </p:sp>
+      <p:pic>
+        <p:nvPicPr>
+          <p:cNvPr id="1026" name="Picture 2" descr="Imperative program - conceptual view">
+            <a:extLst>
+              <a:ext uri="{FF2B5EF4-FFF2-40B4-BE49-F238E27FC236}">
+                <a16:creationId xmlns:a16="http://schemas.microsoft.com/office/drawing/2014/main" id="{7D47FE58-2FC3-654E-A540-94CE8750B13D}"/>
+              </a:ext>
+            </a:extLst>
+          </p:cNvPr>
+          <p:cNvPicPr>
+            <a:picLocks noChangeAspect="1" noChangeArrowheads="1"/>
+          </p:cNvPicPr>
+          <p:nvPr/>
+        </p:nvPicPr>
+        <p:blipFill>
+          <a:blip r:embed="rId2">
+            <a:extLst>
+              <a:ext uri="{28A0092B-C50C-407E-A947-70E740481C1C}">
+                <a14:useLocalDpi xmlns:a14="http://schemas.microsoft.com/office/drawing/2010/main" val="0"/>
+              </a:ext>
+            </a:extLst>
+          </a:blip>
+          <a:stretch>
+            <a:fillRect/>
+          </a:stretch>
+        </p:blipFill>
+        <p:spPr bwMode="auto">
+          <a:xfrm>
+            <a:off x="304800" y="2362200"/>
+            <a:ext cx="4680002" cy="2971800"/>
+          </a:xfrm>
+          <a:prstGeom prst="rect">
+            <a:avLst/>
+          </a:prstGeom>
+          <a:solidFill>
+            <a:srgbClr val="FFFFFF"/>
+          </a:solidFill>
+          <a:extLst>
+            <a:ext uri="{909E8E84-426E-40DD-AFC4-6F175D3DCCD1}">
+              <a14:hiddenFill xmlns:a14="http://schemas.microsoft.com/office/drawing/2010/main">
+                <a:solidFill>
+                  <a:srgbClr val="FFFFFF"/>
+                </a:solidFill>
+              </a14:hiddenFill>
+            </a:ext>
+          </a:extLst>
+        </p:spPr>
+      </p:pic>
       <p:sp>
         <p:nvSpPr>
           <p:cNvPr id="5" name="Content Placeholder 4">
@@ -5192,41 +5249,128 @@
             <a:spLocks noGrp="1"/>
           </p:cNvSpPr>
           <p:nvPr>
-            <p:ph idx="1"/>
-          </p:nvPr>
-        </p:nvSpPr>
-        <p:spPr/>
-        <p:txBody>
-          <a:bodyPr/>
+            <p:ph sz="half" idx="2"/>
+          </p:nvPr>
+        </p:nvSpPr>
+        <p:spPr>
+          <a:xfrm>
+            <a:off x="5105400" y="1905000"/>
+            <a:ext cx="3429000" cy="4114800"/>
+          </a:xfrm>
+        </p:spPr>
+        <p:txBody>
+          <a:bodyPr wrap="square" anchor="t">
+            <a:normAutofit/>
+          </a:bodyPr>
           <a:lstStyle/>
           <a:p>
-            <a:r>
-              <a:rPr lang="en-US" b="1" dirty="0"/>
+            <a:pPr marL="0" indent="0">
+              <a:lnSpc>
+                <a:spcPct val="90000"/>
+              </a:lnSpc>
+              <a:buNone/>
+            </a:pPr>
+            <a:r>
+              <a:rPr lang="en-US" sz="1800" b="1" dirty="0"/>
               <a:t>Imperative programming </a:t>
             </a:r>
             <a:r>
-              <a:rPr lang="en-US" dirty="0"/>
+              <a:rPr lang="en-US" sz="1800" dirty="0"/>
               <a:t>– </a:t>
             </a:r>
           </a:p>
           <a:p>
-            <a:pPr lvl="1"/>
-            <a:r>
-              <a:rPr lang="en-US" dirty="0"/>
-              <a:t>explicit statements that change the program state</a:t>
-            </a:r>
-          </a:p>
-          <a:p>
-            <a:r>
-              <a:rPr lang="en-US" dirty="0"/>
-              <a:t>All three of our programming languages are at their core imperative programming languages.</a:t>
-            </a:r>
-          </a:p>
-          <a:p>
-            <a:r>
-              <a:rPr lang="en-US" dirty="0"/>
-              <a:t>Here we look at basics of Asteroid programming</a:t>
-            </a:r>
+            <a:pPr lvl="1">
+              <a:lnSpc>
+                <a:spcPct val="90000"/>
+              </a:lnSpc>
+            </a:pPr>
+            <a:r>
+              <a:rPr lang="en-US" sz="1800" dirty="0"/>
+              <a:t>Explicit statements that change the program state</a:t>
+            </a:r>
+          </a:p>
+          <a:p>
+            <a:pPr lvl="1">
+              <a:lnSpc>
+                <a:spcPct val="90000"/>
+              </a:lnSpc>
+            </a:pPr>
+            <a:r>
+              <a:rPr lang="en-US" sz="1800" dirty="0"/>
+              <a:t>The program state is defined by the values assigned to the variables in a program</a:t>
+            </a:r>
+          </a:p>
+          <a:p>
+            <a:pPr lvl="1">
+              <a:lnSpc>
+                <a:spcPct val="90000"/>
+              </a:lnSpc>
+            </a:pPr>
+            <a:r>
+              <a:rPr lang="en-US" sz="1800" dirty="0"/>
+              <a:t>The most common way to change the state in imperative programming is through an </a:t>
+            </a:r>
+            <a:r>
+              <a:rPr lang="en-US" sz="1800" b="1" dirty="0"/>
+              <a:t>explicit assignment of a new value to an existing variable </a:t>
+            </a:r>
+          </a:p>
+        </p:txBody>
+      </p:sp>
+      <p:sp>
+        <p:nvSpPr>
+          <p:cNvPr id="6" name="TextBox 5">
+            <a:extLst>
+              <a:ext uri="{FF2B5EF4-FFF2-40B4-BE49-F238E27FC236}">
+                <a16:creationId xmlns:a16="http://schemas.microsoft.com/office/drawing/2014/main" id="{654DAD09-EA44-FB41-8D5E-2FBBF377EA27}"/>
+              </a:ext>
+            </a:extLst>
+          </p:cNvPr>
+          <p:cNvSpPr txBox="1"/>
+          <p:nvPr/>
+        </p:nvSpPr>
+        <p:spPr>
+          <a:xfrm>
+            <a:off x="522514" y="6472052"/>
+            <a:ext cx="6987810" cy="307777"/>
+          </a:xfrm>
+          <a:prstGeom prst="rect">
+            <a:avLst/>
+          </a:prstGeom>
+          <a:noFill/>
+        </p:spPr>
+        <p:txBody>
+          <a:bodyPr wrap="none" rtlCol="0">
+            <a:spAutoFit/>
+          </a:bodyPr>
+          <a:lstStyle/>
+          <a:p>
+            <a:r>
+              <a:rPr lang="en-US" sz="1400" dirty="0"/>
+              <a:t>Image source: https://</a:t>
+            </a:r>
+            <a:r>
+              <a:rPr lang="en-US" sz="1400" dirty="0" err="1"/>
+              <a:t>practical.li</a:t>
+            </a:r>
+            <a:r>
+              <a:rPr lang="en-US" sz="1400" dirty="0"/>
+              <a:t>/</a:t>
+            </a:r>
+            <a:r>
+              <a:rPr lang="en-US" sz="1400" dirty="0" err="1"/>
+              <a:t>clojure</a:t>
+            </a:r>
+            <a:r>
+              <a:rPr lang="en-US" sz="1400" dirty="0"/>
+              <a:t>/concepts/what-is-functional-</a:t>
+            </a:r>
+            <a:r>
+              <a:rPr lang="en-US" sz="1400" dirty="0" err="1"/>
+              <a:t>programming.html</a:t>
+            </a:r>
+            <a:endParaRPr lang="en-US" sz="1400" dirty="0"/>
           </a:p>
         </p:txBody>
       </p:sp>
@@ -5234,6 +5378,111 @@
     <p:extLst>
       <p:ext uri="{BB962C8B-B14F-4D97-AF65-F5344CB8AC3E}">
         <p14:creationId xmlns:p14="http://schemas.microsoft.com/office/powerpoint/2010/main" val="4164880339"/>
+      </p:ext>
+    </p:extLst>
+  </p:cSld>
+  <p:clrMapOvr>
+    <a:masterClrMapping/>
+  </p:clrMapOvr>
+</p:sld>
+</file>
+
+<file path=ppt/slides/slide10.xml><?xml version="1.0" encoding="utf-8"?>
+<p:sld xmlns:a="http://schemas.openxmlformats.org/drawingml/2006/main" xmlns:r="http://schemas.openxmlformats.org/officeDocument/2006/relationships" xmlns:p="http://schemas.openxmlformats.org/presentationml/2006/main">
+  <p:cSld>
+    <p:spTree>
+      <p:nvGrpSpPr>
+        <p:cNvPr id="1" name=""/>
+        <p:cNvGrpSpPr/>
+        <p:nvPr/>
+      </p:nvGrpSpPr>
+      <p:grpSpPr>
+        <a:xfrm>
+          <a:off x="0" y="0"/>
+          <a:ext cx="0" cy="0"/>
+          <a:chOff x="0" y="0"/>
+          <a:chExt cx="0" cy="0"/>
+        </a:xfrm>
+      </p:grpSpPr>
+      <p:sp>
+        <p:nvSpPr>
+          <p:cNvPr id="3" name="Title 2">
+            <a:extLst>
+              <a:ext uri="{FF2B5EF4-FFF2-40B4-BE49-F238E27FC236}">
+                <a16:creationId xmlns:a16="http://schemas.microsoft.com/office/drawing/2014/main" id="{9D7C697A-6DA3-A44E-B637-24C616E3CC5F}"/>
+              </a:ext>
+            </a:extLst>
+          </p:cNvPr>
+          <p:cNvSpPr>
+            <a:spLocks noGrp="1"/>
+          </p:cNvSpPr>
+          <p:nvPr>
+            <p:ph type="title"/>
+          </p:nvPr>
+        </p:nvSpPr>
+        <p:spPr/>
+        <p:txBody>
+          <a:bodyPr/>
+          <a:lstStyle/>
+          <a:p>
+            <a:r>
+              <a:rPr lang="en-US" dirty="0"/>
+              <a:t>Reading</a:t>
+            </a:r>
+          </a:p>
+        </p:txBody>
+      </p:sp>
+      <p:sp>
+        <p:nvSpPr>
+          <p:cNvPr id="4" name="Content Placeholder 3">
+            <a:extLst>
+              <a:ext uri="{FF2B5EF4-FFF2-40B4-BE49-F238E27FC236}">
+                <a16:creationId xmlns:a16="http://schemas.microsoft.com/office/drawing/2014/main" id="{169AAE0B-02FF-DA4D-BB90-8E551E1B73AC}"/>
+              </a:ext>
+            </a:extLst>
+          </p:cNvPr>
+          <p:cNvSpPr>
+            <a:spLocks noGrp="1"/>
+          </p:cNvSpPr>
+          <p:nvPr>
+            <p:ph idx="1"/>
+          </p:nvPr>
+        </p:nvSpPr>
+        <p:spPr>
+          <a:xfrm>
+            <a:off x="609600" y="1905000"/>
+            <a:ext cx="8534400" cy="4114800"/>
+          </a:xfrm>
+        </p:spPr>
+        <p:txBody>
+          <a:bodyPr/>
+          <a:lstStyle/>
+          <a:p>
+            <a:r>
+              <a:rPr lang="en-US" sz="2200" dirty="0"/>
+              <a:t>The Basics</a:t>
+            </a:r>
+          </a:p>
+          <a:p>
+            <a:pPr lvl="1"/>
+            <a:r>
+              <a:rPr lang="en-US" sz="1800" dirty="0">
+                <a:hlinkClick r:id="rId2"/>
+              </a:rPr>
+              <a:t>asteroid-lang.readthedocs.io/en/latest/User%20Guide.html#the-basics</a:t>
+            </a:r>
+            <a:endParaRPr lang="en-US" sz="1800" dirty="0"/>
+          </a:p>
+          <a:p>
+            <a:pPr lvl="1"/>
+            <a:endParaRPr lang="en-US" sz="1800" dirty="0"/>
+          </a:p>
+        </p:txBody>
+      </p:sp>
+    </p:spTree>
+    <p:extLst>
+      <p:ext uri="{BB962C8B-B14F-4D97-AF65-F5344CB8AC3E}">
+        <p14:creationId xmlns:p14="http://schemas.microsoft.com/office/powerpoint/2010/main" val="3037335692"/>
       </p:ext>
     </p:extLst>
   </p:cSld>
@@ -5262,10 +5511,10 @@
       </p:grpSpPr>
       <p:sp>
         <p:nvSpPr>
-          <p:cNvPr id="2" name="Title 1">
+          <p:cNvPr id="4" name="Title 3">
             <a:extLst>
               <a:ext uri="{FF2B5EF4-FFF2-40B4-BE49-F238E27FC236}">
-                <a16:creationId xmlns:a16="http://schemas.microsoft.com/office/drawing/2014/main" id="{D1920EBB-52F2-EC4A-87F5-6C4496BA1709}"/>
+                <a16:creationId xmlns:a16="http://schemas.microsoft.com/office/drawing/2014/main" id="{5496F6E1-3E68-6744-A86C-6CFC4EE11931}"/>
               </a:ext>
             </a:extLst>
           </p:cNvPr>
@@ -5283,17 +5532,17 @@
           <a:p>
             <a:r>
               <a:rPr lang="en-US" dirty="0"/>
-              <a:t>Names</a:t>
-            </a:r>
-          </a:p>
-        </p:txBody>
-      </p:sp>
-      <p:sp>
-        <p:nvSpPr>
-          <p:cNvPr id="3" name="Content Placeholder 2">
+              <a:t>Imperative Programming in Asteroid – the Basics</a:t>
+            </a:r>
+          </a:p>
+        </p:txBody>
+      </p:sp>
+      <p:sp>
+        <p:nvSpPr>
+          <p:cNvPr id="5" name="Content Placeholder 4">
             <a:extLst>
               <a:ext uri="{FF2B5EF4-FFF2-40B4-BE49-F238E27FC236}">
-                <a16:creationId xmlns:a16="http://schemas.microsoft.com/office/drawing/2014/main" id="{BBAC0F39-E8FC-9D4C-AAC6-45BEFA5B059C}"/>
+                <a16:creationId xmlns:a16="http://schemas.microsoft.com/office/drawing/2014/main" id="{E0B35EAA-E16E-6E48-912E-690012524FFB}"/>
               </a:ext>
             </a:extLst>
           </p:cNvPr>
@@ -5310,50 +5559,14 @@
           <a:lstStyle/>
           <a:p>
             <a:r>
-              <a:rPr lang="en-US" dirty="0">
-                <a:solidFill>
-                  <a:srgbClr val="404040"/>
-                </a:solidFill>
-                <a:latin typeface="Lato" panose="020F0502020204030203" pitchFamily="34" charset="0"/>
-              </a:rPr>
-              <a:t>In </a:t>
-            </a:r>
-            <a:r>
-              <a:rPr lang="en-US" b="0" i="0" dirty="0">
-                <a:solidFill>
-                  <a:srgbClr val="404040"/>
-                </a:solidFill>
-                <a:effectLst/>
-                <a:latin typeface="Lato" panose="020F0502020204030203" pitchFamily="34" charset="0"/>
-              </a:rPr>
-              <a:t>Asteroid names are alpha-numeric symbols starting with an alpha character (as in most languages)</a:t>
-            </a:r>
-          </a:p>
-          <a:p>
-            <a:pPr lvl="1"/>
-            <a:r>
-              <a:rPr lang="en-US" dirty="0">
-                <a:solidFill>
-                  <a:srgbClr val="404040"/>
-                </a:solidFill>
-                <a:latin typeface="Lato" panose="020F0502020204030203" pitchFamily="34" charset="0"/>
-              </a:rPr>
-              <a:t>x</a:t>
-            </a:r>
-          </a:p>
-          <a:p>
-            <a:pPr lvl="1"/>
-            <a:r>
-              <a:rPr lang="en-US" dirty="0" err="1"/>
-              <a:t>my_function</a:t>
-            </a:r>
-            <a:endParaRPr lang="en-US" dirty="0"/>
-          </a:p>
-          <a:p>
-            <a:pPr lvl="1"/>
-            <a:r>
               <a:rPr lang="en-US" dirty="0"/>
-              <a:t>pi</a:t>
+              <a:t>All three of our programming languages are at their core imperative programming languages.</a:t>
+            </a:r>
+          </a:p>
+          <a:p>
+            <a:r>
+              <a:rPr lang="en-US" dirty="0"/>
+              <a:t>Here we look at basics of Asteroid programming</a:t>
             </a:r>
           </a:p>
         </p:txBody>
@@ -5361,7 +5574,7 @@
     </p:spTree>
     <p:extLst>
       <p:ext uri="{BB962C8B-B14F-4D97-AF65-F5344CB8AC3E}">
-        <p14:creationId xmlns:p14="http://schemas.microsoft.com/office/powerpoint/2010/main" val="1390827254"/>
+        <p14:creationId xmlns:p14="http://schemas.microsoft.com/office/powerpoint/2010/main" val="3776678643"/>
       </p:ext>
     </p:extLst>
   </p:cSld>
@@ -5393,7 +5606,7 @@
           <p:cNvPr id="2" name="Title 1">
             <a:extLst>
               <a:ext uri="{FF2B5EF4-FFF2-40B4-BE49-F238E27FC236}">
-                <a16:creationId xmlns:a16="http://schemas.microsoft.com/office/drawing/2014/main" id="{6874A3D6-B8B0-E040-95E6-27A19AD3DAB3}"/>
+                <a16:creationId xmlns:a16="http://schemas.microsoft.com/office/drawing/2014/main" id="{D1920EBB-52F2-EC4A-87F5-6C4496BA1709}"/>
               </a:ext>
             </a:extLst>
           </p:cNvPr>
@@ -5411,7 +5624,7 @@
           <a:p>
             <a:r>
               <a:rPr lang="en-US" dirty="0"/>
-              <a:t>Constants</a:t>
+              <a:t>Names</a:t>
             </a:r>
           </a:p>
         </p:txBody>
@@ -5421,7 +5634,7 @@
           <p:cNvPr id="3" name="Content Placeholder 2">
             <a:extLst>
               <a:ext uri="{FF2B5EF4-FFF2-40B4-BE49-F238E27FC236}">
-                <a16:creationId xmlns:a16="http://schemas.microsoft.com/office/drawing/2014/main" id="{F6E0649D-F95E-004E-9B2A-3A808146D3DE}"/>
+                <a16:creationId xmlns:a16="http://schemas.microsoft.com/office/drawing/2014/main" id="{BBAC0F39-E8FC-9D4C-AAC6-45BEFA5B059C}"/>
               </a:ext>
             </a:extLst>
           </p:cNvPr>
@@ -5437,7 +5650,15 @@
           <a:bodyPr/>
           <a:lstStyle/>
           <a:p>
-            <a:pPr algn="l"/>
+            <a:r>
+              <a:rPr lang="en-US" dirty="0">
+                <a:solidFill>
+                  <a:srgbClr val="404040"/>
+                </a:solidFill>
+                <a:latin typeface="Lato" panose="020F0502020204030203" pitchFamily="34" charset="0"/>
+              </a:rPr>
+              <a:t>In </a:t>
+            </a:r>
             <a:r>
               <a:rPr lang="en-US" b="0" i="0" dirty="0">
                 <a:solidFill>
@@ -5446,92 +5667,42 @@
                 <a:effectLst/>
                 <a:latin typeface="Lato" panose="020F0502020204030203" pitchFamily="34" charset="0"/>
               </a:rPr>
-              <a:t>Constants are available for all the primitive data types,</a:t>
-            </a:r>
-          </a:p>
-          <a:p>
-            <a:pPr lvl="1">
-              <a:buFont typeface="Arial" panose="020B0604020202020204" pitchFamily="34" charset="0"/>
-              <a:buChar char="•"/>
-            </a:pPr>
-            <a:r>
-              <a:rPr lang="en-US" b="0" i="0" dirty="0">
+              <a:t>Asteroid names are alpha-numeric symbols starting with an alpha character (as in most languages)</a:t>
+            </a:r>
+          </a:p>
+          <a:p>
+            <a:pPr lvl="1"/>
+            <a:r>
+              <a:rPr lang="en-US" dirty="0">
                 <a:solidFill>
                   <a:srgbClr val="404040"/>
                 </a:solidFill>
-                <a:effectLst/>
                 <a:latin typeface="Lato" panose="020F0502020204030203" pitchFamily="34" charset="0"/>
               </a:rPr>
-              <a:t>integer, e.g. 1024</a:t>
-            </a:r>
-          </a:p>
-          <a:p>
-            <a:pPr lvl="1">
-              <a:buFont typeface="Arial" panose="020B0604020202020204" pitchFamily="34" charset="0"/>
-              <a:buChar char="•"/>
-            </a:pPr>
-            <a:r>
-              <a:rPr lang="en-US" b="0" i="0" dirty="0">
-                <a:solidFill>
-                  <a:srgbClr val="404040"/>
-                </a:solidFill>
-                <a:effectLst/>
-                <a:latin typeface="Lato" panose="020F0502020204030203" pitchFamily="34" charset="0"/>
-              </a:rPr>
-              <a:t>real, e.g. 1.75</a:t>
-            </a:r>
-          </a:p>
-          <a:p>
-            <a:pPr lvl="1">
-              <a:buFont typeface="Arial" panose="020B0604020202020204" pitchFamily="34" charset="0"/>
-              <a:buChar char="•"/>
-            </a:pPr>
-            <a:r>
-              <a:rPr lang="en-US" b="0" i="0" dirty="0">
-                <a:solidFill>
-                  <a:srgbClr val="404040"/>
-                </a:solidFill>
-                <a:effectLst/>
-                <a:latin typeface="Lato" panose="020F0502020204030203" pitchFamily="34" charset="0"/>
-              </a:rPr>
-              <a:t>string, e.g. "Hello, World!"</a:t>
-            </a:r>
-          </a:p>
-          <a:p>
-            <a:pPr lvl="1">
-              <a:buFont typeface="Arial" panose="020B0604020202020204" pitchFamily="34" charset="0"/>
-              <a:buChar char="•"/>
-            </a:pPr>
-            <a:r>
-              <a:rPr lang="en-US" b="0" i="0" dirty="0" err="1">
-                <a:solidFill>
-                  <a:srgbClr val="404040"/>
-                </a:solidFill>
-                <a:effectLst/>
-                <a:latin typeface="Lato" panose="020F0502020204030203" pitchFamily="34" charset="0"/>
-              </a:rPr>
-              <a:t>boolean</a:t>
-            </a:r>
-            <a:r>
-              <a:rPr lang="en-US" b="0" i="0" dirty="0">
-                <a:solidFill>
-                  <a:srgbClr val="404040"/>
-                </a:solidFill>
-                <a:effectLst/>
-                <a:latin typeface="Lato" panose="020F0502020204030203" pitchFamily="34" charset="0"/>
-              </a:rPr>
-              <a:t>, e.g. true</a:t>
-            </a:r>
-          </a:p>
-          <a:p>
+              <a:t>x1</a:t>
+            </a:r>
+          </a:p>
+          <a:p>
+            <a:pPr lvl="1"/>
+            <a:r>
+              <a:rPr lang="en-US" dirty="0" err="1"/>
+              <a:t>my_function</a:t>
+            </a:r>
             <a:endParaRPr lang="en-US" dirty="0"/>
+          </a:p>
+          <a:p>
+            <a:pPr lvl="1"/>
+            <a:r>
+              <a:rPr lang="en-US" dirty="0"/>
+              <a:t>pi</a:t>
+            </a:r>
           </a:p>
         </p:txBody>
       </p:sp>
     </p:spTree>
     <p:extLst>
       <p:ext uri="{BB962C8B-B14F-4D97-AF65-F5344CB8AC3E}">
-        <p14:creationId xmlns:p14="http://schemas.microsoft.com/office/powerpoint/2010/main" val="2388684061"/>
+        <p14:creationId xmlns:p14="http://schemas.microsoft.com/office/powerpoint/2010/main" val="1390827254"/>
       </p:ext>
     </p:extLst>
   </p:cSld>
@@ -5563,6 +5734,211 @@
           <p:cNvPr id="2" name="Title 1">
             <a:extLst>
               <a:ext uri="{FF2B5EF4-FFF2-40B4-BE49-F238E27FC236}">
+                <a16:creationId xmlns:a16="http://schemas.microsoft.com/office/drawing/2014/main" id="{6874A3D6-B8B0-E040-95E6-27A19AD3DAB3}"/>
+              </a:ext>
+            </a:extLst>
+          </p:cNvPr>
+          <p:cNvSpPr>
+            <a:spLocks noGrp="1"/>
+          </p:cNvSpPr>
+          <p:nvPr>
+            <p:ph type="title"/>
+          </p:nvPr>
+        </p:nvSpPr>
+        <p:spPr/>
+        <p:txBody>
+          <a:bodyPr/>
+          <a:lstStyle/>
+          <a:p>
+            <a:r>
+              <a:rPr lang="en-US" dirty="0"/>
+              <a:t>Primitive Types &amp; Constants</a:t>
+            </a:r>
+          </a:p>
+        </p:txBody>
+      </p:sp>
+      <p:sp>
+        <p:nvSpPr>
+          <p:cNvPr id="3" name="Content Placeholder 2">
+            <a:extLst>
+              <a:ext uri="{FF2B5EF4-FFF2-40B4-BE49-F238E27FC236}">
+                <a16:creationId xmlns:a16="http://schemas.microsoft.com/office/drawing/2014/main" id="{F6E0649D-F95E-004E-9B2A-3A808146D3DE}"/>
+              </a:ext>
+            </a:extLst>
+          </p:cNvPr>
+          <p:cNvSpPr>
+            <a:spLocks noGrp="1"/>
+          </p:cNvSpPr>
+          <p:nvPr>
+            <p:ph idx="1"/>
+          </p:nvPr>
+        </p:nvSpPr>
+        <p:spPr/>
+        <p:txBody>
+          <a:bodyPr/>
+          <a:lstStyle/>
+          <a:p>
+            <a:pPr algn="l"/>
+            <a:r>
+              <a:rPr lang="en-US" b="0" i="0" dirty="0">
+                <a:solidFill>
+                  <a:srgbClr val="404040"/>
+                </a:solidFill>
+                <a:effectLst/>
+                <a:latin typeface="Lato" panose="020F0502020204030203" pitchFamily="34" charset="0"/>
+              </a:rPr>
+              <a:t>Constants are available for all the primitive data types,</a:t>
+            </a:r>
+          </a:p>
+          <a:p>
+            <a:pPr lvl="1">
+              <a:buFont typeface="Arial" panose="020B0604020202020204" pitchFamily="34" charset="0"/>
+              <a:buChar char="•"/>
+            </a:pPr>
+            <a:r>
+              <a:rPr lang="en-US" b="0" i="0" dirty="0">
+                <a:solidFill>
+                  <a:srgbClr val="404040"/>
+                </a:solidFill>
+                <a:effectLst/>
+                <a:latin typeface="Lato" panose="020F0502020204030203" pitchFamily="34" charset="0"/>
+              </a:rPr>
+              <a:t>integer, e.g. 1024</a:t>
+            </a:r>
+          </a:p>
+          <a:p>
+            <a:pPr lvl="1">
+              <a:buFont typeface="Arial" panose="020B0604020202020204" pitchFamily="34" charset="0"/>
+              <a:buChar char="•"/>
+            </a:pPr>
+            <a:r>
+              <a:rPr lang="en-US" b="0" i="0" dirty="0">
+                <a:solidFill>
+                  <a:srgbClr val="404040"/>
+                </a:solidFill>
+                <a:effectLst/>
+                <a:latin typeface="Lato" panose="020F0502020204030203" pitchFamily="34" charset="0"/>
+              </a:rPr>
+              <a:t>real, e.g. 1.75</a:t>
+            </a:r>
+          </a:p>
+          <a:p>
+            <a:pPr lvl="1">
+              <a:buFont typeface="Arial" panose="020B0604020202020204" pitchFamily="34" charset="0"/>
+              <a:buChar char="•"/>
+            </a:pPr>
+            <a:r>
+              <a:rPr lang="en-US" b="0" i="0" dirty="0">
+                <a:solidFill>
+                  <a:srgbClr val="404040"/>
+                </a:solidFill>
+                <a:effectLst/>
+                <a:latin typeface="Lato" panose="020F0502020204030203" pitchFamily="34" charset="0"/>
+              </a:rPr>
+              <a:t>string, e.g. "Hello, World!"</a:t>
+            </a:r>
+          </a:p>
+          <a:p>
+            <a:pPr lvl="1">
+              <a:buFont typeface="Arial" panose="020B0604020202020204" pitchFamily="34" charset="0"/>
+              <a:buChar char="•"/>
+            </a:pPr>
+            <a:r>
+              <a:rPr lang="en-US" b="0" i="0" dirty="0" err="1">
+                <a:solidFill>
+                  <a:srgbClr val="404040"/>
+                </a:solidFill>
+                <a:effectLst/>
+                <a:latin typeface="Lato" panose="020F0502020204030203" pitchFamily="34" charset="0"/>
+              </a:rPr>
+              <a:t>boolean</a:t>
+            </a:r>
+            <a:r>
+              <a:rPr lang="en-US" b="0" i="0" dirty="0">
+                <a:solidFill>
+                  <a:srgbClr val="404040"/>
+                </a:solidFill>
+                <a:effectLst/>
+                <a:latin typeface="Lato" panose="020F0502020204030203" pitchFamily="34" charset="0"/>
+              </a:rPr>
+              <a:t>, e.g. true</a:t>
+            </a:r>
+          </a:p>
+          <a:p>
+            <a:endParaRPr lang="en-US" dirty="0"/>
+          </a:p>
+        </p:txBody>
+      </p:sp>
+    </p:spTree>
+    <p:extLst>
+      <p:ext uri="{BB962C8B-B14F-4D97-AF65-F5344CB8AC3E}">
+        <p14:creationId xmlns:p14="http://schemas.microsoft.com/office/powerpoint/2010/main" val="2388684061"/>
+      </p:ext>
+    </p:extLst>
+  </p:cSld>
+  <p:clrMapOvr>
+    <a:masterClrMapping/>
+  </p:clrMapOvr>
+</p:sld>
+</file>
+
+<file path=ppt/slides/slide5.xml><?xml version="1.0" encoding="utf-8"?>
+<p:sld xmlns:a="http://schemas.openxmlformats.org/drawingml/2006/main" xmlns:r="http://schemas.openxmlformats.org/officeDocument/2006/relationships" xmlns:p="http://schemas.openxmlformats.org/presentationml/2006/main">
+  <p:cSld>
+    <p:spTree>
+      <p:nvGrpSpPr>
+        <p:cNvPr id="1" name=""/>
+        <p:cNvGrpSpPr/>
+        <p:nvPr/>
+      </p:nvGrpSpPr>
+      <p:grpSpPr>
+        <a:xfrm>
+          <a:off x="0" y="0"/>
+          <a:ext cx="0" cy="0"/>
+          <a:chOff x="0" y="0"/>
+          <a:chExt cx="0" cy="0"/>
+        </a:xfrm>
+      </p:grpSpPr>
+      <p:pic>
+        <p:nvPicPr>
+          <p:cNvPr id="8" name="Picture 7">
+            <a:extLst>
+              <a:ext uri="{FF2B5EF4-FFF2-40B4-BE49-F238E27FC236}">
+                <a16:creationId xmlns:a16="http://schemas.microsoft.com/office/drawing/2014/main" id="{AFADC288-DC38-0942-AEDA-171C93638204}"/>
+              </a:ext>
+            </a:extLst>
+          </p:cNvPr>
+          <p:cNvPicPr>
+            <a:picLocks noChangeAspect="1"/>
+          </p:cNvPicPr>
+          <p:nvPr/>
+        </p:nvPicPr>
+        <p:blipFill>
+          <a:blip r:embed="rId2"/>
+          <a:stretch>
+            <a:fillRect/>
+          </a:stretch>
+        </p:blipFill>
+        <p:spPr>
+          <a:xfrm>
+            <a:off x="2286000" y="4800600"/>
+            <a:ext cx="4535483" cy="425780"/>
+          </a:xfrm>
+          <a:prstGeom prst="rect">
+            <a:avLst/>
+          </a:prstGeom>
+          <a:ln>
+            <a:solidFill>
+              <a:schemeClr val="tx2"/>
+            </a:solidFill>
+          </a:ln>
+        </p:spPr>
+      </p:pic>
+      <p:sp>
+        <p:nvSpPr>
+          <p:cNvPr id="2" name="Title 1">
+            <a:extLst>
+              <a:ext uri="{FF2B5EF4-FFF2-40B4-BE49-F238E27FC236}">
                 <a16:creationId xmlns:a16="http://schemas.microsoft.com/office/drawing/2014/main" id="{5E40FDD9-90F2-E145-8B2E-B0625FF4EA67}"/>
               </a:ext>
             </a:extLst>
@@ -5581,7 +5957,7 @@
           <a:p>
             <a:r>
               <a:rPr lang="en-US" dirty="0"/>
-              <a:t>Primitive Data Types</a:t>
+              <a:t>Type Hierarchies</a:t>
             </a:r>
           </a:p>
         </p:txBody>
@@ -5659,51 +6035,6 @@
               <a:t>Type hierarchies facilitate automatic type promotion, e.g.</a:t>
             </a:r>
             <a:endParaRPr lang="en-US" dirty="0"/>
-          </a:p>
-        </p:txBody>
-      </p:sp>
-      <p:sp>
-        <p:nvSpPr>
-          <p:cNvPr id="4" name="TextBox 3">
-            <a:extLst>
-              <a:ext uri="{FF2B5EF4-FFF2-40B4-BE49-F238E27FC236}">
-                <a16:creationId xmlns:a16="http://schemas.microsoft.com/office/drawing/2014/main" id="{46EB778D-F204-E743-9EAB-1E455BA4C3DE}"/>
-              </a:ext>
-            </a:extLst>
-          </p:cNvPr>
-          <p:cNvSpPr txBox="1"/>
-          <p:nvPr/>
-        </p:nvSpPr>
-        <p:spPr>
-          <a:xfrm>
-            <a:off x="1828800" y="4800600"/>
-            <a:ext cx="4801314" cy="400110"/>
-          </a:xfrm>
-          <a:prstGeom prst="rect">
-            <a:avLst/>
-          </a:prstGeom>
-          <a:noFill/>
-          <a:ln>
-            <a:solidFill>
-              <a:schemeClr val="tx2"/>
-            </a:solidFill>
-          </a:ln>
-        </p:spPr>
-        <p:txBody>
-          <a:bodyPr wrap="none" rtlCol="0">
-            <a:spAutoFit/>
-          </a:bodyPr>
-          <a:lstStyle/>
-          <a:p>
-            <a:r>
-              <a:rPr lang="en-US" dirty="0">
-                <a:solidFill>
-                  <a:schemeClr val="tx2"/>
-                </a:solidFill>
-                <a:latin typeface="Courier" pitchFamily="2" charset="0"/>
-              </a:rPr>
-              <a:t>let x:%string = "value: " + 1.</a:t>
-            </a:r>
           </a:p>
         </p:txBody>
       </p:sp>
@@ -5790,195 +6121,12 @@
           </a:p>
         </p:txBody>
       </p:sp>
-    </p:spTree>
-    <p:extLst>
-      <p:ext uri="{BB962C8B-B14F-4D97-AF65-F5344CB8AC3E}">
-        <p14:creationId xmlns:p14="http://schemas.microsoft.com/office/powerpoint/2010/main" val="3926209266"/>
-      </p:ext>
-    </p:extLst>
-  </p:cSld>
-  <p:clrMapOvr>
-    <a:masterClrMapping/>
-  </p:clrMapOvr>
-</p:sld>
-</file>
-
-<file path=ppt/slides/slide5.xml><?xml version="1.0" encoding="utf-8"?>
-<p:sld xmlns:a="http://schemas.openxmlformats.org/drawingml/2006/main" xmlns:r="http://schemas.openxmlformats.org/officeDocument/2006/relationships" xmlns:p="http://schemas.openxmlformats.org/presentationml/2006/main">
-  <p:cSld>
-    <p:spTree>
-      <p:nvGrpSpPr>
-        <p:cNvPr id="1" name=""/>
-        <p:cNvGrpSpPr/>
-        <p:nvPr/>
-      </p:nvGrpSpPr>
-      <p:grpSpPr>
-        <a:xfrm>
-          <a:off x="0" y="0"/>
-          <a:ext cx="0" cy="0"/>
-          <a:chOff x="0" y="0"/>
-          <a:chExt cx="0" cy="0"/>
-        </a:xfrm>
-      </p:grpSpPr>
-      <p:sp>
-        <p:nvSpPr>
-          <p:cNvPr id="2" name="Title 1">
+      <p:sp>
+        <p:nvSpPr>
+          <p:cNvPr id="9" name="TextBox 8">
             <a:extLst>
               <a:ext uri="{FF2B5EF4-FFF2-40B4-BE49-F238E27FC236}">
-                <a16:creationId xmlns:a16="http://schemas.microsoft.com/office/drawing/2014/main" id="{D9040FE4-EAC0-4C44-998C-2594D0CA0BBF}"/>
-              </a:ext>
-            </a:extLst>
-          </p:cNvPr>
-          <p:cNvSpPr>
-            <a:spLocks noGrp="1"/>
-          </p:cNvSpPr>
-          <p:nvPr>
-            <p:ph type="title"/>
-          </p:nvPr>
-        </p:nvSpPr>
-        <p:spPr/>
-        <p:txBody>
-          <a:bodyPr/>
-          <a:lstStyle/>
-          <a:p>
-            <a:r>
-              <a:rPr lang="en-US" dirty="0"/>
-              <a:t>Structured Data Types</a:t>
-            </a:r>
-          </a:p>
-        </p:txBody>
-      </p:sp>
-      <p:sp>
-        <p:nvSpPr>
-          <p:cNvPr id="3" name="Content Placeholder 2">
-            <a:extLst>
-              <a:ext uri="{FF2B5EF4-FFF2-40B4-BE49-F238E27FC236}">
-                <a16:creationId xmlns:a16="http://schemas.microsoft.com/office/drawing/2014/main" id="{53A83787-8CBB-0F47-ACAC-B71FEB7F0309}"/>
-              </a:ext>
-            </a:extLst>
-          </p:cNvPr>
-          <p:cNvSpPr>
-            <a:spLocks noGrp="1"/>
-          </p:cNvSpPr>
-          <p:nvPr>
-            <p:ph idx="1"/>
-          </p:nvPr>
-        </p:nvSpPr>
-        <p:spPr>
-          <a:xfrm>
-            <a:off x="1524000" y="1904999"/>
-            <a:ext cx="7010400" cy="3913189"/>
-          </a:xfrm>
-        </p:spPr>
-        <p:txBody>
-          <a:bodyPr>
-            <a:normAutofit fontScale="85000" lnSpcReduction="20000"/>
-          </a:bodyPr>
-          <a:lstStyle/>
-          <a:p>
-            <a:pPr algn="l"/>
-            <a:r>
-              <a:rPr lang="en-US" b="0" i="0" dirty="0">
-                <a:solidFill>
-                  <a:srgbClr val="404040"/>
-                </a:solidFill>
-                <a:effectLst/>
-                <a:latin typeface="Lato" panose="020F0502020204030203" pitchFamily="34" charset="0"/>
-              </a:rPr>
-              <a:t>Asteroid also supports the built-in data types:</a:t>
-            </a:r>
-          </a:p>
-          <a:p>
-            <a:pPr lvl="1">
-              <a:buFont typeface="Arial" panose="020B0604020202020204" pitchFamily="34" charset="0"/>
-              <a:buChar char="•"/>
-            </a:pPr>
-            <a:r>
-              <a:rPr lang="en-US" b="0" i="0" dirty="0">
-                <a:solidFill>
-                  <a:srgbClr val="404040"/>
-                </a:solidFill>
-                <a:effectLst/>
-                <a:latin typeface="Lato" panose="020F0502020204030203" pitchFamily="34" charset="0"/>
-              </a:rPr>
-              <a:t>list</a:t>
-            </a:r>
-          </a:p>
-          <a:p>
-            <a:pPr lvl="1">
-              <a:buFont typeface="Arial" panose="020B0604020202020204" pitchFamily="34" charset="0"/>
-              <a:buChar char="•"/>
-            </a:pPr>
-            <a:r>
-              <a:rPr lang="en-US" b="0" i="0" dirty="0">
-                <a:solidFill>
-                  <a:srgbClr val="404040"/>
-                </a:solidFill>
-                <a:effectLst/>
-                <a:latin typeface="Lato" panose="020F0502020204030203" pitchFamily="34" charset="0"/>
-              </a:rPr>
-              <a:t>tuple</a:t>
-            </a:r>
-          </a:p>
-          <a:p>
-            <a:pPr algn="l"/>
-            <a:r>
-              <a:rPr lang="en-US" b="0" i="0" dirty="0">
-                <a:solidFill>
-                  <a:srgbClr val="404040"/>
-                </a:solidFill>
-                <a:effectLst/>
-                <a:latin typeface="Lato" panose="020F0502020204030203" pitchFamily="34" charset="0"/>
-              </a:rPr>
-              <a:t>These are structured data types in that they can contain entities that belong to other data types.</a:t>
-            </a:r>
-          </a:p>
-          <a:p>
-            <a:pPr algn="l"/>
-            <a:r>
-              <a:rPr lang="en-US" b="0" i="0" dirty="0">
-                <a:solidFill>
-                  <a:srgbClr val="404040"/>
-                </a:solidFill>
-                <a:effectLst/>
-                <a:latin typeface="Lato" panose="020F0502020204030203" pitchFamily="34" charset="0"/>
-              </a:rPr>
-              <a:t>Lists are mutable objects whereas tuples are immutable. </a:t>
-            </a:r>
-          </a:p>
-          <a:p>
-            <a:pPr algn="l"/>
-            <a:r>
-              <a:rPr lang="en-US" dirty="0">
-                <a:solidFill>
-                  <a:srgbClr val="404040"/>
-                </a:solidFill>
-                <a:latin typeface="Lato" panose="020F0502020204030203" pitchFamily="34" charset="0"/>
-              </a:rPr>
-              <a:t>Some examples,</a:t>
-            </a:r>
-            <a:endParaRPr lang="en-US" b="0" i="0" dirty="0">
-              <a:solidFill>
-                <a:srgbClr val="404040"/>
-              </a:solidFill>
-              <a:effectLst/>
-              <a:latin typeface="Lato" panose="020F0502020204030203" pitchFamily="34" charset="0"/>
-            </a:endParaRPr>
-          </a:p>
-          <a:p>
-            <a:pPr marL="0" indent="0">
-              <a:buNone/>
-            </a:pPr>
-            <a:endParaRPr lang="en-US" dirty="0"/>
-          </a:p>
-        </p:txBody>
-      </p:sp>
-      <p:sp>
-        <p:nvSpPr>
-          <p:cNvPr id="4" name="TextBox 3">
-            <a:extLst>
-              <a:ext uri="{FF2B5EF4-FFF2-40B4-BE49-F238E27FC236}">
-                <a16:creationId xmlns:a16="http://schemas.microsoft.com/office/drawing/2014/main" id="{E5D82400-52D8-B14A-9BBA-7EF3EB15ACA3}"/>
+                <a16:creationId xmlns:a16="http://schemas.microsoft.com/office/drawing/2014/main" id="{DD77E12E-6F76-3946-82E6-0577033C90EB}"/>
               </a:ext>
             </a:extLst>
           </p:cNvPr>
@@ -5987,18 +6135,13 @@
         </p:nvSpPr>
         <p:spPr>
           <a:xfrm>
-            <a:off x="1447800" y="5537537"/>
-            <a:ext cx="6647974" cy="1015663"/>
+            <a:off x="7243948" y="4876800"/>
+            <a:ext cx="1249060" cy="307777"/>
           </a:xfrm>
           <a:prstGeom prst="rect">
             <a:avLst/>
           </a:prstGeom>
           <a:noFill/>
-          <a:ln>
-            <a:solidFill>
-              <a:schemeClr val="tx1"/>
-            </a:solidFill>
-          </a:ln>
         </p:spPr>
         <p:txBody>
           <a:bodyPr wrap="none" rtlCol="0">
@@ -6007,73 +6150,8 @@
           <a:lstStyle/>
           <a:p>
             <a:r>
-              <a:rPr lang="en-US" dirty="0">
-                <a:latin typeface="Courier" pitchFamily="2" charset="0"/>
-              </a:rPr>
-              <a:t>let l = [1,2,3]. -- this is a list </a:t>
-            </a:r>
-          </a:p>
-          <a:p>
-            <a:r>
-              <a:rPr lang="en-US" dirty="0">
-                <a:latin typeface="Courier" pitchFamily="2" charset="0"/>
-              </a:rPr>
-              <a:t>let t = (1,2,3). -- this is a tuple</a:t>
-            </a:r>
-          </a:p>
-          <a:p>
-            <a:r>
-              <a:rPr lang="en-US" dirty="0">
-                <a:latin typeface="Courier" pitchFamily="2" charset="0"/>
-              </a:rPr>
-              <a:t>let </a:t>
-            </a:r>
-            <a:r>
-              <a:rPr lang="en-US" dirty="0" err="1">
-                <a:latin typeface="Courier" pitchFamily="2" charset="0"/>
-              </a:rPr>
-              <a:t>one_tuple</a:t>
-            </a:r>
-            <a:r>
-              <a:rPr lang="en-US" dirty="0">
-                <a:latin typeface="Courier" pitchFamily="2" charset="0"/>
-              </a:rPr>
-              <a:t> = (1,). -- this is a 1-tuple</a:t>
-            </a:r>
-          </a:p>
-        </p:txBody>
-      </p:sp>
-      <p:sp>
-        <p:nvSpPr>
-          <p:cNvPr id="6" name="TextBox 5">
-            <a:extLst>
-              <a:ext uri="{FF2B5EF4-FFF2-40B4-BE49-F238E27FC236}">
-                <a16:creationId xmlns:a16="http://schemas.microsoft.com/office/drawing/2014/main" id="{823B62C2-612B-5E42-8668-E7EB3A8D4A11}"/>
-              </a:ext>
-            </a:extLst>
-          </p:cNvPr>
-          <p:cNvSpPr txBox="1"/>
-          <p:nvPr/>
-        </p:nvSpPr>
-        <p:spPr>
-          <a:xfrm>
-            <a:off x="5791200" y="4936044"/>
-            <a:ext cx="1521570" cy="338554"/>
-          </a:xfrm>
-          <a:prstGeom prst="rect">
-            <a:avLst/>
-          </a:prstGeom>
-          <a:noFill/>
-        </p:spPr>
-        <p:txBody>
-          <a:bodyPr wrap="none" rtlCol="0">
-            <a:spAutoFit/>
-          </a:bodyPr>
-          <a:lstStyle/>
-          <a:p>
-            <a:r>
-              <a:rPr lang="en-US" sz="1600" dirty="0"/>
-              <a:t>Note: (1,) ≠ (1)</a:t>
+              <a:rPr lang="en-US" sz="1400" dirty="0"/>
+              <a:t>ln002/let2.ast</a:t>
             </a:r>
           </a:p>
         </p:txBody>
@@ -6081,7 +6159,7 @@
     </p:spTree>
     <p:extLst>
       <p:ext uri="{BB962C8B-B14F-4D97-AF65-F5344CB8AC3E}">
-        <p14:creationId xmlns:p14="http://schemas.microsoft.com/office/powerpoint/2010/main" val="1498690590"/>
+        <p14:creationId xmlns:p14="http://schemas.microsoft.com/office/powerpoint/2010/main" val="3926209266"/>
       </p:ext>
     </p:extLst>
   </p:cSld>
@@ -6113,7 +6191,7 @@
           <p:cNvPr id="2" name="Title 1">
             <a:extLst>
               <a:ext uri="{FF2B5EF4-FFF2-40B4-BE49-F238E27FC236}">
-                <a16:creationId xmlns:a16="http://schemas.microsoft.com/office/drawing/2014/main" id="{142E532A-CA9E-8941-9475-B0F6C36F2D75}"/>
+                <a16:creationId xmlns:a16="http://schemas.microsoft.com/office/drawing/2014/main" id="{D9040FE4-EAC0-4C44-998C-2594D0CA0BBF}"/>
               </a:ext>
             </a:extLst>
           </p:cNvPr>
@@ -6141,7 +6219,7 @@
           <p:cNvPr id="3" name="Content Placeholder 2">
             <a:extLst>
               <a:ext uri="{FF2B5EF4-FFF2-40B4-BE49-F238E27FC236}">
-                <a16:creationId xmlns:a16="http://schemas.microsoft.com/office/drawing/2014/main" id="{A0523228-5DED-D543-B5E6-03A3466D5C25}"/>
+                <a16:creationId xmlns:a16="http://schemas.microsoft.com/office/drawing/2014/main" id="{53A83787-8CBB-0F47-ACAC-B71FEB7F0309}"/>
               </a:ext>
             </a:extLst>
           </p:cNvPr>
@@ -6154,8 +6232,8 @@
         </p:nvSpPr>
         <p:spPr>
           <a:xfrm>
-            <a:off x="1524000" y="1905000"/>
-            <a:ext cx="7010400" cy="3235326"/>
+            <a:off x="1524000" y="1904999"/>
+            <a:ext cx="7010400" cy="3913189"/>
           </a:xfrm>
         </p:spPr>
         <p:txBody>
@@ -6173,7 +6251,7 @@
                 <a:effectLst/>
                 <a:latin typeface="Lato" panose="020F0502020204030203" pitchFamily="34" charset="0"/>
               </a:rPr>
-              <a:t>Lists and tuples themselves are also embedded in type hierarchies, although very simple ones:</a:t>
+              <a:t>Asteroid also supports the built-in data types:</a:t>
             </a:r>
           </a:p>
           <a:p>
@@ -6189,7 +6267,7 @@
                 <a:effectLst/>
                 <a:latin typeface="Lato" panose="020F0502020204030203" pitchFamily="34" charset="0"/>
               </a:rPr>
-              <a:t>list &lt; string</a:t>
+              <a:t>list</a:t>
             </a:r>
           </a:p>
           <a:p>
@@ -6205,7 +6283,7 @@
                 <a:effectLst/>
                 <a:latin typeface="Lato" panose="020F0502020204030203" pitchFamily="34" charset="0"/>
               </a:rPr>
-              <a:t>tuple &lt; string</a:t>
+              <a:t>tuple</a:t>
             </a:r>
           </a:p>
           <a:p>
@@ -6218,9 +6296,12 @@
                 <a:effectLst/>
                 <a:latin typeface="Lato" panose="020F0502020204030203" pitchFamily="34" charset="0"/>
               </a:rPr>
-              <a:t>That is, any list or tuple can be viewed as a string. This is very convenient for printing lists and tuples,</a:t>
-            </a:r>
-            <a:br>
+              <a:t>These are structured data types in that they can contain entities that belong to other data types.</a:t>
+            </a:r>
+          </a:p>
+          <a:p>
+            <a:pPr algn="l"/>
+            <a:r>
               <a:rPr lang="en-US" b="0" i="0" dirty="0">
                 <a:solidFill>
                   <a:srgbClr val="404040"/>
@@ -6228,7 +6309,20 @@
                 <a:effectLst/>
                 <a:latin typeface="Lato" panose="020F0502020204030203" pitchFamily="34" charset="0"/>
               </a:rPr>
-            </a:br>
+              <a:t>Lists are mutable objects whereas tuples are immutable. </a:t>
+            </a:r>
+          </a:p>
+          <a:p>
+            <a:pPr algn="l"/>
+            <a:r>
+              <a:rPr lang="en-US" dirty="0">
+                <a:solidFill>
+                  <a:srgbClr val="404040"/>
+                </a:solidFill>
+                <a:latin typeface="Lato" panose="020F0502020204030203" pitchFamily="34" charset="0"/>
+              </a:rPr>
+              <a:t>Some examples,</a:t>
+            </a:r>
             <a:endParaRPr lang="en-US" b="0" i="0" dirty="0">
               <a:solidFill>
                 <a:srgbClr val="404040"/>
@@ -6238,16 +6332,19 @@
             </a:endParaRPr>
           </a:p>
           <a:p>
+            <a:pPr marL="0" indent="0">
+              <a:buNone/>
+            </a:pPr>
             <a:endParaRPr lang="en-US" dirty="0"/>
           </a:p>
         </p:txBody>
       </p:sp>
       <p:sp>
         <p:nvSpPr>
-          <p:cNvPr id="4" name="TextBox 3">
+          <p:cNvPr id="6" name="TextBox 5">
             <a:extLst>
               <a:ext uri="{FF2B5EF4-FFF2-40B4-BE49-F238E27FC236}">
-                <a16:creationId xmlns:a16="http://schemas.microsoft.com/office/drawing/2014/main" id="{7387EC50-36A3-0B4D-B2BC-A2EAEEBDA90D}"/>
+                <a16:creationId xmlns:a16="http://schemas.microsoft.com/office/drawing/2014/main" id="{823B62C2-612B-5E42-8668-E7EB3A8D4A11}"/>
               </a:ext>
             </a:extLst>
           </p:cNvPr>
@@ -6256,19 +6353,84 @@
         </p:nvSpPr>
         <p:spPr>
           <a:xfrm>
-            <a:off x="1447800" y="4953000"/>
-            <a:ext cx="6955750" cy="707886"/>
+            <a:off x="6781800" y="5181600"/>
+            <a:ext cx="1521570" cy="338554"/>
           </a:xfrm>
           <a:prstGeom prst="rect">
             <a:avLst/>
           </a:prstGeom>
           <a:noFill/>
+        </p:spPr>
+        <p:txBody>
+          <a:bodyPr wrap="none" rtlCol="0">
+            <a:spAutoFit/>
+          </a:bodyPr>
+          <a:lstStyle/>
+          <a:p>
+            <a:r>
+              <a:rPr lang="en-US" sz="1600" dirty="0"/>
+              <a:t>Note: (1,) ≠ (1)</a:t>
+            </a:r>
+          </a:p>
+        </p:txBody>
+      </p:sp>
+      <p:pic>
+        <p:nvPicPr>
+          <p:cNvPr id="7" name="Picture 6">
+            <a:extLst>
+              <a:ext uri="{FF2B5EF4-FFF2-40B4-BE49-F238E27FC236}">
+                <a16:creationId xmlns:a16="http://schemas.microsoft.com/office/drawing/2014/main" id="{41569257-2A10-E44C-A4F8-7EC5D713E43F}"/>
+              </a:ext>
+            </a:extLst>
+          </p:cNvPr>
+          <p:cNvPicPr>
+            <a:picLocks noChangeAspect="1"/>
+          </p:cNvPicPr>
+          <p:nvPr/>
+        </p:nvPicPr>
+        <p:blipFill>
+          <a:blip r:embed="rId2"/>
+          <a:stretch>
+            <a:fillRect/>
+          </a:stretch>
+        </p:blipFill>
+        <p:spPr>
+          <a:xfrm>
+            <a:off x="2209800" y="5708983"/>
+            <a:ext cx="4191000" cy="762000"/>
+          </a:xfrm>
+          <a:prstGeom prst="rect">
+            <a:avLst/>
+          </a:prstGeom>
           <a:ln>
             <a:solidFill>
               <a:schemeClr val="tx1"/>
             </a:solidFill>
           </a:ln>
         </p:spPr>
+      </p:pic>
+      <p:sp>
+        <p:nvSpPr>
+          <p:cNvPr id="8" name="TextBox 7">
+            <a:extLst>
+              <a:ext uri="{FF2B5EF4-FFF2-40B4-BE49-F238E27FC236}">
+                <a16:creationId xmlns:a16="http://schemas.microsoft.com/office/drawing/2014/main" id="{F07E46FE-32B2-4741-945A-EEAD3FB075E2}"/>
+              </a:ext>
+            </a:extLst>
+          </p:cNvPr>
+          <p:cNvSpPr txBox="1"/>
+          <p:nvPr/>
+        </p:nvSpPr>
+        <p:spPr>
+          <a:xfrm>
+            <a:off x="6745184" y="5940623"/>
+            <a:ext cx="1249060" cy="307777"/>
+          </a:xfrm>
+          <a:prstGeom prst="rect">
+            <a:avLst/>
+          </a:prstGeom>
+          <a:noFill/>
+        </p:spPr>
         <p:txBody>
           <a:bodyPr wrap="none" rtlCol="0">
             <a:spAutoFit/>
@@ -6276,30 +6438,8 @@
           <a:lstStyle/>
           <a:p>
             <a:r>
-              <a:rPr lang="en-US" dirty="0">
-                <a:latin typeface="Courier" pitchFamily="2" charset="0"/>
-              </a:rPr>
-              <a:t>load system io. </a:t>
-            </a:r>
-          </a:p>
-          <a:p>
-            <a:r>
-              <a:rPr lang="en-US" dirty="0">
-                <a:latin typeface="Courier" pitchFamily="2" charset="0"/>
-              </a:rPr>
-              <a:t>io @</a:t>
-            </a:r>
-            <a:r>
-              <a:rPr lang="en-US" dirty="0" err="1">
-                <a:latin typeface="Courier" pitchFamily="2" charset="0"/>
-              </a:rPr>
-              <a:t>println</a:t>
-            </a:r>
-            <a:r>
-              <a:rPr lang="en-US" dirty="0">
-                <a:latin typeface="Courier" pitchFamily="2" charset="0"/>
-              </a:rPr>
-              <a:t> ("this is my list: " + [1,2,3]).</a:t>
+              <a:rPr lang="en-US" sz="1400" dirty="0"/>
+              <a:t>ln002/let1.ast</a:t>
             </a:r>
           </a:p>
         </p:txBody>
@@ -6307,7 +6447,7 @@
     </p:spTree>
     <p:extLst>
       <p:ext uri="{BB962C8B-B14F-4D97-AF65-F5344CB8AC3E}">
-        <p14:creationId xmlns:p14="http://schemas.microsoft.com/office/powerpoint/2010/main" val="1023982619"/>
+        <p14:creationId xmlns:p14="http://schemas.microsoft.com/office/powerpoint/2010/main" val="1498690590"/>
       </p:ext>
     </p:extLst>
   </p:cSld>
@@ -6339,6 +6479,232 @@
           <p:cNvPr id="2" name="Title 1">
             <a:extLst>
               <a:ext uri="{FF2B5EF4-FFF2-40B4-BE49-F238E27FC236}">
+                <a16:creationId xmlns:a16="http://schemas.microsoft.com/office/drawing/2014/main" id="{142E532A-CA9E-8941-9475-B0F6C36F2D75}"/>
+              </a:ext>
+            </a:extLst>
+          </p:cNvPr>
+          <p:cNvSpPr>
+            <a:spLocks noGrp="1"/>
+          </p:cNvSpPr>
+          <p:nvPr>
+            <p:ph type="title"/>
+          </p:nvPr>
+        </p:nvSpPr>
+        <p:spPr/>
+        <p:txBody>
+          <a:bodyPr/>
+          <a:lstStyle/>
+          <a:p>
+            <a:r>
+              <a:rPr lang="en-US" dirty="0"/>
+              <a:t>Structured Data Types</a:t>
+            </a:r>
+          </a:p>
+        </p:txBody>
+      </p:sp>
+      <p:sp>
+        <p:nvSpPr>
+          <p:cNvPr id="3" name="Content Placeholder 2">
+            <a:extLst>
+              <a:ext uri="{FF2B5EF4-FFF2-40B4-BE49-F238E27FC236}">
+                <a16:creationId xmlns:a16="http://schemas.microsoft.com/office/drawing/2014/main" id="{A0523228-5DED-D543-B5E6-03A3466D5C25}"/>
+              </a:ext>
+            </a:extLst>
+          </p:cNvPr>
+          <p:cNvSpPr>
+            <a:spLocks noGrp="1"/>
+          </p:cNvSpPr>
+          <p:nvPr>
+            <p:ph idx="1"/>
+          </p:nvPr>
+        </p:nvSpPr>
+        <p:spPr>
+          <a:xfrm>
+            <a:off x="1524000" y="1905000"/>
+            <a:ext cx="7010400" cy="3235326"/>
+          </a:xfrm>
+        </p:spPr>
+        <p:txBody>
+          <a:bodyPr>
+            <a:normAutofit fontScale="85000" lnSpcReduction="20000"/>
+          </a:bodyPr>
+          <a:lstStyle/>
+          <a:p>
+            <a:pPr algn="l"/>
+            <a:r>
+              <a:rPr lang="en-US" b="0" i="0" dirty="0">
+                <a:solidFill>
+                  <a:srgbClr val="404040"/>
+                </a:solidFill>
+                <a:effectLst/>
+                <a:latin typeface="Lato" panose="020F0502020204030203" pitchFamily="34" charset="0"/>
+              </a:rPr>
+              <a:t>Lists and tuples themselves are also embedded in type hierarchies, although very simple ones:</a:t>
+            </a:r>
+          </a:p>
+          <a:p>
+            <a:pPr lvl="1">
+              <a:buFont typeface="Arial" panose="020B0604020202020204" pitchFamily="34" charset="0"/>
+              <a:buChar char="•"/>
+            </a:pPr>
+            <a:r>
+              <a:rPr lang="en-US" b="0" i="0" dirty="0">
+                <a:solidFill>
+                  <a:srgbClr val="404040"/>
+                </a:solidFill>
+                <a:effectLst/>
+                <a:latin typeface="Lato" panose="020F0502020204030203" pitchFamily="34" charset="0"/>
+              </a:rPr>
+              <a:t>list &lt; string</a:t>
+            </a:r>
+          </a:p>
+          <a:p>
+            <a:pPr lvl="1">
+              <a:buFont typeface="Arial" panose="020B0604020202020204" pitchFamily="34" charset="0"/>
+              <a:buChar char="•"/>
+            </a:pPr>
+            <a:r>
+              <a:rPr lang="en-US" b="0" i="0" dirty="0">
+                <a:solidFill>
+                  <a:srgbClr val="404040"/>
+                </a:solidFill>
+                <a:effectLst/>
+                <a:latin typeface="Lato" panose="020F0502020204030203" pitchFamily="34" charset="0"/>
+              </a:rPr>
+              <a:t>tuple &lt; string</a:t>
+            </a:r>
+          </a:p>
+          <a:p>
+            <a:pPr algn="l"/>
+            <a:r>
+              <a:rPr lang="en-US" b="0" i="0" dirty="0">
+                <a:solidFill>
+                  <a:srgbClr val="404040"/>
+                </a:solidFill>
+                <a:effectLst/>
+                <a:latin typeface="Lato" panose="020F0502020204030203" pitchFamily="34" charset="0"/>
+              </a:rPr>
+              <a:t>That is, any list or tuple can be viewed as a string. This is very convenient for printing lists and tuples,</a:t>
+            </a:r>
+            <a:br>
+              <a:rPr lang="en-US" b="0" i="0" dirty="0">
+                <a:solidFill>
+                  <a:srgbClr val="404040"/>
+                </a:solidFill>
+                <a:effectLst/>
+                <a:latin typeface="Lato" panose="020F0502020204030203" pitchFamily="34" charset="0"/>
+              </a:rPr>
+            </a:br>
+            <a:endParaRPr lang="en-US" b="0" i="0" dirty="0">
+              <a:solidFill>
+                <a:srgbClr val="404040"/>
+              </a:solidFill>
+              <a:effectLst/>
+              <a:latin typeface="Lato" panose="020F0502020204030203" pitchFamily="34" charset="0"/>
+            </a:endParaRPr>
+          </a:p>
+          <a:p>
+            <a:endParaRPr lang="en-US" dirty="0"/>
+          </a:p>
+        </p:txBody>
+      </p:sp>
+      <p:sp>
+        <p:nvSpPr>
+          <p:cNvPr id="4" name="TextBox 3">
+            <a:extLst>
+              <a:ext uri="{FF2B5EF4-FFF2-40B4-BE49-F238E27FC236}">
+                <a16:creationId xmlns:a16="http://schemas.microsoft.com/office/drawing/2014/main" id="{7387EC50-36A3-0B4D-B2BC-A2EAEEBDA90D}"/>
+              </a:ext>
+            </a:extLst>
+          </p:cNvPr>
+          <p:cNvSpPr txBox="1"/>
+          <p:nvPr/>
+        </p:nvSpPr>
+        <p:spPr>
+          <a:xfrm>
+            <a:off x="1447800" y="4953000"/>
+            <a:ext cx="6955750" cy="707886"/>
+          </a:xfrm>
+          <a:prstGeom prst="rect">
+            <a:avLst/>
+          </a:prstGeom>
+          <a:noFill/>
+          <a:ln>
+            <a:solidFill>
+              <a:schemeClr val="tx1"/>
+            </a:solidFill>
+          </a:ln>
+        </p:spPr>
+        <p:txBody>
+          <a:bodyPr wrap="none" rtlCol="0">
+            <a:spAutoFit/>
+          </a:bodyPr>
+          <a:lstStyle/>
+          <a:p>
+            <a:r>
+              <a:rPr lang="en-US" dirty="0">
+                <a:latin typeface="Courier" pitchFamily="2" charset="0"/>
+              </a:rPr>
+              <a:t>load system io. </a:t>
+            </a:r>
+          </a:p>
+          <a:p>
+            <a:r>
+              <a:rPr lang="en-US" dirty="0">
+                <a:latin typeface="Courier" pitchFamily="2" charset="0"/>
+              </a:rPr>
+              <a:t>io @</a:t>
+            </a:r>
+            <a:r>
+              <a:rPr lang="en-US" dirty="0" err="1">
+                <a:latin typeface="Courier" pitchFamily="2" charset="0"/>
+              </a:rPr>
+              <a:t>println</a:t>
+            </a:r>
+            <a:r>
+              <a:rPr lang="en-US" dirty="0">
+                <a:latin typeface="Courier" pitchFamily="2" charset="0"/>
+              </a:rPr>
+              <a:t> ("this is my list: " + [1,2,3]).</a:t>
+            </a:r>
+          </a:p>
+        </p:txBody>
+      </p:sp>
+    </p:spTree>
+    <p:extLst>
+      <p:ext uri="{BB962C8B-B14F-4D97-AF65-F5344CB8AC3E}">
+        <p14:creationId xmlns:p14="http://schemas.microsoft.com/office/powerpoint/2010/main" val="1023982619"/>
+      </p:ext>
+    </p:extLst>
+  </p:cSld>
+  <p:clrMapOvr>
+    <a:masterClrMapping/>
+  </p:clrMapOvr>
+</p:sld>
+</file>
+
+<file path=ppt/slides/slide8.xml><?xml version="1.0" encoding="utf-8"?>
+<p:sld xmlns:a="http://schemas.openxmlformats.org/drawingml/2006/main" xmlns:r="http://schemas.openxmlformats.org/officeDocument/2006/relationships" xmlns:p="http://schemas.openxmlformats.org/presentationml/2006/main">
+  <p:cSld>
+    <p:spTree>
+      <p:nvGrpSpPr>
+        <p:cNvPr id="1" name=""/>
+        <p:cNvGrpSpPr/>
+        <p:nvPr/>
+      </p:nvGrpSpPr>
+      <p:grpSpPr>
+        <a:xfrm>
+          <a:off x="0" y="0"/>
+          <a:ext cx="0" cy="0"/>
+          <a:chOff x="0" y="0"/>
+          <a:chExt cx="0" cy="0"/>
+        </a:xfrm>
+      </p:grpSpPr>
+      <p:sp>
+        <p:nvSpPr>
+          <p:cNvPr id="2" name="Title 1">
+            <a:extLst>
+              <a:ext uri="{FF2B5EF4-FFF2-40B4-BE49-F238E27FC236}">
                 <a16:creationId xmlns:a16="http://schemas.microsoft.com/office/drawing/2014/main" id="{E12BCAB3-CB65-424E-B042-990175507A71}"/>
               </a:ext>
             </a:extLst>
@@ -6507,7 +6873,7 @@
 </p:sld>
 </file>
 
-<file path=ppt/slides/slide8.xml><?xml version="1.0" encoding="utf-8"?>
+<file path=ppt/slides/slide9.xml><?xml version="1.0" encoding="utf-8"?>
 <p:sld xmlns:a="http://schemas.openxmlformats.org/drawingml/2006/main" xmlns:r="http://schemas.openxmlformats.org/officeDocument/2006/relationships" xmlns:p="http://schemas.openxmlformats.org/presentationml/2006/main">
   <p:cSld>
     <p:spTree>

--- a/notes/csc493-ln002.pptx
+++ b/notes/csc493-ln002.pptx
@@ -5,39 +5,43 @@
     <p:sldMasterId id="2147483651" r:id="rId1"/>
   </p:sldMasterIdLst>
   <p:notesMasterIdLst>
-    <p:notesMasterId r:id="rId29"/>
+    <p:notesMasterId r:id="rId33"/>
   </p:notesMasterIdLst>
   <p:handoutMasterIdLst>
-    <p:handoutMasterId r:id="rId30"/>
+    <p:handoutMasterId r:id="rId34"/>
   </p:handoutMasterIdLst>
   <p:sldIdLst>
-    <p:sldId id="256" r:id="rId2"/>
-    <p:sldId id="264" r:id="rId3"/>
-    <p:sldId id="280" r:id="rId4"/>
-    <p:sldId id="281" r:id="rId5"/>
-    <p:sldId id="282" r:id="rId6"/>
-    <p:sldId id="283" r:id="rId7"/>
-    <p:sldId id="284" r:id="rId8"/>
-    <p:sldId id="286" r:id="rId9"/>
-    <p:sldId id="313" r:id="rId10"/>
-    <p:sldId id="265" r:id="rId11"/>
-    <p:sldId id="314" r:id="rId12"/>
-    <p:sldId id="266" r:id="rId13"/>
-    <p:sldId id="267" r:id="rId14"/>
-    <p:sldId id="273" r:id="rId15"/>
-    <p:sldId id="316" r:id="rId16"/>
-    <p:sldId id="315" r:id="rId17"/>
-    <p:sldId id="310" r:id="rId18"/>
-    <p:sldId id="317" r:id="rId19"/>
-    <p:sldId id="318" r:id="rId20"/>
-    <p:sldId id="319" r:id="rId21"/>
-    <p:sldId id="258" r:id="rId22"/>
-    <p:sldId id="259" r:id="rId23"/>
-    <p:sldId id="260" r:id="rId24"/>
-    <p:sldId id="261" r:id="rId25"/>
-    <p:sldId id="262" r:id="rId26"/>
-    <p:sldId id="263" r:id="rId27"/>
-    <p:sldId id="279" r:id="rId28"/>
+    <p:sldId id="264" r:id="rId2"/>
+    <p:sldId id="320" r:id="rId3"/>
+    <p:sldId id="321" r:id="rId4"/>
+    <p:sldId id="256" r:id="rId5"/>
+    <p:sldId id="322" r:id="rId6"/>
+    <p:sldId id="280" r:id="rId7"/>
+    <p:sldId id="281" r:id="rId8"/>
+    <p:sldId id="282" r:id="rId9"/>
+    <p:sldId id="283" r:id="rId10"/>
+    <p:sldId id="284" r:id="rId11"/>
+    <p:sldId id="286" r:id="rId12"/>
+    <p:sldId id="313" r:id="rId13"/>
+    <p:sldId id="265" r:id="rId14"/>
+    <p:sldId id="314" r:id="rId15"/>
+    <p:sldId id="266" r:id="rId16"/>
+    <p:sldId id="267" r:id="rId17"/>
+    <p:sldId id="273" r:id="rId18"/>
+    <p:sldId id="316" r:id="rId19"/>
+    <p:sldId id="315" r:id="rId20"/>
+    <p:sldId id="310" r:id="rId21"/>
+    <p:sldId id="317" r:id="rId22"/>
+    <p:sldId id="318" r:id="rId23"/>
+    <p:sldId id="319" r:id="rId24"/>
+    <p:sldId id="323" r:id="rId25"/>
+    <p:sldId id="258" r:id="rId26"/>
+    <p:sldId id="259" r:id="rId27"/>
+    <p:sldId id="260" r:id="rId28"/>
+    <p:sldId id="261" r:id="rId29"/>
+    <p:sldId id="262" r:id="rId30"/>
+    <p:sldId id="263" r:id="rId31"/>
+    <p:sldId id="279" r:id="rId32"/>
   </p:sldIdLst>
   <p:sldSz cx="9144000" cy="6858000" type="screen4x3"/>
   <p:notesSz cx="6856413" cy="9083675"/>
@@ -1388,7 +1392,7 @@
             <a:fld id="{1B18E30E-3941-B74D-A6C9-59C86E7B28B0}" type="slidenum">
               <a:rPr lang="en-US" altLang="en-US" sz="1200" smtClean="0"/>
               <a:pPr/>
-              <a:t>4</a:t>
+              <a:t>7</a:t>
             </a:fld>
             <a:endParaRPr lang="en-US" altLang="en-US" sz="1200"/>
           </a:p>
@@ -1640,7 +1644,7 @@
             <a:fld id="{D3E86174-79AE-364A-BF48-8E6A65834745}" type="slidenum">
               <a:rPr lang="en-US" altLang="en-US" sz="1200" smtClean="0"/>
               <a:pPr/>
-              <a:t>5</a:t>
+              <a:t>8</a:t>
             </a:fld>
             <a:endParaRPr lang="en-US" altLang="en-US" sz="1200"/>
           </a:p>
@@ -1892,7 +1896,7 @@
             <a:fld id="{F78C5CBD-210F-F84C-985A-58782DD102DB}" type="slidenum">
               <a:rPr lang="en-US" altLang="en-US" sz="1200" smtClean="0"/>
               <a:pPr/>
-              <a:t>6</a:t>
+              <a:t>9</a:t>
             </a:fld>
             <a:endParaRPr lang="en-US" altLang="en-US" sz="1200"/>
           </a:p>
@@ -2144,7 +2148,7 @@
             <a:fld id="{BE62A5BA-5B8D-2F44-8A97-B0AD5713D212}" type="slidenum">
               <a:rPr lang="en-US" altLang="en-US" sz="1200" smtClean="0"/>
               <a:pPr/>
-              <a:t>7</a:t>
+              <a:t>10</a:t>
             </a:fld>
             <a:endParaRPr lang="en-US" altLang="en-US" sz="1200"/>
           </a:p>
@@ -2396,7 +2400,7 @@
             <a:fld id="{3C7AB0D3-F603-684E-81A9-EDE75D2E9313}" type="slidenum">
               <a:rPr lang="en-US" altLang="en-US" sz="1200" smtClean="0"/>
               <a:pPr/>
-              <a:t>8</a:t>
+              <a:t>11</a:t>
             </a:fld>
             <a:endParaRPr lang="en-US" altLang="en-US" sz="1200"/>
           </a:p>
@@ -2648,7 +2652,7 @@
             <a:fld id="{3DCEFD03-F152-F84B-BB2C-18483B5A2D1C}" type="slidenum">
               <a:rPr lang="en-US" altLang="en-US" sz="1200" smtClean="0"/>
               <a:pPr/>
-              <a:t>10</a:t>
+              <a:t>13</a:t>
             </a:fld>
             <a:endParaRPr lang="en-US" altLang="en-US" sz="1200"/>
           </a:p>
@@ -2900,7 +2904,7 @@
             <a:fld id="{21206636-9B1E-CA44-8C2C-B51A20EB16F7}" type="slidenum">
               <a:rPr lang="en-US" altLang="en-US" sz="1200" smtClean="0"/>
               <a:pPr/>
-              <a:t>12</a:t>
+              <a:t>15</a:t>
             </a:fld>
             <a:endParaRPr lang="en-US" altLang="en-US" sz="1200"/>
           </a:p>
@@ -3152,7 +3156,7 @@
             <a:fld id="{DD10677C-C601-C24B-ADAC-178D2772BDEC}" type="slidenum">
               <a:rPr lang="en-US" altLang="en-US" sz="1200" smtClean="0"/>
               <a:pPr/>
-              <a:t>13</a:t>
+              <a:t>16</a:t>
             </a:fld>
             <a:endParaRPr lang="en-US" altLang="en-US" sz="1200"/>
           </a:p>
@@ -7202,73 +7206,18 @@
             <p:ph type="title"/>
           </p:nvPr>
         </p:nvSpPr>
-        <p:spPr>
-          <a:xfrm>
-            <a:off x="1524000" y="190500"/>
-            <a:ext cx="7010400" cy="1527175"/>
-          </a:xfrm>
-        </p:spPr>
+        <p:spPr/>
         <p:txBody>
-          <a:bodyPr wrap="square" anchor="ctr">
-            <a:normAutofit/>
-          </a:bodyPr>
+          <a:bodyPr/>
           <a:lstStyle/>
           <a:p>
             <a:r>
               <a:rPr lang="en-US" dirty="0"/>
-              <a:t>Imperative Programming in Asteroid – the Basics</a:t>
+              <a:t>Imperative Programming – Foundations</a:t>
             </a:r>
           </a:p>
         </p:txBody>
       </p:sp>
-      <p:pic>
-        <p:nvPicPr>
-          <p:cNvPr id="1026" name="Picture 2" descr="Imperative program - conceptual view">
-            <a:extLst>
-              <a:ext uri="{FF2B5EF4-FFF2-40B4-BE49-F238E27FC236}">
-                <a16:creationId xmlns:a16="http://schemas.microsoft.com/office/drawing/2014/main" id="{7D47FE58-2FC3-654E-A540-94CE8750B13D}"/>
-              </a:ext>
-            </a:extLst>
-          </p:cNvPr>
-          <p:cNvPicPr>
-            <a:picLocks noChangeAspect="1" noChangeArrowheads="1"/>
-          </p:cNvPicPr>
-          <p:nvPr/>
-        </p:nvPicPr>
-        <p:blipFill>
-          <a:blip r:embed="rId2">
-            <a:extLst>
-              <a:ext uri="{28A0092B-C50C-407E-A947-70E740481C1C}">
-                <a14:useLocalDpi xmlns:a14="http://schemas.microsoft.com/office/drawing/2010/main" val="0"/>
-              </a:ext>
-            </a:extLst>
-          </a:blip>
-          <a:stretch>
-            <a:fillRect/>
-          </a:stretch>
-        </p:blipFill>
-        <p:spPr bwMode="auto">
-          <a:xfrm>
-            <a:off x="304800" y="2362200"/>
-            <a:ext cx="4680002" cy="2971800"/>
-          </a:xfrm>
-          <a:prstGeom prst="rect">
-            <a:avLst/>
-          </a:prstGeom>
-          <a:solidFill>
-            <a:srgbClr val="FFFFFF"/>
-          </a:solidFill>
-          <a:extLst>
-            <a:ext uri="{909E8E84-426E-40DD-AFC4-6F175D3DCCD1}">
-              <a14:hiddenFill xmlns:a14="http://schemas.microsoft.com/office/drawing/2010/main">
-                <a:solidFill>
-                  <a:srgbClr val="FFFFFF"/>
-                </a:solidFill>
-              </a14:hiddenFill>
-            </a:ext>
-          </a:extLst>
-        </p:spPr>
-      </p:pic>
       <p:sp>
         <p:nvSpPr>
           <p:cNvPr id="5" name="Content Placeholder 4">
@@ -7282,81 +7231,3715 @@
             <a:spLocks noGrp="1"/>
           </p:cNvSpPr>
           <p:nvPr>
-            <p:ph sz="half" idx="2"/>
+            <p:ph idx="1"/>
           </p:nvPr>
         </p:nvSpPr>
-        <p:spPr>
-          <a:xfrm>
-            <a:off x="5105400" y="1905000"/>
-            <a:ext cx="3429000" cy="4114800"/>
-          </a:xfrm>
-        </p:spPr>
+        <p:spPr/>
         <p:txBody>
-          <a:bodyPr wrap="square" anchor="t">
-            <a:normAutofit/>
-          </a:bodyPr>
+          <a:bodyPr/>
           <a:lstStyle/>
           <a:p>
-            <a:pPr marL="0" indent="0">
-              <a:lnSpc>
-                <a:spcPct val="90000"/>
-              </a:lnSpc>
-              <a:buNone/>
-            </a:pPr>
-            <a:r>
-              <a:rPr lang="en-US" sz="1800" b="1" dirty="0"/>
-              <a:t>Imperative programming </a:t>
-            </a:r>
-            <a:r>
-              <a:rPr lang="en-US" sz="1800" dirty="0"/>
-              <a:t>– </a:t>
-            </a:r>
-          </a:p>
-          <a:p>
-            <a:pPr lvl="1">
-              <a:lnSpc>
-                <a:spcPct val="90000"/>
-              </a:lnSpc>
-            </a:pPr>
-            <a:r>
-              <a:rPr lang="en-US" sz="1800" dirty="0"/>
-              <a:t>Explicit statements that change the program state</a:t>
-            </a:r>
-          </a:p>
-          <a:p>
-            <a:pPr lvl="1">
-              <a:lnSpc>
-                <a:spcPct val="90000"/>
-              </a:lnSpc>
-            </a:pPr>
-            <a:r>
-              <a:rPr lang="en-US" sz="1800" dirty="0"/>
-              <a:t>The program state is defined by the values assigned to the variables in a program</a:t>
-            </a:r>
-          </a:p>
-          <a:p>
-            <a:pPr lvl="1">
-              <a:lnSpc>
-                <a:spcPct val="90000"/>
-              </a:lnSpc>
-            </a:pPr>
-            <a:r>
-              <a:rPr lang="en-US" sz="1800" dirty="0"/>
-              <a:t>The most common way to change the state in imperative programming is through an </a:t>
-            </a:r>
-            <a:r>
-              <a:rPr lang="en-US" sz="1800" b="1" dirty="0"/>
-              <a:t>explicit assignment of a new value to an existing variable </a:t>
+            <a:r>
+              <a:rPr lang="en-US" dirty="0"/>
+              <a:t>The origins of imperative programming</a:t>
+            </a:r>
+          </a:p>
+          <a:p>
+            <a:r>
+              <a:rPr lang="en-US" dirty="0"/>
+              <a:t>Types</a:t>
+            </a:r>
+          </a:p>
+        </p:txBody>
+      </p:sp>
+    </p:spTree>
+    <p:extLst>
+      <p:ext uri="{BB962C8B-B14F-4D97-AF65-F5344CB8AC3E}">
+        <p14:creationId xmlns:p14="http://schemas.microsoft.com/office/powerpoint/2010/main" val="3776678643"/>
+      </p:ext>
+    </p:extLst>
+  </p:cSld>
+  <p:clrMapOvr>
+    <a:masterClrMapping/>
+  </p:clrMapOvr>
+</p:sld>
+</file>
+
+<file path=ppt/slides/slide10.xml><?xml version="1.0" encoding="utf-8"?>
+<p:sld xmlns:a="http://schemas.openxmlformats.org/drawingml/2006/main" xmlns:r="http://schemas.openxmlformats.org/officeDocument/2006/relationships" xmlns:p="http://schemas.openxmlformats.org/presentationml/2006/main">
+  <p:cSld>
+    <p:spTree>
+      <p:nvGrpSpPr>
+        <p:cNvPr id="1" name=""/>
+        <p:cNvGrpSpPr/>
+        <p:nvPr/>
+      </p:nvGrpSpPr>
+      <p:grpSpPr>
+        <a:xfrm>
+          <a:off x="0" y="0"/>
+          <a:ext cx="0" cy="0"/>
+          <a:chOff x="0" y="0"/>
+          <a:chExt cx="0" cy="0"/>
+        </a:xfrm>
+      </p:grpSpPr>
+      <p:sp>
+        <p:nvSpPr>
+          <p:cNvPr id="21505" name="Rectangle 2">
+            <a:extLst>
+              <a:ext uri="{FF2B5EF4-FFF2-40B4-BE49-F238E27FC236}">
+                <a16:creationId xmlns:a16="http://schemas.microsoft.com/office/drawing/2014/main" id="{F0BB18CD-85ED-D941-A41D-12CB433F5E37}"/>
+              </a:ext>
+            </a:extLst>
+          </p:cNvPr>
+          <p:cNvSpPr>
+            <a:spLocks noGrp="1" noChangeArrowheads="1"/>
+          </p:cNvSpPr>
+          <p:nvPr>
+            <p:ph type="title"/>
+          </p:nvPr>
+        </p:nvSpPr>
+        <p:spPr/>
+        <p:txBody>
+          <a:bodyPr/>
+          <a:lstStyle/>
+          <a:p>
+            <a:pPr eaLnBrk="1" hangingPunct="1"/>
+            <a:r>
+              <a:rPr lang="en-US" altLang="en-US"/>
+              <a:t>Types</a:t>
             </a:r>
           </a:p>
         </p:txBody>
       </p:sp>
       <p:sp>
         <p:nvSpPr>
-          <p:cNvPr id="6" name="TextBox 5">
+          <p:cNvPr id="21506" name="Text Box 4">
             <a:extLst>
               <a:ext uri="{FF2B5EF4-FFF2-40B4-BE49-F238E27FC236}">
-                <a16:creationId xmlns:a16="http://schemas.microsoft.com/office/drawing/2014/main" id="{654DAD09-EA44-FB41-8D5E-2FBBF377EA27}"/>
+                <a16:creationId xmlns:a16="http://schemas.microsoft.com/office/drawing/2014/main" id="{F3B569AC-9B7E-014B-8F9C-B36BC30E100E}"/>
+              </a:ext>
+            </a:extLst>
+          </p:cNvPr>
+          <p:cNvSpPr txBox="1">
+            <a:spLocks noChangeArrowheads="1"/>
+          </p:cNvSpPr>
+          <p:nvPr/>
+        </p:nvSpPr>
+        <p:spPr bwMode="auto">
+          <a:xfrm>
+            <a:off x="746125" y="1584325"/>
+            <a:ext cx="3459163" cy="338138"/>
+          </a:xfrm>
+          <a:prstGeom prst="rect">
+            <a:avLst/>
+          </a:prstGeom>
+          <a:noFill/>
+          <a:ln>
+            <a:noFill/>
+          </a:ln>
+          <a:extLst>
+            <a:ext uri="{909E8E84-426E-40DD-AFC4-6F175D3DCCD1}">
+              <a14:hiddenFill xmlns:a14="http://schemas.microsoft.com/office/drawing/2010/main">
+                <a:solidFill>
+                  <a:srgbClr val="FFFFFF"/>
+                </a:solidFill>
+              </a14:hiddenFill>
+            </a:ext>
+            <a:ext uri="{91240B29-F687-4F45-9708-019B960494DF}">
+              <a14:hiddenLine xmlns:a14="http://schemas.microsoft.com/office/drawing/2010/main" w="9525">
+                <a:solidFill>
+                  <a:srgbClr val="000000"/>
+                </a:solidFill>
+                <a:miter lim="800000"/>
+                <a:headEnd/>
+                <a:tailEnd/>
+              </a14:hiddenLine>
+            </a:ext>
+          </a:extLst>
+        </p:spPr>
+        <p:txBody>
+          <a:bodyPr wrap="none">
+            <a:spAutoFit/>
+          </a:bodyPr>
+          <a:lstStyle>
+            <a:lvl1pPr>
+              <a:spcBef>
+                <a:spcPct val="20000"/>
+              </a:spcBef>
+              <a:buClr>
+                <a:schemeClr val="hlink"/>
+              </a:buClr>
+              <a:buSzPct val="80000"/>
+              <a:buFont typeface="Wingdings" pitchFamily="2" charset="2"/>
+              <a:buChar char="l"/>
+              <a:defRPr sz="3200">
+                <a:solidFill>
+                  <a:schemeClr val="tx1"/>
+                </a:solidFill>
+                <a:latin typeface="Arial" panose="020B0604020202020204" pitchFamily="34" charset="0"/>
+                <a:ea typeface="ＭＳ Ｐゴシック" panose="020B0600070205080204" pitchFamily="34" charset="-128"/>
+              </a:defRPr>
+            </a:lvl1pPr>
+            <a:lvl2pPr marL="742950" indent="-285750">
+              <a:spcBef>
+                <a:spcPct val="20000"/>
+              </a:spcBef>
+              <a:buClr>
+                <a:schemeClr val="accent1"/>
+              </a:buClr>
+              <a:buSzPct val="70000"/>
+              <a:buFont typeface="Wingdings" pitchFamily="2" charset="2"/>
+              <a:buChar char="l"/>
+              <a:defRPr sz="2800">
+                <a:solidFill>
+                  <a:schemeClr val="tx1"/>
+                </a:solidFill>
+                <a:latin typeface="Arial" panose="020B0604020202020204" pitchFamily="34" charset="0"/>
+                <a:ea typeface="ＭＳ Ｐゴシック" panose="020B0600070205080204" pitchFamily="34" charset="-128"/>
+              </a:defRPr>
+            </a:lvl2pPr>
+            <a:lvl3pPr marL="1143000" indent="-228600">
+              <a:spcBef>
+                <a:spcPct val="20000"/>
+              </a:spcBef>
+              <a:buClr>
+                <a:schemeClr val="bg2"/>
+              </a:buClr>
+              <a:buSzPct val="65000"/>
+              <a:buFont typeface="Wingdings" pitchFamily="2" charset="2"/>
+              <a:buChar char="l"/>
+              <a:defRPr sz="2400">
+                <a:solidFill>
+                  <a:schemeClr val="tx1"/>
+                </a:solidFill>
+                <a:latin typeface="Arial" panose="020B0604020202020204" pitchFamily="34" charset="0"/>
+                <a:ea typeface="ＭＳ Ｐゴシック" panose="020B0600070205080204" pitchFamily="34" charset="-128"/>
+              </a:defRPr>
+            </a:lvl3pPr>
+            <a:lvl4pPr marL="1600200" indent="-228600">
+              <a:spcBef>
+                <a:spcPct val="20000"/>
+              </a:spcBef>
+              <a:buClr>
+                <a:schemeClr val="hlink"/>
+              </a:buClr>
+              <a:buSzPct val="60000"/>
+              <a:buFont typeface="Wingdings" pitchFamily="2" charset="2"/>
+              <a:buChar char="l"/>
+              <a:defRPr sz="2000">
+                <a:solidFill>
+                  <a:schemeClr val="tx1"/>
+                </a:solidFill>
+                <a:latin typeface="Arial" panose="020B0604020202020204" pitchFamily="34" charset="0"/>
+                <a:ea typeface="ＭＳ Ｐゴシック" panose="020B0600070205080204" pitchFamily="34" charset="-128"/>
+              </a:defRPr>
+            </a:lvl4pPr>
+            <a:lvl5pPr marL="2057400" indent="-228600">
+              <a:spcBef>
+                <a:spcPct val="20000"/>
+              </a:spcBef>
+              <a:buClr>
+                <a:schemeClr val="bg2"/>
+              </a:buClr>
+              <a:buSzPct val="40000"/>
+              <a:buFont typeface="Wingdings" pitchFamily="2" charset="2"/>
+              <a:buChar char="l"/>
+              <a:defRPr sz="2000">
+                <a:solidFill>
+                  <a:schemeClr val="tx1"/>
+                </a:solidFill>
+                <a:latin typeface="Arial" panose="020B0604020202020204" pitchFamily="34" charset="0"/>
+                <a:ea typeface="ＭＳ Ｐゴシック" panose="020B0600070205080204" pitchFamily="34" charset="-128"/>
+              </a:defRPr>
+            </a:lvl5pPr>
+            <a:lvl6pPr marL="2514600" indent="-228600" eaLnBrk="0" fontAlgn="base" hangingPunct="0">
+              <a:spcBef>
+                <a:spcPct val="20000"/>
+              </a:spcBef>
+              <a:spcAft>
+                <a:spcPct val="0"/>
+              </a:spcAft>
+              <a:buClr>
+                <a:schemeClr val="bg2"/>
+              </a:buClr>
+              <a:buSzPct val="40000"/>
+              <a:buFont typeface="Wingdings" pitchFamily="2" charset="2"/>
+              <a:buChar char="l"/>
+              <a:defRPr sz="2000">
+                <a:solidFill>
+                  <a:schemeClr val="tx1"/>
+                </a:solidFill>
+                <a:latin typeface="Arial" panose="020B0604020202020204" pitchFamily="34" charset="0"/>
+                <a:ea typeface="ＭＳ Ｐゴシック" panose="020B0600070205080204" pitchFamily="34" charset="-128"/>
+              </a:defRPr>
+            </a:lvl6pPr>
+            <a:lvl7pPr marL="2971800" indent="-228600" eaLnBrk="0" fontAlgn="base" hangingPunct="0">
+              <a:spcBef>
+                <a:spcPct val="20000"/>
+              </a:spcBef>
+              <a:spcAft>
+                <a:spcPct val="0"/>
+              </a:spcAft>
+              <a:buClr>
+                <a:schemeClr val="bg2"/>
+              </a:buClr>
+              <a:buSzPct val="40000"/>
+              <a:buFont typeface="Wingdings" pitchFamily="2" charset="2"/>
+              <a:buChar char="l"/>
+              <a:defRPr sz="2000">
+                <a:solidFill>
+                  <a:schemeClr val="tx1"/>
+                </a:solidFill>
+                <a:latin typeface="Arial" panose="020B0604020202020204" pitchFamily="34" charset="0"/>
+                <a:ea typeface="ＭＳ Ｐゴシック" panose="020B0600070205080204" pitchFamily="34" charset="-128"/>
+              </a:defRPr>
+            </a:lvl7pPr>
+            <a:lvl8pPr marL="3429000" indent="-228600" eaLnBrk="0" fontAlgn="base" hangingPunct="0">
+              <a:spcBef>
+                <a:spcPct val="20000"/>
+              </a:spcBef>
+              <a:spcAft>
+                <a:spcPct val="0"/>
+              </a:spcAft>
+              <a:buClr>
+                <a:schemeClr val="bg2"/>
+              </a:buClr>
+              <a:buSzPct val="40000"/>
+              <a:buFont typeface="Wingdings" pitchFamily="2" charset="2"/>
+              <a:buChar char="l"/>
+              <a:defRPr sz="2000">
+                <a:solidFill>
+                  <a:schemeClr val="tx1"/>
+                </a:solidFill>
+                <a:latin typeface="Arial" panose="020B0604020202020204" pitchFamily="34" charset="0"/>
+                <a:ea typeface="ＭＳ Ｐゴシック" panose="020B0600070205080204" pitchFamily="34" charset="-128"/>
+              </a:defRPr>
+            </a:lvl8pPr>
+            <a:lvl9pPr marL="3886200" indent="-228600" eaLnBrk="0" fontAlgn="base" hangingPunct="0">
+              <a:spcBef>
+                <a:spcPct val="20000"/>
+              </a:spcBef>
+              <a:spcAft>
+                <a:spcPct val="0"/>
+              </a:spcAft>
+              <a:buClr>
+                <a:schemeClr val="bg2"/>
+              </a:buClr>
+              <a:buSzPct val="40000"/>
+              <a:buFont typeface="Wingdings" pitchFamily="2" charset="2"/>
+              <a:buChar char="l"/>
+              <a:defRPr sz="2000">
+                <a:solidFill>
+                  <a:schemeClr val="tx1"/>
+                </a:solidFill>
+                <a:latin typeface="Arial" panose="020B0604020202020204" pitchFamily="34" charset="0"/>
+                <a:ea typeface="ＭＳ Ｐゴシック" panose="020B0600070205080204" pitchFamily="34" charset="-128"/>
+              </a:defRPr>
+            </a:lvl9pPr>
+          </a:lstStyle>
+          <a:p>
+            <a:pPr>
+              <a:spcBef>
+                <a:spcPct val="0"/>
+              </a:spcBef>
+              <a:buClrTx/>
+              <a:buSzTx/>
+              <a:buFontTx/>
+              <a:buNone/>
+            </a:pPr>
+            <a:r>
+              <a:rPr lang="en-US" altLang="en-US" sz="1600" u="sng"/>
+              <a:t>Example</a:t>
+            </a:r>
+            <a:r>
+              <a:rPr lang="en-US" altLang="en-US" sz="1600"/>
+              <a:t>: Asteroid, constructed type</a:t>
+            </a:r>
+            <a:endParaRPr lang="en-US" altLang="en-US" sz="1600" u="sng"/>
+          </a:p>
+        </p:txBody>
+      </p:sp>
+      <p:sp>
+        <p:nvSpPr>
+          <p:cNvPr id="21507" name="AutoShape 6">
+            <a:extLst>
+              <a:ext uri="{FF2B5EF4-FFF2-40B4-BE49-F238E27FC236}">
+                <a16:creationId xmlns:a16="http://schemas.microsoft.com/office/drawing/2014/main" id="{E8682F57-5337-CD4A-9471-F26D44530D86}"/>
+              </a:ext>
+            </a:extLst>
+          </p:cNvPr>
+          <p:cNvSpPr>
+            <a:spLocks/>
+          </p:cNvSpPr>
+          <p:nvPr/>
+        </p:nvSpPr>
+        <p:spPr bwMode="auto">
+          <a:xfrm rot="5400000">
+            <a:off x="3621087" y="3087688"/>
+            <a:ext cx="288925" cy="2070100"/>
+          </a:xfrm>
+          <a:prstGeom prst="rightBrace">
+            <a:avLst>
+              <a:gd name="adj1" fmla="val 45842"/>
+              <a:gd name="adj2" fmla="val 50000"/>
+            </a:avLst>
+          </a:prstGeom>
+          <a:noFill/>
+          <a:ln w="9525">
+            <a:solidFill>
+              <a:schemeClr val="tx1"/>
+            </a:solidFill>
+            <a:round/>
+            <a:headEnd/>
+            <a:tailEnd/>
+          </a:ln>
+          <a:extLst>
+            <a:ext uri="{909E8E84-426E-40DD-AFC4-6F175D3DCCD1}">
+              <a14:hiddenFill xmlns:a14="http://schemas.microsoft.com/office/drawing/2010/main">
+                <a:solidFill>
+                  <a:srgbClr val="FFFFFF"/>
+                </a:solidFill>
+              </a14:hiddenFill>
+            </a:ext>
+          </a:extLst>
+        </p:spPr>
+        <p:txBody>
+          <a:bodyPr wrap="none" anchor="ctr"/>
+          <a:lstStyle>
+            <a:lvl1pPr>
+              <a:spcBef>
+                <a:spcPct val="20000"/>
+              </a:spcBef>
+              <a:buClr>
+                <a:schemeClr val="hlink"/>
+              </a:buClr>
+              <a:buSzPct val="80000"/>
+              <a:buFont typeface="Wingdings" pitchFamily="2" charset="2"/>
+              <a:buChar char="l"/>
+              <a:defRPr sz="3200">
+                <a:solidFill>
+                  <a:schemeClr val="tx1"/>
+                </a:solidFill>
+                <a:latin typeface="Arial" panose="020B0604020202020204" pitchFamily="34" charset="0"/>
+                <a:ea typeface="ＭＳ Ｐゴシック" panose="020B0600070205080204" pitchFamily="34" charset="-128"/>
+              </a:defRPr>
+            </a:lvl1pPr>
+            <a:lvl2pPr marL="742950" indent="-285750">
+              <a:spcBef>
+                <a:spcPct val="20000"/>
+              </a:spcBef>
+              <a:buClr>
+                <a:schemeClr val="accent1"/>
+              </a:buClr>
+              <a:buSzPct val="70000"/>
+              <a:buFont typeface="Wingdings" pitchFamily="2" charset="2"/>
+              <a:buChar char="l"/>
+              <a:defRPr sz="2800">
+                <a:solidFill>
+                  <a:schemeClr val="tx1"/>
+                </a:solidFill>
+                <a:latin typeface="Arial" panose="020B0604020202020204" pitchFamily="34" charset="0"/>
+                <a:ea typeface="ＭＳ Ｐゴシック" panose="020B0600070205080204" pitchFamily="34" charset="-128"/>
+              </a:defRPr>
+            </a:lvl2pPr>
+            <a:lvl3pPr marL="1143000" indent="-228600">
+              <a:spcBef>
+                <a:spcPct val="20000"/>
+              </a:spcBef>
+              <a:buClr>
+                <a:schemeClr val="bg2"/>
+              </a:buClr>
+              <a:buSzPct val="65000"/>
+              <a:buFont typeface="Wingdings" pitchFamily="2" charset="2"/>
+              <a:buChar char="l"/>
+              <a:defRPr sz="2400">
+                <a:solidFill>
+                  <a:schemeClr val="tx1"/>
+                </a:solidFill>
+                <a:latin typeface="Arial" panose="020B0604020202020204" pitchFamily="34" charset="0"/>
+                <a:ea typeface="ＭＳ Ｐゴシック" panose="020B0600070205080204" pitchFamily="34" charset="-128"/>
+              </a:defRPr>
+            </a:lvl3pPr>
+            <a:lvl4pPr marL="1600200" indent="-228600">
+              <a:spcBef>
+                <a:spcPct val="20000"/>
+              </a:spcBef>
+              <a:buClr>
+                <a:schemeClr val="hlink"/>
+              </a:buClr>
+              <a:buSzPct val="60000"/>
+              <a:buFont typeface="Wingdings" pitchFamily="2" charset="2"/>
+              <a:buChar char="l"/>
+              <a:defRPr sz="2000">
+                <a:solidFill>
+                  <a:schemeClr val="tx1"/>
+                </a:solidFill>
+                <a:latin typeface="Arial" panose="020B0604020202020204" pitchFamily="34" charset="0"/>
+                <a:ea typeface="ＭＳ Ｐゴシック" panose="020B0600070205080204" pitchFamily="34" charset="-128"/>
+              </a:defRPr>
+            </a:lvl4pPr>
+            <a:lvl5pPr marL="2057400" indent="-228600">
+              <a:spcBef>
+                <a:spcPct val="20000"/>
+              </a:spcBef>
+              <a:buClr>
+                <a:schemeClr val="bg2"/>
+              </a:buClr>
+              <a:buSzPct val="40000"/>
+              <a:buFont typeface="Wingdings" pitchFamily="2" charset="2"/>
+              <a:buChar char="l"/>
+              <a:defRPr sz="2000">
+                <a:solidFill>
+                  <a:schemeClr val="tx1"/>
+                </a:solidFill>
+                <a:latin typeface="Arial" panose="020B0604020202020204" pitchFamily="34" charset="0"/>
+                <a:ea typeface="ＭＳ Ｐゴシック" panose="020B0600070205080204" pitchFamily="34" charset="-128"/>
+              </a:defRPr>
+            </a:lvl5pPr>
+            <a:lvl6pPr marL="2514600" indent="-228600" eaLnBrk="0" fontAlgn="base" hangingPunct="0">
+              <a:spcBef>
+                <a:spcPct val="20000"/>
+              </a:spcBef>
+              <a:spcAft>
+                <a:spcPct val="0"/>
+              </a:spcAft>
+              <a:buClr>
+                <a:schemeClr val="bg2"/>
+              </a:buClr>
+              <a:buSzPct val="40000"/>
+              <a:buFont typeface="Wingdings" pitchFamily="2" charset="2"/>
+              <a:buChar char="l"/>
+              <a:defRPr sz="2000">
+                <a:solidFill>
+                  <a:schemeClr val="tx1"/>
+                </a:solidFill>
+                <a:latin typeface="Arial" panose="020B0604020202020204" pitchFamily="34" charset="0"/>
+                <a:ea typeface="ＭＳ Ｐゴシック" panose="020B0600070205080204" pitchFamily="34" charset="-128"/>
+              </a:defRPr>
+            </a:lvl6pPr>
+            <a:lvl7pPr marL="2971800" indent="-228600" eaLnBrk="0" fontAlgn="base" hangingPunct="0">
+              <a:spcBef>
+                <a:spcPct val="20000"/>
+              </a:spcBef>
+              <a:spcAft>
+                <a:spcPct val="0"/>
+              </a:spcAft>
+              <a:buClr>
+                <a:schemeClr val="bg2"/>
+              </a:buClr>
+              <a:buSzPct val="40000"/>
+              <a:buFont typeface="Wingdings" pitchFamily="2" charset="2"/>
+              <a:buChar char="l"/>
+              <a:defRPr sz="2000">
+                <a:solidFill>
+                  <a:schemeClr val="tx1"/>
+                </a:solidFill>
+                <a:latin typeface="Arial" panose="020B0604020202020204" pitchFamily="34" charset="0"/>
+                <a:ea typeface="ＭＳ Ｐゴシック" panose="020B0600070205080204" pitchFamily="34" charset="-128"/>
+              </a:defRPr>
+            </a:lvl7pPr>
+            <a:lvl8pPr marL="3429000" indent="-228600" eaLnBrk="0" fontAlgn="base" hangingPunct="0">
+              <a:spcBef>
+                <a:spcPct val="20000"/>
+              </a:spcBef>
+              <a:spcAft>
+                <a:spcPct val="0"/>
+              </a:spcAft>
+              <a:buClr>
+                <a:schemeClr val="bg2"/>
+              </a:buClr>
+              <a:buSzPct val="40000"/>
+              <a:buFont typeface="Wingdings" pitchFamily="2" charset="2"/>
+              <a:buChar char="l"/>
+              <a:defRPr sz="2000">
+                <a:solidFill>
+                  <a:schemeClr val="tx1"/>
+                </a:solidFill>
+                <a:latin typeface="Arial" panose="020B0604020202020204" pitchFamily="34" charset="0"/>
+                <a:ea typeface="ＭＳ Ｐゴシック" panose="020B0600070205080204" pitchFamily="34" charset="-128"/>
+              </a:defRPr>
+            </a:lvl8pPr>
+            <a:lvl9pPr marL="3886200" indent="-228600" eaLnBrk="0" fontAlgn="base" hangingPunct="0">
+              <a:spcBef>
+                <a:spcPct val="20000"/>
+              </a:spcBef>
+              <a:spcAft>
+                <a:spcPct val="0"/>
+              </a:spcAft>
+              <a:buClr>
+                <a:schemeClr val="bg2"/>
+              </a:buClr>
+              <a:buSzPct val="40000"/>
+              <a:buFont typeface="Wingdings" pitchFamily="2" charset="2"/>
+              <a:buChar char="l"/>
+              <a:defRPr sz="2000">
+                <a:solidFill>
+                  <a:schemeClr val="tx1"/>
+                </a:solidFill>
+                <a:latin typeface="Arial" panose="020B0604020202020204" pitchFamily="34" charset="0"/>
+                <a:ea typeface="ＭＳ Ｐゴシック" panose="020B0600070205080204" pitchFamily="34" charset="-128"/>
+              </a:defRPr>
+            </a:lvl9pPr>
+          </a:lstStyle>
+          <a:p>
+            <a:pPr>
+              <a:spcBef>
+                <a:spcPct val="0"/>
+              </a:spcBef>
+              <a:buClrTx/>
+              <a:buSzTx/>
+              <a:buFontTx/>
+              <a:buNone/>
+            </a:pPr>
+            <a:endParaRPr lang="en-US" altLang="en-US" sz="1600"/>
+          </a:p>
+        </p:txBody>
+      </p:sp>
+      <p:sp>
+        <p:nvSpPr>
+          <p:cNvPr id="21508" name="Text Box 7">
+            <a:extLst>
+              <a:ext uri="{FF2B5EF4-FFF2-40B4-BE49-F238E27FC236}">
+                <a16:creationId xmlns:a16="http://schemas.microsoft.com/office/drawing/2014/main" id="{EA23B4BF-3483-2446-88BF-4AC141BC7E31}"/>
+              </a:ext>
+            </a:extLst>
+          </p:cNvPr>
+          <p:cNvSpPr txBox="1">
+            <a:spLocks noChangeArrowheads="1"/>
+          </p:cNvSpPr>
+          <p:nvPr/>
+        </p:nvSpPr>
+        <p:spPr bwMode="auto">
+          <a:xfrm>
+            <a:off x="3165475" y="4276725"/>
+            <a:ext cx="3529013" cy="523875"/>
+          </a:xfrm>
+          <a:prstGeom prst="rect">
+            <a:avLst/>
+          </a:prstGeom>
+          <a:noFill/>
+          <a:ln>
+            <a:noFill/>
+          </a:ln>
+          <a:extLst>
+            <a:ext uri="{909E8E84-426E-40DD-AFC4-6F175D3DCCD1}">
+              <a14:hiddenFill xmlns:a14="http://schemas.microsoft.com/office/drawing/2010/main">
+                <a:solidFill>
+                  <a:srgbClr val="FFFFFF"/>
+                </a:solidFill>
+              </a14:hiddenFill>
+            </a:ext>
+            <a:ext uri="{91240B29-F687-4F45-9708-019B960494DF}">
+              <a14:hiddenLine xmlns:a14="http://schemas.microsoft.com/office/drawing/2010/main" w="9525">
+                <a:solidFill>
+                  <a:srgbClr val="000000"/>
+                </a:solidFill>
+                <a:miter lim="800000"/>
+                <a:headEnd/>
+                <a:tailEnd/>
+              </a14:hiddenLine>
+            </a:ext>
+          </a:extLst>
+        </p:spPr>
+        <p:txBody>
+          <a:bodyPr>
+            <a:spAutoFit/>
+          </a:bodyPr>
+          <a:lstStyle>
+            <a:lvl1pPr>
+              <a:spcBef>
+                <a:spcPct val="20000"/>
+              </a:spcBef>
+              <a:buClr>
+                <a:schemeClr val="hlink"/>
+              </a:buClr>
+              <a:buSzPct val="80000"/>
+              <a:buFont typeface="Wingdings" pitchFamily="2" charset="2"/>
+              <a:buChar char="l"/>
+              <a:defRPr sz="3200">
+                <a:solidFill>
+                  <a:schemeClr val="tx1"/>
+                </a:solidFill>
+                <a:latin typeface="Arial" panose="020B0604020202020204" pitchFamily="34" charset="0"/>
+                <a:ea typeface="ＭＳ Ｐゴシック" panose="020B0600070205080204" pitchFamily="34" charset="-128"/>
+              </a:defRPr>
+            </a:lvl1pPr>
+            <a:lvl2pPr marL="742950" indent="-285750">
+              <a:spcBef>
+                <a:spcPct val="20000"/>
+              </a:spcBef>
+              <a:buClr>
+                <a:schemeClr val="accent1"/>
+              </a:buClr>
+              <a:buSzPct val="70000"/>
+              <a:buFont typeface="Wingdings" pitchFamily="2" charset="2"/>
+              <a:buChar char="l"/>
+              <a:defRPr sz="2800">
+                <a:solidFill>
+                  <a:schemeClr val="tx1"/>
+                </a:solidFill>
+                <a:latin typeface="Arial" panose="020B0604020202020204" pitchFamily="34" charset="0"/>
+                <a:ea typeface="ＭＳ Ｐゴシック" panose="020B0600070205080204" pitchFamily="34" charset="-128"/>
+              </a:defRPr>
+            </a:lvl2pPr>
+            <a:lvl3pPr marL="1143000" indent="-228600">
+              <a:spcBef>
+                <a:spcPct val="20000"/>
+              </a:spcBef>
+              <a:buClr>
+                <a:schemeClr val="bg2"/>
+              </a:buClr>
+              <a:buSzPct val="65000"/>
+              <a:buFont typeface="Wingdings" pitchFamily="2" charset="2"/>
+              <a:buChar char="l"/>
+              <a:defRPr sz="2400">
+                <a:solidFill>
+                  <a:schemeClr val="tx1"/>
+                </a:solidFill>
+                <a:latin typeface="Arial" panose="020B0604020202020204" pitchFamily="34" charset="0"/>
+                <a:ea typeface="ＭＳ Ｐゴシック" panose="020B0600070205080204" pitchFamily="34" charset="-128"/>
+              </a:defRPr>
+            </a:lvl3pPr>
+            <a:lvl4pPr marL="1600200" indent="-228600">
+              <a:spcBef>
+                <a:spcPct val="20000"/>
+              </a:spcBef>
+              <a:buClr>
+                <a:schemeClr val="hlink"/>
+              </a:buClr>
+              <a:buSzPct val="60000"/>
+              <a:buFont typeface="Wingdings" pitchFamily="2" charset="2"/>
+              <a:buChar char="l"/>
+              <a:defRPr sz="2000">
+                <a:solidFill>
+                  <a:schemeClr val="tx1"/>
+                </a:solidFill>
+                <a:latin typeface="Arial" panose="020B0604020202020204" pitchFamily="34" charset="0"/>
+                <a:ea typeface="ＭＳ Ｐゴシック" panose="020B0600070205080204" pitchFamily="34" charset="-128"/>
+              </a:defRPr>
+            </a:lvl4pPr>
+            <a:lvl5pPr marL="2057400" indent="-228600">
+              <a:spcBef>
+                <a:spcPct val="20000"/>
+              </a:spcBef>
+              <a:buClr>
+                <a:schemeClr val="bg2"/>
+              </a:buClr>
+              <a:buSzPct val="40000"/>
+              <a:buFont typeface="Wingdings" pitchFamily="2" charset="2"/>
+              <a:buChar char="l"/>
+              <a:defRPr sz="2000">
+                <a:solidFill>
+                  <a:schemeClr val="tx1"/>
+                </a:solidFill>
+                <a:latin typeface="Arial" panose="020B0604020202020204" pitchFamily="34" charset="0"/>
+                <a:ea typeface="ＭＳ Ｐゴシック" panose="020B0600070205080204" pitchFamily="34" charset="-128"/>
+              </a:defRPr>
+            </a:lvl5pPr>
+            <a:lvl6pPr marL="2514600" indent="-228600" eaLnBrk="0" fontAlgn="base" hangingPunct="0">
+              <a:spcBef>
+                <a:spcPct val="20000"/>
+              </a:spcBef>
+              <a:spcAft>
+                <a:spcPct val="0"/>
+              </a:spcAft>
+              <a:buClr>
+                <a:schemeClr val="bg2"/>
+              </a:buClr>
+              <a:buSzPct val="40000"/>
+              <a:buFont typeface="Wingdings" pitchFamily="2" charset="2"/>
+              <a:buChar char="l"/>
+              <a:defRPr sz="2000">
+                <a:solidFill>
+                  <a:schemeClr val="tx1"/>
+                </a:solidFill>
+                <a:latin typeface="Arial" panose="020B0604020202020204" pitchFamily="34" charset="0"/>
+                <a:ea typeface="ＭＳ Ｐゴシック" panose="020B0600070205080204" pitchFamily="34" charset="-128"/>
+              </a:defRPr>
+            </a:lvl6pPr>
+            <a:lvl7pPr marL="2971800" indent="-228600" eaLnBrk="0" fontAlgn="base" hangingPunct="0">
+              <a:spcBef>
+                <a:spcPct val="20000"/>
+              </a:spcBef>
+              <a:spcAft>
+                <a:spcPct val="0"/>
+              </a:spcAft>
+              <a:buClr>
+                <a:schemeClr val="bg2"/>
+              </a:buClr>
+              <a:buSzPct val="40000"/>
+              <a:buFont typeface="Wingdings" pitchFamily="2" charset="2"/>
+              <a:buChar char="l"/>
+              <a:defRPr sz="2000">
+                <a:solidFill>
+                  <a:schemeClr val="tx1"/>
+                </a:solidFill>
+                <a:latin typeface="Arial" panose="020B0604020202020204" pitchFamily="34" charset="0"/>
+                <a:ea typeface="ＭＳ Ｐゴシック" panose="020B0600070205080204" pitchFamily="34" charset="-128"/>
+              </a:defRPr>
+            </a:lvl7pPr>
+            <a:lvl8pPr marL="3429000" indent="-228600" eaLnBrk="0" fontAlgn="base" hangingPunct="0">
+              <a:spcBef>
+                <a:spcPct val="20000"/>
+              </a:spcBef>
+              <a:spcAft>
+                <a:spcPct val="0"/>
+              </a:spcAft>
+              <a:buClr>
+                <a:schemeClr val="bg2"/>
+              </a:buClr>
+              <a:buSzPct val="40000"/>
+              <a:buFont typeface="Wingdings" pitchFamily="2" charset="2"/>
+              <a:buChar char="l"/>
+              <a:defRPr sz="2000">
+                <a:solidFill>
+                  <a:schemeClr val="tx1"/>
+                </a:solidFill>
+                <a:latin typeface="Arial" panose="020B0604020202020204" pitchFamily="34" charset="0"/>
+                <a:ea typeface="ＭＳ Ｐゴシック" panose="020B0600070205080204" pitchFamily="34" charset="-128"/>
+              </a:defRPr>
+            </a:lvl8pPr>
+            <a:lvl9pPr marL="3886200" indent="-228600" eaLnBrk="0" fontAlgn="base" hangingPunct="0">
+              <a:spcBef>
+                <a:spcPct val="20000"/>
+              </a:spcBef>
+              <a:spcAft>
+                <a:spcPct val="0"/>
+              </a:spcAft>
+              <a:buClr>
+                <a:schemeClr val="bg2"/>
+              </a:buClr>
+              <a:buSzPct val="40000"/>
+              <a:buFont typeface="Wingdings" pitchFamily="2" charset="2"/>
+              <a:buChar char="l"/>
+              <a:defRPr sz="2000">
+                <a:solidFill>
+                  <a:schemeClr val="tx1"/>
+                </a:solidFill>
+                <a:latin typeface="Arial" panose="020B0604020202020204" pitchFamily="34" charset="0"/>
+                <a:ea typeface="ＭＳ Ｐゴシック" panose="020B0600070205080204" pitchFamily="34" charset="-128"/>
+              </a:defRPr>
+            </a:lvl9pPr>
+          </a:lstStyle>
+          <a:p>
+            <a:pPr>
+              <a:spcBef>
+                <a:spcPct val="0"/>
+              </a:spcBef>
+              <a:buClrTx/>
+              <a:buSzTx/>
+              <a:buFontTx/>
+              <a:buNone/>
+            </a:pPr>
+            <a:r>
+              <a:rPr lang="en-US" altLang="en-US" sz="1400"/>
+              <a:t>an element of</a:t>
+            </a:r>
+          </a:p>
+          <a:p>
+            <a:pPr>
+              <a:spcBef>
+                <a:spcPct val="0"/>
+              </a:spcBef>
+              <a:buClrTx/>
+              <a:buSzTx/>
+              <a:buFontTx/>
+              <a:buNone/>
+            </a:pPr>
+            <a:r>
+              <a:rPr lang="en-US" altLang="en-US" sz="1400"/>
+              <a:t>type Rectangle.</a:t>
+            </a:r>
+          </a:p>
+        </p:txBody>
+      </p:sp>
+      <p:pic>
+        <p:nvPicPr>
+          <p:cNvPr id="21509" name="Picture 1">
+            <a:extLst>
+              <a:ext uri="{FF2B5EF4-FFF2-40B4-BE49-F238E27FC236}">
+                <a16:creationId xmlns:a16="http://schemas.microsoft.com/office/drawing/2014/main" id="{2896B447-B356-C24D-A8D9-3AFA0A622FB5}"/>
+              </a:ext>
+            </a:extLst>
+          </p:cNvPr>
+          <p:cNvPicPr>
+            <a:picLocks noChangeAspect="1"/>
+          </p:cNvPicPr>
+          <p:nvPr/>
+        </p:nvPicPr>
+        <p:blipFill>
+          <a:blip r:embed="rId3">
+            <a:extLst>
+              <a:ext uri="{28A0092B-C50C-407E-A947-70E740481C1C}">
+                <a14:useLocalDpi xmlns:a14="http://schemas.microsoft.com/office/drawing/2010/main" val="0"/>
+              </a:ext>
+            </a:extLst>
+          </a:blip>
+          <a:srcRect/>
+          <a:stretch>
+            <a:fillRect/>
+          </a:stretch>
+        </p:blipFill>
+        <p:spPr bwMode="auto">
+          <a:xfrm>
+            <a:off x="1114425" y="2206625"/>
+            <a:ext cx="4102100" cy="1549400"/>
+          </a:xfrm>
+          <a:prstGeom prst="rect">
+            <a:avLst/>
+          </a:prstGeom>
+          <a:noFill/>
+          <a:ln w="9525">
+            <a:solidFill>
+              <a:schemeClr val="tx1"/>
+            </a:solidFill>
+            <a:miter lim="800000"/>
+            <a:headEnd/>
+            <a:tailEnd/>
+          </a:ln>
+          <a:extLst>
+            <a:ext uri="{909E8E84-426E-40DD-AFC4-6F175D3DCCD1}">
+              <a14:hiddenFill xmlns:a14="http://schemas.microsoft.com/office/drawing/2010/main">
+                <a:solidFill>
+                  <a:srgbClr val="FFFFFF"/>
+                </a:solidFill>
+              </a14:hiddenFill>
+            </a:ext>
+          </a:extLst>
+        </p:spPr>
+      </p:pic>
+    </p:spTree>
+  </p:cSld>
+  <p:clrMapOvr>
+    <a:masterClrMapping/>
+  </p:clrMapOvr>
+</p:sld>
+</file>
+
+<file path=ppt/slides/slide11.xml><?xml version="1.0" encoding="utf-8"?>
+<p:sld xmlns:a="http://schemas.openxmlformats.org/drawingml/2006/main" xmlns:r="http://schemas.openxmlformats.org/officeDocument/2006/relationships" xmlns:p="http://schemas.openxmlformats.org/presentationml/2006/main">
+  <p:cSld>
+    <p:spTree>
+      <p:nvGrpSpPr>
+        <p:cNvPr id="1" name=""/>
+        <p:cNvGrpSpPr/>
+        <p:nvPr/>
+      </p:nvGrpSpPr>
+      <p:grpSpPr>
+        <a:xfrm>
+          <a:off x="0" y="0"/>
+          <a:ext cx="0" cy="0"/>
+          <a:chOff x="0" y="0"/>
+          <a:chExt cx="0" cy="0"/>
+        </a:xfrm>
+      </p:grpSpPr>
+      <p:sp>
+        <p:nvSpPr>
+          <p:cNvPr id="25601" name="Rectangle 2">
+            <a:extLst>
+              <a:ext uri="{FF2B5EF4-FFF2-40B4-BE49-F238E27FC236}">
+                <a16:creationId xmlns:a16="http://schemas.microsoft.com/office/drawing/2014/main" id="{94A88F50-987C-7845-B84C-972F824FDDEF}"/>
+              </a:ext>
+            </a:extLst>
+          </p:cNvPr>
+          <p:cNvSpPr>
+            <a:spLocks noGrp="1" noChangeArrowheads="1"/>
+          </p:cNvSpPr>
+          <p:nvPr>
+            <p:ph type="title"/>
+          </p:nvPr>
+        </p:nvSpPr>
+        <p:spPr/>
+        <p:txBody>
+          <a:bodyPr/>
+          <a:lstStyle/>
+          <a:p>
+            <a:pPr eaLnBrk="1" hangingPunct="1"/>
+            <a:r>
+              <a:rPr lang="en-US" altLang="en-US"/>
+              <a:t>Subtypes</a:t>
+            </a:r>
+          </a:p>
+        </p:txBody>
+      </p:sp>
+      <p:sp>
+        <p:nvSpPr>
+          <p:cNvPr id="25602" name="Text Box 4">
+            <a:extLst>
+              <a:ext uri="{FF2B5EF4-FFF2-40B4-BE49-F238E27FC236}">
+                <a16:creationId xmlns:a16="http://schemas.microsoft.com/office/drawing/2014/main" id="{F0F463EE-1276-204C-8CA8-079899135D1F}"/>
+              </a:ext>
+            </a:extLst>
+          </p:cNvPr>
+          <p:cNvSpPr txBox="1">
+            <a:spLocks noChangeArrowheads="1"/>
+          </p:cNvSpPr>
+          <p:nvPr/>
+        </p:nvSpPr>
+        <p:spPr bwMode="auto">
+          <a:xfrm>
+            <a:off x="822325" y="1584325"/>
+            <a:ext cx="4883150" cy="336550"/>
+          </a:xfrm>
+          <a:prstGeom prst="rect">
+            <a:avLst/>
+          </a:prstGeom>
+          <a:noFill/>
+          <a:ln>
+            <a:noFill/>
+          </a:ln>
+          <a:extLst>
+            <a:ext uri="{909E8E84-426E-40DD-AFC4-6F175D3DCCD1}">
+              <a14:hiddenFill xmlns:a14="http://schemas.microsoft.com/office/drawing/2010/main">
+                <a:solidFill>
+                  <a:srgbClr val="FFFFFF"/>
+                </a:solidFill>
+              </a14:hiddenFill>
+            </a:ext>
+            <a:ext uri="{91240B29-F687-4F45-9708-019B960494DF}">
+              <a14:hiddenLine xmlns:a14="http://schemas.microsoft.com/office/drawing/2010/main" w="9525">
+                <a:solidFill>
+                  <a:srgbClr val="000000"/>
+                </a:solidFill>
+                <a:miter lim="800000"/>
+                <a:headEnd/>
+                <a:tailEnd/>
+              </a14:hiddenLine>
+            </a:ext>
+          </a:extLst>
+        </p:spPr>
+        <p:txBody>
+          <a:bodyPr wrap="none">
+            <a:spAutoFit/>
+          </a:bodyPr>
+          <a:lstStyle>
+            <a:lvl1pPr>
+              <a:spcBef>
+                <a:spcPct val="20000"/>
+              </a:spcBef>
+              <a:buClr>
+                <a:schemeClr val="hlink"/>
+              </a:buClr>
+              <a:buSzPct val="80000"/>
+              <a:buFont typeface="Wingdings" pitchFamily="2" charset="2"/>
+              <a:buChar char="l"/>
+              <a:defRPr sz="3200">
+                <a:solidFill>
+                  <a:schemeClr val="tx1"/>
+                </a:solidFill>
+                <a:latin typeface="Arial" panose="020B0604020202020204" pitchFamily="34" charset="0"/>
+                <a:ea typeface="ＭＳ Ｐゴシック" panose="020B0600070205080204" pitchFamily="34" charset="-128"/>
+              </a:defRPr>
+            </a:lvl1pPr>
+            <a:lvl2pPr marL="742950" indent="-285750">
+              <a:spcBef>
+                <a:spcPct val="20000"/>
+              </a:spcBef>
+              <a:buClr>
+                <a:schemeClr val="accent1"/>
+              </a:buClr>
+              <a:buSzPct val="70000"/>
+              <a:buFont typeface="Wingdings" pitchFamily="2" charset="2"/>
+              <a:buChar char="l"/>
+              <a:defRPr sz="2800">
+                <a:solidFill>
+                  <a:schemeClr val="tx1"/>
+                </a:solidFill>
+                <a:latin typeface="Arial" panose="020B0604020202020204" pitchFamily="34" charset="0"/>
+                <a:ea typeface="ＭＳ Ｐゴシック" panose="020B0600070205080204" pitchFamily="34" charset="-128"/>
+              </a:defRPr>
+            </a:lvl2pPr>
+            <a:lvl3pPr marL="1143000" indent="-228600">
+              <a:spcBef>
+                <a:spcPct val="20000"/>
+              </a:spcBef>
+              <a:buClr>
+                <a:schemeClr val="bg2"/>
+              </a:buClr>
+              <a:buSzPct val="65000"/>
+              <a:buFont typeface="Wingdings" pitchFamily="2" charset="2"/>
+              <a:buChar char="l"/>
+              <a:defRPr sz="2400">
+                <a:solidFill>
+                  <a:schemeClr val="tx1"/>
+                </a:solidFill>
+                <a:latin typeface="Arial" panose="020B0604020202020204" pitchFamily="34" charset="0"/>
+                <a:ea typeface="ＭＳ Ｐゴシック" panose="020B0600070205080204" pitchFamily="34" charset="-128"/>
+              </a:defRPr>
+            </a:lvl3pPr>
+            <a:lvl4pPr marL="1600200" indent="-228600">
+              <a:spcBef>
+                <a:spcPct val="20000"/>
+              </a:spcBef>
+              <a:buClr>
+                <a:schemeClr val="hlink"/>
+              </a:buClr>
+              <a:buSzPct val="60000"/>
+              <a:buFont typeface="Wingdings" pitchFamily="2" charset="2"/>
+              <a:buChar char="l"/>
+              <a:defRPr sz="2000">
+                <a:solidFill>
+                  <a:schemeClr val="tx1"/>
+                </a:solidFill>
+                <a:latin typeface="Arial" panose="020B0604020202020204" pitchFamily="34" charset="0"/>
+                <a:ea typeface="ＭＳ Ｐゴシック" panose="020B0600070205080204" pitchFamily="34" charset="-128"/>
+              </a:defRPr>
+            </a:lvl4pPr>
+            <a:lvl5pPr marL="2057400" indent="-228600">
+              <a:spcBef>
+                <a:spcPct val="20000"/>
+              </a:spcBef>
+              <a:buClr>
+                <a:schemeClr val="bg2"/>
+              </a:buClr>
+              <a:buSzPct val="40000"/>
+              <a:buFont typeface="Wingdings" pitchFamily="2" charset="2"/>
+              <a:buChar char="l"/>
+              <a:defRPr sz="2000">
+                <a:solidFill>
+                  <a:schemeClr val="tx1"/>
+                </a:solidFill>
+                <a:latin typeface="Arial" panose="020B0604020202020204" pitchFamily="34" charset="0"/>
+                <a:ea typeface="ＭＳ Ｐゴシック" panose="020B0600070205080204" pitchFamily="34" charset="-128"/>
+              </a:defRPr>
+            </a:lvl5pPr>
+            <a:lvl6pPr marL="2514600" indent="-228600" eaLnBrk="0" fontAlgn="base" hangingPunct="0">
+              <a:spcBef>
+                <a:spcPct val="20000"/>
+              </a:spcBef>
+              <a:spcAft>
+                <a:spcPct val="0"/>
+              </a:spcAft>
+              <a:buClr>
+                <a:schemeClr val="bg2"/>
+              </a:buClr>
+              <a:buSzPct val="40000"/>
+              <a:buFont typeface="Wingdings" pitchFamily="2" charset="2"/>
+              <a:buChar char="l"/>
+              <a:defRPr sz="2000">
+                <a:solidFill>
+                  <a:schemeClr val="tx1"/>
+                </a:solidFill>
+                <a:latin typeface="Arial" panose="020B0604020202020204" pitchFamily="34" charset="0"/>
+                <a:ea typeface="ＭＳ Ｐゴシック" panose="020B0600070205080204" pitchFamily="34" charset="-128"/>
+              </a:defRPr>
+            </a:lvl6pPr>
+            <a:lvl7pPr marL="2971800" indent="-228600" eaLnBrk="0" fontAlgn="base" hangingPunct="0">
+              <a:spcBef>
+                <a:spcPct val="20000"/>
+              </a:spcBef>
+              <a:spcAft>
+                <a:spcPct val="0"/>
+              </a:spcAft>
+              <a:buClr>
+                <a:schemeClr val="bg2"/>
+              </a:buClr>
+              <a:buSzPct val="40000"/>
+              <a:buFont typeface="Wingdings" pitchFamily="2" charset="2"/>
+              <a:buChar char="l"/>
+              <a:defRPr sz="2000">
+                <a:solidFill>
+                  <a:schemeClr val="tx1"/>
+                </a:solidFill>
+                <a:latin typeface="Arial" panose="020B0604020202020204" pitchFamily="34" charset="0"/>
+                <a:ea typeface="ＭＳ Ｐゴシック" panose="020B0600070205080204" pitchFamily="34" charset="-128"/>
+              </a:defRPr>
+            </a:lvl7pPr>
+            <a:lvl8pPr marL="3429000" indent="-228600" eaLnBrk="0" fontAlgn="base" hangingPunct="0">
+              <a:spcBef>
+                <a:spcPct val="20000"/>
+              </a:spcBef>
+              <a:spcAft>
+                <a:spcPct val="0"/>
+              </a:spcAft>
+              <a:buClr>
+                <a:schemeClr val="bg2"/>
+              </a:buClr>
+              <a:buSzPct val="40000"/>
+              <a:buFont typeface="Wingdings" pitchFamily="2" charset="2"/>
+              <a:buChar char="l"/>
+              <a:defRPr sz="2000">
+                <a:solidFill>
+                  <a:schemeClr val="tx1"/>
+                </a:solidFill>
+                <a:latin typeface="Arial" panose="020B0604020202020204" pitchFamily="34" charset="0"/>
+                <a:ea typeface="ＭＳ Ｐゴシック" panose="020B0600070205080204" pitchFamily="34" charset="-128"/>
+              </a:defRPr>
+            </a:lvl8pPr>
+            <a:lvl9pPr marL="3886200" indent="-228600" eaLnBrk="0" fontAlgn="base" hangingPunct="0">
+              <a:spcBef>
+                <a:spcPct val="20000"/>
+              </a:spcBef>
+              <a:spcAft>
+                <a:spcPct val="0"/>
+              </a:spcAft>
+              <a:buClr>
+                <a:schemeClr val="bg2"/>
+              </a:buClr>
+              <a:buSzPct val="40000"/>
+              <a:buFont typeface="Wingdings" pitchFamily="2" charset="2"/>
+              <a:buChar char="l"/>
+              <a:defRPr sz="2000">
+                <a:solidFill>
+                  <a:schemeClr val="tx1"/>
+                </a:solidFill>
+                <a:latin typeface="Arial" panose="020B0604020202020204" pitchFamily="34" charset="0"/>
+                <a:ea typeface="ＭＳ Ｐゴシック" panose="020B0600070205080204" pitchFamily="34" charset="-128"/>
+              </a:defRPr>
+            </a:lvl9pPr>
+          </a:lstStyle>
+          <a:p>
+            <a:pPr>
+              <a:spcBef>
+                <a:spcPct val="0"/>
+              </a:spcBef>
+              <a:buClrTx/>
+              <a:buSzTx/>
+              <a:buFontTx/>
+              <a:buNone/>
+            </a:pPr>
+            <a:r>
+              <a:rPr lang="en-US" altLang="en-US" sz="1600" b="1"/>
+              <a:t>Def:</a:t>
+            </a:r>
+            <a:r>
+              <a:rPr lang="en-US" altLang="en-US" sz="1600"/>
+              <a:t> a </a:t>
+            </a:r>
+            <a:r>
+              <a:rPr lang="en-US" altLang="en-US" sz="1600" u="sng"/>
+              <a:t>subtype</a:t>
+            </a:r>
+            <a:r>
+              <a:rPr lang="en-US" altLang="en-US" sz="1600"/>
+              <a:t> is a </a:t>
+            </a:r>
+            <a:r>
+              <a:rPr lang="en-US" altLang="en-US" sz="1600" u="sng"/>
+              <a:t>subset</a:t>
+            </a:r>
+            <a:r>
+              <a:rPr lang="en-US" altLang="en-US" sz="1600"/>
+              <a:t> of the elements of a type.</a:t>
+            </a:r>
+            <a:endParaRPr lang="en-US" altLang="en-US" sz="1600" b="1"/>
+          </a:p>
+        </p:txBody>
+      </p:sp>
+      <p:sp>
+        <p:nvSpPr>
+          <p:cNvPr id="25603" name="Text Box 5">
+            <a:extLst>
+              <a:ext uri="{FF2B5EF4-FFF2-40B4-BE49-F238E27FC236}">
+                <a16:creationId xmlns:a16="http://schemas.microsoft.com/office/drawing/2014/main" id="{623155ED-34D9-BA49-BBE2-2E69AC8269D6}"/>
+              </a:ext>
+            </a:extLst>
+          </p:cNvPr>
+          <p:cNvSpPr txBox="1">
+            <a:spLocks noChangeArrowheads="1"/>
+          </p:cNvSpPr>
+          <p:nvPr/>
+        </p:nvSpPr>
+        <p:spPr bwMode="auto">
+          <a:xfrm flipH="1">
+            <a:off x="822325" y="2346325"/>
+            <a:ext cx="3529013" cy="830263"/>
+          </a:xfrm>
+          <a:prstGeom prst="rect">
+            <a:avLst/>
+          </a:prstGeom>
+          <a:noFill/>
+          <a:ln>
+            <a:noFill/>
+          </a:ln>
+          <a:extLst>
+            <a:ext uri="{909E8E84-426E-40DD-AFC4-6F175D3DCCD1}">
+              <a14:hiddenFill xmlns:a14="http://schemas.microsoft.com/office/drawing/2010/main">
+                <a:solidFill>
+                  <a:srgbClr val="FFFFFF"/>
+                </a:solidFill>
+              </a14:hiddenFill>
+            </a:ext>
+            <a:ext uri="{91240B29-F687-4F45-9708-019B960494DF}">
+              <a14:hiddenLine xmlns:a14="http://schemas.microsoft.com/office/drawing/2010/main" w="9525">
+                <a:solidFill>
+                  <a:srgbClr val="000000"/>
+                </a:solidFill>
+                <a:miter lim="800000"/>
+                <a:headEnd/>
+                <a:tailEnd/>
+              </a14:hiddenLine>
+            </a:ext>
+          </a:extLst>
+        </p:spPr>
+        <p:txBody>
+          <a:bodyPr wrap="none">
+            <a:spAutoFit/>
+          </a:bodyPr>
+          <a:lstStyle>
+            <a:lvl1pPr>
+              <a:spcBef>
+                <a:spcPct val="20000"/>
+              </a:spcBef>
+              <a:buClr>
+                <a:schemeClr val="hlink"/>
+              </a:buClr>
+              <a:buSzPct val="80000"/>
+              <a:buFont typeface="Wingdings" pitchFamily="2" charset="2"/>
+              <a:buChar char="l"/>
+              <a:defRPr sz="3200">
+                <a:solidFill>
+                  <a:schemeClr val="tx1"/>
+                </a:solidFill>
+                <a:latin typeface="Arial" panose="020B0604020202020204" pitchFamily="34" charset="0"/>
+                <a:ea typeface="ＭＳ Ｐゴシック" panose="020B0600070205080204" pitchFamily="34" charset="-128"/>
+              </a:defRPr>
+            </a:lvl1pPr>
+            <a:lvl2pPr marL="742950" indent="-285750">
+              <a:spcBef>
+                <a:spcPct val="20000"/>
+              </a:spcBef>
+              <a:buClr>
+                <a:schemeClr val="accent1"/>
+              </a:buClr>
+              <a:buSzPct val="70000"/>
+              <a:buFont typeface="Wingdings" pitchFamily="2" charset="2"/>
+              <a:buChar char="l"/>
+              <a:defRPr sz="2800">
+                <a:solidFill>
+                  <a:schemeClr val="tx1"/>
+                </a:solidFill>
+                <a:latin typeface="Arial" panose="020B0604020202020204" pitchFamily="34" charset="0"/>
+                <a:ea typeface="ＭＳ Ｐゴシック" panose="020B0600070205080204" pitchFamily="34" charset="-128"/>
+              </a:defRPr>
+            </a:lvl2pPr>
+            <a:lvl3pPr marL="1143000" indent="-228600">
+              <a:spcBef>
+                <a:spcPct val="20000"/>
+              </a:spcBef>
+              <a:buClr>
+                <a:schemeClr val="bg2"/>
+              </a:buClr>
+              <a:buSzPct val="65000"/>
+              <a:buFont typeface="Wingdings" pitchFamily="2" charset="2"/>
+              <a:buChar char="l"/>
+              <a:defRPr sz="2400">
+                <a:solidFill>
+                  <a:schemeClr val="tx1"/>
+                </a:solidFill>
+                <a:latin typeface="Arial" panose="020B0604020202020204" pitchFamily="34" charset="0"/>
+                <a:ea typeface="ＭＳ Ｐゴシック" panose="020B0600070205080204" pitchFamily="34" charset="-128"/>
+              </a:defRPr>
+            </a:lvl3pPr>
+            <a:lvl4pPr marL="1600200" indent="-228600">
+              <a:spcBef>
+                <a:spcPct val="20000"/>
+              </a:spcBef>
+              <a:buClr>
+                <a:schemeClr val="hlink"/>
+              </a:buClr>
+              <a:buSzPct val="60000"/>
+              <a:buFont typeface="Wingdings" pitchFamily="2" charset="2"/>
+              <a:buChar char="l"/>
+              <a:defRPr sz="2000">
+                <a:solidFill>
+                  <a:schemeClr val="tx1"/>
+                </a:solidFill>
+                <a:latin typeface="Arial" panose="020B0604020202020204" pitchFamily="34" charset="0"/>
+                <a:ea typeface="ＭＳ Ｐゴシック" panose="020B0600070205080204" pitchFamily="34" charset="-128"/>
+              </a:defRPr>
+            </a:lvl4pPr>
+            <a:lvl5pPr marL="2057400" indent="-228600">
+              <a:spcBef>
+                <a:spcPct val="20000"/>
+              </a:spcBef>
+              <a:buClr>
+                <a:schemeClr val="bg2"/>
+              </a:buClr>
+              <a:buSzPct val="40000"/>
+              <a:buFont typeface="Wingdings" pitchFamily="2" charset="2"/>
+              <a:buChar char="l"/>
+              <a:defRPr sz="2000">
+                <a:solidFill>
+                  <a:schemeClr val="tx1"/>
+                </a:solidFill>
+                <a:latin typeface="Arial" panose="020B0604020202020204" pitchFamily="34" charset="0"/>
+                <a:ea typeface="ＭＳ Ｐゴシック" panose="020B0600070205080204" pitchFamily="34" charset="-128"/>
+              </a:defRPr>
+            </a:lvl5pPr>
+            <a:lvl6pPr marL="2514600" indent="-228600" eaLnBrk="0" fontAlgn="base" hangingPunct="0">
+              <a:spcBef>
+                <a:spcPct val="20000"/>
+              </a:spcBef>
+              <a:spcAft>
+                <a:spcPct val="0"/>
+              </a:spcAft>
+              <a:buClr>
+                <a:schemeClr val="bg2"/>
+              </a:buClr>
+              <a:buSzPct val="40000"/>
+              <a:buFont typeface="Wingdings" pitchFamily="2" charset="2"/>
+              <a:buChar char="l"/>
+              <a:defRPr sz="2000">
+                <a:solidFill>
+                  <a:schemeClr val="tx1"/>
+                </a:solidFill>
+                <a:latin typeface="Arial" panose="020B0604020202020204" pitchFamily="34" charset="0"/>
+                <a:ea typeface="ＭＳ Ｐゴシック" panose="020B0600070205080204" pitchFamily="34" charset="-128"/>
+              </a:defRPr>
+            </a:lvl6pPr>
+            <a:lvl7pPr marL="2971800" indent="-228600" eaLnBrk="0" fontAlgn="base" hangingPunct="0">
+              <a:spcBef>
+                <a:spcPct val="20000"/>
+              </a:spcBef>
+              <a:spcAft>
+                <a:spcPct val="0"/>
+              </a:spcAft>
+              <a:buClr>
+                <a:schemeClr val="bg2"/>
+              </a:buClr>
+              <a:buSzPct val="40000"/>
+              <a:buFont typeface="Wingdings" pitchFamily="2" charset="2"/>
+              <a:buChar char="l"/>
+              <a:defRPr sz="2000">
+                <a:solidFill>
+                  <a:schemeClr val="tx1"/>
+                </a:solidFill>
+                <a:latin typeface="Arial" panose="020B0604020202020204" pitchFamily="34" charset="0"/>
+                <a:ea typeface="ＭＳ Ｐゴシック" panose="020B0600070205080204" pitchFamily="34" charset="-128"/>
+              </a:defRPr>
+            </a:lvl7pPr>
+            <a:lvl8pPr marL="3429000" indent="-228600" eaLnBrk="0" fontAlgn="base" hangingPunct="0">
+              <a:spcBef>
+                <a:spcPct val="20000"/>
+              </a:spcBef>
+              <a:spcAft>
+                <a:spcPct val="0"/>
+              </a:spcAft>
+              <a:buClr>
+                <a:schemeClr val="bg2"/>
+              </a:buClr>
+              <a:buSzPct val="40000"/>
+              <a:buFont typeface="Wingdings" pitchFamily="2" charset="2"/>
+              <a:buChar char="l"/>
+              <a:defRPr sz="2000">
+                <a:solidFill>
+                  <a:schemeClr val="tx1"/>
+                </a:solidFill>
+                <a:latin typeface="Arial" panose="020B0604020202020204" pitchFamily="34" charset="0"/>
+                <a:ea typeface="ＭＳ Ｐゴシック" panose="020B0600070205080204" pitchFamily="34" charset="-128"/>
+              </a:defRPr>
+            </a:lvl8pPr>
+            <a:lvl9pPr marL="3886200" indent="-228600" eaLnBrk="0" fontAlgn="base" hangingPunct="0">
+              <a:spcBef>
+                <a:spcPct val="20000"/>
+              </a:spcBef>
+              <a:spcAft>
+                <a:spcPct val="0"/>
+              </a:spcAft>
+              <a:buClr>
+                <a:schemeClr val="bg2"/>
+              </a:buClr>
+              <a:buSzPct val="40000"/>
+              <a:buFont typeface="Wingdings" pitchFamily="2" charset="2"/>
+              <a:buChar char="l"/>
+              <a:defRPr sz="2000">
+                <a:solidFill>
+                  <a:schemeClr val="tx1"/>
+                </a:solidFill>
+                <a:latin typeface="Arial" panose="020B0604020202020204" pitchFamily="34" charset="0"/>
+                <a:ea typeface="ＭＳ Ｐゴシック" panose="020B0600070205080204" pitchFamily="34" charset="-128"/>
+              </a:defRPr>
+            </a:lvl9pPr>
+          </a:lstStyle>
+          <a:p>
+            <a:pPr>
+              <a:spcBef>
+                <a:spcPct val="0"/>
+              </a:spcBef>
+              <a:buClrTx/>
+              <a:buSzTx/>
+              <a:buFontTx/>
+              <a:buNone/>
+            </a:pPr>
+            <a:r>
+              <a:rPr lang="en-US" altLang="en-US" sz="1600" u="sng"/>
+              <a:t>Example</a:t>
+            </a:r>
+            <a:r>
+              <a:rPr lang="en-US" altLang="en-US" sz="1600"/>
+              <a:t>: C</a:t>
+            </a:r>
+          </a:p>
+          <a:p>
+            <a:pPr>
+              <a:spcBef>
+                <a:spcPct val="0"/>
+              </a:spcBef>
+              <a:buClrTx/>
+              <a:buSzTx/>
+              <a:buFontTx/>
+              <a:buNone/>
+            </a:pPr>
+            <a:endParaRPr lang="en-US" altLang="en-US" sz="1600"/>
+          </a:p>
+          <a:p>
+            <a:pPr>
+              <a:spcBef>
+                <a:spcPct val="0"/>
+              </a:spcBef>
+              <a:buClrTx/>
+              <a:buSzTx/>
+              <a:buFontTx/>
+              <a:buNone/>
+            </a:pPr>
+            <a:r>
+              <a:rPr lang="en-US" altLang="en-US" sz="1600"/>
+              <a:t>Short is a subtype of int:    </a:t>
+            </a:r>
+            <a:r>
+              <a:rPr lang="en-US" altLang="en-US" sz="1600">
+                <a:solidFill>
+                  <a:srgbClr val="FF3300"/>
+                </a:solidFill>
+              </a:rPr>
+              <a:t>short &lt;</a:t>
+            </a:r>
+            <a:r>
+              <a:rPr lang="en-US" altLang="en-US" sz="1600">
+                <a:solidFill>
+                  <a:srgbClr val="FF3300"/>
+                </a:solidFill>
+                <a:sym typeface="Symbol" pitchFamily="2" charset="2"/>
+              </a:rPr>
+              <a:t> int</a:t>
+            </a:r>
+            <a:endParaRPr lang="en-US" altLang="en-US" sz="1600" u="sng">
+              <a:solidFill>
+                <a:srgbClr val="FF3300"/>
+              </a:solidFill>
+              <a:sym typeface="Symbol" pitchFamily="2" charset="2"/>
+            </a:endParaRPr>
+          </a:p>
+        </p:txBody>
+      </p:sp>
+      <p:sp>
+        <p:nvSpPr>
+          <p:cNvPr id="25604" name="Text Box 6">
+            <a:extLst>
+              <a:ext uri="{FF2B5EF4-FFF2-40B4-BE49-F238E27FC236}">
+                <a16:creationId xmlns:a16="http://schemas.microsoft.com/office/drawing/2014/main" id="{E8547562-06B2-F74D-BBDB-3D307F661F20}"/>
+              </a:ext>
+            </a:extLst>
+          </p:cNvPr>
+          <p:cNvSpPr txBox="1">
+            <a:spLocks noChangeArrowheads="1"/>
+          </p:cNvSpPr>
+          <p:nvPr/>
+        </p:nvSpPr>
+        <p:spPr bwMode="auto">
+          <a:xfrm>
+            <a:off x="822325" y="3336925"/>
+            <a:ext cx="6164263" cy="1314450"/>
+          </a:xfrm>
+          <a:prstGeom prst="rect">
+            <a:avLst/>
+          </a:prstGeom>
+          <a:noFill/>
+          <a:ln>
+            <a:noFill/>
+          </a:ln>
+          <a:extLst>
+            <a:ext uri="{909E8E84-426E-40DD-AFC4-6F175D3DCCD1}">
+              <a14:hiddenFill xmlns:a14="http://schemas.microsoft.com/office/drawing/2010/main">
+                <a:solidFill>
+                  <a:srgbClr val="FFFFFF"/>
+                </a:solidFill>
+              </a14:hiddenFill>
+            </a:ext>
+            <a:ext uri="{91240B29-F687-4F45-9708-019B960494DF}">
+              <a14:hiddenLine xmlns:a14="http://schemas.microsoft.com/office/drawing/2010/main" w="9525">
+                <a:solidFill>
+                  <a:srgbClr val="000000"/>
+                </a:solidFill>
+                <a:miter lim="800000"/>
+                <a:headEnd/>
+                <a:tailEnd/>
+              </a14:hiddenLine>
+            </a:ext>
+          </a:extLst>
+        </p:spPr>
+        <p:txBody>
+          <a:bodyPr wrap="none">
+            <a:spAutoFit/>
+          </a:bodyPr>
+          <a:lstStyle>
+            <a:lvl1pPr marL="342900" indent="-342900">
+              <a:defRPr sz="1600">
+                <a:solidFill>
+                  <a:schemeClr val="tx1"/>
+                </a:solidFill>
+                <a:latin typeface="Arial" panose="020B0604020202020204" pitchFamily="34" charset="0"/>
+                <a:ea typeface="ＭＳ Ｐゴシック" panose="020B0600070205080204" pitchFamily="34" charset="-128"/>
+              </a:defRPr>
+            </a:lvl1pPr>
+            <a:lvl2pPr marL="800100" indent="-342900">
+              <a:defRPr sz="1600">
+                <a:solidFill>
+                  <a:schemeClr val="tx1"/>
+                </a:solidFill>
+                <a:latin typeface="Arial" panose="020B0604020202020204" pitchFamily="34" charset="0"/>
+                <a:ea typeface="ＭＳ Ｐゴシック" panose="020B0600070205080204" pitchFamily="34" charset="-128"/>
+              </a:defRPr>
+            </a:lvl2pPr>
+            <a:lvl3pPr marL="1257300" indent="-342900">
+              <a:defRPr sz="1600">
+                <a:solidFill>
+                  <a:schemeClr val="tx1"/>
+                </a:solidFill>
+                <a:latin typeface="Arial" panose="020B0604020202020204" pitchFamily="34" charset="0"/>
+                <a:ea typeface="ＭＳ Ｐゴシック" panose="020B0600070205080204" pitchFamily="34" charset="-128"/>
+              </a:defRPr>
+            </a:lvl3pPr>
+            <a:lvl4pPr marL="1714500" indent="-342900">
+              <a:defRPr sz="1600">
+                <a:solidFill>
+                  <a:schemeClr val="tx1"/>
+                </a:solidFill>
+                <a:latin typeface="Arial" panose="020B0604020202020204" pitchFamily="34" charset="0"/>
+                <a:ea typeface="ＭＳ Ｐゴシック" panose="020B0600070205080204" pitchFamily="34" charset="-128"/>
+              </a:defRPr>
+            </a:lvl4pPr>
+            <a:lvl5pPr marL="2171700" indent="-342900">
+              <a:defRPr sz="1600">
+                <a:solidFill>
+                  <a:schemeClr val="tx1"/>
+                </a:solidFill>
+                <a:latin typeface="Arial" panose="020B0604020202020204" pitchFamily="34" charset="0"/>
+                <a:ea typeface="ＭＳ Ｐゴシック" panose="020B0600070205080204" pitchFamily="34" charset="-128"/>
+              </a:defRPr>
+            </a:lvl5pPr>
+            <a:lvl6pPr marL="2628900" indent="-342900" eaLnBrk="0" fontAlgn="base" hangingPunct="0">
+              <a:spcBef>
+                <a:spcPct val="0"/>
+              </a:spcBef>
+              <a:spcAft>
+                <a:spcPct val="0"/>
+              </a:spcAft>
+              <a:defRPr sz="1600">
+                <a:solidFill>
+                  <a:schemeClr val="tx1"/>
+                </a:solidFill>
+                <a:latin typeface="Arial" panose="020B0604020202020204" pitchFamily="34" charset="0"/>
+                <a:ea typeface="ＭＳ Ｐゴシック" panose="020B0600070205080204" pitchFamily="34" charset="-128"/>
+              </a:defRPr>
+            </a:lvl6pPr>
+            <a:lvl7pPr marL="3086100" indent="-342900" eaLnBrk="0" fontAlgn="base" hangingPunct="0">
+              <a:spcBef>
+                <a:spcPct val="0"/>
+              </a:spcBef>
+              <a:spcAft>
+                <a:spcPct val="0"/>
+              </a:spcAft>
+              <a:defRPr sz="1600">
+                <a:solidFill>
+                  <a:schemeClr val="tx1"/>
+                </a:solidFill>
+                <a:latin typeface="Arial" panose="020B0604020202020204" pitchFamily="34" charset="0"/>
+                <a:ea typeface="ＭＳ Ｐゴシック" panose="020B0600070205080204" pitchFamily="34" charset="-128"/>
+              </a:defRPr>
+            </a:lvl7pPr>
+            <a:lvl8pPr marL="3543300" indent="-342900" eaLnBrk="0" fontAlgn="base" hangingPunct="0">
+              <a:spcBef>
+                <a:spcPct val="0"/>
+              </a:spcBef>
+              <a:spcAft>
+                <a:spcPct val="0"/>
+              </a:spcAft>
+              <a:defRPr sz="1600">
+                <a:solidFill>
+                  <a:schemeClr val="tx1"/>
+                </a:solidFill>
+                <a:latin typeface="Arial" panose="020B0604020202020204" pitchFamily="34" charset="0"/>
+                <a:ea typeface="ＭＳ Ｐゴシック" panose="020B0600070205080204" pitchFamily="34" charset="-128"/>
+              </a:defRPr>
+            </a:lvl8pPr>
+            <a:lvl9pPr marL="4000500" indent="-342900" eaLnBrk="0" fontAlgn="base" hangingPunct="0">
+              <a:spcBef>
+                <a:spcPct val="0"/>
+              </a:spcBef>
+              <a:spcAft>
+                <a:spcPct val="0"/>
+              </a:spcAft>
+              <a:defRPr sz="1600">
+                <a:solidFill>
+                  <a:schemeClr val="tx1"/>
+                </a:solidFill>
+                <a:latin typeface="Arial" panose="020B0604020202020204" pitchFamily="34" charset="0"/>
+                <a:ea typeface="ＭＳ Ｐゴシック" panose="020B0600070205080204" pitchFamily="34" charset="-128"/>
+              </a:defRPr>
+            </a:lvl9pPr>
+          </a:lstStyle>
+          <a:p>
+            <a:r>
+              <a:rPr lang="en-US" altLang="en-US" u="sng"/>
+              <a:t>Observations</a:t>
+            </a:r>
+            <a:r>
+              <a:rPr lang="en-US" altLang="en-US"/>
+              <a:t>:</a:t>
+            </a:r>
+          </a:p>
+          <a:p>
+            <a:pPr>
+              <a:buFontTx/>
+              <a:buAutoNum type="arabicParenBoth"/>
+            </a:pPr>
+            <a:r>
+              <a:rPr lang="en-US" altLang="en-US"/>
+              <a:t>converting a value of a subtype to a values of the super-type is</a:t>
+            </a:r>
+            <a:br>
+              <a:rPr lang="en-US" altLang="en-US"/>
+            </a:br>
+            <a:r>
+              <a:rPr lang="en-US" altLang="en-US"/>
+              <a:t>called </a:t>
+            </a:r>
+            <a:r>
+              <a:rPr lang="en-US" altLang="en-US" u="sng"/>
+              <a:t>widening</a:t>
+            </a:r>
+            <a:r>
+              <a:rPr lang="en-US" altLang="en-US"/>
+              <a:t> type conversion. (safe)</a:t>
+            </a:r>
+          </a:p>
+          <a:p>
+            <a:pPr>
+              <a:buFontTx/>
+              <a:buAutoNum type="arabicParenBoth"/>
+            </a:pPr>
+            <a:r>
+              <a:rPr lang="en-US" altLang="en-US"/>
+              <a:t>converting a value of a supertype to a value of a subtype is</a:t>
+            </a:r>
+            <a:br>
+              <a:rPr lang="en-US" altLang="en-US"/>
+            </a:br>
+            <a:r>
+              <a:rPr lang="en-US" altLang="en-US"/>
+              <a:t>called </a:t>
+            </a:r>
+            <a:r>
+              <a:rPr lang="en-US" altLang="en-US" u="sng"/>
+              <a:t>narrowing</a:t>
+            </a:r>
+            <a:r>
+              <a:rPr lang="en-US" altLang="en-US"/>
+              <a:t> type conversion. (not safe)</a:t>
+            </a:r>
+            <a:endParaRPr lang="en-US" altLang="en-US" u="sng"/>
+          </a:p>
+        </p:txBody>
+      </p:sp>
+      <p:sp>
+        <p:nvSpPr>
+          <p:cNvPr id="25605" name="Text Box 7">
+            <a:extLst>
+              <a:ext uri="{FF2B5EF4-FFF2-40B4-BE49-F238E27FC236}">
+                <a16:creationId xmlns:a16="http://schemas.microsoft.com/office/drawing/2014/main" id="{C273ACB8-E379-2348-AF6A-697F7CE21583}"/>
+              </a:ext>
+            </a:extLst>
+          </p:cNvPr>
+          <p:cNvSpPr txBox="1">
+            <a:spLocks noChangeArrowheads="1"/>
+          </p:cNvSpPr>
+          <p:nvPr/>
+        </p:nvSpPr>
+        <p:spPr bwMode="auto">
+          <a:xfrm>
+            <a:off x="552450" y="5049838"/>
+            <a:ext cx="3316288" cy="831850"/>
+          </a:xfrm>
+          <a:prstGeom prst="rect">
+            <a:avLst/>
+          </a:prstGeom>
+          <a:noFill/>
+          <a:ln>
+            <a:noFill/>
+          </a:ln>
+          <a:extLst>
+            <a:ext uri="{909E8E84-426E-40DD-AFC4-6F175D3DCCD1}">
+              <a14:hiddenFill xmlns:a14="http://schemas.microsoft.com/office/drawing/2010/main">
+                <a:solidFill>
+                  <a:srgbClr val="FFFFFF"/>
+                </a:solidFill>
+              </a14:hiddenFill>
+            </a:ext>
+            <a:ext uri="{91240B29-F687-4F45-9708-019B960494DF}">
+              <a14:hiddenLine xmlns:a14="http://schemas.microsoft.com/office/drawing/2010/main" w="9525">
+                <a:solidFill>
+                  <a:srgbClr val="000000"/>
+                </a:solidFill>
+                <a:miter lim="800000"/>
+                <a:headEnd/>
+                <a:tailEnd/>
+              </a14:hiddenLine>
+            </a:ext>
+          </a:extLst>
+        </p:spPr>
+        <p:txBody>
+          <a:bodyPr wrap="none">
+            <a:spAutoFit/>
+          </a:bodyPr>
+          <a:lstStyle>
+            <a:lvl1pPr>
+              <a:spcBef>
+                <a:spcPct val="20000"/>
+              </a:spcBef>
+              <a:buClr>
+                <a:schemeClr val="hlink"/>
+              </a:buClr>
+              <a:buSzPct val="80000"/>
+              <a:buFont typeface="Wingdings" pitchFamily="2" charset="2"/>
+              <a:buChar char="l"/>
+              <a:defRPr sz="3200">
+                <a:solidFill>
+                  <a:schemeClr val="tx1"/>
+                </a:solidFill>
+                <a:latin typeface="Arial" panose="020B0604020202020204" pitchFamily="34" charset="0"/>
+                <a:ea typeface="ＭＳ Ｐゴシック" panose="020B0600070205080204" pitchFamily="34" charset="-128"/>
+              </a:defRPr>
+            </a:lvl1pPr>
+            <a:lvl2pPr marL="742950" indent="-285750">
+              <a:spcBef>
+                <a:spcPct val="20000"/>
+              </a:spcBef>
+              <a:buClr>
+                <a:schemeClr val="accent1"/>
+              </a:buClr>
+              <a:buSzPct val="70000"/>
+              <a:buFont typeface="Wingdings" pitchFamily="2" charset="2"/>
+              <a:buChar char="l"/>
+              <a:defRPr sz="2800">
+                <a:solidFill>
+                  <a:schemeClr val="tx1"/>
+                </a:solidFill>
+                <a:latin typeface="Arial" panose="020B0604020202020204" pitchFamily="34" charset="0"/>
+                <a:ea typeface="ＭＳ Ｐゴシック" panose="020B0600070205080204" pitchFamily="34" charset="-128"/>
+              </a:defRPr>
+            </a:lvl2pPr>
+            <a:lvl3pPr marL="1143000" indent="-228600">
+              <a:spcBef>
+                <a:spcPct val="20000"/>
+              </a:spcBef>
+              <a:buClr>
+                <a:schemeClr val="bg2"/>
+              </a:buClr>
+              <a:buSzPct val="65000"/>
+              <a:buFont typeface="Wingdings" pitchFamily="2" charset="2"/>
+              <a:buChar char="l"/>
+              <a:defRPr sz="2400">
+                <a:solidFill>
+                  <a:schemeClr val="tx1"/>
+                </a:solidFill>
+                <a:latin typeface="Arial" panose="020B0604020202020204" pitchFamily="34" charset="0"/>
+                <a:ea typeface="ＭＳ Ｐゴシック" panose="020B0600070205080204" pitchFamily="34" charset="-128"/>
+              </a:defRPr>
+            </a:lvl3pPr>
+            <a:lvl4pPr marL="1600200" indent="-228600">
+              <a:spcBef>
+                <a:spcPct val="20000"/>
+              </a:spcBef>
+              <a:buClr>
+                <a:schemeClr val="hlink"/>
+              </a:buClr>
+              <a:buSzPct val="60000"/>
+              <a:buFont typeface="Wingdings" pitchFamily="2" charset="2"/>
+              <a:buChar char="l"/>
+              <a:defRPr sz="2000">
+                <a:solidFill>
+                  <a:schemeClr val="tx1"/>
+                </a:solidFill>
+                <a:latin typeface="Arial" panose="020B0604020202020204" pitchFamily="34" charset="0"/>
+                <a:ea typeface="ＭＳ Ｐゴシック" panose="020B0600070205080204" pitchFamily="34" charset="-128"/>
+              </a:defRPr>
+            </a:lvl4pPr>
+            <a:lvl5pPr marL="2057400" indent="-228600">
+              <a:spcBef>
+                <a:spcPct val="20000"/>
+              </a:spcBef>
+              <a:buClr>
+                <a:schemeClr val="bg2"/>
+              </a:buClr>
+              <a:buSzPct val="40000"/>
+              <a:buFont typeface="Wingdings" pitchFamily="2" charset="2"/>
+              <a:buChar char="l"/>
+              <a:defRPr sz="2000">
+                <a:solidFill>
+                  <a:schemeClr val="tx1"/>
+                </a:solidFill>
+                <a:latin typeface="Arial" panose="020B0604020202020204" pitchFamily="34" charset="0"/>
+                <a:ea typeface="ＭＳ Ｐゴシック" panose="020B0600070205080204" pitchFamily="34" charset="-128"/>
+              </a:defRPr>
+            </a:lvl5pPr>
+            <a:lvl6pPr marL="2514600" indent="-228600" eaLnBrk="0" fontAlgn="base" hangingPunct="0">
+              <a:spcBef>
+                <a:spcPct val="20000"/>
+              </a:spcBef>
+              <a:spcAft>
+                <a:spcPct val="0"/>
+              </a:spcAft>
+              <a:buClr>
+                <a:schemeClr val="bg2"/>
+              </a:buClr>
+              <a:buSzPct val="40000"/>
+              <a:buFont typeface="Wingdings" pitchFamily="2" charset="2"/>
+              <a:buChar char="l"/>
+              <a:defRPr sz="2000">
+                <a:solidFill>
+                  <a:schemeClr val="tx1"/>
+                </a:solidFill>
+                <a:latin typeface="Arial" panose="020B0604020202020204" pitchFamily="34" charset="0"/>
+                <a:ea typeface="ＭＳ Ｐゴシック" panose="020B0600070205080204" pitchFamily="34" charset="-128"/>
+              </a:defRPr>
+            </a:lvl6pPr>
+            <a:lvl7pPr marL="2971800" indent="-228600" eaLnBrk="0" fontAlgn="base" hangingPunct="0">
+              <a:spcBef>
+                <a:spcPct val="20000"/>
+              </a:spcBef>
+              <a:spcAft>
+                <a:spcPct val="0"/>
+              </a:spcAft>
+              <a:buClr>
+                <a:schemeClr val="bg2"/>
+              </a:buClr>
+              <a:buSzPct val="40000"/>
+              <a:buFont typeface="Wingdings" pitchFamily="2" charset="2"/>
+              <a:buChar char="l"/>
+              <a:defRPr sz="2000">
+                <a:solidFill>
+                  <a:schemeClr val="tx1"/>
+                </a:solidFill>
+                <a:latin typeface="Arial" panose="020B0604020202020204" pitchFamily="34" charset="0"/>
+                <a:ea typeface="ＭＳ Ｐゴシック" panose="020B0600070205080204" pitchFamily="34" charset="-128"/>
+              </a:defRPr>
+            </a:lvl7pPr>
+            <a:lvl8pPr marL="3429000" indent="-228600" eaLnBrk="0" fontAlgn="base" hangingPunct="0">
+              <a:spcBef>
+                <a:spcPct val="20000"/>
+              </a:spcBef>
+              <a:spcAft>
+                <a:spcPct val="0"/>
+              </a:spcAft>
+              <a:buClr>
+                <a:schemeClr val="bg2"/>
+              </a:buClr>
+              <a:buSzPct val="40000"/>
+              <a:buFont typeface="Wingdings" pitchFamily="2" charset="2"/>
+              <a:buChar char="l"/>
+              <a:defRPr sz="2000">
+                <a:solidFill>
+                  <a:schemeClr val="tx1"/>
+                </a:solidFill>
+                <a:latin typeface="Arial" panose="020B0604020202020204" pitchFamily="34" charset="0"/>
+                <a:ea typeface="ＭＳ Ｐゴシック" panose="020B0600070205080204" pitchFamily="34" charset="-128"/>
+              </a:defRPr>
+            </a:lvl8pPr>
+            <a:lvl9pPr marL="3886200" indent="-228600" eaLnBrk="0" fontAlgn="base" hangingPunct="0">
+              <a:spcBef>
+                <a:spcPct val="20000"/>
+              </a:spcBef>
+              <a:spcAft>
+                <a:spcPct val="0"/>
+              </a:spcAft>
+              <a:buClr>
+                <a:schemeClr val="bg2"/>
+              </a:buClr>
+              <a:buSzPct val="40000"/>
+              <a:buFont typeface="Wingdings" pitchFamily="2" charset="2"/>
+              <a:buChar char="l"/>
+              <a:defRPr sz="2000">
+                <a:solidFill>
+                  <a:schemeClr val="tx1"/>
+                </a:solidFill>
+                <a:latin typeface="Arial" panose="020B0604020202020204" pitchFamily="34" charset="0"/>
+                <a:ea typeface="ＭＳ Ｐゴシック" panose="020B0600070205080204" pitchFamily="34" charset="-128"/>
+              </a:defRPr>
+            </a:lvl9pPr>
+          </a:lstStyle>
+          <a:p>
+            <a:pPr>
+              <a:spcBef>
+                <a:spcPct val="0"/>
+              </a:spcBef>
+              <a:buClrTx/>
+              <a:buSzTx/>
+              <a:buFontTx/>
+              <a:buNone/>
+            </a:pPr>
+            <a:r>
+              <a:rPr lang="en-US" altLang="en-US" sz="1600" u="sng"/>
+              <a:t>Example</a:t>
+            </a:r>
+            <a:r>
+              <a:rPr lang="en-US" altLang="en-US" sz="1600"/>
+              <a:t>: C, partial type hierarchy</a:t>
+            </a:r>
+          </a:p>
+          <a:p>
+            <a:pPr>
+              <a:spcBef>
+                <a:spcPct val="0"/>
+              </a:spcBef>
+              <a:buClrTx/>
+              <a:buSzTx/>
+              <a:buFontTx/>
+              <a:buNone/>
+            </a:pPr>
+            <a:endParaRPr lang="en-US" altLang="en-US" sz="1600"/>
+          </a:p>
+          <a:p>
+            <a:pPr>
+              <a:spcBef>
+                <a:spcPct val="0"/>
+              </a:spcBef>
+              <a:buClrTx/>
+              <a:buSzTx/>
+              <a:buFontTx/>
+              <a:buNone/>
+            </a:pPr>
+            <a:r>
+              <a:rPr lang="en-US" altLang="en-US" sz="1600">
+                <a:solidFill>
+                  <a:srgbClr val="FF3300"/>
+                </a:solidFill>
+              </a:rPr>
+              <a:t>  char &lt; short &lt; int &lt; float </a:t>
+            </a:r>
+            <a:r>
+              <a:rPr lang="en-US" altLang="en-US" sz="1600">
+                <a:solidFill>
+                  <a:srgbClr val="FF3300"/>
+                </a:solidFill>
+                <a:sym typeface="Symbol" pitchFamily="2" charset="2"/>
+              </a:rPr>
+              <a:t>&lt; double</a:t>
+            </a:r>
+            <a:endParaRPr lang="en-US" altLang="en-US" sz="1600" u="sng">
+              <a:solidFill>
+                <a:srgbClr val="FF3300"/>
+              </a:solidFill>
+              <a:sym typeface="Symbol" pitchFamily="2" charset="2"/>
+            </a:endParaRPr>
+          </a:p>
+        </p:txBody>
+      </p:sp>
+      <p:sp>
+        <p:nvSpPr>
+          <p:cNvPr id="25606" name="TextBox 1">
+            <a:extLst>
+              <a:ext uri="{FF2B5EF4-FFF2-40B4-BE49-F238E27FC236}">
+                <a16:creationId xmlns:a16="http://schemas.microsoft.com/office/drawing/2014/main" id="{8E3E1101-5375-E442-BFEE-6220FF4813BD}"/>
+              </a:ext>
+            </a:extLst>
+          </p:cNvPr>
+          <p:cNvSpPr txBox="1">
+            <a:spLocks noChangeArrowheads="1"/>
+          </p:cNvSpPr>
+          <p:nvPr/>
+        </p:nvSpPr>
+        <p:spPr bwMode="auto">
+          <a:xfrm>
+            <a:off x="4551363" y="4811713"/>
+            <a:ext cx="3994150" cy="830262"/>
+          </a:xfrm>
+          <a:prstGeom prst="rect">
+            <a:avLst/>
+          </a:prstGeom>
+          <a:noFill/>
+          <a:ln w="9525">
+            <a:solidFill>
+              <a:schemeClr val="tx1"/>
+            </a:solidFill>
+            <a:miter lim="800000"/>
+            <a:headEnd/>
+            <a:tailEnd/>
+          </a:ln>
+          <a:extLst>
+            <a:ext uri="{909E8E84-426E-40DD-AFC4-6F175D3DCCD1}">
+              <a14:hiddenFill xmlns:a14="http://schemas.microsoft.com/office/drawing/2010/main">
+                <a:solidFill>
+                  <a:srgbClr val="FFFFFF"/>
+                </a:solidFill>
+              </a14:hiddenFill>
+            </a:ext>
+          </a:extLst>
+        </p:spPr>
+        <p:txBody>
+          <a:bodyPr wrap="none">
+            <a:spAutoFit/>
+          </a:bodyPr>
+          <a:lstStyle>
+            <a:lvl1pPr>
+              <a:spcBef>
+                <a:spcPct val="20000"/>
+              </a:spcBef>
+              <a:buClr>
+                <a:schemeClr val="hlink"/>
+              </a:buClr>
+              <a:buSzPct val="80000"/>
+              <a:buFont typeface="Wingdings" pitchFamily="2" charset="2"/>
+              <a:buChar char="l"/>
+              <a:defRPr sz="3200">
+                <a:solidFill>
+                  <a:schemeClr val="tx1"/>
+                </a:solidFill>
+                <a:latin typeface="Arial" panose="020B0604020202020204" pitchFamily="34" charset="0"/>
+                <a:ea typeface="ＭＳ Ｐゴシック" panose="020B0600070205080204" pitchFamily="34" charset="-128"/>
+              </a:defRPr>
+            </a:lvl1pPr>
+            <a:lvl2pPr marL="742950" indent="-285750">
+              <a:spcBef>
+                <a:spcPct val="20000"/>
+              </a:spcBef>
+              <a:buClr>
+                <a:schemeClr val="accent1"/>
+              </a:buClr>
+              <a:buSzPct val="70000"/>
+              <a:buFont typeface="Wingdings" pitchFamily="2" charset="2"/>
+              <a:buChar char="l"/>
+              <a:defRPr sz="2800">
+                <a:solidFill>
+                  <a:schemeClr val="tx1"/>
+                </a:solidFill>
+                <a:latin typeface="Arial" panose="020B0604020202020204" pitchFamily="34" charset="0"/>
+                <a:ea typeface="ＭＳ Ｐゴシック" panose="020B0600070205080204" pitchFamily="34" charset="-128"/>
+              </a:defRPr>
+            </a:lvl2pPr>
+            <a:lvl3pPr marL="1143000" indent="-228600">
+              <a:spcBef>
+                <a:spcPct val="20000"/>
+              </a:spcBef>
+              <a:buClr>
+                <a:schemeClr val="bg2"/>
+              </a:buClr>
+              <a:buSzPct val="65000"/>
+              <a:buFont typeface="Wingdings" pitchFamily="2" charset="2"/>
+              <a:buChar char="l"/>
+              <a:defRPr sz="2400">
+                <a:solidFill>
+                  <a:schemeClr val="tx1"/>
+                </a:solidFill>
+                <a:latin typeface="Arial" panose="020B0604020202020204" pitchFamily="34" charset="0"/>
+                <a:ea typeface="ＭＳ Ｐゴシック" panose="020B0600070205080204" pitchFamily="34" charset="-128"/>
+              </a:defRPr>
+            </a:lvl3pPr>
+            <a:lvl4pPr marL="1600200" indent="-228600">
+              <a:spcBef>
+                <a:spcPct val="20000"/>
+              </a:spcBef>
+              <a:buClr>
+                <a:schemeClr val="hlink"/>
+              </a:buClr>
+              <a:buSzPct val="60000"/>
+              <a:buFont typeface="Wingdings" pitchFamily="2" charset="2"/>
+              <a:buChar char="l"/>
+              <a:defRPr sz="2000">
+                <a:solidFill>
+                  <a:schemeClr val="tx1"/>
+                </a:solidFill>
+                <a:latin typeface="Arial" panose="020B0604020202020204" pitchFamily="34" charset="0"/>
+                <a:ea typeface="ＭＳ Ｐゴシック" panose="020B0600070205080204" pitchFamily="34" charset="-128"/>
+              </a:defRPr>
+            </a:lvl4pPr>
+            <a:lvl5pPr marL="2057400" indent="-228600">
+              <a:spcBef>
+                <a:spcPct val="20000"/>
+              </a:spcBef>
+              <a:buClr>
+                <a:schemeClr val="bg2"/>
+              </a:buClr>
+              <a:buSzPct val="40000"/>
+              <a:buFont typeface="Wingdings" pitchFamily="2" charset="2"/>
+              <a:buChar char="l"/>
+              <a:defRPr sz="2000">
+                <a:solidFill>
+                  <a:schemeClr val="tx1"/>
+                </a:solidFill>
+                <a:latin typeface="Arial" panose="020B0604020202020204" pitchFamily="34" charset="0"/>
+                <a:ea typeface="ＭＳ Ｐゴシック" panose="020B0600070205080204" pitchFamily="34" charset="-128"/>
+              </a:defRPr>
+            </a:lvl5pPr>
+            <a:lvl6pPr marL="2514600" indent="-228600" eaLnBrk="0" fontAlgn="base" hangingPunct="0">
+              <a:spcBef>
+                <a:spcPct val="20000"/>
+              </a:spcBef>
+              <a:spcAft>
+                <a:spcPct val="0"/>
+              </a:spcAft>
+              <a:buClr>
+                <a:schemeClr val="bg2"/>
+              </a:buClr>
+              <a:buSzPct val="40000"/>
+              <a:buFont typeface="Wingdings" pitchFamily="2" charset="2"/>
+              <a:buChar char="l"/>
+              <a:defRPr sz="2000">
+                <a:solidFill>
+                  <a:schemeClr val="tx1"/>
+                </a:solidFill>
+                <a:latin typeface="Arial" panose="020B0604020202020204" pitchFamily="34" charset="0"/>
+                <a:ea typeface="ＭＳ Ｐゴシック" panose="020B0600070205080204" pitchFamily="34" charset="-128"/>
+              </a:defRPr>
+            </a:lvl6pPr>
+            <a:lvl7pPr marL="2971800" indent="-228600" eaLnBrk="0" fontAlgn="base" hangingPunct="0">
+              <a:spcBef>
+                <a:spcPct val="20000"/>
+              </a:spcBef>
+              <a:spcAft>
+                <a:spcPct val="0"/>
+              </a:spcAft>
+              <a:buClr>
+                <a:schemeClr val="bg2"/>
+              </a:buClr>
+              <a:buSzPct val="40000"/>
+              <a:buFont typeface="Wingdings" pitchFamily="2" charset="2"/>
+              <a:buChar char="l"/>
+              <a:defRPr sz="2000">
+                <a:solidFill>
+                  <a:schemeClr val="tx1"/>
+                </a:solidFill>
+                <a:latin typeface="Arial" panose="020B0604020202020204" pitchFamily="34" charset="0"/>
+                <a:ea typeface="ＭＳ Ｐゴシック" panose="020B0600070205080204" pitchFamily="34" charset="-128"/>
+              </a:defRPr>
+            </a:lvl7pPr>
+            <a:lvl8pPr marL="3429000" indent="-228600" eaLnBrk="0" fontAlgn="base" hangingPunct="0">
+              <a:spcBef>
+                <a:spcPct val="20000"/>
+              </a:spcBef>
+              <a:spcAft>
+                <a:spcPct val="0"/>
+              </a:spcAft>
+              <a:buClr>
+                <a:schemeClr val="bg2"/>
+              </a:buClr>
+              <a:buSzPct val="40000"/>
+              <a:buFont typeface="Wingdings" pitchFamily="2" charset="2"/>
+              <a:buChar char="l"/>
+              <a:defRPr sz="2000">
+                <a:solidFill>
+                  <a:schemeClr val="tx1"/>
+                </a:solidFill>
+                <a:latin typeface="Arial" panose="020B0604020202020204" pitchFamily="34" charset="0"/>
+                <a:ea typeface="ＭＳ Ｐゴシック" panose="020B0600070205080204" pitchFamily="34" charset="-128"/>
+              </a:defRPr>
+            </a:lvl8pPr>
+            <a:lvl9pPr marL="3886200" indent="-228600" eaLnBrk="0" fontAlgn="base" hangingPunct="0">
+              <a:spcBef>
+                <a:spcPct val="20000"/>
+              </a:spcBef>
+              <a:spcAft>
+                <a:spcPct val="0"/>
+              </a:spcAft>
+              <a:buClr>
+                <a:schemeClr val="bg2"/>
+              </a:buClr>
+              <a:buSzPct val="40000"/>
+              <a:buFont typeface="Wingdings" pitchFamily="2" charset="2"/>
+              <a:buChar char="l"/>
+              <a:defRPr sz="2000">
+                <a:solidFill>
+                  <a:schemeClr val="tx1"/>
+                </a:solidFill>
+                <a:latin typeface="Arial" panose="020B0604020202020204" pitchFamily="34" charset="0"/>
+                <a:ea typeface="ＭＳ Ｐゴシック" panose="020B0600070205080204" pitchFamily="34" charset="-128"/>
+              </a:defRPr>
+            </a:lvl9pPr>
+          </a:lstStyle>
+          <a:p>
+            <a:pPr>
+              <a:spcBef>
+                <a:spcPct val="0"/>
+              </a:spcBef>
+              <a:buClrTx/>
+              <a:buSzTx/>
+              <a:buFontTx/>
+              <a:buNone/>
+            </a:pPr>
+            <a:r>
+              <a:rPr lang="en-US" altLang="en-US" sz="1600"/>
+              <a:t>Subtypes give rise to type hierarchies and</a:t>
+            </a:r>
+            <a:br>
+              <a:rPr lang="en-US" altLang="en-US" sz="1600"/>
+            </a:br>
+            <a:r>
+              <a:rPr lang="en-US" altLang="en-US" sz="1600"/>
+              <a:t>type hierarchies allow for automatic type</a:t>
+            </a:r>
+          </a:p>
+          <a:p>
+            <a:pPr>
+              <a:spcBef>
+                <a:spcPct val="0"/>
+              </a:spcBef>
+              <a:buClrTx/>
+              <a:buSzTx/>
+              <a:buFontTx/>
+              <a:buNone/>
+            </a:pPr>
+            <a:r>
+              <a:rPr lang="en-US" altLang="en-US" sz="1600"/>
+              <a:t>coercion – widening conversions!</a:t>
+            </a:r>
+          </a:p>
+        </p:txBody>
+      </p:sp>
+      <p:sp>
+        <p:nvSpPr>
+          <p:cNvPr id="25607" name="TextBox 4">
+            <a:extLst>
+              <a:ext uri="{FF2B5EF4-FFF2-40B4-BE49-F238E27FC236}">
+                <a16:creationId xmlns:a16="http://schemas.microsoft.com/office/drawing/2014/main" id="{0E524632-FF46-EE4C-9619-E5B398D5D985}"/>
+              </a:ext>
+            </a:extLst>
+          </p:cNvPr>
+          <p:cNvSpPr txBox="1">
+            <a:spLocks noChangeArrowheads="1"/>
+          </p:cNvSpPr>
+          <p:nvPr/>
+        </p:nvSpPr>
+        <p:spPr bwMode="auto">
+          <a:xfrm flipH="1">
+            <a:off x="5645150" y="2360613"/>
+            <a:ext cx="2541588" cy="584200"/>
+          </a:xfrm>
+          <a:prstGeom prst="rect">
+            <a:avLst/>
+          </a:prstGeom>
+          <a:noFill/>
+          <a:ln w="9525">
+            <a:solidFill>
+              <a:schemeClr val="tx1"/>
+            </a:solidFill>
+            <a:miter lim="800000"/>
+            <a:headEnd/>
+            <a:tailEnd/>
+          </a:ln>
+          <a:extLst>
+            <a:ext uri="{909E8E84-426E-40DD-AFC4-6F175D3DCCD1}">
+              <a14:hiddenFill xmlns:a14="http://schemas.microsoft.com/office/drawing/2010/main">
+                <a:solidFill>
+                  <a:srgbClr val="FFFFFF"/>
+                </a:solidFill>
+              </a14:hiddenFill>
+            </a:ext>
+          </a:extLst>
+        </p:spPr>
+        <p:txBody>
+          <a:bodyPr wrap="none">
+            <a:spAutoFit/>
+          </a:bodyPr>
+          <a:lstStyle>
+            <a:lvl1pPr>
+              <a:spcBef>
+                <a:spcPct val="20000"/>
+              </a:spcBef>
+              <a:buClr>
+                <a:schemeClr val="hlink"/>
+              </a:buClr>
+              <a:buSzPct val="80000"/>
+              <a:buFont typeface="Wingdings" pitchFamily="2" charset="2"/>
+              <a:buChar char="l"/>
+              <a:defRPr sz="3200">
+                <a:solidFill>
+                  <a:schemeClr val="tx1"/>
+                </a:solidFill>
+                <a:latin typeface="Arial" panose="020B0604020202020204" pitchFamily="34" charset="0"/>
+                <a:ea typeface="ＭＳ Ｐゴシック" panose="020B0600070205080204" pitchFamily="34" charset="-128"/>
+              </a:defRPr>
+            </a:lvl1pPr>
+            <a:lvl2pPr marL="742950" indent="-285750">
+              <a:spcBef>
+                <a:spcPct val="20000"/>
+              </a:spcBef>
+              <a:buClr>
+                <a:schemeClr val="accent1"/>
+              </a:buClr>
+              <a:buSzPct val="70000"/>
+              <a:buFont typeface="Wingdings" pitchFamily="2" charset="2"/>
+              <a:buChar char="l"/>
+              <a:defRPr sz="2800">
+                <a:solidFill>
+                  <a:schemeClr val="tx1"/>
+                </a:solidFill>
+                <a:latin typeface="Arial" panose="020B0604020202020204" pitchFamily="34" charset="0"/>
+                <a:ea typeface="ＭＳ Ｐゴシック" panose="020B0600070205080204" pitchFamily="34" charset="-128"/>
+              </a:defRPr>
+            </a:lvl2pPr>
+            <a:lvl3pPr marL="1143000" indent="-228600">
+              <a:spcBef>
+                <a:spcPct val="20000"/>
+              </a:spcBef>
+              <a:buClr>
+                <a:schemeClr val="bg2"/>
+              </a:buClr>
+              <a:buSzPct val="65000"/>
+              <a:buFont typeface="Wingdings" pitchFamily="2" charset="2"/>
+              <a:buChar char="l"/>
+              <a:defRPr sz="2400">
+                <a:solidFill>
+                  <a:schemeClr val="tx1"/>
+                </a:solidFill>
+                <a:latin typeface="Arial" panose="020B0604020202020204" pitchFamily="34" charset="0"/>
+                <a:ea typeface="ＭＳ Ｐゴシック" panose="020B0600070205080204" pitchFamily="34" charset="-128"/>
+              </a:defRPr>
+            </a:lvl3pPr>
+            <a:lvl4pPr marL="1600200" indent="-228600">
+              <a:spcBef>
+                <a:spcPct val="20000"/>
+              </a:spcBef>
+              <a:buClr>
+                <a:schemeClr val="hlink"/>
+              </a:buClr>
+              <a:buSzPct val="60000"/>
+              <a:buFont typeface="Wingdings" pitchFamily="2" charset="2"/>
+              <a:buChar char="l"/>
+              <a:defRPr sz="2000">
+                <a:solidFill>
+                  <a:schemeClr val="tx1"/>
+                </a:solidFill>
+                <a:latin typeface="Arial" panose="020B0604020202020204" pitchFamily="34" charset="0"/>
+                <a:ea typeface="ＭＳ Ｐゴシック" panose="020B0600070205080204" pitchFamily="34" charset="-128"/>
+              </a:defRPr>
+            </a:lvl4pPr>
+            <a:lvl5pPr marL="2057400" indent="-228600">
+              <a:spcBef>
+                <a:spcPct val="20000"/>
+              </a:spcBef>
+              <a:buClr>
+                <a:schemeClr val="bg2"/>
+              </a:buClr>
+              <a:buSzPct val="40000"/>
+              <a:buFont typeface="Wingdings" pitchFamily="2" charset="2"/>
+              <a:buChar char="l"/>
+              <a:defRPr sz="2000">
+                <a:solidFill>
+                  <a:schemeClr val="tx1"/>
+                </a:solidFill>
+                <a:latin typeface="Arial" panose="020B0604020202020204" pitchFamily="34" charset="0"/>
+                <a:ea typeface="ＭＳ Ｐゴシック" panose="020B0600070205080204" pitchFamily="34" charset="-128"/>
+              </a:defRPr>
+            </a:lvl5pPr>
+            <a:lvl6pPr marL="2514600" indent="-228600" eaLnBrk="0" fontAlgn="base" hangingPunct="0">
+              <a:spcBef>
+                <a:spcPct val="20000"/>
+              </a:spcBef>
+              <a:spcAft>
+                <a:spcPct val="0"/>
+              </a:spcAft>
+              <a:buClr>
+                <a:schemeClr val="bg2"/>
+              </a:buClr>
+              <a:buSzPct val="40000"/>
+              <a:buFont typeface="Wingdings" pitchFamily="2" charset="2"/>
+              <a:buChar char="l"/>
+              <a:defRPr sz="2000">
+                <a:solidFill>
+                  <a:schemeClr val="tx1"/>
+                </a:solidFill>
+                <a:latin typeface="Arial" panose="020B0604020202020204" pitchFamily="34" charset="0"/>
+                <a:ea typeface="ＭＳ Ｐゴシック" panose="020B0600070205080204" pitchFamily="34" charset="-128"/>
+              </a:defRPr>
+            </a:lvl6pPr>
+            <a:lvl7pPr marL="2971800" indent="-228600" eaLnBrk="0" fontAlgn="base" hangingPunct="0">
+              <a:spcBef>
+                <a:spcPct val="20000"/>
+              </a:spcBef>
+              <a:spcAft>
+                <a:spcPct val="0"/>
+              </a:spcAft>
+              <a:buClr>
+                <a:schemeClr val="bg2"/>
+              </a:buClr>
+              <a:buSzPct val="40000"/>
+              <a:buFont typeface="Wingdings" pitchFamily="2" charset="2"/>
+              <a:buChar char="l"/>
+              <a:defRPr sz="2000">
+                <a:solidFill>
+                  <a:schemeClr val="tx1"/>
+                </a:solidFill>
+                <a:latin typeface="Arial" panose="020B0604020202020204" pitchFamily="34" charset="0"/>
+                <a:ea typeface="ＭＳ Ｐゴシック" panose="020B0600070205080204" pitchFamily="34" charset="-128"/>
+              </a:defRPr>
+            </a:lvl7pPr>
+            <a:lvl8pPr marL="3429000" indent="-228600" eaLnBrk="0" fontAlgn="base" hangingPunct="0">
+              <a:spcBef>
+                <a:spcPct val="20000"/>
+              </a:spcBef>
+              <a:spcAft>
+                <a:spcPct val="0"/>
+              </a:spcAft>
+              <a:buClr>
+                <a:schemeClr val="bg2"/>
+              </a:buClr>
+              <a:buSzPct val="40000"/>
+              <a:buFont typeface="Wingdings" pitchFamily="2" charset="2"/>
+              <a:buChar char="l"/>
+              <a:defRPr sz="2000">
+                <a:solidFill>
+                  <a:schemeClr val="tx1"/>
+                </a:solidFill>
+                <a:latin typeface="Arial" panose="020B0604020202020204" pitchFamily="34" charset="0"/>
+                <a:ea typeface="ＭＳ Ｐゴシック" panose="020B0600070205080204" pitchFamily="34" charset="-128"/>
+              </a:defRPr>
+            </a:lvl8pPr>
+            <a:lvl9pPr marL="3886200" indent="-228600" eaLnBrk="0" fontAlgn="base" hangingPunct="0">
+              <a:spcBef>
+                <a:spcPct val="20000"/>
+              </a:spcBef>
+              <a:spcAft>
+                <a:spcPct val="0"/>
+              </a:spcAft>
+              <a:buClr>
+                <a:schemeClr val="bg2"/>
+              </a:buClr>
+              <a:buSzPct val="40000"/>
+              <a:buFont typeface="Wingdings" pitchFamily="2" charset="2"/>
+              <a:buChar char="l"/>
+              <a:defRPr sz="2000">
+                <a:solidFill>
+                  <a:schemeClr val="tx1"/>
+                </a:solidFill>
+                <a:latin typeface="Arial" panose="020B0604020202020204" pitchFamily="34" charset="0"/>
+                <a:ea typeface="ＭＳ Ｐゴシック" panose="020B0600070205080204" pitchFamily="34" charset="-128"/>
+              </a:defRPr>
+            </a:lvl9pPr>
+          </a:lstStyle>
+          <a:p>
+            <a:pPr>
+              <a:spcBef>
+                <a:spcPct val="0"/>
+              </a:spcBef>
+              <a:buClrTx/>
+              <a:buSzTx/>
+              <a:buFontTx/>
+              <a:buNone/>
+            </a:pPr>
+            <a:r>
+              <a:rPr lang="en-US" altLang="en-US" sz="1600" dirty="0"/>
+              <a:t>The notation A &lt; B means</a:t>
+            </a:r>
+          </a:p>
+          <a:p>
+            <a:pPr>
+              <a:spcBef>
+                <a:spcPct val="0"/>
+              </a:spcBef>
+              <a:buClrTx/>
+              <a:buSzTx/>
+              <a:buFontTx/>
+              <a:buNone/>
+            </a:pPr>
+            <a:r>
+              <a:rPr lang="en-US" altLang="en-US" sz="1600" dirty="0"/>
+              <a:t>A is a subtype of B.</a:t>
+            </a:r>
+          </a:p>
+        </p:txBody>
+      </p:sp>
+    </p:spTree>
+  </p:cSld>
+  <p:clrMapOvr>
+    <a:masterClrMapping/>
+  </p:clrMapOvr>
+</p:sld>
+</file>
+
+<file path=ppt/slides/slide12.xml><?xml version="1.0" encoding="utf-8"?>
+<p:sld xmlns:a="http://schemas.openxmlformats.org/drawingml/2006/main" xmlns:r="http://schemas.openxmlformats.org/officeDocument/2006/relationships" xmlns:p="http://schemas.openxmlformats.org/presentationml/2006/main">
+  <p:cSld>
+    <p:spTree>
+      <p:nvGrpSpPr>
+        <p:cNvPr id="1" name=""/>
+        <p:cNvGrpSpPr/>
+        <p:nvPr/>
+      </p:nvGrpSpPr>
+      <p:grpSpPr>
+        <a:xfrm>
+          <a:off x="0" y="0"/>
+          <a:ext cx="0" cy="0"/>
+          <a:chOff x="0" y="0"/>
+          <a:chExt cx="0" cy="0"/>
+        </a:xfrm>
+      </p:grpSpPr>
+      <p:sp>
+        <p:nvSpPr>
+          <p:cNvPr id="27649" name="Title 1">
+            <a:extLst>
+              <a:ext uri="{FF2B5EF4-FFF2-40B4-BE49-F238E27FC236}">
+                <a16:creationId xmlns:a16="http://schemas.microsoft.com/office/drawing/2014/main" id="{CCB3999F-D7A0-EA4F-AF4A-49D723A315B0}"/>
+              </a:ext>
+            </a:extLst>
+          </p:cNvPr>
+          <p:cNvSpPr>
+            <a:spLocks noGrp="1" noChangeArrowheads="1"/>
+          </p:cNvSpPr>
+          <p:nvPr>
+            <p:ph type="title"/>
+          </p:nvPr>
+        </p:nvSpPr>
+        <p:spPr/>
+        <p:txBody>
+          <a:bodyPr/>
+          <a:lstStyle/>
+          <a:p>
+            <a:r>
+              <a:rPr lang="en-US" altLang="en-US"/>
+              <a:t>Subtypes</a:t>
+            </a:r>
+          </a:p>
+        </p:txBody>
+      </p:sp>
+      <p:sp>
+        <p:nvSpPr>
+          <p:cNvPr id="3" name="Content Placeholder 2">
+            <a:extLst>
+              <a:ext uri="{FF2B5EF4-FFF2-40B4-BE49-F238E27FC236}">
+                <a16:creationId xmlns:a16="http://schemas.microsoft.com/office/drawing/2014/main" id="{F9591F53-FE30-1644-A49D-49882C564001}"/>
+              </a:ext>
+            </a:extLst>
+          </p:cNvPr>
+          <p:cNvSpPr>
+            <a:spLocks noGrp="1"/>
+          </p:cNvSpPr>
+          <p:nvPr>
+            <p:ph sz="half" idx="1"/>
+          </p:nvPr>
+        </p:nvSpPr>
+        <p:spPr/>
+        <p:txBody>
+          <a:bodyPr>
+            <a:normAutofit fontScale="62500" lnSpcReduction="20000"/>
+          </a:bodyPr>
+          <a:lstStyle/>
+          <a:p>
+            <a:pPr>
+              <a:defRPr/>
+            </a:pPr>
+            <a:r>
+              <a:rPr lang="en-US" dirty="0"/>
+              <a:t>A convenient way to visualize subtypes is using Venn diagrams</a:t>
+            </a:r>
+          </a:p>
+          <a:p>
+            <a:pPr>
+              <a:defRPr/>
+            </a:pPr>
+            <a:r>
+              <a:rPr lang="en-US" dirty="0"/>
+              <a:t>Consider,</a:t>
+            </a:r>
+            <a:br>
+              <a:rPr lang="en-US" dirty="0"/>
+            </a:br>
+            <a:r>
+              <a:rPr lang="en-US" dirty="0"/>
+              <a:t>  short &lt; int </a:t>
+            </a:r>
+          </a:p>
+          <a:p>
+            <a:pPr>
+              <a:defRPr/>
+            </a:pPr>
+            <a:r>
+              <a:rPr lang="en-US" dirty="0"/>
+              <a:t>It is easy to see that the shorts are a subset of the integer values</a:t>
+            </a:r>
+          </a:p>
+          <a:p>
+            <a:pPr>
+              <a:defRPr/>
+            </a:pPr>
+            <a:r>
+              <a:rPr lang="en-US" dirty="0"/>
+              <a:t>The green arrow represents a widening type conversion is always safe</a:t>
+            </a:r>
+          </a:p>
+          <a:p>
+            <a:pPr>
+              <a:defRPr/>
+            </a:pPr>
+            <a:r>
+              <a:rPr lang="en-US" dirty="0"/>
+              <a:t>The red arrow represents a narrowing type conversion and is never safe</a:t>
+            </a:r>
+          </a:p>
+          <a:p>
+            <a:pPr>
+              <a:defRPr/>
+            </a:pPr>
+            <a:endParaRPr lang="en-US" dirty="0"/>
+          </a:p>
+          <a:p>
+            <a:pPr>
+              <a:defRPr/>
+            </a:pPr>
+            <a:endParaRPr lang="en-US" dirty="0"/>
+          </a:p>
+        </p:txBody>
+      </p:sp>
+      <p:sp>
+        <p:nvSpPr>
+          <p:cNvPr id="27651" name="Oval 4">
+            <a:extLst>
+              <a:ext uri="{FF2B5EF4-FFF2-40B4-BE49-F238E27FC236}">
+                <a16:creationId xmlns:a16="http://schemas.microsoft.com/office/drawing/2014/main" id="{E3505BDF-9A29-EF4F-9C48-C7960C96794A}"/>
+              </a:ext>
+            </a:extLst>
+          </p:cNvPr>
+          <p:cNvSpPr>
+            <a:spLocks noChangeArrowheads="1"/>
+          </p:cNvSpPr>
+          <p:nvPr/>
+        </p:nvSpPr>
+        <p:spPr bwMode="auto">
+          <a:xfrm>
+            <a:off x="5105400" y="2057400"/>
+            <a:ext cx="2438400" cy="2438400"/>
+          </a:xfrm>
+          <a:prstGeom prst="ellipse">
+            <a:avLst/>
+          </a:prstGeom>
+          <a:noFill/>
+          <a:ln w="9525" algn="ctr">
+            <a:solidFill>
+              <a:schemeClr val="tx1"/>
+            </a:solidFill>
+            <a:round/>
+            <a:headEnd/>
+            <a:tailEnd/>
+          </a:ln>
+          <a:extLst>
+            <a:ext uri="{909E8E84-426E-40DD-AFC4-6F175D3DCCD1}">
+              <a14:hiddenFill xmlns:a14="http://schemas.microsoft.com/office/drawing/2010/main">
+                <a:solidFill>
+                  <a:srgbClr val="FFFFFF"/>
+                </a:solidFill>
+              </a14:hiddenFill>
+            </a:ext>
+          </a:extLst>
+        </p:spPr>
+        <p:txBody>
+          <a:bodyPr/>
+          <a:lstStyle>
+            <a:lvl1pPr>
+              <a:spcBef>
+                <a:spcPct val="20000"/>
+              </a:spcBef>
+              <a:buClr>
+                <a:schemeClr val="hlink"/>
+              </a:buClr>
+              <a:buSzPct val="80000"/>
+              <a:buFont typeface="Wingdings" pitchFamily="2" charset="2"/>
+              <a:buChar char="l"/>
+              <a:defRPr sz="3200">
+                <a:solidFill>
+                  <a:schemeClr val="tx1"/>
+                </a:solidFill>
+                <a:latin typeface="Arial" panose="020B0604020202020204" pitchFamily="34" charset="0"/>
+                <a:ea typeface="ＭＳ Ｐゴシック" panose="020B0600070205080204" pitchFamily="34" charset="-128"/>
+              </a:defRPr>
+            </a:lvl1pPr>
+            <a:lvl2pPr marL="742950" indent="-285750">
+              <a:spcBef>
+                <a:spcPct val="20000"/>
+              </a:spcBef>
+              <a:buClr>
+                <a:schemeClr val="accent1"/>
+              </a:buClr>
+              <a:buSzPct val="70000"/>
+              <a:buFont typeface="Wingdings" pitchFamily="2" charset="2"/>
+              <a:buChar char="l"/>
+              <a:defRPr sz="2800">
+                <a:solidFill>
+                  <a:schemeClr val="tx1"/>
+                </a:solidFill>
+                <a:latin typeface="Arial" panose="020B0604020202020204" pitchFamily="34" charset="0"/>
+                <a:ea typeface="ＭＳ Ｐゴシック" panose="020B0600070205080204" pitchFamily="34" charset="-128"/>
+              </a:defRPr>
+            </a:lvl2pPr>
+            <a:lvl3pPr marL="1143000" indent="-228600">
+              <a:spcBef>
+                <a:spcPct val="20000"/>
+              </a:spcBef>
+              <a:buClr>
+                <a:schemeClr val="bg2"/>
+              </a:buClr>
+              <a:buSzPct val="65000"/>
+              <a:buFont typeface="Wingdings" pitchFamily="2" charset="2"/>
+              <a:buChar char="l"/>
+              <a:defRPr sz="2400">
+                <a:solidFill>
+                  <a:schemeClr val="tx1"/>
+                </a:solidFill>
+                <a:latin typeface="Arial" panose="020B0604020202020204" pitchFamily="34" charset="0"/>
+                <a:ea typeface="ＭＳ Ｐゴシック" panose="020B0600070205080204" pitchFamily="34" charset="-128"/>
+              </a:defRPr>
+            </a:lvl3pPr>
+            <a:lvl4pPr marL="1600200" indent="-228600">
+              <a:spcBef>
+                <a:spcPct val="20000"/>
+              </a:spcBef>
+              <a:buClr>
+                <a:schemeClr val="hlink"/>
+              </a:buClr>
+              <a:buSzPct val="60000"/>
+              <a:buFont typeface="Wingdings" pitchFamily="2" charset="2"/>
+              <a:buChar char="l"/>
+              <a:defRPr sz="2000">
+                <a:solidFill>
+                  <a:schemeClr val="tx1"/>
+                </a:solidFill>
+                <a:latin typeface="Arial" panose="020B0604020202020204" pitchFamily="34" charset="0"/>
+                <a:ea typeface="ＭＳ Ｐゴシック" panose="020B0600070205080204" pitchFamily="34" charset="-128"/>
+              </a:defRPr>
+            </a:lvl4pPr>
+            <a:lvl5pPr marL="2057400" indent="-228600">
+              <a:spcBef>
+                <a:spcPct val="20000"/>
+              </a:spcBef>
+              <a:buClr>
+                <a:schemeClr val="bg2"/>
+              </a:buClr>
+              <a:buSzPct val="40000"/>
+              <a:buFont typeface="Wingdings" pitchFamily="2" charset="2"/>
+              <a:buChar char="l"/>
+              <a:defRPr sz="2000">
+                <a:solidFill>
+                  <a:schemeClr val="tx1"/>
+                </a:solidFill>
+                <a:latin typeface="Arial" panose="020B0604020202020204" pitchFamily="34" charset="0"/>
+                <a:ea typeface="ＭＳ Ｐゴシック" panose="020B0600070205080204" pitchFamily="34" charset="-128"/>
+              </a:defRPr>
+            </a:lvl5pPr>
+            <a:lvl6pPr marL="2514600" indent="-228600" eaLnBrk="0" fontAlgn="base" hangingPunct="0">
+              <a:spcBef>
+                <a:spcPct val="20000"/>
+              </a:spcBef>
+              <a:spcAft>
+                <a:spcPct val="0"/>
+              </a:spcAft>
+              <a:buClr>
+                <a:schemeClr val="bg2"/>
+              </a:buClr>
+              <a:buSzPct val="40000"/>
+              <a:buFont typeface="Wingdings" pitchFamily="2" charset="2"/>
+              <a:buChar char="l"/>
+              <a:defRPr sz="2000">
+                <a:solidFill>
+                  <a:schemeClr val="tx1"/>
+                </a:solidFill>
+                <a:latin typeface="Arial" panose="020B0604020202020204" pitchFamily="34" charset="0"/>
+                <a:ea typeface="ＭＳ Ｐゴシック" panose="020B0600070205080204" pitchFamily="34" charset="-128"/>
+              </a:defRPr>
+            </a:lvl6pPr>
+            <a:lvl7pPr marL="2971800" indent="-228600" eaLnBrk="0" fontAlgn="base" hangingPunct="0">
+              <a:spcBef>
+                <a:spcPct val="20000"/>
+              </a:spcBef>
+              <a:spcAft>
+                <a:spcPct val="0"/>
+              </a:spcAft>
+              <a:buClr>
+                <a:schemeClr val="bg2"/>
+              </a:buClr>
+              <a:buSzPct val="40000"/>
+              <a:buFont typeface="Wingdings" pitchFamily="2" charset="2"/>
+              <a:buChar char="l"/>
+              <a:defRPr sz="2000">
+                <a:solidFill>
+                  <a:schemeClr val="tx1"/>
+                </a:solidFill>
+                <a:latin typeface="Arial" panose="020B0604020202020204" pitchFamily="34" charset="0"/>
+                <a:ea typeface="ＭＳ Ｐゴシック" panose="020B0600070205080204" pitchFamily="34" charset="-128"/>
+              </a:defRPr>
+            </a:lvl7pPr>
+            <a:lvl8pPr marL="3429000" indent="-228600" eaLnBrk="0" fontAlgn="base" hangingPunct="0">
+              <a:spcBef>
+                <a:spcPct val="20000"/>
+              </a:spcBef>
+              <a:spcAft>
+                <a:spcPct val="0"/>
+              </a:spcAft>
+              <a:buClr>
+                <a:schemeClr val="bg2"/>
+              </a:buClr>
+              <a:buSzPct val="40000"/>
+              <a:buFont typeface="Wingdings" pitchFamily="2" charset="2"/>
+              <a:buChar char="l"/>
+              <a:defRPr sz="2000">
+                <a:solidFill>
+                  <a:schemeClr val="tx1"/>
+                </a:solidFill>
+                <a:latin typeface="Arial" panose="020B0604020202020204" pitchFamily="34" charset="0"/>
+                <a:ea typeface="ＭＳ Ｐゴシック" panose="020B0600070205080204" pitchFamily="34" charset="-128"/>
+              </a:defRPr>
+            </a:lvl8pPr>
+            <a:lvl9pPr marL="3886200" indent="-228600" eaLnBrk="0" fontAlgn="base" hangingPunct="0">
+              <a:spcBef>
+                <a:spcPct val="20000"/>
+              </a:spcBef>
+              <a:spcAft>
+                <a:spcPct val="0"/>
+              </a:spcAft>
+              <a:buClr>
+                <a:schemeClr val="bg2"/>
+              </a:buClr>
+              <a:buSzPct val="40000"/>
+              <a:buFont typeface="Wingdings" pitchFamily="2" charset="2"/>
+              <a:buChar char="l"/>
+              <a:defRPr sz="2000">
+                <a:solidFill>
+                  <a:schemeClr val="tx1"/>
+                </a:solidFill>
+                <a:latin typeface="Arial" panose="020B0604020202020204" pitchFamily="34" charset="0"/>
+                <a:ea typeface="ＭＳ Ｐゴシック" panose="020B0600070205080204" pitchFamily="34" charset="-128"/>
+              </a:defRPr>
+            </a:lvl9pPr>
+          </a:lstStyle>
+          <a:p>
+            <a:pPr>
+              <a:spcBef>
+                <a:spcPct val="0"/>
+              </a:spcBef>
+              <a:buClrTx/>
+              <a:buSzTx/>
+              <a:buFontTx/>
+              <a:buNone/>
+            </a:pPr>
+            <a:endParaRPr lang="en-US" altLang="en-US" sz="300">
+              <a:solidFill>
+                <a:srgbClr val="FF3300"/>
+              </a:solidFill>
+            </a:endParaRPr>
+          </a:p>
+        </p:txBody>
+      </p:sp>
+      <p:sp>
+        <p:nvSpPr>
+          <p:cNvPr id="27652" name="Oval 5">
+            <a:extLst>
+              <a:ext uri="{FF2B5EF4-FFF2-40B4-BE49-F238E27FC236}">
+                <a16:creationId xmlns:a16="http://schemas.microsoft.com/office/drawing/2014/main" id="{332B02B1-B970-054D-97B3-097D8A66A3F7}"/>
+              </a:ext>
+            </a:extLst>
+          </p:cNvPr>
+          <p:cNvSpPr>
+            <a:spLocks noChangeArrowheads="1"/>
+          </p:cNvSpPr>
+          <p:nvPr/>
+        </p:nvSpPr>
+        <p:spPr bwMode="auto">
+          <a:xfrm>
+            <a:off x="5486400" y="3048000"/>
+            <a:ext cx="1143000" cy="1143000"/>
+          </a:xfrm>
+          <a:prstGeom prst="ellipse">
+            <a:avLst/>
+          </a:prstGeom>
+          <a:noFill/>
+          <a:ln w="9525" algn="ctr">
+            <a:solidFill>
+              <a:schemeClr val="tx1"/>
+            </a:solidFill>
+            <a:round/>
+            <a:headEnd/>
+            <a:tailEnd/>
+          </a:ln>
+          <a:extLst>
+            <a:ext uri="{909E8E84-426E-40DD-AFC4-6F175D3DCCD1}">
+              <a14:hiddenFill xmlns:a14="http://schemas.microsoft.com/office/drawing/2010/main">
+                <a:solidFill>
+                  <a:srgbClr val="FFFFFF"/>
+                </a:solidFill>
+              </a14:hiddenFill>
+            </a:ext>
+          </a:extLst>
+        </p:spPr>
+        <p:txBody>
+          <a:bodyPr/>
+          <a:lstStyle>
+            <a:lvl1pPr>
+              <a:spcBef>
+                <a:spcPct val="20000"/>
+              </a:spcBef>
+              <a:buClr>
+                <a:schemeClr val="hlink"/>
+              </a:buClr>
+              <a:buSzPct val="80000"/>
+              <a:buFont typeface="Wingdings" pitchFamily="2" charset="2"/>
+              <a:buChar char="l"/>
+              <a:defRPr sz="3200">
+                <a:solidFill>
+                  <a:schemeClr val="tx1"/>
+                </a:solidFill>
+                <a:latin typeface="Arial" panose="020B0604020202020204" pitchFamily="34" charset="0"/>
+                <a:ea typeface="ＭＳ Ｐゴシック" panose="020B0600070205080204" pitchFamily="34" charset="-128"/>
+              </a:defRPr>
+            </a:lvl1pPr>
+            <a:lvl2pPr marL="742950" indent="-285750">
+              <a:spcBef>
+                <a:spcPct val="20000"/>
+              </a:spcBef>
+              <a:buClr>
+                <a:schemeClr val="accent1"/>
+              </a:buClr>
+              <a:buSzPct val="70000"/>
+              <a:buFont typeface="Wingdings" pitchFamily="2" charset="2"/>
+              <a:buChar char="l"/>
+              <a:defRPr sz="2800">
+                <a:solidFill>
+                  <a:schemeClr val="tx1"/>
+                </a:solidFill>
+                <a:latin typeface="Arial" panose="020B0604020202020204" pitchFamily="34" charset="0"/>
+                <a:ea typeface="ＭＳ Ｐゴシック" panose="020B0600070205080204" pitchFamily="34" charset="-128"/>
+              </a:defRPr>
+            </a:lvl2pPr>
+            <a:lvl3pPr marL="1143000" indent="-228600">
+              <a:spcBef>
+                <a:spcPct val="20000"/>
+              </a:spcBef>
+              <a:buClr>
+                <a:schemeClr val="bg2"/>
+              </a:buClr>
+              <a:buSzPct val="65000"/>
+              <a:buFont typeface="Wingdings" pitchFamily="2" charset="2"/>
+              <a:buChar char="l"/>
+              <a:defRPr sz="2400">
+                <a:solidFill>
+                  <a:schemeClr val="tx1"/>
+                </a:solidFill>
+                <a:latin typeface="Arial" panose="020B0604020202020204" pitchFamily="34" charset="0"/>
+                <a:ea typeface="ＭＳ Ｐゴシック" panose="020B0600070205080204" pitchFamily="34" charset="-128"/>
+              </a:defRPr>
+            </a:lvl3pPr>
+            <a:lvl4pPr marL="1600200" indent="-228600">
+              <a:spcBef>
+                <a:spcPct val="20000"/>
+              </a:spcBef>
+              <a:buClr>
+                <a:schemeClr val="hlink"/>
+              </a:buClr>
+              <a:buSzPct val="60000"/>
+              <a:buFont typeface="Wingdings" pitchFamily="2" charset="2"/>
+              <a:buChar char="l"/>
+              <a:defRPr sz="2000">
+                <a:solidFill>
+                  <a:schemeClr val="tx1"/>
+                </a:solidFill>
+                <a:latin typeface="Arial" panose="020B0604020202020204" pitchFamily="34" charset="0"/>
+                <a:ea typeface="ＭＳ Ｐゴシック" panose="020B0600070205080204" pitchFamily="34" charset="-128"/>
+              </a:defRPr>
+            </a:lvl4pPr>
+            <a:lvl5pPr marL="2057400" indent="-228600">
+              <a:spcBef>
+                <a:spcPct val="20000"/>
+              </a:spcBef>
+              <a:buClr>
+                <a:schemeClr val="bg2"/>
+              </a:buClr>
+              <a:buSzPct val="40000"/>
+              <a:buFont typeface="Wingdings" pitchFamily="2" charset="2"/>
+              <a:buChar char="l"/>
+              <a:defRPr sz="2000">
+                <a:solidFill>
+                  <a:schemeClr val="tx1"/>
+                </a:solidFill>
+                <a:latin typeface="Arial" panose="020B0604020202020204" pitchFamily="34" charset="0"/>
+                <a:ea typeface="ＭＳ Ｐゴシック" panose="020B0600070205080204" pitchFamily="34" charset="-128"/>
+              </a:defRPr>
+            </a:lvl5pPr>
+            <a:lvl6pPr marL="2514600" indent="-228600" eaLnBrk="0" fontAlgn="base" hangingPunct="0">
+              <a:spcBef>
+                <a:spcPct val="20000"/>
+              </a:spcBef>
+              <a:spcAft>
+                <a:spcPct val="0"/>
+              </a:spcAft>
+              <a:buClr>
+                <a:schemeClr val="bg2"/>
+              </a:buClr>
+              <a:buSzPct val="40000"/>
+              <a:buFont typeface="Wingdings" pitchFamily="2" charset="2"/>
+              <a:buChar char="l"/>
+              <a:defRPr sz="2000">
+                <a:solidFill>
+                  <a:schemeClr val="tx1"/>
+                </a:solidFill>
+                <a:latin typeface="Arial" panose="020B0604020202020204" pitchFamily="34" charset="0"/>
+                <a:ea typeface="ＭＳ Ｐゴシック" panose="020B0600070205080204" pitchFamily="34" charset="-128"/>
+              </a:defRPr>
+            </a:lvl6pPr>
+            <a:lvl7pPr marL="2971800" indent="-228600" eaLnBrk="0" fontAlgn="base" hangingPunct="0">
+              <a:spcBef>
+                <a:spcPct val="20000"/>
+              </a:spcBef>
+              <a:spcAft>
+                <a:spcPct val="0"/>
+              </a:spcAft>
+              <a:buClr>
+                <a:schemeClr val="bg2"/>
+              </a:buClr>
+              <a:buSzPct val="40000"/>
+              <a:buFont typeface="Wingdings" pitchFamily="2" charset="2"/>
+              <a:buChar char="l"/>
+              <a:defRPr sz="2000">
+                <a:solidFill>
+                  <a:schemeClr val="tx1"/>
+                </a:solidFill>
+                <a:latin typeface="Arial" panose="020B0604020202020204" pitchFamily="34" charset="0"/>
+                <a:ea typeface="ＭＳ Ｐゴシック" panose="020B0600070205080204" pitchFamily="34" charset="-128"/>
+              </a:defRPr>
+            </a:lvl7pPr>
+            <a:lvl8pPr marL="3429000" indent="-228600" eaLnBrk="0" fontAlgn="base" hangingPunct="0">
+              <a:spcBef>
+                <a:spcPct val="20000"/>
+              </a:spcBef>
+              <a:spcAft>
+                <a:spcPct val="0"/>
+              </a:spcAft>
+              <a:buClr>
+                <a:schemeClr val="bg2"/>
+              </a:buClr>
+              <a:buSzPct val="40000"/>
+              <a:buFont typeface="Wingdings" pitchFamily="2" charset="2"/>
+              <a:buChar char="l"/>
+              <a:defRPr sz="2000">
+                <a:solidFill>
+                  <a:schemeClr val="tx1"/>
+                </a:solidFill>
+                <a:latin typeface="Arial" panose="020B0604020202020204" pitchFamily="34" charset="0"/>
+                <a:ea typeface="ＭＳ Ｐゴシック" panose="020B0600070205080204" pitchFamily="34" charset="-128"/>
+              </a:defRPr>
+            </a:lvl8pPr>
+            <a:lvl9pPr marL="3886200" indent="-228600" eaLnBrk="0" fontAlgn="base" hangingPunct="0">
+              <a:spcBef>
+                <a:spcPct val="20000"/>
+              </a:spcBef>
+              <a:spcAft>
+                <a:spcPct val="0"/>
+              </a:spcAft>
+              <a:buClr>
+                <a:schemeClr val="bg2"/>
+              </a:buClr>
+              <a:buSzPct val="40000"/>
+              <a:buFont typeface="Wingdings" pitchFamily="2" charset="2"/>
+              <a:buChar char="l"/>
+              <a:defRPr sz="2000">
+                <a:solidFill>
+                  <a:schemeClr val="tx1"/>
+                </a:solidFill>
+                <a:latin typeface="Arial" panose="020B0604020202020204" pitchFamily="34" charset="0"/>
+                <a:ea typeface="ＭＳ Ｐゴシック" panose="020B0600070205080204" pitchFamily="34" charset="-128"/>
+              </a:defRPr>
+            </a:lvl9pPr>
+          </a:lstStyle>
+          <a:p>
+            <a:pPr>
+              <a:spcBef>
+                <a:spcPct val="0"/>
+              </a:spcBef>
+              <a:buClrTx/>
+              <a:buSzTx/>
+              <a:buFontTx/>
+              <a:buNone/>
+            </a:pPr>
+            <a:endParaRPr lang="en-US" altLang="en-US" sz="300">
+              <a:solidFill>
+                <a:srgbClr val="FF3300"/>
+              </a:solidFill>
+            </a:endParaRPr>
+          </a:p>
+        </p:txBody>
+      </p:sp>
+      <p:sp>
+        <p:nvSpPr>
+          <p:cNvPr id="27653" name="TextBox 6">
+            <a:extLst>
+              <a:ext uri="{FF2B5EF4-FFF2-40B4-BE49-F238E27FC236}">
+                <a16:creationId xmlns:a16="http://schemas.microsoft.com/office/drawing/2014/main" id="{E617297D-EA27-CE49-8BEC-67098259231C}"/>
+              </a:ext>
+            </a:extLst>
+          </p:cNvPr>
+          <p:cNvSpPr txBox="1">
+            <a:spLocks noChangeArrowheads="1"/>
+          </p:cNvSpPr>
+          <p:nvPr/>
+        </p:nvSpPr>
+        <p:spPr bwMode="auto">
+          <a:xfrm>
+            <a:off x="6227763" y="2438400"/>
+            <a:ext cx="401637" cy="338138"/>
+          </a:xfrm>
+          <a:prstGeom prst="rect">
+            <a:avLst/>
+          </a:prstGeom>
+          <a:noFill/>
+          <a:ln>
+            <a:noFill/>
+          </a:ln>
+          <a:extLst>
+            <a:ext uri="{909E8E84-426E-40DD-AFC4-6F175D3DCCD1}">
+              <a14:hiddenFill xmlns:a14="http://schemas.microsoft.com/office/drawing/2010/main">
+                <a:solidFill>
+                  <a:srgbClr val="FFFFFF"/>
+                </a:solidFill>
+              </a14:hiddenFill>
+            </a:ext>
+            <a:ext uri="{91240B29-F687-4F45-9708-019B960494DF}">
+              <a14:hiddenLine xmlns:a14="http://schemas.microsoft.com/office/drawing/2010/main" w="9525">
+                <a:solidFill>
+                  <a:srgbClr val="000000"/>
+                </a:solidFill>
+                <a:miter lim="800000"/>
+                <a:headEnd/>
+                <a:tailEnd/>
+              </a14:hiddenLine>
+            </a:ext>
+          </a:extLst>
+        </p:spPr>
+        <p:txBody>
+          <a:bodyPr wrap="none">
+            <a:spAutoFit/>
+          </a:bodyPr>
+          <a:lstStyle>
+            <a:lvl1pPr>
+              <a:spcBef>
+                <a:spcPct val="20000"/>
+              </a:spcBef>
+              <a:buClr>
+                <a:schemeClr val="hlink"/>
+              </a:buClr>
+              <a:buSzPct val="80000"/>
+              <a:buFont typeface="Wingdings" pitchFamily="2" charset="2"/>
+              <a:buChar char="l"/>
+              <a:defRPr sz="3200">
+                <a:solidFill>
+                  <a:schemeClr val="tx1"/>
+                </a:solidFill>
+                <a:latin typeface="Arial" panose="020B0604020202020204" pitchFamily="34" charset="0"/>
+                <a:ea typeface="ＭＳ Ｐゴシック" panose="020B0600070205080204" pitchFamily="34" charset="-128"/>
+              </a:defRPr>
+            </a:lvl1pPr>
+            <a:lvl2pPr marL="742950" indent="-285750">
+              <a:spcBef>
+                <a:spcPct val="20000"/>
+              </a:spcBef>
+              <a:buClr>
+                <a:schemeClr val="accent1"/>
+              </a:buClr>
+              <a:buSzPct val="70000"/>
+              <a:buFont typeface="Wingdings" pitchFamily="2" charset="2"/>
+              <a:buChar char="l"/>
+              <a:defRPr sz="2800">
+                <a:solidFill>
+                  <a:schemeClr val="tx1"/>
+                </a:solidFill>
+                <a:latin typeface="Arial" panose="020B0604020202020204" pitchFamily="34" charset="0"/>
+                <a:ea typeface="ＭＳ Ｐゴシック" panose="020B0600070205080204" pitchFamily="34" charset="-128"/>
+              </a:defRPr>
+            </a:lvl2pPr>
+            <a:lvl3pPr marL="1143000" indent="-228600">
+              <a:spcBef>
+                <a:spcPct val="20000"/>
+              </a:spcBef>
+              <a:buClr>
+                <a:schemeClr val="bg2"/>
+              </a:buClr>
+              <a:buSzPct val="65000"/>
+              <a:buFont typeface="Wingdings" pitchFamily="2" charset="2"/>
+              <a:buChar char="l"/>
+              <a:defRPr sz="2400">
+                <a:solidFill>
+                  <a:schemeClr val="tx1"/>
+                </a:solidFill>
+                <a:latin typeface="Arial" panose="020B0604020202020204" pitchFamily="34" charset="0"/>
+                <a:ea typeface="ＭＳ Ｐゴシック" panose="020B0600070205080204" pitchFamily="34" charset="-128"/>
+              </a:defRPr>
+            </a:lvl3pPr>
+            <a:lvl4pPr marL="1600200" indent="-228600">
+              <a:spcBef>
+                <a:spcPct val="20000"/>
+              </a:spcBef>
+              <a:buClr>
+                <a:schemeClr val="hlink"/>
+              </a:buClr>
+              <a:buSzPct val="60000"/>
+              <a:buFont typeface="Wingdings" pitchFamily="2" charset="2"/>
+              <a:buChar char="l"/>
+              <a:defRPr sz="2000">
+                <a:solidFill>
+                  <a:schemeClr val="tx1"/>
+                </a:solidFill>
+                <a:latin typeface="Arial" panose="020B0604020202020204" pitchFamily="34" charset="0"/>
+                <a:ea typeface="ＭＳ Ｐゴシック" panose="020B0600070205080204" pitchFamily="34" charset="-128"/>
+              </a:defRPr>
+            </a:lvl4pPr>
+            <a:lvl5pPr marL="2057400" indent="-228600">
+              <a:spcBef>
+                <a:spcPct val="20000"/>
+              </a:spcBef>
+              <a:buClr>
+                <a:schemeClr val="bg2"/>
+              </a:buClr>
+              <a:buSzPct val="40000"/>
+              <a:buFont typeface="Wingdings" pitchFamily="2" charset="2"/>
+              <a:buChar char="l"/>
+              <a:defRPr sz="2000">
+                <a:solidFill>
+                  <a:schemeClr val="tx1"/>
+                </a:solidFill>
+                <a:latin typeface="Arial" panose="020B0604020202020204" pitchFamily="34" charset="0"/>
+                <a:ea typeface="ＭＳ Ｐゴシック" panose="020B0600070205080204" pitchFamily="34" charset="-128"/>
+              </a:defRPr>
+            </a:lvl5pPr>
+            <a:lvl6pPr marL="2514600" indent="-228600" eaLnBrk="0" fontAlgn="base" hangingPunct="0">
+              <a:spcBef>
+                <a:spcPct val="20000"/>
+              </a:spcBef>
+              <a:spcAft>
+                <a:spcPct val="0"/>
+              </a:spcAft>
+              <a:buClr>
+                <a:schemeClr val="bg2"/>
+              </a:buClr>
+              <a:buSzPct val="40000"/>
+              <a:buFont typeface="Wingdings" pitchFamily="2" charset="2"/>
+              <a:buChar char="l"/>
+              <a:defRPr sz="2000">
+                <a:solidFill>
+                  <a:schemeClr val="tx1"/>
+                </a:solidFill>
+                <a:latin typeface="Arial" panose="020B0604020202020204" pitchFamily="34" charset="0"/>
+                <a:ea typeface="ＭＳ Ｐゴシック" panose="020B0600070205080204" pitchFamily="34" charset="-128"/>
+              </a:defRPr>
+            </a:lvl6pPr>
+            <a:lvl7pPr marL="2971800" indent="-228600" eaLnBrk="0" fontAlgn="base" hangingPunct="0">
+              <a:spcBef>
+                <a:spcPct val="20000"/>
+              </a:spcBef>
+              <a:spcAft>
+                <a:spcPct val="0"/>
+              </a:spcAft>
+              <a:buClr>
+                <a:schemeClr val="bg2"/>
+              </a:buClr>
+              <a:buSzPct val="40000"/>
+              <a:buFont typeface="Wingdings" pitchFamily="2" charset="2"/>
+              <a:buChar char="l"/>
+              <a:defRPr sz="2000">
+                <a:solidFill>
+                  <a:schemeClr val="tx1"/>
+                </a:solidFill>
+                <a:latin typeface="Arial" panose="020B0604020202020204" pitchFamily="34" charset="0"/>
+                <a:ea typeface="ＭＳ Ｐゴシック" panose="020B0600070205080204" pitchFamily="34" charset="-128"/>
+              </a:defRPr>
+            </a:lvl7pPr>
+            <a:lvl8pPr marL="3429000" indent="-228600" eaLnBrk="0" fontAlgn="base" hangingPunct="0">
+              <a:spcBef>
+                <a:spcPct val="20000"/>
+              </a:spcBef>
+              <a:spcAft>
+                <a:spcPct val="0"/>
+              </a:spcAft>
+              <a:buClr>
+                <a:schemeClr val="bg2"/>
+              </a:buClr>
+              <a:buSzPct val="40000"/>
+              <a:buFont typeface="Wingdings" pitchFamily="2" charset="2"/>
+              <a:buChar char="l"/>
+              <a:defRPr sz="2000">
+                <a:solidFill>
+                  <a:schemeClr val="tx1"/>
+                </a:solidFill>
+                <a:latin typeface="Arial" panose="020B0604020202020204" pitchFamily="34" charset="0"/>
+                <a:ea typeface="ＭＳ Ｐゴシック" panose="020B0600070205080204" pitchFamily="34" charset="-128"/>
+              </a:defRPr>
+            </a:lvl8pPr>
+            <a:lvl9pPr marL="3886200" indent="-228600" eaLnBrk="0" fontAlgn="base" hangingPunct="0">
+              <a:spcBef>
+                <a:spcPct val="20000"/>
+              </a:spcBef>
+              <a:spcAft>
+                <a:spcPct val="0"/>
+              </a:spcAft>
+              <a:buClr>
+                <a:schemeClr val="bg2"/>
+              </a:buClr>
+              <a:buSzPct val="40000"/>
+              <a:buFont typeface="Wingdings" pitchFamily="2" charset="2"/>
+              <a:buChar char="l"/>
+              <a:defRPr sz="2000">
+                <a:solidFill>
+                  <a:schemeClr val="tx1"/>
+                </a:solidFill>
+                <a:latin typeface="Arial" panose="020B0604020202020204" pitchFamily="34" charset="0"/>
+                <a:ea typeface="ＭＳ Ｐゴシック" panose="020B0600070205080204" pitchFamily="34" charset="-128"/>
+              </a:defRPr>
+            </a:lvl9pPr>
+          </a:lstStyle>
+          <a:p>
+            <a:pPr>
+              <a:spcBef>
+                <a:spcPct val="0"/>
+              </a:spcBef>
+              <a:buClrTx/>
+              <a:buSzTx/>
+              <a:buFontTx/>
+              <a:buNone/>
+            </a:pPr>
+            <a:r>
+              <a:rPr lang="en-US" altLang="en-US" sz="1600"/>
+              <a:t>int</a:t>
+            </a:r>
+          </a:p>
+        </p:txBody>
+      </p:sp>
+      <p:sp>
+        <p:nvSpPr>
+          <p:cNvPr id="27654" name="TextBox 7">
+            <a:extLst>
+              <a:ext uri="{FF2B5EF4-FFF2-40B4-BE49-F238E27FC236}">
+                <a16:creationId xmlns:a16="http://schemas.microsoft.com/office/drawing/2014/main" id="{64C3920B-9EAD-B546-A486-B056D1FAE01C}"/>
+              </a:ext>
+            </a:extLst>
+          </p:cNvPr>
+          <p:cNvSpPr txBox="1">
+            <a:spLocks noChangeArrowheads="1"/>
+          </p:cNvSpPr>
+          <p:nvPr/>
+        </p:nvSpPr>
+        <p:spPr bwMode="auto">
+          <a:xfrm>
+            <a:off x="5715000" y="3429000"/>
+            <a:ext cx="641350" cy="338138"/>
+          </a:xfrm>
+          <a:prstGeom prst="rect">
+            <a:avLst/>
+          </a:prstGeom>
+          <a:noFill/>
+          <a:ln>
+            <a:noFill/>
+          </a:ln>
+          <a:extLst>
+            <a:ext uri="{909E8E84-426E-40DD-AFC4-6F175D3DCCD1}">
+              <a14:hiddenFill xmlns:a14="http://schemas.microsoft.com/office/drawing/2010/main">
+                <a:solidFill>
+                  <a:srgbClr val="FFFFFF"/>
+                </a:solidFill>
+              </a14:hiddenFill>
+            </a:ext>
+            <a:ext uri="{91240B29-F687-4F45-9708-019B960494DF}">
+              <a14:hiddenLine xmlns:a14="http://schemas.microsoft.com/office/drawing/2010/main" w="9525">
+                <a:solidFill>
+                  <a:srgbClr val="000000"/>
+                </a:solidFill>
+                <a:miter lim="800000"/>
+                <a:headEnd/>
+                <a:tailEnd/>
+              </a14:hiddenLine>
+            </a:ext>
+          </a:extLst>
+        </p:spPr>
+        <p:txBody>
+          <a:bodyPr wrap="none">
+            <a:spAutoFit/>
+          </a:bodyPr>
+          <a:lstStyle>
+            <a:lvl1pPr>
+              <a:spcBef>
+                <a:spcPct val="20000"/>
+              </a:spcBef>
+              <a:buClr>
+                <a:schemeClr val="hlink"/>
+              </a:buClr>
+              <a:buSzPct val="80000"/>
+              <a:buFont typeface="Wingdings" pitchFamily="2" charset="2"/>
+              <a:buChar char="l"/>
+              <a:defRPr sz="3200">
+                <a:solidFill>
+                  <a:schemeClr val="tx1"/>
+                </a:solidFill>
+                <a:latin typeface="Arial" panose="020B0604020202020204" pitchFamily="34" charset="0"/>
+                <a:ea typeface="ＭＳ Ｐゴシック" panose="020B0600070205080204" pitchFamily="34" charset="-128"/>
+              </a:defRPr>
+            </a:lvl1pPr>
+            <a:lvl2pPr marL="742950" indent="-285750">
+              <a:spcBef>
+                <a:spcPct val="20000"/>
+              </a:spcBef>
+              <a:buClr>
+                <a:schemeClr val="accent1"/>
+              </a:buClr>
+              <a:buSzPct val="70000"/>
+              <a:buFont typeface="Wingdings" pitchFamily="2" charset="2"/>
+              <a:buChar char="l"/>
+              <a:defRPr sz="2800">
+                <a:solidFill>
+                  <a:schemeClr val="tx1"/>
+                </a:solidFill>
+                <a:latin typeface="Arial" panose="020B0604020202020204" pitchFamily="34" charset="0"/>
+                <a:ea typeface="ＭＳ Ｐゴシック" panose="020B0600070205080204" pitchFamily="34" charset="-128"/>
+              </a:defRPr>
+            </a:lvl2pPr>
+            <a:lvl3pPr marL="1143000" indent="-228600">
+              <a:spcBef>
+                <a:spcPct val="20000"/>
+              </a:spcBef>
+              <a:buClr>
+                <a:schemeClr val="bg2"/>
+              </a:buClr>
+              <a:buSzPct val="65000"/>
+              <a:buFont typeface="Wingdings" pitchFamily="2" charset="2"/>
+              <a:buChar char="l"/>
+              <a:defRPr sz="2400">
+                <a:solidFill>
+                  <a:schemeClr val="tx1"/>
+                </a:solidFill>
+                <a:latin typeface="Arial" panose="020B0604020202020204" pitchFamily="34" charset="0"/>
+                <a:ea typeface="ＭＳ Ｐゴシック" panose="020B0600070205080204" pitchFamily="34" charset="-128"/>
+              </a:defRPr>
+            </a:lvl3pPr>
+            <a:lvl4pPr marL="1600200" indent="-228600">
+              <a:spcBef>
+                <a:spcPct val="20000"/>
+              </a:spcBef>
+              <a:buClr>
+                <a:schemeClr val="hlink"/>
+              </a:buClr>
+              <a:buSzPct val="60000"/>
+              <a:buFont typeface="Wingdings" pitchFamily="2" charset="2"/>
+              <a:buChar char="l"/>
+              <a:defRPr sz="2000">
+                <a:solidFill>
+                  <a:schemeClr val="tx1"/>
+                </a:solidFill>
+                <a:latin typeface="Arial" panose="020B0604020202020204" pitchFamily="34" charset="0"/>
+                <a:ea typeface="ＭＳ Ｐゴシック" panose="020B0600070205080204" pitchFamily="34" charset="-128"/>
+              </a:defRPr>
+            </a:lvl4pPr>
+            <a:lvl5pPr marL="2057400" indent="-228600">
+              <a:spcBef>
+                <a:spcPct val="20000"/>
+              </a:spcBef>
+              <a:buClr>
+                <a:schemeClr val="bg2"/>
+              </a:buClr>
+              <a:buSzPct val="40000"/>
+              <a:buFont typeface="Wingdings" pitchFamily="2" charset="2"/>
+              <a:buChar char="l"/>
+              <a:defRPr sz="2000">
+                <a:solidFill>
+                  <a:schemeClr val="tx1"/>
+                </a:solidFill>
+                <a:latin typeface="Arial" panose="020B0604020202020204" pitchFamily="34" charset="0"/>
+                <a:ea typeface="ＭＳ Ｐゴシック" panose="020B0600070205080204" pitchFamily="34" charset="-128"/>
+              </a:defRPr>
+            </a:lvl5pPr>
+            <a:lvl6pPr marL="2514600" indent="-228600" eaLnBrk="0" fontAlgn="base" hangingPunct="0">
+              <a:spcBef>
+                <a:spcPct val="20000"/>
+              </a:spcBef>
+              <a:spcAft>
+                <a:spcPct val="0"/>
+              </a:spcAft>
+              <a:buClr>
+                <a:schemeClr val="bg2"/>
+              </a:buClr>
+              <a:buSzPct val="40000"/>
+              <a:buFont typeface="Wingdings" pitchFamily="2" charset="2"/>
+              <a:buChar char="l"/>
+              <a:defRPr sz="2000">
+                <a:solidFill>
+                  <a:schemeClr val="tx1"/>
+                </a:solidFill>
+                <a:latin typeface="Arial" panose="020B0604020202020204" pitchFamily="34" charset="0"/>
+                <a:ea typeface="ＭＳ Ｐゴシック" panose="020B0600070205080204" pitchFamily="34" charset="-128"/>
+              </a:defRPr>
+            </a:lvl6pPr>
+            <a:lvl7pPr marL="2971800" indent="-228600" eaLnBrk="0" fontAlgn="base" hangingPunct="0">
+              <a:spcBef>
+                <a:spcPct val="20000"/>
+              </a:spcBef>
+              <a:spcAft>
+                <a:spcPct val="0"/>
+              </a:spcAft>
+              <a:buClr>
+                <a:schemeClr val="bg2"/>
+              </a:buClr>
+              <a:buSzPct val="40000"/>
+              <a:buFont typeface="Wingdings" pitchFamily="2" charset="2"/>
+              <a:buChar char="l"/>
+              <a:defRPr sz="2000">
+                <a:solidFill>
+                  <a:schemeClr val="tx1"/>
+                </a:solidFill>
+                <a:latin typeface="Arial" panose="020B0604020202020204" pitchFamily="34" charset="0"/>
+                <a:ea typeface="ＭＳ Ｐゴシック" panose="020B0600070205080204" pitchFamily="34" charset="-128"/>
+              </a:defRPr>
+            </a:lvl7pPr>
+            <a:lvl8pPr marL="3429000" indent="-228600" eaLnBrk="0" fontAlgn="base" hangingPunct="0">
+              <a:spcBef>
+                <a:spcPct val="20000"/>
+              </a:spcBef>
+              <a:spcAft>
+                <a:spcPct val="0"/>
+              </a:spcAft>
+              <a:buClr>
+                <a:schemeClr val="bg2"/>
+              </a:buClr>
+              <a:buSzPct val="40000"/>
+              <a:buFont typeface="Wingdings" pitchFamily="2" charset="2"/>
+              <a:buChar char="l"/>
+              <a:defRPr sz="2000">
+                <a:solidFill>
+                  <a:schemeClr val="tx1"/>
+                </a:solidFill>
+                <a:latin typeface="Arial" panose="020B0604020202020204" pitchFamily="34" charset="0"/>
+                <a:ea typeface="ＭＳ Ｐゴシック" panose="020B0600070205080204" pitchFamily="34" charset="-128"/>
+              </a:defRPr>
+            </a:lvl8pPr>
+            <a:lvl9pPr marL="3886200" indent="-228600" eaLnBrk="0" fontAlgn="base" hangingPunct="0">
+              <a:spcBef>
+                <a:spcPct val="20000"/>
+              </a:spcBef>
+              <a:spcAft>
+                <a:spcPct val="0"/>
+              </a:spcAft>
+              <a:buClr>
+                <a:schemeClr val="bg2"/>
+              </a:buClr>
+              <a:buSzPct val="40000"/>
+              <a:buFont typeface="Wingdings" pitchFamily="2" charset="2"/>
+              <a:buChar char="l"/>
+              <a:defRPr sz="2000">
+                <a:solidFill>
+                  <a:schemeClr val="tx1"/>
+                </a:solidFill>
+                <a:latin typeface="Arial" panose="020B0604020202020204" pitchFamily="34" charset="0"/>
+                <a:ea typeface="ＭＳ Ｐゴシック" panose="020B0600070205080204" pitchFamily="34" charset="-128"/>
+              </a:defRPr>
+            </a:lvl9pPr>
+          </a:lstStyle>
+          <a:p>
+            <a:pPr>
+              <a:spcBef>
+                <a:spcPct val="0"/>
+              </a:spcBef>
+              <a:buClrTx/>
+              <a:buSzTx/>
+              <a:buFontTx/>
+              <a:buNone/>
+            </a:pPr>
+            <a:r>
+              <a:rPr lang="en-US" altLang="en-US" sz="1600"/>
+              <a:t>short</a:t>
+            </a:r>
+          </a:p>
+        </p:txBody>
+      </p:sp>
+      <p:cxnSp>
+        <p:nvCxnSpPr>
+          <p:cNvPr id="27655" name="Curved Connector 9">
+            <a:extLst>
+              <a:ext uri="{FF2B5EF4-FFF2-40B4-BE49-F238E27FC236}">
+                <a16:creationId xmlns:a16="http://schemas.microsoft.com/office/drawing/2014/main" id="{15EF9875-24AD-A345-9342-FE1A63C9489D}"/>
+              </a:ext>
+            </a:extLst>
+          </p:cNvPr>
+          <p:cNvCxnSpPr>
+            <a:cxnSpLocks noChangeShapeType="1"/>
+            <a:stCxn id="27654" idx="0"/>
+          </p:cNvCxnSpPr>
+          <p:nvPr/>
+        </p:nvCxnSpPr>
+        <p:spPr bwMode="auto">
+          <a:xfrm rot="16200000" flipV="1">
+            <a:off x="5472907" y="2866231"/>
+            <a:ext cx="652462" cy="473075"/>
+          </a:xfrm>
+          <a:prstGeom prst="curvedConnector3">
+            <a:avLst>
+              <a:gd name="adj1" fmla="val 50000"/>
+            </a:avLst>
+          </a:prstGeom>
+          <a:noFill/>
+          <a:ln w="15875" algn="ctr">
+            <a:solidFill>
+              <a:srgbClr val="92D050"/>
+            </a:solidFill>
+            <a:round/>
+            <a:headEnd/>
+            <a:tailEnd type="triangle" w="med" len="med"/>
+          </a:ln>
+          <a:extLst>
+            <a:ext uri="{909E8E84-426E-40DD-AFC4-6F175D3DCCD1}">
+              <a14:hiddenFill xmlns:a14="http://schemas.microsoft.com/office/drawing/2010/main">
+                <a:noFill/>
+              </a14:hiddenFill>
+            </a:ext>
+          </a:extLst>
+        </p:spPr>
+      </p:cxnSp>
+      <p:cxnSp>
+        <p:nvCxnSpPr>
+          <p:cNvPr id="27656" name="Curved Connector 11">
+            <a:extLst>
+              <a:ext uri="{FF2B5EF4-FFF2-40B4-BE49-F238E27FC236}">
+                <a16:creationId xmlns:a16="http://schemas.microsoft.com/office/drawing/2014/main" id="{4FA4B7E3-8B0F-C441-9844-3DAB759935F6}"/>
+              </a:ext>
+            </a:extLst>
+          </p:cNvPr>
+          <p:cNvCxnSpPr>
+            <a:cxnSpLocks/>
+            <a:endCxn id="27654" idx="3"/>
+          </p:cNvCxnSpPr>
+          <p:nvPr/>
+        </p:nvCxnSpPr>
+        <p:spPr bwMode="auto">
+          <a:xfrm rot="5400000">
+            <a:off x="6331743" y="3072607"/>
+            <a:ext cx="550863" cy="501650"/>
+          </a:xfrm>
+          <a:prstGeom prst="curvedConnector2">
+            <a:avLst/>
+          </a:prstGeom>
+          <a:noFill/>
+          <a:ln w="9525" algn="ctr">
+            <a:solidFill>
+              <a:srgbClr val="FF0000"/>
+            </a:solidFill>
+            <a:round/>
+            <a:headEnd/>
+            <a:tailEnd type="triangle" w="med" len="med"/>
+          </a:ln>
+          <a:extLst>
+            <a:ext uri="{909E8E84-426E-40DD-AFC4-6F175D3DCCD1}">
+              <a14:hiddenFill xmlns:a14="http://schemas.microsoft.com/office/drawing/2010/main">
+                <a:noFill/>
+              </a14:hiddenFill>
+            </a:ext>
+          </a:extLst>
+        </p:spPr>
+      </p:cxnSp>
+      <p:sp>
+        <p:nvSpPr>
+          <p:cNvPr id="2" name="TextBox 1">
+            <a:extLst>
+              <a:ext uri="{FF2B5EF4-FFF2-40B4-BE49-F238E27FC236}">
+                <a16:creationId xmlns:a16="http://schemas.microsoft.com/office/drawing/2014/main" id="{EB40E5DC-19ED-B348-B1D5-6F815C52DBC4}"/>
               </a:ext>
             </a:extLst>
           </p:cNvPr>
@@ -7365,8 +10948,8 @@
         </p:nvSpPr>
         <p:spPr>
           <a:xfrm>
-            <a:off x="522514" y="6472052"/>
-            <a:ext cx="6987810" cy="307777"/>
+            <a:off x="950026" y="6139543"/>
+            <a:ext cx="3565400" cy="400110"/>
           </a:xfrm>
           <a:prstGeom prst="rect">
             <a:avLst/>
@@ -7380,39 +10963,13 @@
           <a:lstStyle/>
           <a:p>
             <a:r>
-              <a:rPr lang="en-US" sz="1400" dirty="0"/>
-              <a:t>Image source: https://</a:t>
-            </a:r>
-            <a:r>
-              <a:rPr lang="en-US" sz="1400" dirty="0" err="1"/>
-              <a:t>practical.li</a:t>
-            </a:r>
-            <a:r>
-              <a:rPr lang="en-US" sz="1400" dirty="0"/>
-              <a:t>/</a:t>
-            </a:r>
-            <a:r>
-              <a:rPr lang="en-US" sz="1400" dirty="0" err="1"/>
-              <a:t>clojure</a:t>
-            </a:r>
-            <a:r>
-              <a:rPr lang="en-US" sz="1400" dirty="0"/>
-              <a:t>/concepts/what-is-functional-</a:t>
-            </a:r>
-            <a:r>
-              <a:rPr lang="en-US" sz="1400" dirty="0" err="1"/>
-              <a:t>programming.html</a:t>
-            </a:r>
-            <a:endParaRPr lang="en-US" sz="1400" dirty="0"/>
+              <a:rPr lang="en-US" dirty="0"/>
+              <a:t>e.g. In Rust we have i16 &lt; i32</a:t>
+            </a:r>
           </a:p>
         </p:txBody>
       </p:sp>
     </p:spTree>
-    <p:extLst>
-      <p:ext uri="{BB962C8B-B14F-4D97-AF65-F5344CB8AC3E}">
-        <p14:creationId xmlns:p14="http://schemas.microsoft.com/office/powerpoint/2010/main" val="4164880339"/>
-      </p:ext>
-    </p:extLst>
   </p:cSld>
   <p:clrMapOvr>
     <a:masterClrMapping/>
@@ -7420,7 +10977,7 @@
 </p:sld>
 </file>
 
-<file path=ppt/slides/slide10.xml><?xml version="1.0" encoding="utf-8"?>
+<file path=ppt/slides/slide13.xml><?xml version="1.0" encoding="utf-8"?>
 <p:sld xmlns:a="http://schemas.openxmlformats.org/drawingml/2006/main" xmlns:r="http://schemas.openxmlformats.org/officeDocument/2006/relationships" xmlns:p="http://schemas.openxmlformats.org/presentationml/2006/main">
   <p:cSld>
     <p:spTree>
@@ -7615,7 +11172,7 @@
 </p:sld>
 </file>
 
-<file path=ppt/slides/slide11.xml><?xml version="1.0" encoding="utf-8"?>
+<file path=ppt/slides/slide14.xml><?xml version="1.0" encoding="utf-8"?>
 <p:sld xmlns:a="http://schemas.openxmlformats.org/drawingml/2006/main" xmlns:r="http://schemas.openxmlformats.org/officeDocument/2006/relationships" xmlns:p="http://schemas.openxmlformats.org/presentationml/2006/main">
   <p:cSld>
     <p:spTree>
@@ -7682,22 +11239,29 @@
           <a:lstStyle/>
           <a:p>
             <a:r>
-              <a:rPr lang="en-US" altLang="en-US"/>
+              <a:rPr lang="en-US" altLang="en-US" dirty="0"/>
               <a:t>Fundamental to type checking is the notion of type equivalence:</a:t>
             </a:r>
           </a:p>
           <a:p>
             <a:pPr lvl="1"/>
             <a:r>
-              <a:rPr lang="en-US" altLang="en-US"/>
+              <a:rPr lang="en-US" altLang="en-US" dirty="0"/>
               <a:t>Figuring out whether two type description are equivalent or not</a:t>
             </a:r>
           </a:p>
           <a:p>
             <a:pPr lvl="1"/>
             <a:r>
-              <a:rPr lang="en-US" altLang="en-US"/>
-              <a:t>This is especially important for constructed types like class/struct objects.</a:t>
+              <a:rPr lang="en-US" altLang="en-US" dirty="0"/>
+              <a:t>This is trivial for primitive types</a:t>
+            </a:r>
+          </a:p>
+          <a:p>
+            <a:pPr lvl="1"/>
+            <a:r>
+              <a:rPr lang="en-US" altLang="en-US" dirty="0"/>
+              <a:t>But not so straight forward for constructed types like class/struct objects.</a:t>
             </a:r>
           </a:p>
         </p:txBody>
@@ -7710,7 +11274,7 @@
 </p:sld>
 </file>
 
-<file path=ppt/slides/slide12.xml><?xml version="1.0" encoding="utf-8"?>
+<file path=ppt/slides/slide15.xml><?xml version="1.0" encoding="utf-8"?>
 <p:sld xmlns:a="http://schemas.openxmlformats.org/drawingml/2006/main" xmlns:r="http://schemas.openxmlformats.org/officeDocument/2006/relationships" xmlns:p="http://schemas.openxmlformats.org/presentationml/2006/main">
   <p:cSld>
     <p:spTree>
@@ -8604,7 +12168,7 @@
 </p:sld>
 </file>
 
-<file path=ppt/slides/slide13.xml><?xml version="1.0" encoding="utf-8"?>
+<file path=ppt/slides/slide16.xml><?xml version="1.0" encoding="utf-8"?>
 <p:sld xmlns:a="http://schemas.openxmlformats.org/drawingml/2006/main" xmlns:r="http://schemas.openxmlformats.org/officeDocument/2006/relationships" xmlns:p="http://schemas.openxmlformats.org/presentationml/2006/main">
   <p:cSld>
     <p:spTree>
@@ -9542,7 +13106,7 @@
 </p:sld>
 </file>
 
-<file path=ppt/slides/slide14.xml><?xml version="1.0" encoding="utf-8"?>
+<file path=ppt/slides/slide17.xml><?xml version="1.0" encoding="utf-8"?>
 <p:sld xmlns:a="http://schemas.openxmlformats.org/drawingml/2006/main" xmlns:r="http://schemas.openxmlformats.org/officeDocument/2006/relationships" xmlns:p="http://schemas.openxmlformats.org/presentationml/2006/main">
   <p:cSld>
     <p:spTree>
@@ -9628,7 +13192,7 @@
 </p:sld>
 </file>
 
-<file path=ppt/slides/slide15.xml><?xml version="1.0" encoding="utf-8"?>
+<file path=ppt/slides/slide18.xml><?xml version="1.0" encoding="utf-8"?>
 <p:sld xmlns:a="http://schemas.openxmlformats.org/drawingml/2006/main" xmlns:r="http://schemas.openxmlformats.org/officeDocument/2006/relationships" xmlns:p="http://schemas.openxmlformats.org/presentationml/2006/main">
   <p:cSld>
     <p:spTree>
@@ -9697,7 +13261,7 @@
         </p:spPr>
         <p:txBody>
           <a:bodyPr>
-            <a:normAutofit/>
+            <a:normAutofit fontScale="92500"/>
           </a:bodyPr>
           <a:lstStyle/>
           <a:p>
@@ -9710,7 +13274,7 @@
             <a:pPr lvl="1"/>
             <a:r>
               <a:rPr lang="en-US" dirty="0"/>
-              <a:t>int and str are not related in Python</a:t>
+              <a:t>int and str are not part of a common type hierarchy.</a:t>
             </a:r>
           </a:p>
         </p:txBody>
@@ -9763,7 +13327,7 @@
 </p:sld>
 </file>
 
-<file path=ppt/slides/slide16.xml><?xml version="1.0" encoding="utf-8"?>
+<file path=ppt/slides/slide19.xml><?xml version="1.0" encoding="utf-8"?>
 <p:sld xmlns:a="http://schemas.openxmlformats.org/drawingml/2006/main" xmlns:r="http://schemas.openxmlformats.org/officeDocument/2006/relationships" xmlns:p="http://schemas.openxmlformats.org/presentationml/2006/main">
   <p:cSld>
     <p:spTree>
@@ -9933,7 +13497,402 @@
 </p:sld>
 </file>
 
-<file path=ppt/slides/slide17.xml><?xml version="1.0" encoding="utf-8"?>
+<file path=ppt/slides/slide2.xml><?xml version="1.0" encoding="utf-8"?>
+<p:sld xmlns:a="http://schemas.openxmlformats.org/drawingml/2006/main" xmlns:r="http://schemas.openxmlformats.org/officeDocument/2006/relationships" xmlns:p="http://schemas.openxmlformats.org/presentationml/2006/main">
+  <p:cSld>
+    <p:spTree>
+      <p:nvGrpSpPr>
+        <p:cNvPr id="1" name=""/>
+        <p:cNvGrpSpPr/>
+        <p:nvPr/>
+      </p:nvGrpSpPr>
+      <p:grpSpPr>
+        <a:xfrm>
+          <a:off x="0" y="0"/>
+          <a:ext cx="0" cy="0"/>
+          <a:chOff x="0" y="0"/>
+          <a:chExt cx="0" cy="0"/>
+        </a:xfrm>
+      </p:grpSpPr>
+      <p:sp>
+        <p:nvSpPr>
+          <p:cNvPr id="2" name="Title 1">
+            <a:extLst>
+              <a:ext uri="{FF2B5EF4-FFF2-40B4-BE49-F238E27FC236}">
+                <a16:creationId xmlns:a16="http://schemas.microsoft.com/office/drawing/2014/main" id="{E58BFF32-4381-B241-AAA3-64688BF5F9D4}"/>
+              </a:ext>
+            </a:extLst>
+          </p:cNvPr>
+          <p:cNvSpPr>
+            <a:spLocks noGrp="1"/>
+          </p:cNvSpPr>
+          <p:nvPr>
+            <p:ph type="title"/>
+          </p:nvPr>
+        </p:nvSpPr>
+        <p:spPr>
+          <a:xfrm>
+            <a:off x="1524000" y="331500"/>
+            <a:ext cx="4572000" cy="1527175"/>
+          </a:xfrm>
+        </p:spPr>
+        <p:txBody>
+          <a:bodyPr/>
+          <a:lstStyle/>
+          <a:p>
+            <a:r>
+              <a:rPr lang="en-US" dirty="0"/>
+              <a:t>The von Newman Architecture</a:t>
+            </a:r>
+          </a:p>
+        </p:txBody>
+      </p:sp>
+      <p:sp>
+        <p:nvSpPr>
+          <p:cNvPr id="3" name="Content Placeholder 2">
+            <a:extLst>
+              <a:ext uri="{FF2B5EF4-FFF2-40B4-BE49-F238E27FC236}">
+                <a16:creationId xmlns:a16="http://schemas.microsoft.com/office/drawing/2014/main" id="{C58E89D0-A09C-7A44-B3E7-CD3C69C54D6A}"/>
+              </a:ext>
+            </a:extLst>
+          </p:cNvPr>
+          <p:cNvSpPr>
+            <a:spLocks noGrp="1"/>
+          </p:cNvSpPr>
+          <p:nvPr>
+            <p:ph idx="1"/>
+          </p:nvPr>
+        </p:nvSpPr>
+        <p:spPr>
+          <a:xfrm>
+            <a:off x="4800600" y="2514600"/>
+            <a:ext cx="3733800" cy="4114800"/>
+          </a:xfrm>
+        </p:spPr>
+        <p:txBody>
+          <a:bodyPr>
+            <a:normAutofit fontScale="62500" lnSpcReduction="20000"/>
+          </a:bodyPr>
+          <a:lstStyle/>
+          <a:p>
+            <a:r>
+              <a:rPr lang="en-US" dirty="0"/>
+              <a:t>John von Newman’s computing model gave rise to the notion of imperative programming</a:t>
+            </a:r>
+          </a:p>
+          <a:p>
+            <a:r>
+              <a:rPr lang="en-US" dirty="0"/>
+              <a:t>Assembly/machine instructions directly manipulate processor memory</a:t>
+            </a:r>
+          </a:p>
+          <a:p>
+            <a:pPr lvl="1"/>
+            <a:r>
+              <a:rPr lang="en-US" dirty="0"/>
+              <a:t>Imperative in the sense that each instruction states what memory will look like after it executes</a:t>
+            </a:r>
+          </a:p>
+          <a:p>
+            <a:r>
+              <a:rPr lang="en-US" dirty="0"/>
+              <a:t>The contents of the memory defines the state of the computation at any particular point in time</a:t>
+            </a:r>
+          </a:p>
+        </p:txBody>
+      </p:sp>
+      <p:pic>
+        <p:nvPicPr>
+          <p:cNvPr id="39938" name="Picture 2">
+            <a:extLst>
+              <a:ext uri="{FF2B5EF4-FFF2-40B4-BE49-F238E27FC236}">
+                <a16:creationId xmlns:a16="http://schemas.microsoft.com/office/drawing/2014/main" id="{B6190F41-4088-684A-A493-02118F47E9FD}"/>
+              </a:ext>
+            </a:extLst>
+          </p:cNvPr>
+          <p:cNvPicPr>
+            <a:picLocks noChangeAspect="1" noChangeArrowheads="1"/>
+          </p:cNvPicPr>
+          <p:nvPr/>
+        </p:nvPicPr>
+        <p:blipFill>
+          <a:blip r:embed="rId2">
+            <a:extLst>
+              <a:ext uri="{28A0092B-C50C-407E-A947-70E740481C1C}">
+                <a14:useLocalDpi xmlns:a14="http://schemas.microsoft.com/office/drawing/2010/main" val="0"/>
+              </a:ext>
+            </a:extLst>
+          </a:blip>
+          <a:srcRect/>
+          <a:stretch>
+            <a:fillRect/>
+          </a:stretch>
+        </p:blipFill>
+        <p:spPr bwMode="auto">
+          <a:xfrm>
+            <a:off x="366520" y="2956958"/>
+            <a:ext cx="4116154" cy="2895600"/>
+          </a:xfrm>
+          <a:prstGeom prst="rect">
+            <a:avLst/>
+          </a:prstGeom>
+          <a:noFill/>
+          <a:ln>
+            <a:solidFill>
+              <a:schemeClr val="tx1"/>
+            </a:solidFill>
+          </a:ln>
+          <a:extLst>
+            <a:ext uri="{909E8E84-426E-40DD-AFC4-6F175D3DCCD1}">
+              <a14:hiddenFill xmlns:a14="http://schemas.microsoft.com/office/drawing/2010/main">
+                <a:solidFill>
+                  <a:srgbClr val="FFFFFF"/>
+                </a:solidFill>
+              </a14:hiddenFill>
+            </a:ext>
+          </a:extLst>
+        </p:spPr>
+      </p:pic>
+      <p:sp>
+        <p:nvSpPr>
+          <p:cNvPr id="4" name="TextBox 3">
+            <a:extLst>
+              <a:ext uri="{FF2B5EF4-FFF2-40B4-BE49-F238E27FC236}">
+                <a16:creationId xmlns:a16="http://schemas.microsoft.com/office/drawing/2014/main" id="{32AA4554-B01F-4240-A549-A25BE950C933}"/>
+              </a:ext>
+            </a:extLst>
+          </p:cNvPr>
+          <p:cNvSpPr txBox="1"/>
+          <p:nvPr/>
+        </p:nvSpPr>
+        <p:spPr>
+          <a:xfrm>
+            <a:off x="457200" y="6477000"/>
+            <a:ext cx="7830733" cy="307777"/>
+          </a:xfrm>
+          <a:prstGeom prst="rect">
+            <a:avLst/>
+          </a:prstGeom>
+          <a:noFill/>
+        </p:spPr>
+        <p:txBody>
+          <a:bodyPr wrap="none" rtlCol="0">
+            <a:spAutoFit/>
+          </a:bodyPr>
+          <a:lstStyle/>
+          <a:p>
+            <a:r>
+              <a:rPr lang="en-US" sz="1400" dirty="0"/>
+              <a:t>Image source: https://</a:t>
+            </a:r>
+            <a:r>
+              <a:rPr lang="en-US" sz="1400" dirty="0" err="1"/>
+              <a:t>www.geeksforgeeks.org</a:t>
+            </a:r>
+            <a:r>
+              <a:rPr lang="en-US" sz="1400" dirty="0"/>
+              <a:t>/computer-organization-von-</a:t>
+            </a:r>
+            <a:r>
+              <a:rPr lang="en-US" sz="1400" dirty="0" err="1"/>
+              <a:t>neumann</a:t>
+            </a:r>
+            <a:r>
+              <a:rPr lang="en-US" sz="1400" dirty="0"/>
+              <a:t>-architecture</a:t>
+            </a:r>
+          </a:p>
+        </p:txBody>
+      </p:sp>
+      <p:cxnSp>
+        <p:nvCxnSpPr>
+          <p:cNvPr id="6" name="Straight Arrow Connector 5">
+            <a:extLst>
+              <a:ext uri="{FF2B5EF4-FFF2-40B4-BE49-F238E27FC236}">
+                <a16:creationId xmlns:a16="http://schemas.microsoft.com/office/drawing/2014/main" id="{4FA8B69E-0C2F-284F-8F0A-45FAA1E64059}"/>
+              </a:ext>
+            </a:extLst>
+          </p:cNvPr>
+          <p:cNvCxnSpPr>
+            <a:cxnSpLocks/>
+            <a:stCxn id="7" idx="1"/>
+          </p:cNvCxnSpPr>
+          <p:nvPr/>
+        </p:nvCxnSpPr>
+        <p:spPr bwMode="auto">
+          <a:xfrm flipH="1">
+            <a:off x="1676402" y="2470666"/>
+            <a:ext cx="761998" cy="794266"/>
+          </a:xfrm>
+          <a:prstGeom prst="straightConnector1">
+            <a:avLst/>
+          </a:prstGeom>
+          <a:solidFill>
+            <a:schemeClr val="accent1"/>
+          </a:solidFill>
+          <a:ln w="9525" cap="flat" cmpd="sng" algn="ctr">
+            <a:solidFill>
+              <a:schemeClr val="tx1"/>
+            </a:solidFill>
+            <a:prstDash val="solid"/>
+            <a:round/>
+            <a:headEnd type="none" w="med" len="med"/>
+            <a:tailEnd type="triangle"/>
+          </a:ln>
+          <a:effectLst/>
+          <a:extLst>
+            <a:ext uri="{AF507438-7753-43e0-B8FC-AC1667EBCBE1}">
+              <a14:hiddenEffects xmlns:a14="http://schemas.microsoft.com/office/drawing/2010/main" xmlns="">
+                <a:effectLst>
+                  <a:outerShdw blurRad="63500" dist="38099" dir="2700000" algn="ctr" rotWithShape="0">
+                    <a:schemeClr val="bg2">
+                      <a:alpha val="74998"/>
+                    </a:schemeClr>
+                  </a:outerShdw>
+                </a:effectLst>
+              </a14:hiddenEffects>
+            </a:ext>
+          </a:extLst>
+        </p:spPr>
+      </p:cxnSp>
+      <p:sp>
+        <p:nvSpPr>
+          <p:cNvPr id="7" name="TextBox 6">
+            <a:extLst>
+              <a:ext uri="{FF2B5EF4-FFF2-40B4-BE49-F238E27FC236}">
+                <a16:creationId xmlns:a16="http://schemas.microsoft.com/office/drawing/2014/main" id="{7412550E-CBE2-4642-9788-2D2088A5C3DC}"/>
+              </a:ext>
+            </a:extLst>
+          </p:cNvPr>
+          <p:cNvSpPr txBox="1"/>
+          <p:nvPr/>
+        </p:nvSpPr>
+        <p:spPr>
+          <a:xfrm>
+            <a:off x="2438400" y="2286000"/>
+            <a:ext cx="723275" cy="369332"/>
+          </a:xfrm>
+          <a:prstGeom prst="rect">
+            <a:avLst/>
+          </a:prstGeom>
+          <a:noFill/>
+        </p:spPr>
+        <p:txBody>
+          <a:bodyPr wrap="none" rtlCol="0">
+            <a:spAutoFit/>
+          </a:bodyPr>
+          <a:lstStyle/>
+          <a:p>
+            <a:r>
+              <a:rPr lang="en-US" sz="1800" dirty="0"/>
+              <a:t>State</a:t>
+            </a:r>
+          </a:p>
+        </p:txBody>
+      </p:sp>
+      <p:pic>
+        <p:nvPicPr>
+          <p:cNvPr id="39940" name="Picture 4">
+            <a:extLst>
+              <a:ext uri="{FF2B5EF4-FFF2-40B4-BE49-F238E27FC236}">
+                <a16:creationId xmlns:a16="http://schemas.microsoft.com/office/drawing/2014/main" id="{C396D8A1-A039-FB4D-A468-F06C7D706BCD}"/>
+              </a:ext>
+            </a:extLst>
+          </p:cNvPr>
+          <p:cNvPicPr>
+            <a:picLocks noChangeAspect="1" noChangeArrowheads="1"/>
+          </p:cNvPicPr>
+          <p:nvPr/>
+        </p:nvPicPr>
+        <p:blipFill>
+          <a:blip r:embed="rId3">
+            <a:extLst>
+              <a:ext uri="{28A0092B-C50C-407E-A947-70E740481C1C}">
+                <a14:useLocalDpi xmlns:a14="http://schemas.microsoft.com/office/drawing/2010/main" val="0"/>
+              </a:ext>
+            </a:extLst>
+          </a:blip>
+          <a:srcRect/>
+          <a:stretch>
+            <a:fillRect/>
+          </a:stretch>
+        </p:blipFill>
+        <p:spPr bwMode="auto">
+          <a:xfrm>
+            <a:off x="6841622" y="216932"/>
+            <a:ext cx="1235578" cy="1611868"/>
+          </a:xfrm>
+          <a:prstGeom prst="rect">
+            <a:avLst/>
+          </a:prstGeom>
+          <a:noFill/>
+          <a:extLst>
+            <a:ext uri="{909E8E84-426E-40DD-AFC4-6F175D3DCCD1}">
+              <a14:hiddenFill xmlns:a14="http://schemas.microsoft.com/office/drawing/2010/main">
+                <a:solidFill>
+                  <a:srgbClr val="FFFFFF"/>
+                </a:solidFill>
+              </a14:hiddenFill>
+            </a:ext>
+          </a:extLst>
+        </p:spPr>
+      </p:pic>
+      <p:sp>
+        <p:nvSpPr>
+          <p:cNvPr id="9" name="TextBox 8">
+            <a:extLst>
+              <a:ext uri="{FF2B5EF4-FFF2-40B4-BE49-F238E27FC236}">
+                <a16:creationId xmlns:a16="http://schemas.microsoft.com/office/drawing/2014/main" id="{5A515CB4-B3AC-8F46-9467-73F388666CE1}"/>
+              </a:ext>
+            </a:extLst>
+          </p:cNvPr>
+          <p:cNvSpPr txBox="1"/>
+          <p:nvPr/>
+        </p:nvSpPr>
+        <p:spPr>
+          <a:xfrm>
+            <a:off x="6248400" y="1828800"/>
+            <a:ext cx="2592376" cy="523220"/>
+          </a:xfrm>
+          <a:prstGeom prst="rect">
+            <a:avLst/>
+          </a:prstGeom>
+          <a:noFill/>
+        </p:spPr>
+        <p:txBody>
+          <a:bodyPr wrap="none" rtlCol="0">
+            <a:spAutoFit/>
+          </a:bodyPr>
+          <a:lstStyle/>
+          <a:p>
+            <a:r>
+              <a:rPr lang="en-US" sz="1400" dirty="0"/>
+              <a:t>John von Newman, Hungarian</a:t>
+            </a:r>
+            <a:br>
+              <a:rPr lang="en-US" sz="1400" dirty="0"/>
+            </a:br>
+            <a:r>
+              <a:rPr lang="en-US" sz="1400" dirty="0"/>
+              <a:t>mathematician, 1903-1957.</a:t>
+            </a:r>
+          </a:p>
+        </p:txBody>
+      </p:sp>
+    </p:spTree>
+    <p:extLst>
+      <p:ext uri="{BB962C8B-B14F-4D97-AF65-F5344CB8AC3E}">
+        <p14:creationId xmlns:p14="http://schemas.microsoft.com/office/powerpoint/2010/main" val="3574353713"/>
+      </p:ext>
+    </p:extLst>
+  </p:cSld>
+  <p:clrMapOvr>
+    <a:masterClrMapping/>
+  </p:clrMapOvr>
+</p:sld>
+</file>
+
+<file path=ppt/slides/slide20.xml><?xml version="1.0" encoding="utf-8"?>
 <p:sld xmlns:a="http://schemas.openxmlformats.org/drawingml/2006/main" xmlns:r="http://schemas.openxmlformats.org/officeDocument/2006/relationships" xmlns:p="http://schemas.openxmlformats.org/presentationml/2006/main">
   <p:cSld>
     <p:spTree>
@@ -10068,7 +14027,7 @@
 </p:sld>
 </file>
 
-<file path=ppt/slides/slide18.xml><?xml version="1.0" encoding="utf-8"?>
+<file path=ppt/slides/slide21.xml><?xml version="1.0" encoding="utf-8"?>
 <p:sld xmlns:a="http://schemas.openxmlformats.org/drawingml/2006/main" xmlns:r="http://schemas.openxmlformats.org/officeDocument/2006/relationships" xmlns:p="http://schemas.openxmlformats.org/presentationml/2006/main">
   <p:cSld>
     <p:spTree>
@@ -10167,7 +14126,7 @@
 </p:sld>
 </file>
 
-<file path=ppt/slides/slide19.xml><?xml version="1.0" encoding="utf-8"?>
+<file path=ppt/slides/slide22.xml><?xml version="1.0" encoding="utf-8"?>
 <p:sld xmlns:a="http://schemas.openxmlformats.org/drawingml/2006/main" xmlns:r="http://schemas.openxmlformats.org/officeDocument/2006/relationships" xmlns:p="http://schemas.openxmlformats.org/presentationml/2006/main">
   <p:cSld>
     <p:spTree>
@@ -10394,99 +14353,7 @@
 </p:sld>
 </file>
 
-<file path=ppt/slides/slide2.xml><?xml version="1.0" encoding="utf-8"?>
-<p:sld xmlns:a="http://schemas.openxmlformats.org/drawingml/2006/main" xmlns:r="http://schemas.openxmlformats.org/officeDocument/2006/relationships" xmlns:p="http://schemas.openxmlformats.org/presentationml/2006/main">
-  <p:cSld>
-    <p:spTree>
-      <p:nvGrpSpPr>
-        <p:cNvPr id="1" name=""/>
-        <p:cNvGrpSpPr/>
-        <p:nvPr/>
-      </p:nvGrpSpPr>
-      <p:grpSpPr>
-        <a:xfrm>
-          <a:off x="0" y="0"/>
-          <a:ext cx="0" cy="0"/>
-          <a:chOff x="0" y="0"/>
-          <a:chExt cx="0" cy="0"/>
-        </a:xfrm>
-      </p:grpSpPr>
-      <p:sp>
-        <p:nvSpPr>
-          <p:cNvPr id="4" name="Title 3">
-            <a:extLst>
-              <a:ext uri="{FF2B5EF4-FFF2-40B4-BE49-F238E27FC236}">
-                <a16:creationId xmlns:a16="http://schemas.microsoft.com/office/drawing/2014/main" id="{5496F6E1-3E68-6744-A86C-6CFC4EE11931}"/>
-              </a:ext>
-            </a:extLst>
-          </p:cNvPr>
-          <p:cNvSpPr>
-            <a:spLocks noGrp="1"/>
-          </p:cNvSpPr>
-          <p:nvPr>
-            <p:ph type="title"/>
-          </p:nvPr>
-        </p:nvSpPr>
-        <p:spPr/>
-        <p:txBody>
-          <a:bodyPr/>
-          <a:lstStyle/>
-          <a:p>
-            <a:r>
-              <a:rPr lang="en-US" dirty="0"/>
-              <a:t>Imperative Programming in Asteroid – the Basics</a:t>
-            </a:r>
-          </a:p>
-        </p:txBody>
-      </p:sp>
-      <p:sp>
-        <p:nvSpPr>
-          <p:cNvPr id="5" name="Content Placeholder 4">
-            <a:extLst>
-              <a:ext uri="{FF2B5EF4-FFF2-40B4-BE49-F238E27FC236}">
-                <a16:creationId xmlns:a16="http://schemas.microsoft.com/office/drawing/2014/main" id="{E0B35EAA-E16E-6E48-912E-690012524FFB}"/>
-              </a:ext>
-            </a:extLst>
-          </p:cNvPr>
-          <p:cNvSpPr>
-            <a:spLocks noGrp="1"/>
-          </p:cNvSpPr>
-          <p:nvPr>
-            <p:ph idx="1"/>
-          </p:nvPr>
-        </p:nvSpPr>
-        <p:spPr/>
-        <p:txBody>
-          <a:bodyPr/>
-          <a:lstStyle/>
-          <a:p>
-            <a:r>
-              <a:rPr lang="en-US" dirty="0"/>
-              <a:t>All three of our programming languages are at their core imperative programming languages.</a:t>
-            </a:r>
-          </a:p>
-          <a:p>
-            <a:r>
-              <a:rPr lang="en-US" dirty="0"/>
-              <a:t>We start by looking at types.</a:t>
-            </a:r>
-          </a:p>
-        </p:txBody>
-      </p:sp>
-    </p:spTree>
-    <p:extLst>
-      <p:ext uri="{BB962C8B-B14F-4D97-AF65-F5344CB8AC3E}">
-        <p14:creationId xmlns:p14="http://schemas.microsoft.com/office/powerpoint/2010/main" val="3776678643"/>
-      </p:ext>
-    </p:extLst>
-  </p:cSld>
-  <p:clrMapOvr>
-    <a:masterClrMapping/>
-  </p:clrMapOvr>
-</p:sld>
-</file>
-
-<file path=ppt/slides/slide20.xml><?xml version="1.0" encoding="utf-8"?>
+<file path=ppt/slides/slide23.xml><?xml version="1.0" encoding="utf-8"?>
 <p:sld xmlns:a="http://schemas.openxmlformats.org/drawingml/2006/main" xmlns:r="http://schemas.openxmlformats.org/officeDocument/2006/relationships" xmlns:p="http://schemas.openxmlformats.org/presentationml/2006/main">
   <p:cSld>
     <p:spTree>
@@ -10665,7 +14532,99 @@
 </p:sld>
 </file>
 
-<file path=ppt/slides/slide21.xml><?xml version="1.0" encoding="utf-8"?>
+<file path=ppt/slides/slide24.xml><?xml version="1.0" encoding="utf-8"?>
+<p:sld xmlns:a="http://schemas.openxmlformats.org/drawingml/2006/main" xmlns:r="http://schemas.openxmlformats.org/officeDocument/2006/relationships" xmlns:p="http://schemas.openxmlformats.org/presentationml/2006/main">
+  <p:cSld>
+    <p:spTree>
+      <p:nvGrpSpPr>
+        <p:cNvPr id="1" name=""/>
+        <p:cNvGrpSpPr/>
+        <p:nvPr/>
+      </p:nvGrpSpPr>
+      <p:grpSpPr>
+        <a:xfrm>
+          <a:off x="0" y="0"/>
+          <a:ext cx="0" cy="0"/>
+          <a:chOff x="0" y="0"/>
+          <a:chExt cx="0" cy="0"/>
+        </a:xfrm>
+      </p:grpSpPr>
+      <p:sp>
+        <p:nvSpPr>
+          <p:cNvPr id="3" name="Title 2">
+            <a:extLst>
+              <a:ext uri="{FF2B5EF4-FFF2-40B4-BE49-F238E27FC236}">
+                <a16:creationId xmlns:a16="http://schemas.microsoft.com/office/drawing/2014/main" id="{88818065-1D2C-F845-95EA-AA81F32070BE}"/>
+              </a:ext>
+            </a:extLst>
+          </p:cNvPr>
+          <p:cNvSpPr>
+            <a:spLocks noGrp="1"/>
+          </p:cNvSpPr>
+          <p:nvPr>
+            <p:ph type="title"/>
+          </p:nvPr>
+        </p:nvSpPr>
+        <p:spPr/>
+        <p:txBody>
+          <a:bodyPr/>
+          <a:lstStyle/>
+          <a:p>
+            <a:r>
+              <a:rPr lang="en-US" dirty="0"/>
+              <a:t>Imperative Programming – Asteroid </a:t>
+            </a:r>
+          </a:p>
+        </p:txBody>
+      </p:sp>
+      <p:sp>
+        <p:nvSpPr>
+          <p:cNvPr id="4" name="Content Placeholder 3">
+            <a:extLst>
+              <a:ext uri="{FF2B5EF4-FFF2-40B4-BE49-F238E27FC236}">
+                <a16:creationId xmlns:a16="http://schemas.microsoft.com/office/drawing/2014/main" id="{E1A4F624-86EC-4D46-932C-AEE083906724}"/>
+              </a:ext>
+            </a:extLst>
+          </p:cNvPr>
+          <p:cNvSpPr>
+            <a:spLocks noGrp="1"/>
+          </p:cNvSpPr>
+          <p:nvPr>
+            <p:ph idx="1"/>
+          </p:nvPr>
+        </p:nvSpPr>
+        <p:spPr/>
+        <p:txBody>
+          <a:bodyPr/>
+          <a:lstStyle/>
+          <a:p>
+            <a:r>
+              <a:rPr lang="en-US" dirty="0"/>
+              <a:t>Let’s take a closer look at the imperative aspects of Asteroid</a:t>
+            </a:r>
+          </a:p>
+          <a:p>
+            <a:r>
+              <a:rPr lang="en-US" dirty="0"/>
+              <a:t>We start with the type system</a:t>
+            </a:r>
+          </a:p>
+        </p:txBody>
+      </p:sp>
+    </p:spTree>
+    <p:extLst>
+      <p:ext uri="{BB962C8B-B14F-4D97-AF65-F5344CB8AC3E}">
+        <p14:creationId xmlns:p14="http://schemas.microsoft.com/office/powerpoint/2010/main" val="3465625236"/>
+      </p:ext>
+    </p:extLst>
+  </p:cSld>
+  <p:clrMapOvr>
+    <a:masterClrMapping/>
+  </p:clrMapOvr>
+</p:sld>
+</file>
+
+<file path=ppt/slides/slide25.xml><?xml version="1.0" encoding="utf-8"?>
 <p:sld xmlns:a="http://schemas.openxmlformats.org/drawingml/2006/main" xmlns:r="http://schemas.openxmlformats.org/officeDocument/2006/relationships" xmlns:p="http://schemas.openxmlformats.org/presentationml/2006/main">
   <p:cSld>
     <p:spTree>
@@ -10835,7 +14794,7 @@
 </p:sld>
 </file>
 
-<file path=ppt/slides/slide22.xml><?xml version="1.0" encoding="utf-8"?>
+<file path=ppt/slides/slide26.xml><?xml version="1.0" encoding="utf-8"?>
 <p:sld xmlns:a="http://schemas.openxmlformats.org/drawingml/2006/main" xmlns:r="http://schemas.openxmlformats.org/officeDocument/2006/relationships" xmlns:p="http://schemas.openxmlformats.org/presentationml/2006/main">
   <p:cSld>
     <p:spTree>
@@ -11124,7 +15083,7 @@
 </p:sld>
 </file>
 
-<file path=ppt/slides/slide23.xml><?xml version="1.0" encoding="utf-8"?>
+<file path=ppt/slides/slide27.xml><?xml version="1.0" encoding="utf-8"?>
 <p:sld xmlns:a="http://schemas.openxmlformats.org/drawingml/2006/main" xmlns:r="http://schemas.openxmlformats.org/officeDocument/2006/relationships" xmlns:p="http://schemas.openxmlformats.org/presentationml/2006/main">
   <p:cSld>
     <p:spTree>
@@ -11412,7 +15371,7 @@
 </p:sld>
 </file>
 
-<file path=ppt/slides/slide24.xml><?xml version="1.0" encoding="utf-8"?>
+<file path=ppt/slides/slide28.xml><?xml version="1.0" encoding="utf-8"?>
 <p:sld xmlns:a="http://schemas.openxmlformats.org/drawingml/2006/main" xmlns:r="http://schemas.openxmlformats.org/officeDocument/2006/relationships" xmlns:p="http://schemas.openxmlformats.org/presentationml/2006/main">
   <p:cSld>
     <p:spTree>
@@ -11610,7 +15569,7 @@
 </p:sld>
 </file>
 
-<file path=ppt/slides/slide25.xml><?xml version="1.0" encoding="utf-8"?>
+<file path=ppt/slides/slide29.xml><?xml version="1.0" encoding="utf-8"?>
 <p:sld xmlns:a="http://schemas.openxmlformats.org/drawingml/2006/main" xmlns:r="http://schemas.openxmlformats.org/officeDocument/2006/relationships" xmlns:p="http://schemas.openxmlformats.org/presentationml/2006/main">
   <p:cSld>
     <p:spTree>
@@ -11800,7 +15759,115 @@
 </p:sld>
 </file>
 
-<file path=ppt/slides/slide26.xml><?xml version="1.0" encoding="utf-8"?>
+<file path=ppt/slides/slide3.xml><?xml version="1.0" encoding="utf-8"?>
+<p:sld xmlns:a="http://schemas.openxmlformats.org/drawingml/2006/main" xmlns:r="http://schemas.openxmlformats.org/officeDocument/2006/relationships" xmlns:p="http://schemas.openxmlformats.org/presentationml/2006/main">
+  <p:cSld>
+    <p:spTree>
+      <p:nvGrpSpPr>
+        <p:cNvPr id="1" name=""/>
+        <p:cNvGrpSpPr/>
+        <p:nvPr/>
+      </p:nvGrpSpPr>
+      <p:grpSpPr>
+        <a:xfrm>
+          <a:off x="0" y="0"/>
+          <a:ext cx="0" cy="0"/>
+          <a:chOff x="0" y="0"/>
+          <a:chExt cx="0" cy="0"/>
+        </a:xfrm>
+      </p:grpSpPr>
+      <p:sp>
+        <p:nvSpPr>
+          <p:cNvPr id="2" name="Title 1">
+            <a:extLst>
+              <a:ext uri="{FF2B5EF4-FFF2-40B4-BE49-F238E27FC236}">
+                <a16:creationId xmlns:a16="http://schemas.microsoft.com/office/drawing/2014/main" id="{D8B93A6D-1F77-2E44-86DC-CDD390B21798}"/>
+              </a:ext>
+            </a:extLst>
+          </p:cNvPr>
+          <p:cNvSpPr>
+            <a:spLocks noGrp="1"/>
+          </p:cNvSpPr>
+          <p:nvPr>
+            <p:ph type="title"/>
+          </p:nvPr>
+        </p:nvSpPr>
+        <p:spPr/>
+        <p:txBody>
+          <a:bodyPr/>
+          <a:lstStyle/>
+          <a:p>
+            <a:r>
+              <a:rPr lang="en-US" dirty="0"/>
+              <a:t>Imperative Programming – Foundations </a:t>
+            </a:r>
+          </a:p>
+        </p:txBody>
+      </p:sp>
+      <p:sp>
+        <p:nvSpPr>
+          <p:cNvPr id="3" name="Content Placeholder 2">
+            <a:extLst>
+              <a:ext uri="{FF2B5EF4-FFF2-40B4-BE49-F238E27FC236}">
+                <a16:creationId xmlns:a16="http://schemas.microsoft.com/office/drawing/2014/main" id="{AB489E74-06AF-AF4C-8147-007F6205B15F}"/>
+              </a:ext>
+            </a:extLst>
+          </p:cNvPr>
+          <p:cNvSpPr>
+            <a:spLocks noGrp="1"/>
+          </p:cNvSpPr>
+          <p:nvPr>
+            <p:ph idx="1"/>
+          </p:nvPr>
+        </p:nvSpPr>
+        <p:spPr/>
+        <p:txBody>
+          <a:bodyPr>
+            <a:normAutofit lnSpcReduction="10000"/>
+          </a:bodyPr>
+          <a:lstStyle/>
+          <a:p>
+            <a:r>
+              <a:rPr lang="en-US" dirty="0"/>
+              <a:t>In higher-level languages memory is abstracted into variables</a:t>
+            </a:r>
+          </a:p>
+          <a:p>
+            <a:pPr lvl="1"/>
+            <a:r>
+              <a:rPr lang="en-US" dirty="0"/>
+              <a:t>This includes array/list variables</a:t>
+            </a:r>
+          </a:p>
+          <a:p>
+            <a:r>
+              <a:rPr lang="en-US" dirty="0"/>
+              <a:t>Assembly/machine instructions are abstracted into programming language syntax</a:t>
+            </a:r>
+          </a:p>
+          <a:p>
+            <a:pPr lvl="1"/>
+            <a:r>
+              <a:rPr lang="en-US" dirty="0"/>
+              <a:t>BUT, the assignment statement is still imperative, it tells us exactly what memory looks like after it executes.</a:t>
+            </a:r>
+          </a:p>
+        </p:txBody>
+      </p:sp>
+    </p:spTree>
+    <p:extLst>
+      <p:ext uri="{BB962C8B-B14F-4D97-AF65-F5344CB8AC3E}">
+        <p14:creationId xmlns:p14="http://schemas.microsoft.com/office/powerpoint/2010/main" val="1772452231"/>
+      </p:ext>
+    </p:extLst>
+  </p:cSld>
+  <p:clrMapOvr>
+    <a:masterClrMapping/>
+  </p:clrMapOvr>
+</p:sld>
+</file>
+
+<file path=ppt/slides/slide30.xml><?xml version="1.0" encoding="utf-8"?>
 <p:sld xmlns:a="http://schemas.openxmlformats.org/drawingml/2006/main" xmlns:r="http://schemas.openxmlformats.org/officeDocument/2006/relationships" xmlns:p="http://schemas.openxmlformats.org/presentationml/2006/main">
   <p:cSld>
     <p:spTree>
@@ -12020,7 +16087,7 @@
 </p:sld>
 </file>
 
-<file path=ppt/slides/slide27.xml><?xml version="1.0" encoding="utf-8"?>
+<file path=ppt/slides/slide31.xml><?xml version="1.0" encoding="utf-8"?>
 <p:sld xmlns:a="http://schemas.openxmlformats.org/drawingml/2006/main" xmlns:r="http://schemas.openxmlformats.org/officeDocument/2006/relationships" xmlns:p="http://schemas.openxmlformats.org/presentationml/2006/main">
   <p:cSld>
     <p:spTree>
@@ -12125,7 +16192,419 @@
 </p:sld>
 </file>
 
-<file path=ppt/slides/slide3.xml><?xml version="1.0" encoding="utf-8"?>
+<file path=ppt/slides/slide4.xml><?xml version="1.0" encoding="utf-8"?>
+<p:sld xmlns:a="http://schemas.openxmlformats.org/drawingml/2006/main" xmlns:r="http://schemas.openxmlformats.org/officeDocument/2006/relationships" xmlns:p="http://schemas.openxmlformats.org/presentationml/2006/main">
+  <p:cSld>
+    <p:spTree>
+      <p:nvGrpSpPr>
+        <p:cNvPr id="1" name=""/>
+        <p:cNvGrpSpPr/>
+        <p:nvPr/>
+      </p:nvGrpSpPr>
+      <p:grpSpPr>
+        <a:xfrm>
+          <a:off x="0" y="0"/>
+          <a:ext cx="0" cy="0"/>
+          <a:chOff x="0" y="0"/>
+          <a:chExt cx="0" cy="0"/>
+        </a:xfrm>
+      </p:grpSpPr>
+      <p:sp>
+        <p:nvSpPr>
+          <p:cNvPr id="4" name="Title 3">
+            <a:extLst>
+              <a:ext uri="{FF2B5EF4-FFF2-40B4-BE49-F238E27FC236}">
+                <a16:creationId xmlns:a16="http://schemas.microsoft.com/office/drawing/2014/main" id="{5496F6E1-3E68-6744-A86C-6CFC4EE11931}"/>
+              </a:ext>
+            </a:extLst>
+          </p:cNvPr>
+          <p:cNvSpPr>
+            <a:spLocks noGrp="1"/>
+          </p:cNvSpPr>
+          <p:nvPr>
+            <p:ph type="title"/>
+          </p:nvPr>
+        </p:nvSpPr>
+        <p:spPr>
+          <a:xfrm>
+            <a:off x="1524000" y="190500"/>
+            <a:ext cx="7010400" cy="1527175"/>
+          </a:xfrm>
+        </p:spPr>
+        <p:txBody>
+          <a:bodyPr wrap="square" anchor="ctr">
+            <a:normAutofit/>
+          </a:bodyPr>
+          <a:lstStyle/>
+          <a:p>
+            <a:r>
+              <a:rPr lang="en-US" dirty="0"/>
+              <a:t>Imperative Programming – Foundations</a:t>
+            </a:r>
+          </a:p>
+        </p:txBody>
+      </p:sp>
+      <p:pic>
+        <p:nvPicPr>
+          <p:cNvPr id="1026" name="Picture 2" descr="Imperative program - conceptual view">
+            <a:extLst>
+              <a:ext uri="{FF2B5EF4-FFF2-40B4-BE49-F238E27FC236}">
+                <a16:creationId xmlns:a16="http://schemas.microsoft.com/office/drawing/2014/main" id="{7D47FE58-2FC3-654E-A540-94CE8750B13D}"/>
+              </a:ext>
+            </a:extLst>
+          </p:cNvPr>
+          <p:cNvPicPr>
+            <a:picLocks noChangeAspect="1" noChangeArrowheads="1"/>
+          </p:cNvPicPr>
+          <p:nvPr/>
+        </p:nvPicPr>
+        <p:blipFill>
+          <a:blip r:embed="rId2">
+            <a:extLst>
+              <a:ext uri="{28A0092B-C50C-407E-A947-70E740481C1C}">
+                <a14:useLocalDpi xmlns:a14="http://schemas.microsoft.com/office/drawing/2010/main" val="0"/>
+              </a:ext>
+            </a:extLst>
+          </a:blip>
+          <a:stretch>
+            <a:fillRect/>
+          </a:stretch>
+        </p:blipFill>
+        <p:spPr bwMode="auto">
+          <a:xfrm>
+            <a:off x="304800" y="2362200"/>
+            <a:ext cx="4680002" cy="2971800"/>
+          </a:xfrm>
+          <a:prstGeom prst="rect">
+            <a:avLst/>
+          </a:prstGeom>
+          <a:solidFill>
+            <a:srgbClr val="FFFFFF"/>
+          </a:solidFill>
+          <a:extLst>
+            <a:ext uri="{909E8E84-426E-40DD-AFC4-6F175D3DCCD1}">
+              <a14:hiddenFill xmlns:a14="http://schemas.microsoft.com/office/drawing/2010/main">
+                <a:solidFill>
+                  <a:srgbClr val="FFFFFF"/>
+                </a:solidFill>
+              </a14:hiddenFill>
+            </a:ext>
+          </a:extLst>
+        </p:spPr>
+      </p:pic>
+      <p:sp>
+        <p:nvSpPr>
+          <p:cNvPr id="5" name="Content Placeholder 4">
+            <a:extLst>
+              <a:ext uri="{FF2B5EF4-FFF2-40B4-BE49-F238E27FC236}">
+                <a16:creationId xmlns:a16="http://schemas.microsoft.com/office/drawing/2014/main" id="{E0B35EAA-E16E-6E48-912E-690012524FFB}"/>
+              </a:ext>
+            </a:extLst>
+          </p:cNvPr>
+          <p:cNvSpPr>
+            <a:spLocks noGrp="1"/>
+          </p:cNvSpPr>
+          <p:nvPr>
+            <p:ph sz="half" idx="2"/>
+          </p:nvPr>
+        </p:nvSpPr>
+        <p:spPr>
+          <a:xfrm>
+            <a:off x="5105400" y="1905000"/>
+            <a:ext cx="3429000" cy="4114800"/>
+          </a:xfrm>
+        </p:spPr>
+        <p:txBody>
+          <a:bodyPr wrap="square" anchor="t">
+            <a:normAutofit/>
+          </a:bodyPr>
+          <a:lstStyle/>
+          <a:p>
+            <a:pPr marL="0" indent="0">
+              <a:lnSpc>
+                <a:spcPct val="90000"/>
+              </a:lnSpc>
+              <a:buNone/>
+            </a:pPr>
+            <a:r>
+              <a:rPr lang="en-US" sz="1800" b="1" dirty="0"/>
+              <a:t>Imperative programming </a:t>
+            </a:r>
+            <a:r>
+              <a:rPr lang="en-US" sz="1800" dirty="0"/>
+              <a:t>– </a:t>
+            </a:r>
+          </a:p>
+          <a:p>
+            <a:pPr lvl="1">
+              <a:lnSpc>
+                <a:spcPct val="90000"/>
+              </a:lnSpc>
+            </a:pPr>
+            <a:r>
+              <a:rPr lang="en-US" sz="1800" dirty="0"/>
+              <a:t>Explicit statements that change the program state</a:t>
+            </a:r>
+          </a:p>
+          <a:p>
+            <a:pPr lvl="1">
+              <a:lnSpc>
+                <a:spcPct val="90000"/>
+              </a:lnSpc>
+            </a:pPr>
+            <a:r>
+              <a:rPr lang="en-US" sz="1800" dirty="0"/>
+              <a:t>The program state is defined by the values assigned to the variables in a program</a:t>
+            </a:r>
+          </a:p>
+          <a:p>
+            <a:pPr lvl="1">
+              <a:lnSpc>
+                <a:spcPct val="90000"/>
+              </a:lnSpc>
+            </a:pPr>
+            <a:r>
+              <a:rPr lang="en-US" sz="1800" dirty="0"/>
+              <a:t>The most common way to change the state in imperative programming is through an </a:t>
+            </a:r>
+            <a:r>
+              <a:rPr lang="en-US" sz="1800" b="1" dirty="0"/>
+              <a:t>explicit assignment of a new value to an existing variable </a:t>
+            </a:r>
+          </a:p>
+        </p:txBody>
+      </p:sp>
+      <p:sp>
+        <p:nvSpPr>
+          <p:cNvPr id="6" name="TextBox 5">
+            <a:extLst>
+              <a:ext uri="{FF2B5EF4-FFF2-40B4-BE49-F238E27FC236}">
+                <a16:creationId xmlns:a16="http://schemas.microsoft.com/office/drawing/2014/main" id="{654DAD09-EA44-FB41-8D5E-2FBBF377EA27}"/>
+              </a:ext>
+            </a:extLst>
+          </p:cNvPr>
+          <p:cNvSpPr txBox="1"/>
+          <p:nvPr/>
+        </p:nvSpPr>
+        <p:spPr>
+          <a:xfrm>
+            <a:off x="522514" y="6472052"/>
+            <a:ext cx="6987810" cy="307777"/>
+          </a:xfrm>
+          <a:prstGeom prst="rect">
+            <a:avLst/>
+          </a:prstGeom>
+          <a:noFill/>
+        </p:spPr>
+        <p:txBody>
+          <a:bodyPr wrap="none" rtlCol="0">
+            <a:spAutoFit/>
+          </a:bodyPr>
+          <a:lstStyle/>
+          <a:p>
+            <a:r>
+              <a:rPr lang="en-US" sz="1400" dirty="0"/>
+              <a:t>Image source: https://</a:t>
+            </a:r>
+            <a:r>
+              <a:rPr lang="en-US" sz="1400" dirty="0" err="1"/>
+              <a:t>practical.li</a:t>
+            </a:r>
+            <a:r>
+              <a:rPr lang="en-US" sz="1400" dirty="0"/>
+              <a:t>/</a:t>
+            </a:r>
+            <a:r>
+              <a:rPr lang="en-US" sz="1400" dirty="0" err="1"/>
+              <a:t>clojure</a:t>
+            </a:r>
+            <a:r>
+              <a:rPr lang="en-US" sz="1400" dirty="0"/>
+              <a:t>/concepts/what-is-functional-</a:t>
+            </a:r>
+            <a:r>
+              <a:rPr lang="en-US" sz="1400" dirty="0" err="1"/>
+              <a:t>programming.html</a:t>
+            </a:r>
+            <a:endParaRPr lang="en-US" sz="1400" dirty="0"/>
+          </a:p>
+        </p:txBody>
+      </p:sp>
+    </p:spTree>
+    <p:extLst>
+      <p:ext uri="{BB962C8B-B14F-4D97-AF65-F5344CB8AC3E}">
+        <p14:creationId xmlns:p14="http://schemas.microsoft.com/office/powerpoint/2010/main" val="4164880339"/>
+      </p:ext>
+    </p:extLst>
+  </p:cSld>
+  <p:clrMapOvr>
+    <a:masterClrMapping/>
+  </p:clrMapOvr>
+</p:sld>
+</file>
+
+<file path=ppt/slides/slide5.xml><?xml version="1.0" encoding="utf-8"?>
+<p:sld xmlns:a="http://schemas.openxmlformats.org/drawingml/2006/main" xmlns:r="http://schemas.openxmlformats.org/officeDocument/2006/relationships" xmlns:p="http://schemas.openxmlformats.org/presentationml/2006/main">
+  <p:cSld>
+    <p:spTree>
+      <p:nvGrpSpPr>
+        <p:cNvPr id="1" name=""/>
+        <p:cNvGrpSpPr/>
+        <p:nvPr/>
+      </p:nvGrpSpPr>
+      <p:grpSpPr>
+        <a:xfrm>
+          <a:off x="0" y="0"/>
+          <a:ext cx="0" cy="0"/>
+          <a:chOff x="0" y="0"/>
+          <a:chExt cx="0" cy="0"/>
+        </a:xfrm>
+      </p:grpSpPr>
+      <p:sp>
+        <p:nvSpPr>
+          <p:cNvPr id="2" name="Title 1">
+            <a:extLst>
+              <a:ext uri="{FF2B5EF4-FFF2-40B4-BE49-F238E27FC236}">
+                <a16:creationId xmlns:a16="http://schemas.microsoft.com/office/drawing/2014/main" id="{9F87648D-C5E4-CA42-88E0-2263003B7103}"/>
+              </a:ext>
+            </a:extLst>
+          </p:cNvPr>
+          <p:cNvSpPr>
+            <a:spLocks noGrp="1"/>
+          </p:cNvSpPr>
+          <p:nvPr>
+            <p:ph type="title"/>
+          </p:nvPr>
+        </p:nvSpPr>
+        <p:spPr/>
+        <p:txBody>
+          <a:bodyPr/>
+          <a:lstStyle/>
+          <a:p>
+            <a:r>
+              <a:rPr lang="en-US" dirty="0"/>
+              <a:t>Imperative Programming – Foundations </a:t>
+            </a:r>
+          </a:p>
+        </p:txBody>
+      </p:sp>
+      <p:sp>
+        <p:nvSpPr>
+          <p:cNvPr id="4" name="Content Placeholder 3">
+            <a:extLst>
+              <a:ext uri="{FF2B5EF4-FFF2-40B4-BE49-F238E27FC236}">
+                <a16:creationId xmlns:a16="http://schemas.microsoft.com/office/drawing/2014/main" id="{179693E3-3B06-634A-8E13-488590B111DC}"/>
+              </a:ext>
+            </a:extLst>
+          </p:cNvPr>
+          <p:cNvSpPr>
+            <a:spLocks noGrp="1"/>
+          </p:cNvSpPr>
+          <p:nvPr>
+            <p:ph idx="1"/>
+          </p:nvPr>
+        </p:nvSpPr>
+        <p:spPr>
+          <a:xfrm>
+            <a:off x="1524000" y="1905000"/>
+            <a:ext cx="7010400" cy="914400"/>
+          </a:xfrm>
+        </p:spPr>
+        <p:txBody>
+          <a:bodyPr/>
+          <a:lstStyle/>
+          <a:p>
+            <a:r>
+              <a:rPr lang="en-US" dirty="0"/>
+              <a:t>An example of an imperative program</a:t>
+            </a:r>
+          </a:p>
+        </p:txBody>
+      </p:sp>
+      <p:pic>
+        <p:nvPicPr>
+          <p:cNvPr id="5" name="Picture 4">
+            <a:extLst>
+              <a:ext uri="{FF2B5EF4-FFF2-40B4-BE49-F238E27FC236}">
+                <a16:creationId xmlns:a16="http://schemas.microsoft.com/office/drawing/2014/main" id="{D4406023-FA86-454D-AB3F-529E8846FC6F}"/>
+              </a:ext>
+            </a:extLst>
+          </p:cNvPr>
+          <p:cNvPicPr>
+            <a:picLocks noChangeAspect="1"/>
+          </p:cNvPicPr>
+          <p:nvPr/>
+        </p:nvPicPr>
+        <p:blipFill>
+          <a:blip r:embed="rId2"/>
+          <a:stretch>
+            <a:fillRect/>
+          </a:stretch>
+        </p:blipFill>
+        <p:spPr>
+          <a:xfrm>
+            <a:off x="2194028" y="2819400"/>
+            <a:ext cx="4816372" cy="3536203"/>
+          </a:xfrm>
+          <a:prstGeom prst="rect">
+            <a:avLst/>
+          </a:prstGeom>
+          <a:ln>
+            <a:solidFill>
+              <a:schemeClr val="tx1"/>
+            </a:solidFill>
+          </a:ln>
+        </p:spPr>
+      </p:pic>
+      <p:sp>
+        <p:nvSpPr>
+          <p:cNvPr id="6" name="TextBox 5">
+            <a:extLst>
+              <a:ext uri="{FF2B5EF4-FFF2-40B4-BE49-F238E27FC236}">
+                <a16:creationId xmlns:a16="http://schemas.microsoft.com/office/drawing/2014/main" id="{A9C3C783-90EE-F54B-AB64-4B1F4594A806}"/>
+              </a:ext>
+            </a:extLst>
+          </p:cNvPr>
+          <p:cNvSpPr txBox="1"/>
+          <p:nvPr/>
+        </p:nvSpPr>
+        <p:spPr>
+          <a:xfrm>
+            <a:off x="5462649" y="6400800"/>
+            <a:ext cx="1398140" cy="307777"/>
+          </a:xfrm>
+          <a:prstGeom prst="rect">
+            <a:avLst/>
+          </a:prstGeom>
+          <a:noFill/>
+        </p:spPr>
+        <p:txBody>
+          <a:bodyPr wrap="none" rtlCol="0">
+            <a:spAutoFit/>
+          </a:bodyPr>
+          <a:lstStyle/>
+          <a:p>
+            <a:r>
+              <a:rPr lang="en-US" sz="1400" dirty="0"/>
+              <a:t>ln002/sum1.ast</a:t>
+            </a:r>
+          </a:p>
+        </p:txBody>
+      </p:sp>
+    </p:spTree>
+    <p:extLst>
+      <p:ext uri="{BB962C8B-B14F-4D97-AF65-F5344CB8AC3E}">
+        <p14:creationId xmlns:p14="http://schemas.microsoft.com/office/powerpoint/2010/main" val="4078493147"/>
+      </p:ext>
+    </p:extLst>
+  </p:cSld>
+  <p:clrMapOvr>
+    <a:masterClrMapping/>
+  </p:clrMapOvr>
+</p:sld>
+</file>
+
+<file path=ppt/slides/slide6.xml><?xml version="1.0" encoding="utf-8"?>
 <p:sld xmlns:a="http://schemas.openxmlformats.org/drawingml/2006/main" xmlns:r="http://schemas.openxmlformats.org/officeDocument/2006/relationships" xmlns:p="http://schemas.openxmlformats.org/presentationml/2006/main">
   <p:cSld>
     <p:spTree>
@@ -12165,7 +16644,7 @@
           <a:p>
             <a:r>
               <a:rPr lang="en-US" dirty="0"/>
-              <a:t>Types</a:t>
+              <a:t>Imperative Programming – Foundations</a:t>
             </a:r>
           </a:p>
         </p:txBody>
@@ -12244,7 +16723,7 @@
 </p:sld>
 </file>
 
-<file path=ppt/slides/slide4.xml><?xml version="1.0" encoding="utf-8"?>
+<file path=ppt/slides/slide7.xml><?xml version="1.0" encoding="utf-8"?>
 <p:sld xmlns:a="http://schemas.openxmlformats.org/drawingml/2006/main" xmlns:r="http://schemas.openxmlformats.org/officeDocument/2006/relationships" xmlns:p="http://schemas.openxmlformats.org/presentationml/2006/main">
   <p:cSld>
     <p:spTree>
@@ -12853,7 +17332,7 @@
 </p:sld>
 </file>
 
-<file path=ppt/slides/slide5.xml><?xml version="1.0" encoding="utf-8"?>
+<file path=ppt/slides/slide8.xml><?xml version="1.0" encoding="utf-8"?>
 <p:sld xmlns:a="http://schemas.openxmlformats.org/drawingml/2006/main" xmlns:r="http://schemas.openxmlformats.org/officeDocument/2006/relationships" xmlns:p="http://schemas.openxmlformats.org/presentationml/2006/main">
   <p:cSld>
     <p:spTree>
@@ -13265,9 +17744,9 @@
         <p:grpSpPr bwMode="auto">
           <a:xfrm>
             <a:off x="669925" y="3649663"/>
-            <a:ext cx="5486400" cy="1531937"/>
+            <a:ext cx="5500688" cy="1538287"/>
             <a:chOff x="422" y="2299"/>
-            <a:chExt cx="3456" cy="965"/>
+            <a:chExt cx="3465" cy="969"/>
           </a:xfrm>
         </p:grpSpPr>
         <p:sp>
@@ -13798,7 +18277,7 @@
           <p:spPr bwMode="auto">
             <a:xfrm>
               <a:off x="902" y="2938"/>
-              <a:ext cx="1548" cy="326"/>
+              <a:ext cx="1175" cy="330"/>
             </a:xfrm>
             <a:prstGeom prst="rect">
               <a:avLst/>
@@ -14018,11 +18497,11 @@
                 <a:buNone/>
               </a:pPr>
               <a:r>
-                <a:rPr lang="en-US" altLang="en-US" sz="1400"/>
-                <a:t>type float </a:t>
+                <a:rPr lang="en-US" altLang="en-US" sz="1400" dirty="0"/>
+                <a:t>type real </a:t>
               </a:r>
               <a:r>
-                <a:rPr lang="en-US" altLang="en-US" sz="1400">
+                <a:rPr lang="en-US" altLang="en-US" sz="1400" dirty="0">
                   <a:sym typeface="Symbol" pitchFamily="2" charset="2"/>
                 </a:rPr>
                 <a:t> set of all </a:t>
@@ -14039,10 +18518,10 @@
                 <a:buNone/>
               </a:pPr>
               <a:r>
-                <a:rPr lang="en-US" altLang="en-US" sz="1400">
+                <a:rPr lang="en-US" altLang="en-US" sz="1400" dirty="0">
                   <a:sym typeface="Symbol" pitchFamily="2" charset="2"/>
                 </a:rPr>
-                <a:t>possible floating point values</a:t>
+                <a:t>possible real values</a:t>
               </a:r>
             </a:p>
           </p:txBody>
@@ -14300,7 +18779,7 @@
           <p:spPr bwMode="auto">
             <a:xfrm>
               <a:off x="2342" y="2460"/>
-              <a:ext cx="1536" cy="594"/>
+              <a:ext cx="1545" cy="601"/>
             </a:xfrm>
             <a:prstGeom prst="rect">
               <a:avLst/>
@@ -14520,8 +18999,8 @@
                 <a:buNone/>
               </a:pPr>
               <a:r>
-                <a:rPr lang="en-US" altLang="en-US" sz="1400"/>
-                <a:t>q is of type float, only</a:t>
+                <a:rPr lang="en-US" altLang="en-US" sz="1400" dirty="0"/>
+                <a:t>q is of type real, only</a:t>
               </a:r>
             </a:p>
             <a:p>
@@ -14535,7 +19014,7 @@
                 <a:buNone/>
               </a:pPr>
               <a:r>
-                <a:rPr lang="en-US" altLang="en-US" sz="1400"/>
+                <a:rPr lang="en-US" altLang="en-US" sz="1400" dirty="0"/>
                 <a:t>a value that is a member </a:t>
               </a:r>
             </a:p>
@@ -14550,8 +19029,8 @@
                 <a:buNone/>
               </a:pPr>
               <a:r>
-                <a:rPr lang="en-US" altLang="en-US" sz="1400"/>
-                <a:t>of the set of all floating point</a:t>
+                <a:rPr lang="en-US" altLang="en-US" sz="1400" dirty="0"/>
+                <a:t>of the set of all real</a:t>
               </a:r>
             </a:p>
             <a:p>
@@ -14565,7 +19044,7 @@
                 <a:buNone/>
               </a:pPr>
               <a:r>
-                <a:rPr lang="en-US" altLang="en-US" sz="1400"/>
+                <a:rPr lang="en-US" altLang="en-US" sz="1400" dirty="0"/>
                 <a:t>values can be assigned to q.</a:t>
               </a:r>
             </a:p>
@@ -14580,7 +19059,7 @@
 </p:sld>
 </file>
 
-<file path=ppt/slides/slide6.xml><?xml version="1.0" encoding="utf-8"?>
+<file path=ppt/slides/slide9.xml><?xml version="1.0" encoding="utf-8"?>
 <p:sld xmlns:a="http://schemas.openxmlformats.org/drawingml/2006/main" xmlns:r="http://schemas.openxmlformats.org/officeDocument/2006/relationships" xmlns:p="http://schemas.openxmlformats.org/presentationml/2006/main">
   <p:cSld>
     <p:spTree>
@@ -15433,3723 +19912,6 @@
           </p:txBody>
         </p:sp>
       </p:grpSp>
-    </p:spTree>
-  </p:cSld>
-  <p:clrMapOvr>
-    <a:masterClrMapping/>
-  </p:clrMapOvr>
-</p:sld>
-</file>
-
-<file path=ppt/slides/slide7.xml><?xml version="1.0" encoding="utf-8"?>
-<p:sld xmlns:a="http://schemas.openxmlformats.org/drawingml/2006/main" xmlns:r="http://schemas.openxmlformats.org/officeDocument/2006/relationships" xmlns:p="http://schemas.openxmlformats.org/presentationml/2006/main">
-  <p:cSld>
-    <p:spTree>
-      <p:nvGrpSpPr>
-        <p:cNvPr id="1" name=""/>
-        <p:cNvGrpSpPr/>
-        <p:nvPr/>
-      </p:nvGrpSpPr>
-      <p:grpSpPr>
-        <a:xfrm>
-          <a:off x="0" y="0"/>
-          <a:ext cx="0" cy="0"/>
-          <a:chOff x="0" y="0"/>
-          <a:chExt cx="0" cy="0"/>
-        </a:xfrm>
-      </p:grpSpPr>
-      <p:sp>
-        <p:nvSpPr>
-          <p:cNvPr id="21505" name="Rectangle 2">
-            <a:extLst>
-              <a:ext uri="{FF2B5EF4-FFF2-40B4-BE49-F238E27FC236}">
-                <a16:creationId xmlns:a16="http://schemas.microsoft.com/office/drawing/2014/main" id="{F0BB18CD-85ED-D941-A41D-12CB433F5E37}"/>
-              </a:ext>
-            </a:extLst>
-          </p:cNvPr>
-          <p:cNvSpPr>
-            <a:spLocks noGrp="1" noChangeArrowheads="1"/>
-          </p:cNvSpPr>
-          <p:nvPr>
-            <p:ph type="title"/>
-          </p:nvPr>
-        </p:nvSpPr>
-        <p:spPr/>
-        <p:txBody>
-          <a:bodyPr/>
-          <a:lstStyle/>
-          <a:p>
-            <a:pPr eaLnBrk="1" hangingPunct="1"/>
-            <a:r>
-              <a:rPr lang="en-US" altLang="en-US"/>
-              <a:t>Types</a:t>
-            </a:r>
-          </a:p>
-        </p:txBody>
-      </p:sp>
-      <p:sp>
-        <p:nvSpPr>
-          <p:cNvPr id="21506" name="Text Box 4">
-            <a:extLst>
-              <a:ext uri="{FF2B5EF4-FFF2-40B4-BE49-F238E27FC236}">
-                <a16:creationId xmlns:a16="http://schemas.microsoft.com/office/drawing/2014/main" id="{F3B569AC-9B7E-014B-8F9C-B36BC30E100E}"/>
-              </a:ext>
-            </a:extLst>
-          </p:cNvPr>
-          <p:cNvSpPr txBox="1">
-            <a:spLocks noChangeArrowheads="1"/>
-          </p:cNvSpPr>
-          <p:nvPr/>
-        </p:nvSpPr>
-        <p:spPr bwMode="auto">
-          <a:xfrm>
-            <a:off x="746125" y="1584325"/>
-            <a:ext cx="3459163" cy="338138"/>
-          </a:xfrm>
-          <a:prstGeom prst="rect">
-            <a:avLst/>
-          </a:prstGeom>
-          <a:noFill/>
-          <a:ln>
-            <a:noFill/>
-          </a:ln>
-          <a:extLst>
-            <a:ext uri="{909E8E84-426E-40DD-AFC4-6F175D3DCCD1}">
-              <a14:hiddenFill xmlns:a14="http://schemas.microsoft.com/office/drawing/2010/main">
-                <a:solidFill>
-                  <a:srgbClr val="FFFFFF"/>
-                </a:solidFill>
-              </a14:hiddenFill>
-            </a:ext>
-            <a:ext uri="{91240B29-F687-4F45-9708-019B960494DF}">
-              <a14:hiddenLine xmlns:a14="http://schemas.microsoft.com/office/drawing/2010/main" w="9525">
-                <a:solidFill>
-                  <a:srgbClr val="000000"/>
-                </a:solidFill>
-                <a:miter lim="800000"/>
-                <a:headEnd/>
-                <a:tailEnd/>
-              </a14:hiddenLine>
-            </a:ext>
-          </a:extLst>
-        </p:spPr>
-        <p:txBody>
-          <a:bodyPr wrap="none">
-            <a:spAutoFit/>
-          </a:bodyPr>
-          <a:lstStyle>
-            <a:lvl1pPr>
-              <a:spcBef>
-                <a:spcPct val="20000"/>
-              </a:spcBef>
-              <a:buClr>
-                <a:schemeClr val="hlink"/>
-              </a:buClr>
-              <a:buSzPct val="80000"/>
-              <a:buFont typeface="Wingdings" pitchFamily="2" charset="2"/>
-              <a:buChar char="l"/>
-              <a:defRPr sz="3200">
-                <a:solidFill>
-                  <a:schemeClr val="tx1"/>
-                </a:solidFill>
-                <a:latin typeface="Arial" panose="020B0604020202020204" pitchFamily="34" charset="0"/>
-                <a:ea typeface="ＭＳ Ｐゴシック" panose="020B0600070205080204" pitchFamily="34" charset="-128"/>
-              </a:defRPr>
-            </a:lvl1pPr>
-            <a:lvl2pPr marL="742950" indent="-285750">
-              <a:spcBef>
-                <a:spcPct val="20000"/>
-              </a:spcBef>
-              <a:buClr>
-                <a:schemeClr val="accent1"/>
-              </a:buClr>
-              <a:buSzPct val="70000"/>
-              <a:buFont typeface="Wingdings" pitchFamily="2" charset="2"/>
-              <a:buChar char="l"/>
-              <a:defRPr sz="2800">
-                <a:solidFill>
-                  <a:schemeClr val="tx1"/>
-                </a:solidFill>
-                <a:latin typeface="Arial" panose="020B0604020202020204" pitchFamily="34" charset="0"/>
-                <a:ea typeface="ＭＳ Ｐゴシック" panose="020B0600070205080204" pitchFamily="34" charset="-128"/>
-              </a:defRPr>
-            </a:lvl2pPr>
-            <a:lvl3pPr marL="1143000" indent="-228600">
-              <a:spcBef>
-                <a:spcPct val="20000"/>
-              </a:spcBef>
-              <a:buClr>
-                <a:schemeClr val="bg2"/>
-              </a:buClr>
-              <a:buSzPct val="65000"/>
-              <a:buFont typeface="Wingdings" pitchFamily="2" charset="2"/>
-              <a:buChar char="l"/>
-              <a:defRPr sz="2400">
-                <a:solidFill>
-                  <a:schemeClr val="tx1"/>
-                </a:solidFill>
-                <a:latin typeface="Arial" panose="020B0604020202020204" pitchFamily="34" charset="0"/>
-                <a:ea typeface="ＭＳ Ｐゴシック" panose="020B0600070205080204" pitchFamily="34" charset="-128"/>
-              </a:defRPr>
-            </a:lvl3pPr>
-            <a:lvl4pPr marL="1600200" indent="-228600">
-              <a:spcBef>
-                <a:spcPct val="20000"/>
-              </a:spcBef>
-              <a:buClr>
-                <a:schemeClr val="hlink"/>
-              </a:buClr>
-              <a:buSzPct val="60000"/>
-              <a:buFont typeface="Wingdings" pitchFamily="2" charset="2"/>
-              <a:buChar char="l"/>
-              <a:defRPr sz="2000">
-                <a:solidFill>
-                  <a:schemeClr val="tx1"/>
-                </a:solidFill>
-                <a:latin typeface="Arial" panose="020B0604020202020204" pitchFamily="34" charset="0"/>
-                <a:ea typeface="ＭＳ Ｐゴシック" panose="020B0600070205080204" pitchFamily="34" charset="-128"/>
-              </a:defRPr>
-            </a:lvl4pPr>
-            <a:lvl5pPr marL="2057400" indent="-228600">
-              <a:spcBef>
-                <a:spcPct val="20000"/>
-              </a:spcBef>
-              <a:buClr>
-                <a:schemeClr val="bg2"/>
-              </a:buClr>
-              <a:buSzPct val="40000"/>
-              <a:buFont typeface="Wingdings" pitchFamily="2" charset="2"/>
-              <a:buChar char="l"/>
-              <a:defRPr sz="2000">
-                <a:solidFill>
-                  <a:schemeClr val="tx1"/>
-                </a:solidFill>
-                <a:latin typeface="Arial" panose="020B0604020202020204" pitchFamily="34" charset="0"/>
-                <a:ea typeface="ＭＳ Ｐゴシック" panose="020B0600070205080204" pitchFamily="34" charset="-128"/>
-              </a:defRPr>
-            </a:lvl5pPr>
-            <a:lvl6pPr marL="2514600" indent="-228600" eaLnBrk="0" fontAlgn="base" hangingPunct="0">
-              <a:spcBef>
-                <a:spcPct val="20000"/>
-              </a:spcBef>
-              <a:spcAft>
-                <a:spcPct val="0"/>
-              </a:spcAft>
-              <a:buClr>
-                <a:schemeClr val="bg2"/>
-              </a:buClr>
-              <a:buSzPct val="40000"/>
-              <a:buFont typeface="Wingdings" pitchFamily="2" charset="2"/>
-              <a:buChar char="l"/>
-              <a:defRPr sz="2000">
-                <a:solidFill>
-                  <a:schemeClr val="tx1"/>
-                </a:solidFill>
-                <a:latin typeface="Arial" panose="020B0604020202020204" pitchFamily="34" charset="0"/>
-                <a:ea typeface="ＭＳ Ｐゴシック" panose="020B0600070205080204" pitchFamily="34" charset="-128"/>
-              </a:defRPr>
-            </a:lvl6pPr>
-            <a:lvl7pPr marL="2971800" indent="-228600" eaLnBrk="0" fontAlgn="base" hangingPunct="0">
-              <a:spcBef>
-                <a:spcPct val="20000"/>
-              </a:spcBef>
-              <a:spcAft>
-                <a:spcPct val="0"/>
-              </a:spcAft>
-              <a:buClr>
-                <a:schemeClr val="bg2"/>
-              </a:buClr>
-              <a:buSzPct val="40000"/>
-              <a:buFont typeface="Wingdings" pitchFamily="2" charset="2"/>
-              <a:buChar char="l"/>
-              <a:defRPr sz="2000">
-                <a:solidFill>
-                  <a:schemeClr val="tx1"/>
-                </a:solidFill>
-                <a:latin typeface="Arial" panose="020B0604020202020204" pitchFamily="34" charset="0"/>
-                <a:ea typeface="ＭＳ Ｐゴシック" panose="020B0600070205080204" pitchFamily="34" charset="-128"/>
-              </a:defRPr>
-            </a:lvl7pPr>
-            <a:lvl8pPr marL="3429000" indent="-228600" eaLnBrk="0" fontAlgn="base" hangingPunct="0">
-              <a:spcBef>
-                <a:spcPct val="20000"/>
-              </a:spcBef>
-              <a:spcAft>
-                <a:spcPct val="0"/>
-              </a:spcAft>
-              <a:buClr>
-                <a:schemeClr val="bg2"/>
-              </a:buClr>
-              <a:buSzPct val="40000"/>
-              <a:buFont typeface="Wingdings" pitchFamily="2" charset="2"/>
-              <a:buChar char="l"/>
-              <a:defRPr sz="2000">
-                <a:solidFill>
-                  <a:schemeClr val="tx1"/>
-                </a:solidFill>
-                <a:latin typeface="Arial" panose="020B0604020202020204" pitchFamily="34" charset="0"/>
-                <a:ea typeface="ＭＳ Ｐゴシック" panose="020B0600070205080204" pitchFamily="34" charset="-128"/>
-              </a:defRPr>
-            </a:lvl8pPr>
-            <a:lvl9pPr marL="3886200" indent="-228600" eaLnBrk="0" fontAlgn="base" hangingPunct="0">
-              <a:spcBef>
-                <a:spcPct val="20000"/>
-              </a:spcBef>
-              <a:spcAft>
-                <a:spcPct val="0"/>
-              </a:spcAft>
-              <a:buClr>
-                <a:schemeClr val="bg2"/>
-              </a:buClr>
-              <a:buSzPct val="40000"/>
-              <a:buFont typeface="Wingdings" pitchFamily="2" charset="2"/>
-              <a:buChar char="l"/>
-              <a:defRPr sz="2000">
-                <a:solidFill>
-                  <a:schemeClr val="tx1"/>
-                </a:solidFill>
-                <a:latin typeface="Arial" panose="020B0604020202020204" pitchFamily="34" charset="0"/>
-                <a:ea typeface="ＭＳ Ｐゴシック" panose="020B0600070205080204" pitchFamily="34" charset="-128"/>
-              </a:defRPr>
-            </a:lvl9pPr>
-          </a:lstStyle>
-          <a:p>
-            <a:pPr>
-              <a:spcBef>
-                <a:spcPct val="0"/>
-              </a:spcBef>
-              <a:buClrTx/>
-              <a:buSzTx/>
-              <a:buFontTx/>
-              <a:buNone/>
-            </a:pPr>
-            <a:r>
-              <a:rPr lang="en-US" altLang="en-US" sz="1600" u="sng"/>
-              <a:t>Example</a:t>
-            </a:r>
-            <a:r>
-              <a:rPr lang="en-US" altLang="en-US" sz="1600"/>
-              <a:t>: Asteroid, constructed type</a:t>
-            </a:r>
-            <a:endParaRPr lang="en-US" altLang="en-US" sz="1600" u="sng"/>
-          </a:p>
-        </p:txBody>
-      </p:sp>
-      <p:sp>
-        <p:nvSpPr>
-          <p:cNvPr id="21507" name="AutoShape 6">
-            <a:extLst>
-              <a:ext uri="{FF2B5EF4-FFF2-40B4-BE49-F238E27FC236}">
-                <a16:creationId xmlns:a16="http://schemas.microsoft.com/office/drawing/2014/main" id="{E8682F57-5337-CD4A-9471-F26D44530D86}"/>
-              </a:ext>
-            </a:extLst>
-          </p:cNvPr>
-          <p:cNvSpPr>
-            <a:spLocks/>
-          </p:cNvSpPr>
-          <p:nvPr/>
-        </p:nvSpPr>
-        <p:spPr bwMode="auto">
-          <a:xfrm rot="5400000">
-            <a:off x="3621087" y="3087688"/>
-            <a:ext cx="288925" cy="2070100"/>
-          </a:xfrm>
-          <a:prstGeom prst="rightBrace">
-            <a:avLst>
-              <a:gd name="adj1" fmla="val 45842"/>
-              <a:gd name="adj2" fmla="val 50000"/>
-            </a:avLst>
-          </a:prstGeom>
-          <a:noFill/>
-          <a:ln w="9525">
-            <a:solidFill>
-              <a:schemeClr val="tx1"/>
-            </a:solidFill>
-            <a:round/>
-            <a:headEnd/>
-            <a:tailEnd/>
-          </a:ln>
-          <a:extLst>
-            <a:ext uri="{909E8E84-426E-40DD-AFC4-6F175D3DCCD1}">
-              <a14:hiddenFill xmlns:a14="http://schemas.microsoft.com/office/drawing/2010/main">
-                <a:solidFill>
-                  <a:srgbClr val="FFFFFF"/>
-                </a:solidFill>
-              </a14:hiddenFill>
-            </a:ext>
-          </a:extLst>
-        </p:spPr>
-        <p:txBody>
-          <a:bodyPr wrap="none" anchor="ctr"/>
-          <a:lstStyle>
-            <a:lvl1pPr>
-              <a:spcBef>
-                <a:spcPct val="20000"/>
-              </a:spcBef>
-              <a:buClr>
-                <a:schemeClr val="hlink"/>
-              </a:buClr>
-              <a:buSzPct val="80000"/>
-              <a:buFont typeface="Wingdings" pitchFamily="2" charset="2"/>
-              <a:buChar char="l"/>
-              <a:defRPr sz="3200">
-                <a:solidFill>
-                  <a:schemeClr val="tx1"/>
-                </a:solidFill>
-                <a:latin typeface="Arial" panose="020B0604020202020204" pitchFamily="34" charset="0"/>
-                <a:ea typeface="ＭＳ Ｐゴシック" panose="020B0600070205080204" pitchFamily="34" charset="-128"/>
-              </a:defRPr>
-            </a:lvl1pPr>
-            <a:lvl2pPr marL="742950" indent="-285750">
-              <a:spcBef>
-                <a:spcPct val="20000"/>
-              </a:spcBef>
-              <a:buClr>
-                <a:schemeClr val="accent1"/>
-              </a:buClr>
-              <a:buSzPct val="70000"/>
-              <a:buFont typeface="Wingdings" pitchFamily="2" charset="2"/>
-              <a:buChar char="l"/>
-              <a:defRPr sz="2800">
-                <a:solidFill>
-                  <a:schemeClr val="tx1"/>
-                </a:solidFill>
-                <a:latin typeface="Arial" panose="020B0604020202020204" pitchFamily="34" charset="0"/>
-                <a:ea typeface="ＭＳ Ｐゴシック" panose="020B0600070205080204" pitchFamily="34" charset="-128"/>
-              </a:defRPr>
-            </a:lvl2pPr>
-            <a:lvl3pPr marL="1143000" indent="-228600">
-              <a:spcBef>
-                <a:spcPct val="20000"/>
-              </a:spcBef>
-              <a:buClr>
-                <a:schemeClr val="bg2"/>
-              </a:buClr>
-              <a:buSzPct val="65000"/>
-              <a:buFont typeface="Wingdings" pitchFamily="2" charset="2"/>
-              <a:buChar char="l"/>
-              <a:defRPr sz="2400">
-                <a:solidFill>
-                  <a:schemeClr val="tx1"/>
-                </a:solidFill>
-                <a:latin typeface="Arial" panose="020B0604020202020204" pitchFamily="34" charset="0"/>
-                <a:ea typeface="ＭＳ Ｐゴシック" panose="020B0600070205080204" pitchFamily="34" charset="-128"/>
-              </a:defRPr>
-            </a:lvl3pPr>
-            <a:lvl4pPr marL="1600200" indent="-228600">
-              <a:spcBef>
-                <a:spcPct val="20000"/>
-              </a:spcBef>
-              <a:buClr>
-                <a:schemeClr val="hlink"/>
-              </a:buClr>
-              <a:buSzPct val="60000"/>
-              <a:buFont typeface="Wingdings" pitchFamily="2" charset="2"/>
-              <a:buChar char="l"/>
-              <a:defRPr sz="2000">
-                <a:solidFill>
-                  <a:schemeClr val="tx1"/>
-                </a:solidFill>
-                <a:latin typeface="Arial" panose="020B0604020202020204" pitchFamily="34" charset="0"/>
-                <a:ea typeface="ＭＳ Ｐゴシック" panose="020B0600070205080204" pitchFamily="34" charset="-128"/>
-              </a:defRPr>
-            </a:lvl4pPr>
-            <a:lvl5pPr marL="2057400" indent="-228600">
-              <a:spcBef>
-                <a:spcPct val="20000"/>
-              </a:spcBef>
-              <a:buClr>
-                <a:schemeClr val="bg2"/>
-              </a:buClr>
-              <a:buSzPct val="40000"/>
-              <a:buFont typeface="Wingdings" pitchFamily="2" charset="2"/>
-              <a:buChar char="l"/>
-              <a:defRPr sz="2000">
-                <a:solidFill>
-                  <a:schemeClr val="tx1"/>
-                </a:solidFill>
-                <a:latin typeface="Arial" panose="020B0604020202020204" pitchFamily="34" charset="0"/>
-                <a:ea typeface="ＭＳ Ｐゴシック" panose="020B0600070205080204" pitchFamily="34" charset="-128"/>
-              </a:defRPr>
-            </a:lvl5pPr>
-            <a:lvl6pPr marL="2514600" indent="-228600" eaLnBrk="0" fontAlgn="base" hangingPunct="0">
-              <a:spcBef>
-                <a:spcPct val="20000"/>
-              </a:spcBef>
-              <a:spcAft>
-                <a:spcPct val="0"/>
-              </a:spcAft>
-              <a:buClr>
-                <a:schemeClr val="bg2"/>
-              </a:buClr>
-              <a:buSzPct val="40000"/>
-              <a:buFont typeface="Wingdings" pitchFamily="2" charset="2"/>
-              <a:buChar char="l"/>
-              <a:defRPr sz="2000">
-                <a:solidFill>
-                  <a:schemeClr val="tx1"/>
-                </a:solidFill>
-                <a:latin typeface="Arial" panose="020B0604020202020204" pitchFamily="34" charset="0"/>
-                <a:ea typeface="ＭＳ Ｐゴシック" panose="020B0600070205080204" pitchFamily="34" charset="-128"/>
-              </a:defRPr>
-            </a:lvl6pPr>
-            <a:lvl7pPr marL="2971800" indent="-228600" eaLnBrk="0" fontAlgn="base" hangingPunct="0">
-              <a:spcBef>
-                <a:spcPct val="20000"/>
-              </a:spcBef>
-              <a:spcAft>
-                <a:spcPct val="0"/>
-              </a:spcAft>
-              <a:buClr>
-                <a:schemeClr val="bg2"/>
-              </a:buClr>
-              <a:buSzPct val="40000"/>
-              <a:buFont typeface="Wingdings" pitchFamily="2" charset="2"/>
-              <a:buChar char="l"/>
-              <a:defRPr sz="2000">
-                <a:solidFill>
-                  <a:schemeClr val="tx1"/>
-                </a:solidFill>
-                <a:latin typeface="Arial" panose="020B0604020202020204" pitchFamily="34" charset="0"/>
-                <a:ea typeface="ＭＳ Ｐゴシック" panose="020B0600070205080204" pitchFamily="34" charset="-128"/>
-              </a:defRPr>
-            </a:lvl7pPr>
-            <a:lvl8pPr marL="3429000" indent="-228600" eaLnBrk="0" fontAlgn="base" hangingPunct="0">
-              <a:spcBef>
-                <a:spcPct val="20000"/>
-              </a:spcBef>
-              <a:spcAft>
-                <a:spcPct val="0"/>
-              </a:spcAft>
-              <a:buClr>
-                <a:schemeClr val="bg2"/>
-              </a:buClr>
-              <a:buSzPct val="40000"/>
-              <a:buFont typeface="Wingdings" pitchFamily="2" charset="2"/>
-              <a:buChar char="l"/>
-              <a:defRPr sz="2000">
-                <a:solidFill>
-                  <a:schemeClr val="tx1"/>
-                </a:solidFill>
-                <a:latin typeface="Arial" panose="020B0604020202020204" pitchFamily="34" charset="0"/>
-                <a:ea typeface="ＭＳ Ｐゴシック" panose="020B0600070205080204" pitchFamily="34" charset="-128"/>
-              </a:defRPr>
-            </a:lvl8pPr>
-            <a:lvl9pPr marL="3886200" indent="-228600" eaLnBrk="0" fontAlgn="base" hangingPunct="0">
-              <a:spcBef>
-                <a:spcPct val="20000"/>
-              </a:spcBef>
-              <a:spcAft>
-                <a:spcPct val="0"/>
-              </a:spcAft>
-              <a:buClr>
-                <a:schemeClr val="bg2"/>
-              </a:buClr>
-              <a:buSzPct val="40000"/>
-              <a:buFont typeface="Wingdings" pitchFamily="2" charset="2"/>
-              <a:buChar char="l"/>
-              <a:defRPr sz="2000">
-                <a:solidFill>
-                  <a:schemeClr val="tx1"/>
-                </a:solidFill>
-                <a:latin typeface="Arial" panose="020B0604020202020204" pitchFamily="34" charset="0"/>
-                <a:ea typeface="ＭＳ Ｐゴシック" panose="020B0600070205080204" pitchFamily="34" charset="-128"/>
-              </a:defRPr>
-            </a:lvl9pPr>
-          </a:lstStyle>
-          <a:p>
-            <a:pPr>
-              <a:spcBef>
-                <a:spcPct val="0"/>
-              </a:spcBef>
-              <a:buClrTx/>
-              <a:buSzTx/>
-              <a:buFontTx/>
-              <a:buNone/>
-            </a:pPr>
-            <a:endParaRPr lang="en-US" altLang="en-US" sz="1600"/>
-          </a:p>
-        </p:txBody>
-      </p:sp>
-      <p:sp>
-        <p:nvSpPr>
-          <p:cNvPr id="21508" name="Text Box 7">
-            <a:extLst>
-              <a:ext uri="{FF2B5EF4-FFF2-40B4-BE49-F238E27FC236}">
-                <a16:creationId xmlns:a16="http://schemas.microsoft.com/office/drawing/2014/main" id="{EA23B4BF-3483-2446-88BF-4AC141BC7E31}"/>
-              </a:ext>
-            </a:extLst>
-          </p:cNvPr>
-          <p:cNvSpPr txBox="1">
-            <a:spLocks noChangeArrowheads="1"/>
-          </p:cNvSpPr>
-          <p:nvPr/>
-        </p:nvSpPr>
-        <p:spPr bwMode="auto">
-          <a:xfrm>
-            <a:off x="3165475" y="4276725"/>
-            <a:ext cx="3529013" cy="523875"/>
-          </a:xfrm>
-          <a:prstGeom prst="rect">
-            <a:avLst/>
-          </a:prstGeom>
-          <a:noFill/>
-          <a:ln>
-            <a:noFill/>
-          </a:ln>
-          <a:extLst>
-            <a:ext uri="{909E8E84-426E-40DD-AFC4-6F175D3DCCD1}">
-              <a14:hiddenFill xmlns:a14="http://schemas.microsoft.com/office/drawing/2010/main">
-                <a:solidFill>
-                  <a:srgbClr val="FFFFFF"/>
-                </a:solidFill>
-              </a14:hiddenFill>
-            </a:ext>
-            <a:ext uri="{91240B29-F687-4F45-9708-019B960494DF}">
-              <a14:hiddenLine xmlns:a14="http://schemas.microsoft.com/office/drawing/2010/main" w="9525">
-                <a:solidFill>
-                  <a:srgbClr val="000000"/>
-                </a:solidFill>
-                <a:miter lim="800000"/>
-                <a:headEnd/>
-                <a:tailEnd/>
-              </a14:hiddenLine>
-            </a:ext>
-          </a:extLst>
-        </p:spPr>
-        <p:txBody>
-          <a:bodyPr>
-            <a:spAutoFit/>
-          </a:bodyPr>
-          <a:lstStyle>
-            <a:lvl1pPr>
-              <a:spcBef>
-                <a:spcPct val="20000"/>
-              </a:spcBef>
-              <a:buClr>
-                <a:schemeClr val="hlink"/>
-              </a:buClr>
-              <a:buSzPct val="80000"/>
-              <a:buFont typeface="Wingdings" pitchFamily="2" charset="2"/>
-              <a:buChar char="l"/>
-              <a:defRPr sz="3200">
-                <a:solidFill>
-                  <a:schemeClr val="tx1"/>
-                </a:solidFill>
-                <a:latin typeface="Arial" panose="020B0604020202020204" pitchFamily="34" charset="0"/>
-                <a:ea typeface="ＭＳ Ｐゴシック" panose="020B0600070205080204" pitchFamily="34" charset="-128"/>
-              </a:defRPr>
-            </a:lvl1pPr>
-            <a:lvl2pPr marL="742950" indent="-285750">
-              <a:spcBef>
-                <a:spcPct val="20000"/>
-              </a:spcBef>
-              <a:buClr>
-                <a:schemeClr val="accent1"/>
-              </a:buClr>
-              <a:buSzPct val="70000"/>
-              <a:buFont typeface="Wingdings" pitchFamily="2" charset="2"/>
-              <a:buChar char="l"/>
-              <a:defRPr sz="2800">
-                <a:solidFill>
-                  <a:schemeClr val="tx1"/>
-                </a:solidFill>
-                <a:latin typeface="Arial" panose="020B0604020202020204" pitchFamily="34" charset="0"/>
-                <a:ea typeface="ＭＳ Ｐゴシック" panose="020B0600070205080204" pitchFamily="34" charset="-128"/>
-              </a:defRPr>
-            </a:lvl2pPr>
-            <a:lvl3pPr marL="1143000" indent="-228600">
-              <a:spcBef>
-                <a:spcPct val="20000"/>
-              </a:spcBef>
-              <a:buClr>
-                <a:schemeClr val="bg2"/>
-              </a:buClr>
-              <a:buSzPct val="65000"/>
-              <a:buFont typeface="Wingdings" pitchFamily="2" charset="2"/>
-              <a:buChar char="l"/>
-              <a:defRPr sz="2400">
-                <a:solidFill>
-                  <a:schemeClr val="tx1"/>
-                </a:solidFill>
-                <a:latin typeface="Arial" panose="020B0604020202020204" pitchFamily="34" charset="0"/>
-                <a:ea typeface="ＭＳ Ｐゴシック" panose="020B0600070205080204" pitchFamily="34" charset="-128"/>
-              </a:defRPr>
-            </a:lvl3pPr>
-            <a:lvl4pPr marL="1600200" indent="-228600">
-              <a:spcBef>
-                <a:spcPct val="20000"/>
-              </a:spcBef>
-              <a:buClr>
-                <a:schemeClr val="hlink"/>
-              </a:buClr>
-              <a:buSzPct val="60000"/>
-              <a:buFont typeface="Wingdings" pitchFamily="2" charset="2"/>
-              <a:buChar char="l"/>
-              <a:defRPr sz="2000">
-                <a:solidFill>
-                  <a:schemeClr val="tx1"/>
-                </a:solidFill>
-                <a:latin typeface="Arial" panose="020B0604020202020204" pitchFamily="34" charset="0"/>
-                <a:ea typeface="ＭＳ Ｐゴシック" panose="020B0600070205080204" pitchFamily="34" charset="-128"/>
-              </a:defRPr>
-            </a:lvl4pPr>
-            <a:lvl5pPr marL="2057400" indent="-228600">
-              <a:spcBef>
-                <a:spcPct val="20000"/>
-              </a:spcBef>
-              <a:buClr>
-                <a:schemeClr val="bg2"/>
-              </a:buClr>
-              <a:buSzPct val="40000"/>
-              <a:buFont typeface="Wingdings" pitchFamily="2" charset="2"/>
-              <a:buChar char="l"/>
-              <a:defRPr sz="2000">
-                <a:solidFill>
-                  <a:schemeClr val="tx1"/>
-                </a:solidFill>
-                <a:latin typeface="Arial" panose="020B0604020202020204" pitchFamily="34" charset="0"/>
-                <a:ea typeface="ＭＳ Ｐゴシック" panose="020B0600070205080204" pitchFamily="34" charset="-128"/>
-              </a:defRPr>
-            </a:lvl5pPr>
-            <a:lvl6pPr marL="2514600" indent="-228600" eaLnBrk="0" fontAlgn="base" hangingPunct="0">
-              <a:spcBef>
-                <a:spcPct val="20000"/>
-              </a:spcBef>
-              <a:spcAft>
-                <a:spcPct val="0"/>
-              </a:spcAft>
-              <a:buClr>
-                <a:schemeClr val="bg2"/>
-              </a:buClr>
-              <a:buSzPct val="40000"/>
-              <a:buFont typeface="Wingdings" pitchFamily="2" charset="2"/>
-              <a:buChar char="l"/>
-              <a:defRPr sz="2000">
-                <a:solidFill>
-                  <a:schemeClr val="tx1"/>
-                </a:solidFill>
-                <a:latin typeface="Arial" panose="020B0604020202020204" pitchFamily="34" charset="0"/>
-                <a:ea typeface="ＭＳ Ｐゴシック" panose="020B0600070205080204" pitchFamily="34" charset="-128"/>
-              </a:defRPr>
-            </a:lvl6pPr>
-            <a:lvl7pPr marL="2971800" indent="-228600" eaLnBrk="0" fontAlgn="base" hangingPunct="0">
-              <a:spcBef>
-                <a:spcPct val="20000"/>
-              </a:spcBef>
-              <a:spcAft>
-                <a:spcPct val="0"/>
-              </a:spcAft>
-              <a:buClr>
-                <a:schemeClr val="bg2"/>
-              </a:buClr>
-              <a:buSzPct val="40000"/>
-              <a:buFont typeface="Wingdings" pitchFamily="2" charset="2"/>
-              <a:buChar char="l"/>
-              <a:defRPr sz="2000">
-                <a:solidFill>
-                  <a:schemeClr val="tx1"/>
-                </a:solidFill>
-                <a:latin typeface="Arial" panose="020B0604020202020204" pitchFamily="34" charset="0"/>
-                <a:ea typeface="ＭＳ Ｐゴシック" panose="020B0600070205080204" pitchFamily="34" charset="-128"/>
-              </a:defRPr>
-            </a:lvl7pPr>
-            <a:lvl8pPr marL="3429000" indent="-228600" eaLnBrk="0" fontAlgn="base" hangingPunct="0">
-              <a:spcBef>
-                <a:spcPct val="20000"/>
-              </a:spcBef>
-              <a:spcAft>
-                <a:spcPct val="0"/>
-              </a:spcAft>
-              <a:buClr>
-                <a:schemeClr val="bg2"/>
-              </a:buClr>
-              <a:buSzPct val="40000"/>
-              <a:buFont typeface="Wingdings" pitchFamily="2" charset="2"/>
-              <a:buChar char="l"/>
-              <a:defRPr sz="2000">
-                <a:solidFill>
-                  <a:schemeClr val="tx1"/>
-                </a:solidFill>
-                <a:latin typeface="Arial" panose="020B0604020202020204" pitchFamily="34" charset="0"/>
-                <a:ea typeface="ＭＳ Ｐゴシック" panose="020B0600070205080204" pitchFamily="34" charset="-128"/>
-              </a:defRPr>
-            </a:lvl8pPr>
-            <a:lvl9pPr marL="3886200" indent="-228600" eaLnBrk="0" fontAlgn="base" hangingPunct="0">
-              <a:spcBef>
-                <a:spcPct val="20000"/>
-              </a:spcBef>
-              <a:spcAft>
-                <a:spcPct val="0"/>
-              </a:spcAft>
-              <a:buClr>
-                <a:schemeClr val="bg2"/>
-              </a:buClr>
-              <a:buSzPct val="40000"/>
-              <a:buFont typeface="Wingdings" pitchFamily="2" charset="2"/>
-              <a:buChar char="l"/>
-              <a:defRPr sz="2000">
-                <a:solidFill>
-                  <a:schemeClr val="tx1"/>
-                </a:solidFill>
-                <a:latin typeface="Arial" panose="020B0604020202020204" pitchFamily="34" charset="0"/>
-                <a:ea typeface="ＭＳ Ｐゴシック" panose="020B0600070205080204" pitchFamily="34" charset="-128"/>
-              </a:defRPr>
-            </a:lvl9pPr>
-          </a:lstStyle>
-          <a:p>
-            <a:pPr>
-              <a:spcBef>
-                <a:spcPct val="0"/>
-              </a:spcBef>
-              <a:buClrTx/>
-              <a:buSzTx/>
-              <a:buFontTx/>
-              <a:buNone/>
-            </a:pPr>
-            <a:r>
-              <a:rPr lang="en-US" altLang="en-US" sz="1400"/>
-              <a:t>an element of</a:t>
-            </a:r>
-          </a:p>
-          <a:p>
-            <a:pPr>
-              <a:spcBef>
-                <a:spcPct val="0"/>
-              </a:spcBef>
-              <a:buClrTx/>
-              <a:buSzTx/>
-              <a:buFontTx/>
-              <a:buNone/>
-            </a:pPr>
-            <a:r>
-              <a:rPr lang="en-US" altLang="en-US" sz="1400"/>
-              <a:t>type Rectangle.</a:t>
-            </a:r>
-          </a:p>
-        </p:txBody>
-      </p:sp>
-      <p:pic>
-        <p:nvPicPr>
-          <p:cNvPr id="21509" name="Picture 1">
-            <a:extLst>
-              <a:ext uri="{FF2B5EF4-FFF2-40B4-BE49-F238E27FC236}">
-                <a16:creationId xmlns:a16="http://schemas.microsoft.com/office/drawing/2014/main" id="{2896B447-B356-C24D-A8D9-3AFA0A622FB5}"/>
-              </a:ext>
-            </a:extLst>
-          </p:cNvPr>
-          <p:cNvPicPr>
-            <a:picLocks noChangeAspect="1"/>
-          </p:cNvPicPr>
-          <p:nvPr/>
-        </p:nvPicPr>
-        <p:blipFill>
-          <a:blip r:embed="rId3">
-            <a:extLst>
-              <a:ext uri="{28A0092B-C50C-407E-A947-70E740481C1C}">
-                <a14:useLocalDpi xmlns:a14="http://schemas.microsoft.com/office/drawing/2010/main" val="0"/>
-              </a:ext>
-            </a:extLst>
-          </a:blip>
-          <a:srcRect/>
-          <a:stretch>
-            <a:fillRect/>
-          </a:stretch>
-        </p:blipFill>
-        <p:spPr bwMode="auto">
-          <a:xfrm>
-            <a:off x="1114425" y="2206625"/>
-            <a:ext cx="4102100" cy="1549400"/>
-          </a:xfrm>
-          <a:prstGeom prst="rect">
-            <a:avLst/>
-          </a:prstGeom>
-          <a:noFill/>
-          <a:ln w="9525">
-            <a:solidFill>
-              <a:schemeClr val="tx1"/>
-            </a:solidFill>
-            <a:miter lim="800000"/>
-            <a:headEnd/>
-            <a:tailEnd/>
-          </a:ln>
-          <a:extLst>
-            <a:ext uri="{909E8E84-426E-40DD-AFC4-6F175D3DCCD1}">
-              <a14:hiddenFill xmlns:a14="http://schemas.microsoft.com/office/drawing/2010/main">
-                <a:solidFill>
-                  <a:srgbClr val="FFFFFF"/>
-                </a:solidFill>
-              </a14:hiddenFill>
-            </a:ext>
-          </a:extLst>
-        </p:spPr>
-      </p:pic>
-    </p:spTree>
-  </p:cSld>
-  <p:clrMapOvr>
-    <a:masterClrMapping/>
-  </p:clrMapOvr>
-</p:sld>
-</file>
-
-<file path=ppt/slides/slide8.xml><?xml version="1.0" encoding="utf-8"?>
-<p:sld xmlns:a="http://schemas.openxmlformats.org/drawingml/2006/main" xmlns:r="http://schemas.openxmlformats.org/officeDocument/2006/relationships" xmlns:p="http://schemas.openxmlformats.org/presentationml/2006/main">
-  <p:cSld>
-    <p:spTree>
-      <p:nvGrpSpPr>
-        <p:cNvPr id="1" name=""/>
-        <p:cNvGrpSpPr/>
-        <p:nvPr/>
-      </p:nvGrpSpPr>
-      <p:grpSpPr>
-        <a:xfrm>
-          <a:off x="0" y="0"/>
-          <a:ext cx="0" cy="0"/>
-          <a:chOff x="0" y="0"/>
-          <a:chExt cx="0" cy="0"/>
-        </a:xfrm>
-      </p:grpSpPr>
-      <p:sp>
-        <p:nvSpPr>
-          <p:cNvPr id="25601" name="Rectangle 2">
-            <a:extLst>
-              <a:ext uri="{FF2B5EF4-FFF2-40B4-BE49-F238E27FC236}">
-                <a16:creationId xmlns:a16="http://schemas.microsoft.com/office/drawing/2014/main" id="{94A88F50-987C-7845-B84C-972F824FDDEF}"/>
-              </a:ext>
-            </a:extLst>
-          </p:cNvPr>
-          <p:cNvSpPr>
-            <a:spLocks noGrp="1" noChangeArrowheads="1"/>
-          </p:cNvSpPr>
-          <p:nvPr>
-            <p:ph type="title"/>
-          </p:nvPr>
-        </p:nvSpPr>
-        <p:spPr/>
-        <p:txBody>
-          <a:bodyPr/>
-          <a:lstStyle/>
-          <a:p>
-            <a:pPr eaLnBrk="1" hangingPunct="1"/>
-            <a:r>
-              <a:rPr lang="en-US" altLang="en-US"/>
-              <a:t>Subtypes</a:t>
-            </a:r>
-          </a:p>
-        </p:txBody>
-      </p:sp>
-      <p:sp>
-        <p:nvSpPr>
-          <p:cNvPr id="25602" name="Text Box 4">
-            <a:extLst>
-              <a:ext uri="{FF2B5EF4-FFF2-40B4-BE49-F238E27FC236}">
-                <a16:creationId xmlns:a16="http://schemas.microsoft.com/office/drawing/2014/main" id="{F0F463EE-1276-204C-8CA8-079899135D1F}"/>
-              </a:ext>
-            </a:extLst>
-          </p:cNvPr>
-          <p:cNvSpPr txBox="1">
-            <a:spLocks noChangeArrowheads="1"/>
-          </p:cNvSpPr>
-          <p:nvPr/>
-        </p:nvSpPr>
-        <p:spPr bwMode="auto">
-          <a:xfrm>
-            <a:off x="822325" y="1584325"/>
-            <a:ext cx="4883150" cy="336550"/>
-          </a:xfrm>
-          <a:prstGeom prst="rect">
-            <a:avLst/>
-          </a:prstGeom>
-          <a:noFill/>
-          <a:ln>
-            <a:noFill/>
-          </a:ln>
-          <a:extLst>
-            <a:ext uri="{909E8E84-426E-40DD-AFC4-6F175D3DCCD1}">
-              <a14:hiddenFill xmlns:a14="http://schemas.microsoft.com/office/drawing/2010/main">
-                <a:solidFill>
-                  <a:srgbClr val="FFFFFF"/>
-                </a:solidFill>
-              </a14:hiddenFill>
-            </a:ext>
-            <a:ext uri="{91240B29-F687-4F45-9708-019B960494DF}">
-              <a14:hiddenLine xmlns:a14="http://schemas.microsoft.com/office/drawing/2010/main" w="9525">
-                <a:solidFill>
-                  <a:srgbClr val="000000"/>
-                </a:solidFill>
-                <a:miter lim="800000"/>
-                <a:headEnd/>
-                <a:tailEnd/>
-              </a14:hiddenLine>
-            </a:ext>
-          </a:extLst>
-        </p:spPr>
-        <p:txBody>
-          <a:bodyPr wrap="none">
-            <a:spAutoFit/>
-          </a:bodyPr>
-          <a:lstStyle>
-            <a:lvl1pPr>
-              <a:spcBef>
-                <a:spcPct val="20000"/>
-              </a:spcBef>
-              <a:buClr>
-                <a:schemeClr val="hlink"/>
-              </a:buClr>
-              <a:buSzPct val="80000"/>
-              <a:buFont typeface="Wingdings" pitchFamily="2" charset="2"/>
-              <a:buChar char="l"/>
-              <a:defRPr sz="3200">
-                <a:solidFill>
-                  <a:schemeClr val="tx1"/>
-                </a:solidFill>
-                <a:latin typeface="Arial" panose="020B0604020202020204" pitchFamily="34" charset="0"/>
-                <a:ea typeface="ＭＳ Ｐゴシック" panose="020B0600070205080204" pitchFamily="34" charset="-128"/>
-              </a:defRPr>
-            </a:lvl1pPr>
-            <a:lvl2pPr marL="742950" indent="-285750">
-              <a:spcBef>
-                <a:spcPct val="20000"/>
-              </a:spcBef>
-              <a:buClr>
-                <a:schemeClr val="accent1"/>
-              </a:buClr>
-              <a:buSzPct val="70000"/>
-              <a:buFont typeface="Wingdings" pitchFamily="2" charset="2"/>
-              <a:buChar char="l"/>
-              <a:defRPr sz="2800">
-                <a:solidFill>
-                  <a:schemeClr val="tx1"/>
-                </a:solidFill>
-                <a:latin typeface="Arial" panose="020B0604020202020204" pitchFamily="34" charset="0"/>
-                <a:ea typeface="ＭＳ Ｐゴシック" panose="020B0600070205080204" pitchFamily="34" charset="-128"/>
-              </a:defRPr>
-            </a:lvl2pPr>
-            <a:lvl3pPr marL="1143000" indent="-228600">
-              <a:spcBef>
-                <a:spcPct val="20000"/>
-              </a:spcBef>
-              <a:buClr>
-                <a:schemeClr val="bg2"/>
-              </a:buClr>
-              <a:buSzPct val="65000"/>
-              <a:buFont typeface="Wingdings" pitchFamily="2" charset="2"/>
-              <a:buChar char="l"/>
-              <a:defRPr sz="2400">
-                <a:solidFill>
-                  <a:schemeClr val="tx1"/>
-                </a:solidFill>
-                <a:latin typeface="Arial" panose="020B0604020202020204" pitchFamily="34" charset="0"/>
-                <a:ea typeface="ＭＳ Ｐゴシック" panose="020B0600070205080204" pitchFamily="34" charset="-128"/>
-              </a:defRPr>
-            </a:lvl3pPr>
-            <a:lvl4pPr marL="1600200" indent="-228600">
-              <a:spcBef>
-                <a:spcPct val="20000"/>
-              </a:spcBef>
-              <a:buClr>
-                <a:schemeClr val="hlink"/>
-              </a:buClr>
-              <a:buSzPct val="60000"/>
-              <a:buFont typeface="Wingdings" pitchFamily="2" charset="2"/>
-              <a:buChar char="l"/>
-              <a:defRPr sz="2000">
-                <a:solidFill>
-                  <a:schemeClr val="tx1"/>
-                </a:solidFill>
-                <a:latin typeface="Arial" panose="020B0604020202020204" pitchFamily="34" charset="0"/>
-                <a:ea typeface="ＭＳ Ｐゴシック" panose="020B0600070205080204" pitchFamily="34" charset="-128"/>
-              </a:defRPr>
-            </a:lvl4pPr>
-            <a:lvl5pPr marL="2057400" indent="-228600">
-              <a:spcBef>
-                <a:spcPct val="20000"/>
-              </a:spcBef>
-              <a:buClr>
-                <a:schemeClr val="bg2"/>
-              </a:buClr>
-              <a:buSzPct val="40000"/>
-              <a:buFont typeface="Wingdings" pitchFamily="2" charset="2"/>
-              <a:buChar char="l"/>
-              <a:defRPr sz="2000">
-                <a:solidFill>
-                  <a:schemeClr val="tx1"/>
-                </a:solidFill>
-                <a:latin typeface="Arial" panose="020B0604020202020204" pitchFamily="34" charset="0"/>
-                <a:ea typeface="ＭＳ Ｐゴシック" panose="020B0600070205080204" pitchFamily="34" charset="-128"/>
-              </a:defRPr>
-            </a:lvl5pPr>
-            <a:lvl6pPr marL="2514600" indent="-228600" eaLnBrk="0" fontAlgn="base" hangingPunct="0">
-              <a:spcBef>
-                <a:spcPct val="20000"/>
-              </a:spcBef>
-              <a:spcAft>
-                <a:spcPct val="0"/>
-              </a:spcAft>
-              <a:buClr>
-                <a:schemeClr val="bg2"/>
-              </a:buClr>
-              <a:buSzPct val="40000"/>
-              <a:buFont typeface="Wingdings" pitchFamily="2" charset="2"/>
-              <a:buChar char="l"/>
-              <a:defRPr sz="2000">
-                <a:solidFill>
-                  <a:schemeClr val="tx1"/>
-                </a:solidFill>
-                <a:latin typeface="Arial" panose="020B0604020202020204" pitchFamily="34" charset="0"/>
-                <a:ea typeface="ＭＳ Ｐゴシック" panose="020B0600070205080204" pitchFamily="34" charset="-128"/>
-              </a:defRPr>
-            </a:lvl6pPr>
-            <a:lvl7pPr marL="2971800" indent="-228600" eaLnBrk="0" fontAlgn="base" hangingPunct="0">
-              <a:spcBef>
-                <a:spcPct val="20000"/>
-              </a:spcBef>
-              <a:spcAft>
-                <a:spcPct val="0"/>
-              </a:spcAft>
-              <a:buClr>
-                <a:schemeClr val="bg2"/>
-              </a:buClr>
-              <a:buSzPct val="40000"/>
-              <a:buFont typeface="Wingdings" pitchFamily="2" charset="2"/>
-              <a:buChar char="l"/>
-              <a:defRPr sz="2000">
-                <a:solidFill>
-                  <a:schemeClr val="tx1"/>
-                </a:solidFill>
-                <a:latin typeface="Arial" panose="020B0604020202020204" pitchFamily="34" charset="0"/>
-                <a:ea typeface="ＭＳ Ｐゴシック" panose="020B0600070205080204" pitchFamily="34" charset="-128"/>
-              </a:defRPr>
-            </a:lvl7pPr>
-            <a:lvl8pPr marL="3429000" indent="-228600" eaLnBrk="0" fontAlgn="base" hangingPunct="0">
-              <a:spcBef>
-                <a:spcPct val="20000"/>
-              </a:spcBef>
-              <a:spcAft>
-                <a:spcPct val="0"/>
-              </a:spcAft>
-              <a:buClr>
-                <a:schemeClr val="bg2"/>
-              </a:buClr>
-              <a:buSzPct val="40000"/>
-              <a:buFont typeface="Wingdings" pitchFamily="2" charset="2"/>
-              <a:buChar char="l"/>
-              <a:defRPr sz="2000">
-                <a:solidFill>
-                  <a:schemeClr val="tx1"/>
-                </a:solidFill>
-                <a:latin typeface="Arial" panose="020B0604020202020204" pitchFamily="34" charset="0"/>
-                <a:ea typeface="ＭＳ Ｐゴシック" panose="020B0600070205080204" pitchFamily="34" charset="-128"/>
-              </a:defRPr>
-            </a:lvl8pPr>
-            <a:lvl9pPr marL="3886200" indent="-228600" eaLnBrk="0" fontAlgn="base" hangingPunct="0">
-              <a:spcBef>
-                <a:spcPct val="20000"/>
-              </a:spcBef>
-              <a:spcAft>
-                <a:spcPct val="0"/>
-              </a:spcAft>
-              <a:buClr>
-                <a:schemeClr val="bg2"/>
-              </a:buClr>
-              <a:buSzPct val="40000"/>
-              <a:buFont typeface="Wingdings" pitchFamily="2" charset="2"/>
-              <a:buChar char="l"/>
-              <a:defRPr sz="2000">
-                <a:solidFill>
-                  <a:schemeClr val="tx1"/>
-                </a:solidFill>
-                <a:latin typeface="Arial" panose="020B0604020202020204" pitchFamily="34" charset="0"/>
-                <a:ea typeface="ＭＳ Ｐゴシック" panose="020B0600070205080204" pitchFamily="34" charset="-128"/>
-              </a:defRPr>
-            </a:lvl9pPr>
-          </a:lstStyle>
-          <a:p>
-            <a:pPr>
-              <a:spcBef>
-                <a:spcPct val="0"/>
-              </a:spcBef>
-              <a:buClrTx/>
-              <a:buSzTx/>
-              <a:buFontTx/>
-              <a:buNone/>
-            </a:pPr>
-            <a:r>
-              <a:rPr lang="en-US" altLang="en-US" sz="1600" b="1"/>
-              <a:t>Def:</a:t>
-            </a:r>
-            <a:r>
-              <a:rPr lang="en-US" altLang="en-US" sz="1600"/>
-              <a:t> a </a:t>
-            </a:r>
-            <a:r>
-              <a:rPr lang="en-US" altLang="en-US" sz="1600" u="sng"/>
-              <a:t>subtype</a:t>
-            </a:r>
-            <a:r>
-              <a:rPr lang="en-US" altLang="en-US" sz="1600"/>
-              <a:t> is a </a:t>
-            </a:r>
-            <a:r>
-              <a:rPr lang="en-US" altLang="en-US" sz="1600" u="sng"/>
-              <a:t>subset</a:t>
-            </a:r>
-            <a:r>
-              <a:rPr lang="en-US" altLang="en-US" sz="1600"/>
-              <a:t> of the elements of a type.</a:t>
-            </a:r>
-            <a:endParaRPr lang="en-US" altLang="en-US" sz="1600" b="1"/>
-          </a:p>
-        </p:txBody>
-      </p:sp>
-      <p:sp>
-        <p:nvSpPr>
-          <p:cNvPr id="25603" name="Text Box 5">
-            <a:extLst>
-              <a:ext uri="{FF2B5EF4-FFF2-40B4-BE49-F238E27FC236}">
-                <a16:creationId xmlns:a16="http://schemas.microsoft.com/office/drawing/2014/main" id="{623155ED-34D9-BA49-BBE2-2E69AC8269D6}"/>
-              </a:ext>
-            </a:extLst>
-          </p:cNvPr>
-          <p:cNvSpPr txBox="1">
-            <a:spLocks noChangeArrowheads="1"/>
-          </p:cNvSpPr>
-          <p:nvPr/>
-        </p:nvSpPr>
-        <p:spPr bwMode="auto">
-          <a:xfrm flipH="1">
-            <a:off x="822325" y="2346325"/>
-            <a:ext cx="3529013" cy="830263"/>
-          </a:xfrm>
-          <a:prstGeom prst="rect">
-            <a:avLst/>
-          </a:prstGeom>
-          <a:noFill/>
-          <a:ln>
-            <a:noFill/>
-          </a:ln>
-          <a:extLst>
-            <a:ext uri="{909E8E84-426E-40DD-AFC4-6F175D3DCCD1}">
-              <a14:hiddenFill xmlns:a14="http://schemas.microsoft.com/office/drawing/2010/main">
-                <a:solidFill>
-                  <a:srgbClr val="FFFFFF"/>
-                </a:solidFill>
-              </a14:hiddenFill>
-            </a:ext>
-            <a:ext uri="{91240B29-F687-4F45-9708-019B960494DF}">
-              <a14:hiddenLine xmlns:a14="http://schemas.microsoft.com/office/drawing/2010/main" w="9525">
-                <a:solidFill>
-                  <a:srgbClr val="000000"/>
-                </a:solidFill>
-                <a:miter lim="800000"/>
-                <a:headEnd/>
-                <a:tailEnd/>
-              </a14:hiddenLine>
-            </a:ext>
-          </a:extLst>
-        </p:spPr>
-        <p:txBody>
-          <a:bodyPr wrap="none">
-            <a:spAutoFit/>
-          </a:bodyPr>
-          <a:lstStyle>
-            <a:lvl1pPr>
-              <a:spcBef>
-                <a:spcPct val="20000"/>
-              </a:spcBef>
-              <a:buClr>
-                <a:schemeClr val="hlink"/>
-              </a:buClr>
-              <a:buSzPct val="80000"/>
-              <a:buFont typeface="Wingdings" pitchFamily="2" charset="2"/>
-              <a:buChar char="l"/>
-              <a:defRPr sz="3200">
-                <a:solidFill>
-                  <a:schemeClr val="tx1"/>
-                </a:solidFill>
-                <a:latin typeface="Arial" panose="020B0604020202020204" pitchFamily="34" charset="0"/>
-                <a:ea typeface="ＭＳ Ｐゴシック" panose="020B0600070205080204" pitchFamily="34" charset="-128"/>
-              </a:defRPr>
-            </a:lvl1pPr>
-            <a:lvl2pPr marL="742950" indent="-285750">
-              <a:spcBef>
-                <a:spcPct val="20000"/>
-              </a:spcBef>
-              <a:buClr>
-                <a:schemeClr val="accent1"/>
-              </a:buClr>
-              <a:buSzPct val="70000"/>
-              <a:buFont typeface="Wingdings" pitchFamily="2" charset="2"/>
-              <a:buChar char="l"/>
-              <a:defRPr sz="2800">
-                <a:solidFill>
-                  <a:schemeClr val="tx1"/>
-                </a:solidFill>
-                <a:latin typeface="Arial" panose="020B0604020202020204" pitchFamily="34" charset="0"/>
-                <a:ea typeface="ＭＳ Ｐゴシック" panose="020B0600070205080204" pitchFamily="34" charset="-128"/>
-              </a:defRPr>
-            </a:lvl2pPr>
-            <a:lvl3pPr marL="1143000" indent="-228600">
-              <a:spcBef>
-                <a:spcPct val="20000"/>
-              </a:spcBef>
-              <a:buClr>
-                <a:schemeClr val="bg2"/>
-              </a:buClr>
-              <a:buSzPct val="65000"/>
-              <a:buFont typeface="Wingdings" pitchFamily="2" charset="2"/>
-              <a:buChar char="l"/>
-              <a:defRPr sz="2400">
-                <a:solidFill>
-                  <a:schemeClr val="tx1"/>
-                </a:solidFill>
-                <a:latin typeface="Arial" panose="020B0604020202020204" pitchFamily="34" charset="0"/>
-                <a:ea typeface="ＭＳ Ｐゴシック" panose="020B0600070205080204" pitchFamily="34" charset="-128"/>
-              </a:defRPr>
-            </a:lvl3pPr>
-            <a:lvl4pPr marL="1600200" indent="-228600">
-              <a:spcBef>
-                <a:spcPct val="20000"/>
-              </a:spcBef>
-              <a:buClr>
-                <a:schemeClr val="hlink"/>
-              </a:buClr>
-              <a:buSzPct val="60000"/>
-              <a:buFont typeface="Wingdings" pitchFamily="2" charset="2"/>
-              <a:buChar char="l"/>
-              <a:defRPr sz="2000">
-                <a:solidFill>
-                  <a:schemeClr val="tx1"/>
-                </a:solidFill>
-                <a:latin typeface="Arial" panose="020B0604020202020204" pitchFamily="34" charset="0"/>
-                <a:ea typeface="ＭＳ Ｐゴシック" panose="020B0600070205080204" pitchFamily="34" charset="-128"/>
-              </a:defRPr>
-            </a:lvl4pPr>
-            <a:lvl5pPr marL="2057400" indent="-228600">
-              <a:spcBef>
-                <a:spcPct val="20000"/>
-              </a:spcBef>
-              <a:buClr>
-                <a:schemeClr val="bg2"/>
-              </a:buClr>
-              <a:buSzPct val="40000"/>
-              <a:buFont typeface="Wingdings" pitchFamily="2" charset="2"/>
-              <a:buChar char="l"/>
-              <a:defRPr sz="2000">
-                <a:solidFill>
-                  <a:schemeClr val="tx1"/>
-                </a:solidFill>
-                <a:latin typeface="Arial" panose="020B0604020202020204" pitchFamily="34" charset="0"/>
-                <a:ea typeface="ＭＳ Ｐゴシック" panose="020B0600070205080204" pitchFamily="34" charset="-128"/>
-              </a:defRPr>
-            </a:lvl5pPr>
-            <a:lvl6pPr marL="2514600" indent="-228600" eaLnBrk="0" fontAlgn="base" hangingPunct="0">
-              <a:spcBef>
-                <a:spcPct val="20000"/>
-              </a:spcBef>
-              <a:spcAft>
-                <a:spcPct val="0"/>
-              </a:spcAft>
-              <a:buClr>
-                <a:schemeClr val="bg2"/>
-              </a:buClr>
-              <a:buSzPct val="40000"/>
-              <a:buFont typeface="Wingdings" pitchFamily="2" charset="2"/>
-              <a:buChar char="l"/>
-              <a:defRPr sz="2000">
-                <a:solidFill>
-                  <a:schemeClr val="tx1"/>
-                </a:solidFill>
-                <a:latin typeface="Arial" panose="020B0604020202020204" pitchFamily="34" charset="0"/>
-                <a:ea typeface="ＭＳ Ｐゴシック" panose="020B0600070205080204" pitchFamily="34" charset="-128"/>
-              </a:defRPr>
-            </a:lvl6pPr>
-            <a:lvl7pPr marL="2971800" indent="-228600" eaLnBrk="0" fontAlgn="base" hangingPunct="0">
-              <a:spcBef>
-                <a:spcPct val="20000"/>
-              </a:spcBef>
-              <a:spcAft>
-                <a:spcPct val="0"/>
-              </a:spcAft>
-              <a:buClr>
-                <a:schemeClr val="bg2"/>
-              </a:buClr>
-              <a:buSzPct val="40000"/>
-              <a:buFont typeface="Wingdings" pitchFamily="2" charset="2"/>
-              <a:buChar char="l"/>
-              <a:defRPr sz="2000">
-                <a:solidFill>
-                  <a:schemeClr val="tx1"/>
-                </a:solidFill>
-                <a:latin typeface="Arial" panose="020B0604020202020204" pitchFamily="34" charset="0"/>
-                <a:ea typeface="ＭＳ Ｐゴシック" panose="020B0600070205080204" pitchFamily="34" charset="-128"/>
-              </a:defRPr>
-            </a:lvl7pPr>
-            <a:lvl8pPr marL="3429000" indent="-228600" eaLnBrk="0" fontAlgn="base" hangingPunct="0">
-              <a:spcBef>
-                <a:spcPct val="20000"/>
-              </a:spcBef>
-              <a:spcAft>
-                <a:spcPct val="0"/>
-              </a:spcAft>
-              <a:buClr>
-                <a:schemeClr val="bg2"/>
-              </a:buClr>
-              <a:buSzPct val="40000"/>
-              <a:buFont typeface="Wingdings" pitchFamily="2" charset="2"/>
-              <a:buChar char="l"/>
-              <a:defRPr sz="2000">
-                <a:solidFill>
-                  <a:schemeClr val="tx1"/>
-                </a:solidFill>
-                <a:latin typeface="Arial" panose="020B0604020202020204" pitchFamily="34" charset="0"/>
-                <a:ea typeface="ＭＳ Ｐゴシック" panose="020B0600070205080204" pitchFamily="34" charset="-128"/>
-              </a:defRPr>
-            </a:lvl8pPr>
-            <a:lvl9pPr marL="3886200" indent="-228600" eaLnBrk="0" fontAlgn="base" hangingPunct="0">
-              <a:spcBef>
-                <a:spcPct val="20000"/>
-              </a:spcBef>
-              <a:spcAft>
-                <a:spcPct val="0"/>
-              </a:spcAft>
-              <a:buClr>
-                <a:schemeClr val="bg2"/>
-              </a:buClr>
-              <a:buSzPct val="40000"/>
-              <a:buFont typeface="Wingdings" pitchFamily="2" charset="2"/>
-              <a:buChar char="l"/>
-              <a:defRPr sz="2000">
-                <a:solidFill>
-                  <a:schemeClr val="tx1"/>
-                </a:solidFill>
-                <a:latin typeface="Arial" panose="020B0604020202020204" pitchFamily="34" charset="0"/>
-                <a:ea typeface="ＭＳ Ｐゴシック" panose="020B0600070205080204" pitchFamily="34" charset="-128"/>
-              </a:defRPr>
-            </a:lvl9pPr>
-          </a:lstStyle>
-          <a:p>
-            <a:pPr>
-              <a:spcBef>
-                <a:spcPct val="0"/>
-              </a:spcBef>
-              <a:buClrTx/>
-              <a:buSzTx/>
-              <a:buFontTx/>
-              <a:buNone/>
-            </a:pPr>
-            <a:r>
-              <a:rPr lang="en-US" altLang="en-US" sz="1600" u="sng"/>
-              <a:t>Example</a:t>
-            </a:r>
-            <a:r>
-              <a:rPr lang="en-US" altLang="en-US" sz="1600"/>
-              <a:t>: C</a:t>
-            </a:r>
-          </a:p>
-          <a:p>
-            <a:pPr>
-              <a:spcBef>
-                <a:spcPct val="0"/>
-              </a:spcBef>
-              <a:buClrTx/>
-              <a:buSzTx/>
-              <a:buFontTx/>
-              <a:buNone/>
-            </a:pPr>
-            <a:endParaRPr lang="en-US" altLang="en-US" sz="1600"/>
-          </a:p>
-          <a:p>
-            <a:pPr>
-              <a:spcBef>
-                <a:spcPct val="0"/>
-              </a:spcBef>
-              <a:buClrTx/>
-              <a:buSzTx/>
-              <a:buFontTx/>
-              <a:buNone/>
-            </a:pPr>
-            <a:r>
-              <a:rPr lang="en-US" altLang="en-US" sz="1600"/>
-              <a:t>Short is a subtype of int:    </a:t>
-            </a:r>
-            <a:r>
-              <a:rPr lang="en-US" altLang="en-US" sz="1600">
-                <a:solidFill>
-                  <a:srgbClr val="FF3300"/>
-                </a:solidFill>
-              </a:rPr>
-              <a:t>short &lt;</a:t>
-            </a:r>
-            <a:r>
-              <a:rPr lang="en-US" altLang="en-US" sz="1600">
-                <a:solidFill>
-                  <a:srgbClr val="FF3300"/>
-                </a:solidFill>
-                <a:sym typeface="Symbol" pitchFamily="2" charset="2"/>
-              </a:rPr>
-              <a:t> int</a:t>
-            </a:r>
-            <a:endParaRPr lang="en-US" altLang="en-US" sz="1600" u="sng">
-              <a:solidFill>
-                <a:srgbClr val="FF3300"/>
-              </a:solidFill>
-              <a:sym typeface="Symbol" pitchFamily="2" charset="2"/>
-            </a:endParaRPr>
-          </a:p>
-        </p:txBody>
-      </p:sp>
-      <p:sp>
-        <p:nvSpPr>
-          <p:cNvPr id="25604" name="Text Box 6">
-            <a:extLst>
-              <a:ext uri="{FF2B5EF4-FFF2-40B4-BE49-F238E27FC236}">
-                <a16:creationId xmlns:a16="http://schemas.microsoft.com/office/drawing/2014/main" id="{E8547562-06B2-F74D-BBDB-3D307F661F20}"/>
-              </a:ext>
-            </a:extLst>
-          </p:cNvPr>
-          <p:cNvSpPr txBox="1">
-            <a:spLocks noChangeArrowheads="1"/>
-          </p:cNvSpPr>
-          <p:nvPr/>
-        </p:nvSpPr>
-        <p:spPr bwMode="auto">
-          <a:xfrm>
-            <a:off x="822325" y="3336925"/>
-            <a:ext cx="6164263" cy="1314450"/>
-          </a:xfrm>
-          <a:prstGeom prst="rect">
-            <a:avLst/>
-          </a:prstGeom>
-          <a:noFill/>
-          <a:ln>
-            <a:noFill/>
-          </a:ln>
-          <a:extLst>
-            <a:ext uri="{909E8E84-426E-40DD-AFC4-6F175D3DCCD1}">
-              <a14:hiddenFill xmlns:a14="http://schemas.microsoft.com/office/drawing/2010/main">
-                <a:solidFill>
-                  <a:srgbClr val="FFFFFF"/>
-                </a:solidFill>
-              </a14:hiddenFill>
-            </a:ext>
-            <a:ext uri="{91240B29-F687-4F45-9708-019B960494DF}">
-              <a14:hiddenLine xmlns:a14="http://schemas.microsoft.com/office/drawing/2010/main" w="9525">
-                <a:solidFill>
-                  <a:srgbClr val="000000"/>
-                </a:solidFill>
-                <a:miter lim="800000"/>
-                <a:headEnd/>
-                <a:tailEnd/>
-              </a14:hiddenLine>
-            </a:ext>
-          </a:extLst>
-        </p:spPr>
-        <p:txBody>
-          <a:bodyPr wrap="none">
-            <a:spAutoFit/>
-          </a:bodyPr>
-          <a:lstStyle>
-            <a:lvl1pPr marL="342900" indent="-342900">
-              <a:defRPr sz="1600">
-                <a:solidFill>
-                  <a:schemeClr val="tx1"/>
-                </a:solidFill>
-                <a:latin typeface="Arial" panose="020B0604020202020204" pitchFamily="34" charset="0"/>
-                <a:ea typeface="ＭＳ Ｐゴシック" panose="020B0600070205080204" pitchFamily="34" charset="-128"/>
-              </a:defRPr>
-            </a:lvl1pPr>
-            <a:lvl2pPr marL="800100" indent="-342900">
-              <a:defRPr sz="1600">
-                <a:solidFill>
-                  <a:schemeClr val="tx1"/>
-                </a:solidFill>
-                <a:latin typeface="Arial" panose="020B0604020202020204" pitchFamily="34" charset="0"/>
-                <a:ea typeface="ＭＳ Ｐゴシック" panose="020B0600070205080204" pitchFamily="34" charset="-128"/>
-              </a:defRPr>
-            </a:lvl2pPr>
-            <a:lvl3pPr marL="1257300" indent="-342900">
-              <a:defRPr sz="1600">
-                <a:solidFill>
-                  <a:schemeClr val="tx1"/>
-                </a:solidFill>
-                <a:latin typeface="Arial" panose="020B0604020202020204" pitchFamily="34" charset="0"/>
-                <a:ea typeface="ＭＳ Ｐゴシック" panose="020B0600070205080204" pitchFamily="34" charset="-128"/>
-              </a:defRPr>
-            </a:lvl3pPr>
-            <a:lvl4pPr marL="1714500" indent="-342900">
-              <a:defRPr sz="1600">
-                <a:solidFill>
-                  <a:schemeClr val="tx1"/>
-                </a:solidFill>
-                <a:latin typeface="Arial" panose="020B0604020202020204" pitchFamily="34" charset="0"/>
-                <a:ea typeface="ＭＳ Ｐゴシック" panose="020B0600070205080204" pitchFamily="34" charset="-128"/>
-              </a:defRPr>
-            </a:lvl4pPr>
-            <a:lvl5pPr marL="2171700" indent="-342900">
-              <a:defRPr sz="1600">
-                <a:solidFill>
-                  <a:schemeClr val="tx1"/>
-                </a:solidFill>
-                <a:latin typeface="Arial" panose="020B0604020202020204" pitchFamily="34" charset="0"/>
-                <a:ea typeface="ＭＳ Ｐゴシック" panose="020B0600070205080204" pitchFamily="34" charset="-128"/>
-              </a:defRPr>
-            </a:lvl5pPr>
-            <a:lvl6pPr marL="2628900" indent="-342900" eaLnBrk="0" fontAlgn="base" hangingPunct="0">
-              <a:spcBef>
-                <a:spcPct val="0"/>
-              </a:spcBef>
-              <a:spcAft>
-                <a:spcPct val="0"/>
-              </a:spcAft>
-              <a:defRPr sz="1600">
-                <a:solidFill>
-                  <a:schemeClr val="tx1"/>
-                </a:solidFill>
-                <a:latin typeface="Arial" panose="020B0604020202020204" pitchFamily="34" charset="0"/>
-                <a:ea typeface="ＭＳ Ｐゴシック" panose="020B0600070205080204" pitchFamily="34" charset="-128"/>
-              </a:defRPr>
-            </a:lvl6pPr>
-            <a:lvl7pPr marL="3086100" indent="-342900" eaLnBrk="0" fontAlgn="base" hangingPunct="0">
-              <a:spcBef>
-                <a:spcPct val="0"/>
-              </a:spcBef>
-              <a:spcAft>
-                <a:spcPct val="0"/>
-              </a:spcAft>
-              <a:defRPr sz="1600">
-                <a:solidFill>
-                  <a:schemeClr val="tx1"/>
-                </a:solidFill>
-                <a:latin typeface="Arial" panose="020B0604020202020204" pitchFamily="34" charset="0"/>
-                <a:ea typeface="ＭＳ Ｐゴシック" panose="020B0600070205080204" pitchFamily="34" charset="-128"/>
-              </a:defRPr>
-            </a:lvl7pPr>
-            <a:lvl8pPr marL="3543300" indent="-342900" eaLnBrk="0" fontAlgn="base" hangingPunct="0">
-              <a:spcBef>
-                <a:spcPct val="0"/>
-              </a:spcBef>
-              <a:spcAft>
-                <a:spcPct val="0"/>
-              </a:spcAft>
-              <a:defRPr sz="1600">
-                <a:solidFill>
-                  <a:schemeClr val="tx1"/>
-                </a:solidFill>
-                <a:latin typeface="Arial" panose="020B0604020202020204" pitchFamily="34" charset="0"/>
-                <a:ea typeface="ＭＳ Ｐゴシック" panose="020B0600070205080204" pitchFamily="34" charset="-128"/>
-              </a:defRPr>
-            </a:lvl8pPr>
-            <a:lvl9pPr marL="4000500" indent="-342900" eaLnBrk="0" fontAlgn="base" hangingPunct="0">
-              <a:spcBef>
-                <a:spcPct val="0"/>
-              </a:spcBef>
-              <a:spcAft>
-                <a:spcPct val="0"/>
-              </a:spcAft>
-              <a:defRPr sz="1600">
-                <a:solidFill>
-                  <a:schemeClr val="tx1"/>
-                </a:solidFill>
-                <a:latin typeface="Arial" panose="020B0604020202020204" pitchFamily="34" charset="0"/>
-                <a:ea typeface="ＭＳ Ｐゴシック" panose="020B0600070205080204" pitchFamily="34" charset="-128"/>
-              </a:defRPr>
-            </a:lvl9pPr>
-          </a:lstStyle>
-          <a:p>
-            <a:r>
-              <a:rPr lang="en-US" altLang="en-US" u="sng"/>
-              <a:t>Observations</a:t>
-            </a:r>
-            <a:r>
-              <a:rPr lang="en-US" altLang="en-US"/>
-              <a:t>:</a:t>
-            </a:r>
-          </a:p>
-          <a:p>
-            <a:pPr>
-              <a:buFontTx/>
-              <a:buAutoNum type="arabicParenBoth"/>
-            </a:pPr>
-            <a:r>
-              <a:rPr lang="en-US" altLang="en-US"/>
-              <a:t>converting a value of a subtype to a values of the super-type is</a:t>
-            </a:r>
-            <a:br>
-              <a:rPr lang="en-US" altLang="en-US"/>
-            </a:br>
-            <a:r>
-              <a:rPr lang="en-US" altLang="en-US"/>
-              <a:t>called </a:t>
-            </a:r>
-            <a:r>
-              <a:rPr lang="en-US" altLang="en-US" u="sng"/>
-              <a:t>widening</a:t>
-            </a:r>
-            <a:r>
-              <a:rPr lang="en-US" altLang="en-US"/>
-              <a:t> type conversion. (safe)</a:t>
-            </a:r>
-          </a:p>
-          <a:p>
-            <a:pPr>
-              <a:buFontTx/>
-              <a:buAutoNum type="arabicParenBoth"/>
-            </a:pPr>
-            <a:r>
-              <a:rPr lang="en-US" altLang="en-US"/>
-              <a:t>converting a value of a supertype to a value of a subtype is</a:t>
-            </a:r>
-            <a:br>
-              <a:rPr lang="en-US" altLang="en-US"/>
-            </a:br>
-            <a:r>
-              <a:rPr lang="en-US" altLang="en-US"/>
-              <a:t>called </a:t>
-            </a:r>
-            <a:r>
-              <a:rPr lang="en-US" altLang="en-US" u="sng"/>
-              <a:t>narrowing</a:t>
-            </a:r>
-            <a:r>
-              <a:rPr lang="en-US" altLang="en-US"/>
-              <a:t> type conversion. (not safe)</a:t>
-            </a:r>
-            <a:endParaRPr lang="en-US" altLang="en-US" u="sng"/>
-          </a:p>
-        </p:txBody>
-      </p:sp>
-      <p:sp>
-        <p:nvSpPr>
-          <p:cNvPr id="25605" name="Text Box 7">
-            <a:extLst>
-              <a:ext uri="{FF2B5EF4-FFF2-40B4-BE49-F238E27FC236}">
-                <a16:creationId xmlns:a16="http://schemas.microsoft.com/office/drawing/2014/main" id="{C273ACB8-E379-2348-AF6A-697F7CE21583}"/>
-              </a:ext>
-            </a:extLst>
-          </p:cNvPr>
-          <p:cNvSpPr txBox="1">
-            <a:spLocks noChangeArrowheads="1"/>
-          </p:cNvSpPr>
-          <p:nvPr/>
-        </p:nvSpPr>
-        <p:spPr bwMode="auto">
-          <a:xfrm>
-            <a:off x="552450" y="5049838"/>
-            <a:ext cx="3316288" cy="831850"/>
-          </a:xfrm>
-          <a:prstGeom prst="rect">
-            <a:avLst/>
-          </a:prstGeom>
-          <a:noFill/>
-          <a:ln>
-            <a:noFill/>
-          </a:ln>
-          <a:extLst>
-            <a:ext uri="{909E8E84-426E-40DD-AFC4-6F175D3DCCD1}">
-              <a14:hiddenFill xmlns:a14="http://schemas.microsoft.com/office/drawing/2010/main">
-                <a:solidFill>
-                  <a:srgbClr val="FFFFFF"/>
-                </a:solidFill>
-              </a14:hiddenFill>
-            </a:ext>
-            <a:ext uri="{91240B29-F687-4F45-9708-019B960494DF}">
-              <a14:hiddenLine xmlns:a14="http://schemas.microsoft.com/office/drawing/2010/main" w="9525">
-                <a:solidFill>
-                  <a:srgbClr val="000000"/>
-                </a:solidFill>
-                <a:miter lim="800000"/>
-                <a:headEnd/>
-                <a:tailEnd/>
-              </a14:hiddenLine>
-            </a:ext>
-          </a:extLst>
-        </p:spPr>
-        <p:txBody>
-          <a:bodyPr wrap="none">
-            <a:spAutoFit/>
-          </a:bodyPr>
-          <a:lstStyle>
-            <a:lvl1pPr>
-              <a:spcBef>
-                <a:spcPct val="20000"/>
-              </a:spcBef>
-              <a:buClr>
-                <a:schemeClr val="hlink"/>
-              </a:buClr>
-              <a:buSzPct val="80000"/>
-              <a:buFont typeface="Wingdings" pitchFamily="2" charset="2"/>
-              <a:buChar char="l"/>
-              <a:defRPr sz="3200">
-                <a:solidFill>
-                  <a:schemeClr val="tx1"/>
-                </a:solidFill>
-                <a:latin typeface="Arial" panose="020B0604020202020204" pitchFamily="34" charset="0"/>
-                <a:ea typeface="ＭＳ Ｐゴシック" panose="020B0600070205080204" pitchFamily="34" charset="-128"/>
-              </a:defRPr>
-            </a:lvl1pPr>
-            <a:lvl2pPr marL="742950" indent="-285750">
-              <a:spcBef>
-                <a:spcPct val="20000"/>
-              </a:spcBef>
-              <a:buClr>
-                <a:schemeClr val="accent1"/>
-              </a:buClr>
-              <a:buSzPct val="70000"/>
-              <a:buFont typeface="Wingdings" pitchFamily="2" charset="2"/>
-              <a:buChar char="l"/>
-              <a:defRPr sz="2800">
-                <a:solidFill>
-                  <a:schemeClr val="tx1"/>
-                </a:solidFill>
-                <a:latin typeface="Arial" panose="020B0604020202020204" pitchFamily="34" charset="0"/>
-                <a:ea typeface="ＭＳ Ｐゴシック" panose="020B0600070205080204" pitchFamily="34" charset="-128"/>
-              </a:defRPr>
-            </a:lvl2pPr>
-            <a:lvl3pPr marL="1143000" indent="-228600">
-              <a:spcBef>
-                <a:spcPct val="20000"/>
-              </a:spcBef>
-              <a:buClr>
-                <a:schemeClr val="bg2"/>
-              </a:buClr>
-              <a:buSzPct val="65000"/>
-              <a:buFont typeface="Wingdings" pitchFamily="2" charset="2"/>
-              <a:buChar char="l"/>
-              <a:defRPr sz="2400">
-                <a:solidFill>
-                  <a:schemeClr val="tx1"/>
-                </a:solidFill>
-                <a:latin typeface="Arial" panose="020B0604020202020204" pitchFamily="34" charset="0"/>
-                <a:ea typeface="ＭＳ Ｐゴシック" panose="020B0600070205080204" pitchFamily="34" charset="-128"/>
-              </a:defRPr>
-            </a:lvl3pPr>
-            <a:lvl4pPr marL="1600200" indent="-228600">
-              <a:spcBef>
-                <a:spcPct val="20000"/>
-              </a:spcBef>
-              <a:buClr>
-                <a:schemeClr val="hlink"/>
-              </a:buClr>
-              <a:buSzPct val="60000"/>
-              <a:buFont typeface="Wingdings" pitchFamily="2" charset="2"/>
-              <a:buChar char="l"/>
-              <a:defRPr sz="2000">
-                <a:solidFill>
-                  <a:schemeClr val="tx1"/>
-                </a:solidFill>
-                <a:latin typeface="Arial" panose="020B0604020202020204" pitchFamily="34" charset="0"/>
-                <a:ea typeface="ＭＳ Ｐゴシック" panose="020B0600070205080204" pitchFamily="34" charset="-128"/>
-              </a:defRPr>
-            </a:lvl4pPr>
-            <a:lvl5pPr marL="2057400" indent="-228600">
-              <a:spcBef>
-                <a:spcPct val="20000"/>
-              </a:spcBef>
-              <a:buClr>
-                <a:schemeClr val="bg2"/>
-              </a:buClr>
-              <a:buSzPct val="40000"/>
-              <a:buFont typeface="Wingdings" pitchFamily="2" charset="2"/>
-              <a:buChar char="l"/>
-              <a:defRPr sz="2000">
-                <a:solidFill>
-                  <a:schemeClr val="tx1"/>
-                </a:solidFill>
-                <a:latin typeface="Arial" panose="020B0604020202020204" pitchFamily="34" charset="0"/>
-                <a:ea typeface="ＭＳ Ｐゴシック" panose="020B0600070205080204" pitchFamily="34" charset="-128"/>
-              </a:defRPr>
-            </a:lvl5pPr>
-            <a:lvl6pPr marL="2514600" indent="-228600" eaLnBrk="0" fontAlgn="base" hangingPunct="0">
-              <a:spcBef>
-                <a:spcPct val="20000"/>
-              </a:spcBef>
-              <a:spcAft>
-                <a:spcPct val="0"/>
-              </a:spcAft>
-              <a:buClr>
-                <a:schemeClr val="bg2"/>
-              </a:buClr>
-              <a:buSzPct val="40000"/>
-              <a:buFont typeface="Wingdings" pitchFamily="2" charset="2"/>
-              <a:buChar char="l"/>
-              <a:defRPr sz="2000">
-                <a:solidFill>
-                  <a:schemeClr val="tx1"/>
-                </a:solidFill>
-                <a:latin typeface="Arial" panose="020B0604020202020204" pitchFamily="34" charset="0"/>
-                <a:ea typeface="ＭＳ Ｐゴシック" panose="020B0600070205080204" pitchFamily="34" charset="-128"/>
-              </a:defRPr>
-            </a:lvl6pPr>
-            <a:lvl7pPr marL="2971800" indent="-228600" eaLnBrk="0" fontAlgn="base" hangingPunct="0">
-              <a:spcBef>
-                <a:spcPct val="20000"/>
-              </a:spcBef>
-              <a:spcAft>
-                <a:spcPct val="0"/>
-              </a:spcAft>
-              <a:buClr>
-                <a:schemeClr val="bg2"/>
-              </a:buClr>
-              <a:buSzPct val="40000"/>
-              <a:buFont typeface="Wingdings" pitchFamily="2" charset="2"/>
-              <a:buChar char="l"/>
-              <a:defRPr sz="2000">
-                <a:solidFill>
-                  <a:schemeClr val="tx1"/>
-                </a:solidFill>
-                <a:latin typeface="Arial" panose="020B0604020202020204" pitchFamily="34" charset="0"/>
-                <a:ea typeface="ＭＳ Ｐゴシック" panose="020B0600070205080204" pitchFamily="34" charset="-128"/>
-              </a:defRPr>
-            </a:lvl7pPr>
-            <a:lvl8pPr marL="3429000" indent="-228600" eaLnBrk="0" fontAlgn="base" hangingPunct="0">
-              <a:spcBef>
-                <a:spcPct val="20000"/>
-              </a:spcBef>
-              <a:spcAft>
-                <a:spcPct val="0"/>
-              </a:spcAft>
-              <a:buClr>
-                <a:schemeClr val="bg2"/>
-              </a:buClr>
-              <a:buSzPct val="40000"/>
-              <a:buFont typeface="Wingdings" pitchFamily="2" charset="2"/>
-              <a:buChar char="l"/>
-              <a:defRPr sz="2000">
-                <a:solidFill>
-                  <a:schemeClr val="tx1"/>
-                </a:solidFill>
-                <a:latin typeface="Arial" panose="020B0604020202020204" pitchFamily="34" charset="0"/>
-                <a:ea typeface="ＭＳ Ｐゴシック" panose="020B0600070205080204" pitchFamily="34" charset="-128"/>
-              </a:defRPr>
-            </a:lvl8pPr>
-            <a:lvl9pPr marL="3886200" indent="-228600" eaLnBrk="0" fontAlgn="base" hangingPunct="0">
-              <a:spcBef>
-                <a:spcPct val="20000"/>
-              </a:spcBef>
-              <a:spcAft>
-                <a:spcPct val="0"/>
-              </a:spcAft>
-              <a:buClr>
-                <a:schemeClr val="bg2"/>
-              </a:buClr>
-              <a:buSzPct val="40000"/>
-              <a:buFont typeface="Wingdings" pitchFamily="2" charset="2"/>
-              <a:buChar char="l"/>
-              <a:defRPr sz="2000">
-                <a:solidFill>
-                  <a:schemeClr val="tx1"/>
-                </a:solidFill>
-                <a:latin typeface="Arial" panose="020B0604020202020204" pitchFamily="34" charset="0"/>
-                <a:ea typeface="ＭＳ Ｐゴシック" panose="020B0600070205080204" pitchFamily="34" charset="-128"/>
-              </a:defRPr>
-            </a:lvl9pPr>
-          </a:lstStyle>
-          <a:p>
-            <a:pPr>
-              <a:spcBef>
-                <a:spcPct val="0"/>
-              </a:spcBef>
-              <a:buClrTx/>
-              <a:buSzTx/>
-              <a:buFontTx/>
-              <a:buNone/>
-            </a:pPr>
-            <a:r>
-              <a:rPr lang="en-US" altLang="en-US" sz="1600" u="sng"/>
-              <a:t>Example</a:t>
-            </a:r>
-            <a:r>
-              <a:rPr lang="en-US" altLang="en-US" sz="1600"/>
-              <a:t>: C, partial type hierarchy</a:t>
-            </a:r>
-          </a:p>
-          <a:p>
-            <a:pPr>
-              <a:spcBef>
-                <a:spcPct val="0"/>
-              </a:spcBef>
-              <a:buClrTx/>
-              <a:buSzTx/>
-              <a:buFontTx/>
-              <a:buNone/>
-            </a:pPr>
-            <a:endParaRPr lang="en-US" altLang="en-US" sz="1600"/>
-          </a:p>
-          <a:p>
-            <a:pPr>
-              <a:spcBef>
-                <a:spcPct val="0"/>
-              </a:spcBef>
-              <a:buClrTx/>
-              <a:buSzTx/>
-              <a:buFontTx/>
-              <a:buNone/>
-            </a:pPr>
-            <a:r>
-              <a:rPr lang="en-US" altLang="en-US" sz="1600">
-                <a:solidFill>
-                  <a:srgbClr val="FF3300"/>
-                </a:solidFill>
-              </a:rPr>
-              <a:t>  char &lt; short &lt; int &lt; float </a:t>
-            </a:r>
-            <a:r>
-              <a:rPr lang="en-US" altLang="en-US" sz="1600">
-                <a:solidFill>
-                  <a:srgbClr val="FF3300"/>
-                </a:solidFill>
-                <a:sym typeface="Symbol" pitchFamily="2" charset="2"/>
-              </a:rPr>
-              <a:t>&lt; double</a:t>
-            </a:r>
-            <a:endParaRPr lang="en-US" altLang="en-US" sz="1600" u="sng">
-              <a:solidFill>
-                <a:srgbClr val="FF3300"/>
-              </a:solidFill>
-              <a:sym typeface="Symbol" pitchFamily="2" charset="2"/>
-            </a:endParaRPr>
-          </a:p>
-        </p:txBody>
-      </p:sp>
-      <p:sp>
-        <p:nvSpPr>
-          <p:cNvPr id="25606" name="TextBox 1">
-            <a:extLst>
-              <a:ext uri="{FF2B5EF4-FFF2-40B4-BE49-F238E27FC236}">
-                <a16:creationId xmlns:a16="http://schemas.microsoft.com/office/drawing/2014/main" id="{8E3E1101-5375-E442-BFEE-6220FF4813BD}"/>
-              </a:ext>
-            </a:extLst>
-          </p:cNvPr>
-          <p:cNvSpPr txBox="1">
-            <a:spLocks noChangeArrowheads="1"/>
-          </p:cNvSpPr>
-          <p:nvPr/>
-        </p:nvSpPr>
-        <p:spPr bwMode="auto">
-          <a:xfrm>
-            <a:off x="4551363" y="4811713"/>
-            <a:ext cx="3994150" cy="830262"/>
-          </a:xfrm>
-          <a:prstGeom prst="rect">
-            <a:avLst/>
-          </a:prstGeom>
-          <a:noFill/>
-          <a:ln w="9525">
-            <a:solidFill>
-              <a:schemeClr val="tx1"/>
-            </a:solidFill>
-            <a:miter lim="800000"/>
-            <a:headEnd/>
-            <a:tailEnd/>
-          </a:ln>
-          <a:extLst>
-            <a:ext uri="{909E8E84-426E-40DD-AFC4-6F175D3DCCD1}">
-              <a14:hiddenFill xmlns:a14="http://schemas.microsoft.com/office/drawing/2010/main">
-                <a:solidFill>
-                  <a:srgbClr val="FFFFFF"/>
-                </a:solidFill>
-              </a14:hiddenFill>
-            </a:ext>
-          </a:extLst>
-        </p:spPr>
-        <p:txBody>
-          <a:bodyPr wrap="none">
-            <a:spAutoFit/>
-          </a:bodyPr>
-          <a:lstStyle>
-            <a:lvl1pPr>
-              <a:spcBef>
-                <a:spcPct val="20000"/>
-              </a:spcBef>
-              <a:buClr>
-                <a:schemeClr val="hlink"/>
-              </a:buClr>
-              <a:buSzPct val="80000"/>
-              <a:buFont typeface="Wingdings" pitchFamily="2" charset="2"/>
-              <a:buChar char="l"/>
-              <a:defRPr sz="3200">
-                <a:solidFill>
-                  <a:schemeClr val="tx1"/>
-                </a:solidFill>
-                <a:latin typeface="Arial" panose="020B0604020202020204" pitchFamily="34" charset="0"/>
-                <a:ea typeface="ＭＳ Ｐゴシック" panose="020B0600070205080204" pitchFamily="34" charset="-128"/>
-              </a:defRPr>
-            </a:lvl1pPr>
-            <a:lvl2pPr marL="742950" indent="-285750">
-              <a:spcBef>
-                <a:spcPct val="20000"/>
-              </a:spcBef>
-              <a:buClr>
-                <a:schemeClr val="accent1"/>
-              </a:buClr>
-              <a:buSzPct val="70000"/>
-              <a:buFont typeface="Wingdings" pitchFamily="2" charset="2"/>
-              <a:buChar char="l"/>
-              <a:defRPr sz="2800">
-                <a:solidFill>
-                  <a:schemeClr val="tx1"/>
-                </a:solidFill>
-                <a:latin typeface="Arial" panose="020B0604020202020204" pitchFamily="34" charset="0"/>
-                <a:ea typeface="ＭＳ Ｐゴシック" panose="020B0600070205080204" pitchFamily="34" charset="-128"/>
-              </a:defRPr>
-            </a:lvl2pPr>
-            <a:lvl3pPr marL="1143000" indent="-228600">
-              <a:spcBef>
-                <a:spcPct val="20000"/>
-              </a:spcBef>
-              <a:buClr>
-                <a:schemeClr val="bg2"/>
-              </a:buClr>
-              <a:buSzPct val="65000"/>
-              <a:buFont typeface="Wingdings" pitchFamily="2" charset="2"/>
-              <a:buChar char="l"/>
-              <a:defRPr sz="2400">
-                <a:solidFill>
-                  <a:schemeClr val="tx1"/>
-                </a:solidFill>
-                <a:latin typeface="Arial" panose="020B0604020202020204" pitchFamily="34" charset="0"/>
-                <a:ea typeface="ＭＳ Ｐゴシック" panose="020B0600070205080204" pitchFamily="34" charset="-128"/>
-              </a:defRPr>
-            </a:lvl3pPr>
-            <a:lvl4pPr marL="1600200" indent="-228600">
-              <a:spcBef>
-                <a:spcPct val="20000"/>
-              </a:spcBef>
-              <a:buClr>
-                <a:schemeClr val="hlink"/>
-              </a:buClr>
-              <a:buSzPct val="60000"/>
-              <a:buFont typeface="Wingdings" pitchFamily="2" charset="2"/>
-              <a:buChar char="l"/>
-              <a:defRPr sz="2000">
-                <a:solidFill>
-                  <a:schemeClr val="tx1"/>
-                </a:solidFill>
-                <a:latin typeface="Arial" panose="020B0604020202020204" pitchFamily="34" charset="0"/>
-                <a:ea typeface="ＭＳ Ｐゴシック" panose="020B0600070205080204" pitchFamily="34" charset="-128"/>
-              </a:defRPr>
-            </a:lvl4pPr>
-            <a:lvl5pPr marL="2057400" indent="-228600">
-              <a:spcBef>
-                <a:spcPct val="20000"/>
-              </a:spcBef>
-              <a:buClr>
-                <a:schemeClr val="bg2"/>
-              </a:buClr>
-              <a:buSzPct val="40000"/>
-              <a:buFont typeface="Wingdings" pitchFamily="2" charset="2"/>
-              <a:buChar char="l"/>
-              <a:defRPr sz="2000">
-                <a:solidFill>
-                  <a:schemeClr val="tx1"/>
-                </a:solidFill>
-                <a:latin typeface="Arial" panose="020B0604020202020204" pitchFamily="34" charset="0"/>
-                <a:ea typeface="ＭＳ Ｐゴシック" panose="020B0600070205080204" pitchFamily="34" charset="-128"/>
-              </a:defRPr>
-            </a:lvl5pPr>
-            <a:lvl6pPr marL="2514600" indent="-228600" eaLnBrk="0" fontAlgn="base" hangingPunct="0">
-              <a:spcBef>
-                <a:spcPct val="20000"/>
-              </a:spcBef>
-              <a:spcAft>
-                <a:spcPct val="0"/>
-              </a:spcAft>
-              <a:buClr>
-                <a:schemeClr val="bg2"/>
-              </a:buClr>
-              <a:buSzPct val="40000"/>
-              <a:buFont typeface="Wingdings" pitchFamily="2" charset="2"/>
-              <a:buChar char="l"/>
-              <a:defRPr sz="2000">
-                <a:solidFill>
-                  <a:schemeClr val="tx1"/>
-                </a:solidFill>
-                <a:latin typeface="Arial" panose="020B0604020202020204" pitchFamily="34" charset="0"/>
-                <a:ea typeface="ＭＳ Ｐゴシック" panose="020B0600070205080204" pitchFamily="34" charset="-128"/>
-              </a:defRPr>
-            </a:lvl6pPr>
-            <a:lvl7pPr marL="2971800" indent="-228600" eaLnBrk="0" fontAlgn="base" hangingPunct="0">
-              <a:spcBef>
-                <a:spcPct val="20000"/>
-              </a:spcBef>
-              <a:spcAft>
-                <a:spcPct val="0"/>
-              </a:spcAft>
-              <a:buClr>
-                <a:schemeClr val="bg2"/>
-              </a:buClr>
-              <a:buSzPct val="40000"/>
-              <a:buFont typeface="Wingdings" pitchFamily="2" charset="2"/>
-              <a:buChar char="l"/>
-              <a:defRPr sz="2000">
-                <a:solidFill>
-                  <a:schemeClr val="tx1"/>
-                </a:solidFill>
-                <a:latin typeface="Arial" panose="020B0604020202020204" pitchFamily="34" charset="0"/>
-                <a:ea typeface="ＭＳ Ｐゴシック" panose="020B0600070205080204" pitchFamily="34" charset="-128"/>
-              </a:defRPr>
-            </a:lvl7pPr>
-            <a:lvl8pPr marL="3429000" indent="-228600" eaLnBrk="0" fontAlgn="base" hangingPunct="0">
-              <a:spcBef>
-                <a:spcPct val="20000"/>
-              </a:spcBef>
-              <a:spcAft>
-                <a:spcPct val="0"/>
-              </a:spcAft>
-              <a:buClr>
-                <a:schemeClr val="bg2"/>
-              </a:buClr>
-              <a:buSzPct val="40000"/>
-              <a:buFont typeface="Wingdings" pitchFamily="2" charset="2"/>
-              <a:buChar char="l"/>
-              <a:defRPr sz="2000">
-                <a:solidFill>
-                  <a:schemeClr val="tx1"/>
-                </a:solidFill>
-                <a:latin typeface="Arial" panose="020B0604020202020204" pitchFamily="34" charset="0"/>
-                <a:ea typeface="ＭＳ Ｐゴシック" panose="020B0600070205080204" pitchFamily="34" charset="-128"/>
-              </a:defRPr>
-            </a:lvl8pPr>
-            <a:lvl9pPr marL="3886200" indent="-228600" eaLnBrk="0" fontAlgn="base" hangingPunct="0">
-              <a:spcBef>
-                <a:spcPct val="20000"/>
-              </a:spcBef>
-              <a:spcAft>
-                <a:spcPct val="0"/>
-              </a:spcAft>
-              <a:buClr>
-                <a:schemeClr val="bg2"/>
-              </a:buClr>
-              <a:buSzPct val="40000"/>
-              <a:buFont typeface="Wingdings" pitchFamily="2" charset="2"/>
-              <a:buChar char="l"/>
-              <a:defRPr sz="2000">
-                <a:solidFill>
-                  <a:schemeClr val="tx1"/>
-                </a:solidFill>
-                <a:latin typeface="Arial" panose="020B0604020202020204" pitchFamily="34" charset="0"/>
-                <a:ea typeface="ＭＳ Ｐゴシック" panose="020B0600070205080204" pitchFamily="34" charset="-128"/>
-              </a:defRPr>
-            </a:lvl9pPr>
-          </a:lstStyle>
-          <a:p>
-            <a:pPr>
-              <a:spcBef>
-                <a:spcPct val="0"/>
-              </a:spcBef>
-              <a:buClrTx/>
-              <a:buSzTx/>
-              <a:buFontTx/>
-              <a:buNone/>
-            </a:pPr>
-            <a:r>
-              <a:rPr lang="en-US" altLang="en-US" sz="1600"/>
-              <a:t>Subtypes give rise to type hierarchies and</a:t>
-            </a:r>
-            <a:br>
-              <a:rPr lang="en-US" altLang="en-US" sz="1600"/>
-            </a:br>
-            <a:r>
-              <a:rPr lang="en-US" altLang="en-US" sz="1600"/>
-              <a:t>type hierarchies allow for automatic type</a:t>
-            </a:r>
-          </a:p>
-          <a:p>
-            <a:pPr>
-              <a:spcBef>
-                <a:spcPct val="0"/>
-              </a:spcBef>
-              <a:buClrTx/>
-              <a:buSzTx/>
-              <a:buFontTx/>
-              <a:buNone/>
-            </a:pPr>
-            <a:r>
-              <a:rPr lang="en-US" altLang="en-US" sz="1600"/>
-              <a:t>coercion – widening conversions!</a:t>
-            </a:r>
-          </a:p>
-        </p:txBody>
-      </p:sp>
-      <p:sp>
-        <p:nvSpPr>
-          <p:cNvPr id="25607" name="TextBox 4">
-            <a:extLst>
-              <a:ext uri="{FF2B5EF4-FFF2-40B4-BE49-F238E27FC236}">
-                <a16:creationId xmlns:a16="http://schemas.microsoft.com/office/drawing/2014/main" id="{0E524632-FF46-EE4C-9619-E5B398D5D985}"/>
-              </a:ext>
-            </a:extLst>
-          </p:cNvPr>
-          <p:cNvSpPr txBox="1">
-            <a:spLocks noChangeArrowheads="1"/>
-          </p:cNvSpPr>
-          <p:nvPr/>
-        </p:nvSpPr>
-        <p:spPr bwMode="auto">
-          <a:xfrm flipH="1">
-            <a:off x="5645150" y="2360613"/>
-            <a:ext cx="2541588" cy="584200"/>
-          </a:xfrm>
-          <a:prstGeom prst="rect">
-            <a:avLst/>
-          </a:prstGeom>
-          <a:noFill/>
-          <a:ln>
-            <a:noFill/>
-          </a:ln>
-          <a:extLst>
-            <a:ext uri="{909E8E84-426E-40DD-AFC4-6F175D3DCCD1}">
-              <a14:hiddenFill xmlns:a14="http://schemas.microsoft.com/office/drawing/2010/main">
-                <a:solidFill>
-                  <a:srgbClr val="FFFFFF"/>
-                </a:solidFill>
-              </a14:hiddenFill>
-            </a:ext>
-            <a:ext uri="{91240B29-F687-4F45-9708-019B960494DF}">
-              <a14:hiddenLine xmlns:a14="http://schemas.microsoft.com/office/drawing/2010/main" w="9525">
-                <a:solidFill>
-                  <a:srgbClr val="000000"/>
-                </a:solidFill>
-                <a:miter lim="800000"/>
-                <a:headEnd/>
-                <a:tailEnd/>
-              </a14:hiddenLine>
-            </a:ext>
-          </a:extLst>
-        </p:spPr>
-        <p:txBody>
-          <a:bodyPr wrap="none">
-            <a:spAutoFit/>
-          </a:bodyPr>
-          <a:lstStyle>
-            <a:lvl1pPr>
-              <a:spcBef>
-                <a:spcPct val="20000"/>
-              </a:spcBef>
-              <a:buClr>
-                <a:schemeClr val="hlink"/>
-              </a:buClr>
-              <a:buSzPct val="80000"/>
-              <a:buFont typeface="Wingdings" pitchFamily="2" charset="2"/>
-              <a:buChar char="l"/>
-              <a:defRPr sz="3200">
-                <a:solidFill>
-                  <a:schemeClr val="tx1"/>
-                </a:solidFill>
-                <a:latin typeface="Arial" panose="020B0604020202020204" pitchFamily="34" charset="0"/>
-                <a:ea typeface="ＭＳ Ｐゴシック" panose="020B0600070205080204" pitchFamily="34" charset="-128"/>
-              </a:defRPr>
-            </a:lvl1pPr>
-            <a:lvl2pPr marL="742950" indent="-285750">
-              <a:spcBef>
-                <a:spcPct val="20000"/>
-              </a:spcBef>
-              <a:buClr>
-                <a:schemeClr val="accent1"/>
-              </a:buClr>
-              <a:buSzPct val="70000"/>
-              <a:buFont typeface="Wingdings" pitchFamily="2" charset="2"/>
-              <a:buChar char="l"/>
-              <a:defRPr sz="2800">
-                <a:solidFill>
-                  <a:schemeClr val="tx1"/>
-                </a:solidFill>
-                <a:latin typeface="Arial" panose="020B0604020202020204" pitchFamily="34" charset="0"/>
-                <a:ea typeface="ＭＳ Ｐゴシック" panose="020B0600070205080204" pitchFamily="34" charset="-128"/>
-              </a:defRPr>
-            </a:lvl2pPr>
-            <a:lvl3pPr marL="1143000" indent="-228600">
-              <a:spcBef>
-                <a:spcPct val="20000"/>
-              </a:spcBef>
-              <a:buClr>
-                <a:schemeClr val="bg2"/>
-              </a:buClr>
-              <a:buSzPct val="65000"/>
-              <a:buFont typeface="Wingdings" pitchFamily="2" charset="2"/>
-              <a:buChar char="l"/>
-              <a:defRPr sz="2400">
-                <a:solidFill>
-                  <a:schemeClr val="tx1"/>
-                </a:solidFill>
-                <a:latin typeface="Arial" panose="020B0604020202020204" pitchFamily="34" charset="0"/>
-                <a:ea typeface="ＭＳ Ｐゴシック" panose="020B0600070205080204" pitchFamily="34" charset="-128"/>
-              </a:defRPr>
-            </a:lvl3pPr>
-            <a:lvl4pPr marL="1600200" indent="-228600">
-              <a:spcBef>
-                <a:spcPct val="20000"/>
-              </a:spcBef>
-              <a:buClr>
-                <a:schemeClr val="hlink"/>
-              </a:buClr>
-              <a:buSzPct val="60000"/>
-              <a:buFont typeface="Wingdings" pitchFamily="2" charset="2"/>
-              <a:buChar char="l"/>
-              <a:defRPr sz="2000">
-                <a:solidFill>
-                  <a:schemeClr val="tx1"/>
-                </a:solidFill>
-                <a:latin typeface="Arial" panose="020B0604020202020204" pitchFamily="34" charset="0"/>
-                <a:ea typeface="ＭＳ Ｐゴシック" panose="020B0600070205080204" pitchFamily="34" charset="-128"/>
-              </a:defRPr>
-            </a:lvl4pPr>
-            <a:lvl5pPr marL="2057400" indent="-228600">
-              <a:spcBef>
-                <a:spcPct val="20000"/>
-              </a:spcBef>
-              <a:buClr>
-                <a:schemeClr val="bg2"/>
-              </a:buClr>
-              <a:buSzPct val="40000"/>
-              <a:buFont typeface="Wingdings" pitchFamily="2" charset="2"/>
-              <a:buChar char="l"/>
-              <a:defRPr sz="2000">
-                <a:solidFill>
-                  <a:schemeClr val="tx1"/>
-                </a:solidFill>
-                <a:latin typeface="Arial" panose="020B0604020202020204" pitchFamily="34" charset="0"/>
-                <a:ea typeface="ＭＳ Ｐゴシック" panose="020B0600070205080204" pitchFamily="34" charset="-128"/>
-              </a:defRPr>
-            </a:lvl5pPr>
-            <a:lvl6pPr marL="2514600" indent="-228600" eaLnBrk="0" fontAlgn="base" hangingPunct="0">
-              <a:spcBef>
-                <a:spcPct val="20000"/>
-              </a:spcBef>
-              <a:spcAft>
-                <a:spcPct val="0"/>
-              </a:spcAft>
-              <a:buClr>
-                <a:schemeClr val="bg2"/>
-              </a:buClr>
-              <a:buSzPct val="40000"/>
-              <a:buFont typeface="Wingdings" pitchFamily="2" charset="2"/>
-              <a:buChar char="l"/>
-              <a:defRPr sz="2000">
-                <a:solidFill>
-                  <a:schemeClr val="tx1"/>
-                </a:solidFill>
-                <a:latin typeface="Arial" panose="020B0604020202020204" pitchFamily="34" charset="0"/>
-                <a:ea typeface="ＭＳ Ｐゴシック" panose="020B0600070205080204" pitchFamily="34" charset="-128"/>
-              </a:defRPr>
-            </a:lvl6pPr>
-            <a:lvl7pPr marL="2971800" indent="-228600" eaLnBrk="0" fontAlgn="base" hangingPunct="0">
-              <a:spcBef>
-                <a:spcPct val="20000"/>
-              </a:spcBef>
-              <a:spcAft>
-                <a:spcPct val="0"/>
-              </a:spcAft>
-              <a:buClr>
-                <a:schemeClr val="bg2"/>
-              </a:buClr>
-              <a:buSzPct val="40000"/>
-              <a:buFont typeface="Wingdings" pitchFamily="2" charset="2"/>
-              <a:buChar char="l"/>
-              <a:defRPr sz="2000">
-                <a:solidFill>
-                  <a:schemeClr val="tx1"/>
-                </a:solidFill>
-                <a:latin typeface="Arial" panose="020B0604020202020204" pitchFamily="34" charset="0"/>
-                <a:ea typeface="ＭＳ Ｐゴシック" panose="020B0600070205080204" pitchFamily="34" charset="-128"/>
-              </a:defRPr>
-            </a:lvl7pPr>
-            <a:lvl8pPr marL="3429000" indent="-228600" eaLnBrk="0" fontAlgn="base" hangingPunct="0">
-              <a:spcBef>
-                <a:spcPct val="20000"/>
-              </a:spcBef>
-              <a:spcAft>
-                <a:spcPct val="0"/>
-              </a:spcAft>
-              <a:buClr>
-                <a:schemeClr val="bg2"/>
-              </a:buClr>
-              <a:buSzPct val="40000"/>
-              <a:buFont typeface="Wingdings" pitchFamily="2" charset="2"/>
-              <a:buChar char="l"/>
-              <a:defRPr sz="2000">
-                <a:solidFill>
-                  <a:schemeClr val="tx1"/>
-                </a:solidFill>
-                <a:latin typeface="Arial" panose="020B0604020202020204" pitchFamily="34" charset="0"/>
-                <a:ea typeface="ＭＳ Ｐゴシック" panose="020B0600070205080204" pitchFamily="34" charset="-128"/>
-              </a:defRPr>
-            </a:lvl8pPr>
-            <a:lvl9pPr marL="3886200" indent="-228600" eaLnBrk="0" fontAlgn="base" hangingPunct="0">
-              <a:spcBef>
-                <a:spcPct val="20000"/>
-              </a:spcBef>
-              <a:spcAft>
-                <a:spcPct val="0"/>
-              </a:spcAft>
-              <a:buClr>
-                <a:schemeClr val="bg2"/>
-              </a:buClr>
-              <a:buSzPct val="40000"/>
-              <a:buFont typeface="Wingdings" pitchFamily="2" charset="2"/>
-              <a:buChar char="l"/>
-              <a:defRPr sz="2000">
-                <a:solidFill>
-                  <a:schemeClr val="tx1"/>
-                </a:solidFill>
-                <a:latin typeface="Arial" panose="020B0604020202020204" pitchFamily="34" charset="0"/>
-                <a:ea typeface="ＭＳ Ｐゴシック" panose="020B0600070205080204" pitchFamily="34" charset="-128"/>
-              </a:defRPr>
-            </a:lvl9pPr>
-          </a:lstStyle>
-          <a:p>
-            <a:pPr>
-              <a:spcBef>
-                <a:spcPct val="0"/>
-              </a:spcBef>
-              <a:buClrTx/>
-              <a:buSzTx/>
-              <a:buFontTx/>
-              <a:buNone/>
-            </a:pPr>
-            <a:r>
-              <a:rPr lang="en-US" altLang="en-US" sz="1600"/>
-              <a:t>The notation A &lt; B means</a:t>
-            </a:r>
-          </a:p>
-          <a:p>
-            <a:pPr>
-              <a:spcBef>
-                <a:spcPct val="0"/>
-              </a:spcBef>
-              <a:buClrTx/>
-              <a:buSzTx/>
-              <a:buFontTx/>
-              <a:buNone/>
-            </a:pPr>
-            <a:r>
-              <a:rPr lang="en-US" altLang="en-US" sz="1600"/>
-              <a:t>A is a subtype of B.</a:t>
-            </a:r>
-          </a:p>
-        </p:txBody>
-      </p:sp>
-    </p:spTree>
-  </p:cSld>
-  <p:clrMapOvr>
-    <a:masterClrMapping/>
-  </p:clrMapOvr>
-</p:sld>
-</file>
-
-<file path=ppt/slides/slide9.xml><?xml version="1.0" encoding="utf-8"?>
-<p:sld xmlns:a="http://schemas.openxmlformats.org/drawingml/2006/main" xmlns:r="http://schemas.openxmlformats.org/officeDocument/2006/relationships" xmlns:p="http://schemas.openxmlformats.org/presentationml/2006/main">
-  <p:cSld>
-    <p:spTree>
-      <p:nvGrpSpPr>
-        <p:cNvPr id="1" name=""/>
-        <p:cNvGrpSpPr/>
-        <p:nvPr/>
-      </p:nvGrpSpPr>
-      <p:grpSpPr>
-        <a:xfrm>
-          <a:off x="0" y="0"/>
-          <a:ext cx="0" cy="0"/>
-          <a:chOff x="0" y="0"/>
-          <a:chExt cx="0" cy="0"/>
-        </a:xfrm>
-      </p:grpSpPr>
-      <p:sp>
-        <p:nvSpPr>
-          <p:cNvPr id="27649" name="Title 1">
-            <a:extLst>
-              <a:ext uri="{FF2B5EF4-FFF2-40B4-BE49-F238E27FC236}">
-                <a16:creationId xmlns:a16="http://schemas.microsoft.com/office/drawing/2014/main" id="{CCB3999F-D7A0-EA4F-AF4A-49D723A315B0}"/>
-              </a:ext>
-            </a:extLst>
-          </p:cNvPr>
-          <p:cNvSpPr>
-            <a:spLocks noGrp="1" noChangeArrowheads="1"/>
-          </p:cNvSpPr>
-          <p:nvPr>
-            <p:ph type="title"/>
-          </p:nvPr>
-        </p:nvSpPr>
-        <p:spPr/>
-        <p:txBody>
-          <a:bodyPr/>
-          <a:lstStyle/>
-          <a:p>
-            <a:r>
-              <a:rPr lang="en-US" altLang="en-US"/>
-              <a:t>Subtypes</a:t>
-            </a:r>
-          </a:p>
-        </p:txBody>
-      </p:sp>
-      <p:sp>
-        <p:nvSpPr>
-          <p:cNvPr id="3" name="Content Placeholder 2">
-            <a:extLst>
-              <a:ext uri="{FF2B5EF4-FFF2-40B4-BE49-F238E27FC236}">
-                <a16:creationId xmlns:a16="http://schemas.microsoft.com/office/drawing/2014/main" id="{F9591F53-FE30-1644-A49D-49882C564001}"/>
-              </a:ext>
-            </a:extLst>
-          </p:cNvPr>
-          <p:cNvSpPr>
-            <a:spLocks noGrp="1"/>
-          </p:cNvSpPr>
-          <p:nvPr>
-            <p:ph sz="half" idx="1"/>
-          </p:nvPr>
-        </p:nvSpPr>
-        <p:spPr/>
-        <p:txBody>
-          <a:bodyPr>
-            <a:normAutofit fontScale="62500" lnSpcReduction="20000"/>
-          </a:bodyPr>
-          <a:lstStyle/>
-          <a:p>
-            <a:pPr>
-              <a:defRPr/>
-            </a:pPr>
-            <a:r>
-              <a:rPr lang="en-US" dirty="0"/>
-              <a:t>A convenient way to visualize subtypes is using Venn diagrams</a:t>
-            </a:r>
-          </a:p>
-          <a:p>
-            <a:pPr>
-              <a:defRPr/>
-            </a:pPr>
-            <a:r>
-              <a:rPr lang="en-US" dirty="0"/>
-              <a:t>Consider,</a:t>
-            </a:r>
-            <a:br>
-              <a:rPr lang="en-US" dirty="0"/>
-            </a:br>
-            <a:r>
-              <a:rPr lang="en-US" dirty="0"/>
-              <a:t>  short &lt; int </a:t>
-            </a:r>
-          </a:p>
-          <a:p>
-            <a:pPr>
-              <a:defRPr/>
-            </a:pPr>
-            <a:r>
-              <a:rPr lang="en-US" dirty="0"/>
-              <a:t>It is easy to see that the shorts are a subset of the integer values</a:t>
-            </a:r>
-          </a:p>
-          <a:p>
-            <a:pPr>
-              <a:defRPr/>
-            </a:pPr>
-            <a:r>
-              <a:rPr lang="en-US" dirty="0"/>
-              <a:t>The green arrow represents a widening type conversion is always safe</a:t>
-            </a:r>
-          </a:p>
-          <a:p>
-            <a:pPr>
-              <a:defRPr/>
-            </a:pPr>
-            <a:r>
-              <a:rPr lang="en-US" dirty="0"/>
-              <a:t>The red arrow represents a narrowing type conversion and is never safe</a:t>
-            </a:r>
-          </a:p>
-          <a:p>
-            <a:pPr>
-              <a:defRPr/>
-            </a:pPr>
-            <a:endParaRPr lang="en-US" dirty="0"/>
-          </a:p>
-          <a:p>
-            <a:pPr>
-              <a:defRPr/>
-            </a:pPr>
-            <a:endParaRPr lang="en-US" dirty="0"/>
-          </a:p>
-        </p:txBody>
-      </p:sp>
-      <p:sp>
-        <p:nvSpPr>
-          <p:cNvPr id="27651" name="Oval 4">
-            <a:extLst>
-              <a:ext uri="{FF2B5EF4-FFF2-40B4-BE49-F238E27FC236}">
-                <a16:creationId xmlns:a16="http://schemas.microsoft.com/office/drawing/2014/main" id="{E3505BDF-9A29-EF4F-9C48-C7960C96794A}"/>
-              </a:ext>
-            </a:extLst>
-          </p:cNvPr>
-          <p:cNvSpPr>
-            <a:spLocks noChangeArrowheads="1"/>
-          </p:cNvSpPr>
-          <p:nvPr/>
-        </p:nvSpPr>
-        <p:spPr bwMode="auto">
-          <a:xfrm>
-            <a:off x="5105400" y="2057400"/>
-            <a:ext cx="2438400" cy="2438400"/>
-          </a:xfrm>
-          <a:prstGeom prst="ellipse">
-            <a:avLst/>
-          </a:prstGeom>
-          <a:noFill/>
-          <a:ln w="9525" algn="ctr">
-            <a:solidFill>
-              <a:schemeClr val="tx1"/>
-            </a:solidFill>
-            <a:round/>
-            <a:headEnd/>
-            <a:tailEnd/>
-          </a:ln>
-          <a:extLst>
-            <a:ext uri="{909E8E84-426E-40DD-AFC4-6F175D3DCCD1}">
-              <a14:hiddenFill xmlns:a14="http://schemas.microsoft.com/office/drawing/2010/main">
-                <a:solidFill>
-                  <a:srgbClr val="FFFFFF"/>
-                </a:solidFill>
-              </a14:hiddenFill>
-            </a:ext>
-          </a:extLst>
-        </p:spPr>
-        <p:txBody>
-          <a:bodyPr/>
-          <a:lstStyle>
-            <a:lvl1pPr>
-              <a:spcBef>
-                <a:spcPct val="20000"/>
-              </a:spcBef>
-              <a:buClr>
-                <a:schemeClr val="hlink"/>
-              </a:buClr>
-              <a:buSzPct val="80000"/>
-              <a:buFont typeface="Wingdings" pitchFamily="2" charset="2"/>
-              <a:buChar char="l"/>
-              <a:defRPr sz="3200">
-                <a:solidFill>
-                  <a:schemeClr val="tx1"/>
-                </a:solidFill>
-                <a:latin typeface="Arial" panose="020B0604020202020204" pitchFamily="34" charset="0"/>
-                <a:ea typeface="ＭＳ Ｐゴシック" panose="020B0600070205080204" pitchFamily="34" charset="-128"/>
-              </a:defRPr>
-            </a:lvl1pPr>
-            <a:lvl2pPr marL="742950" indent="-285750">
-              <a:spcBef>
-                <a:spcPct val="20000"/>
-              </a:spcBef>
-              <a:buClr>
-                <a:schemeClr val="accent1"/>
-              </a:buClr>
-              <a:buSzPct val="70000"/>
-              <a:buFont typeface="Wingdings" pitchFamily="2" charset="2"/>
-              <a:buChar char="l"/>
-              <a:defRPr sz="2800">
-                <a:solidFill>
-                  <a:schemeClr val="tx1"/>
-                </a:solidFill>
-                <a:latin typeface="Arial" panose="020B0604020202020204" pitchFamily="34" charset="0"/>
-                <a:ea typeface="ＭＳ Ｐゴシック" panose="020B0600070205080204" pitchFamily="34" charset="-128"/>
-              </a:defRPr>
-            </a:lvl2pPr>
-            <a:lvl3pPr marL="1143000" indent="-228600">
-              <a:spcBef>
-                <a:spcPct val="20000"/>
-              </a:spcBef>
-              <a:buClr>
-                <a:schemeClr val="bg2"/>
-              </a:buClr>
-              <a:buSzPct val="65000"/>
-              <a:buFont typeface="Wingdings" pitchFamily="2" charset="2"/>
-              <a:buChar char="l"/>
-              <a:defRPr sz="2400">
-                <a:solidFill>
-                  <a:schemeClr val="tx1"/>
-                </a:solidFill>
-                <a:latin typeface="Arial" panose="020B0604020202020204" pitchFamily="34" charset="0"/>
-                <a:ea typeface="ＭＳ Ｐゴシック" panose="020B0600070205080204" pitchFamily="34" charset="-128"/>
-              </a:defRPr>
-            </a:lvl3pPr>
-            <a:lvl4pPr marL="1600200" indent="-228600">
-              <a:spcBef>
-                <a:spcPct val="20000"/>
-              </a:spcBef>
-              <a:buClr>
-                <a:schemeClr val="hlink"/>
-              </a:buClr>
-              <a:buSzPct val="60000"/>
-              <a:buFont typeface="Wingdings" pitchFamily="2" charset="2"/>
-              <a:buChar char="l"/>
-              <a:defRPr sz="2000">
-                <a:solidFill>
-                  <a:schemeClr val="tx1"/>
-                </a:solidFill>
-                <a:latin typeface="Arial" panose="020B0604020202020204" pitchFamily="34" charset="0"/>
-                <a:ea typeface="ＭＳ Ｐゴシック" panose="020B0600070205080204" pitchFamily="34" charset="-128"/>
-              </a:defRPr>
-            </a:lvl4pPr>
-            <a:lvl5pPr marL="2057400" indent="-228600">
-              <a:spcBef>
-                <a:spcPct val="20000"/>
-              </a:spcBef>
-              <a:buClr>
-                <a:schemeClr val="bg2"/>
-              </a:buClr>
-              <a:buSzPct val="40000"/>
-              <a:buFont typeface="Wingdings" pitchFamily="2" charset="2"/>
-              <a:buChar char="l"/>
-              <a:defRPr sz="2000">
-                <a:solidFill>
-                  <a:schemeClr val="tx1"/>
-                </a:solidFill>
-                <a:latin typeface="Arial" panose="020B0604020202020204" pitchFamily="34" charset="0"/>
-                <a:ea typeface="ＭＳ Ｐゴシック" panose="020B0600070205080204" pitchFamily="34" charset="-128"/>
-              </a:defRPr>
-            </a:lvl5pPr>
-            <a:lvl6pPr marL="2514600" indent="-228600" eaLnBrk="0" fontAlgn="base" hangingPunct="0">
-              <a:spcBef>
-                <a:spcPct val="20000"/>
-              </a:spcBef>
-              <a:spcAft>
-                <a:spcPct val="0"/>
-              </a:spcAft>
-              <a:buClr>
-                <a:schemeClr val="bg2"/>
-              </a:buClr>
-              <a:buSzPct val="40000"/>
-              <a:buFont typeface="Wingdings" pitchFamily="2" charset="2"/>
-              <a:buChar char="l"/>
-              <a:defRPr sz="2000">
-                <a:solidFill>
-                  <a:schemeClr val="tx1"/>
-                </a:solidFill>
-                <a:latin typeface="Arial" panose="020B0604020202020204" pitchFamily="34" charset="0"/>
-                <a:ea typeface="ＭＳ Ｐゴシック" panose="020B0600070205080204" pitchFamily="34" charset="-128"/>
-              </a:defRPr>
-            </a:lvl6pPr>
-            <a:lvl7pPr marL="2971800" indent="-228600" eaLnBrk="0" fontAlgn="base" hangingPunct="0">
-              <a:spcBef>
-                <a:spcPct val="20000"/>
-              </a:spcBef>
-              <a:spcAft>
-                <a:spcPct val="0"/>
-              </a:spcAft>
-              <a:buClr>
-                <a:schemeClr val="bg2"/>
-              </a:buClr>
-              <a:buSzPct val="40000"/>
-              <a:buFont typeface="Wingdings" pitchFamily="2" charset="2"/>
-              <a:buChar char="l"/>
-              <a:defRPr sz="2000">
-                <a:solidFill>
-                  <a:schemeClr val="tx1"/>
-                </a:solidFill>
-                <a:latin typeface="Arial" panose="020B0604020202020204" pitchFamily="34" charset="0"/>
-                <a:ea typeface="ＭＳ Ｐゴシック" panose="020B0600070205080204" pitchFamily="34" charset="-128"/>
-              </a:defRPr>
-            </a:lvl7pPr>
-            <a:lvl8pPr marL="3429000" indent="-228600" eaLnBrk="0" fontAlgn="base" hangingPunct="0">
-              <a:spcBef>
-                <a:spcPct val="20000"/>
-              </a:spcBef>
-              <a:spcAft>
-                <a:spcPct val="0"/>
-              </a:spcAft>
-              <a:buClr>
-                <a:schemeClr val="bg2"/>
-              </a:buClr>
-              <a:buSzPct val="40000"/>
-              <a:buFont typeface="Wingdings" pitchFamily="2" charset="2"/>
-              <a:buChar char="l"/>
-              <a:defRPr sz="2000">
-                <a:solidFill>
-                  <a:schemeClr val="tx1"/>
-                </a:solidFill>
-                <a:latin typeface="Arial" panose="020B0604020202020204" pitchFamily="34" charset="0"/>
-                <a:ea typeface="ＭＳ Ｐゴシック" panose="020B0600070205080204" pitchFamily="34" charset="-128"/>
-              </a:defRPr>
-            </a:lvl8pPr>
-            <a:lvl9pPr marL="3886200" indent="-228600" eaLnBrk="0" fontAlgn="base" hangingPunct="0">
-              <a:spcBef>
-                <a:spcPct val="20000"/>
-              </a:spcBef>
-              <a:spcAft>
-                <a:spcPct val="0"/>
-              </a:spcAft>
-              <a:buClr>
-                <a:schemeClr val="bg2"/>
-              </a:buClr>
-              <a:buSzPct val="40000"/>
-              <a:buFont typeface="Wingdings" pitchFamily="2" charset="2"/>
-              <a:buChar char="l"/>
-              <a:defRPr sz="2000">
-                <a:solidFill>
-                  <a:schemeClr val="tx1"/>
-                </a:solidFill>
-                <a:latin typeface="Arial" panose="020B0604020202020204" pitchFamily="34" charset="0"/>
-                <a:ea typeface="ＭＳ Ｐゴシック" panose="020B0600070205080204" pitchFamily="34" charset="-128"/>
-              </a:defRPr>
-            </a:lvl9pPr>
-          </a:lstStyle>
-          <a:p>
-            <a:pPr>
-              <a:spcBef>
-                <a:spcPct val="0"/>
-              </a:spcBef>
-              <a:buClrTx/>
-              <a:buSzTx/>
-              <a:buFontTx/>
-              <a:buNone/>
-            </a:pPr>
-            <a:endParaRPr lang="en-US" altLang="en-US" sz="300">
-              <a:solidFill>
-                <a:srgbClr val="FF3300"/>
-              </a:solidFill>
-            </a:endParaRPr>
-          </a:p>
-        </p:txBody>
-      </p:sp>
-      <p:sp>
-        <p:nvSpPr>
-          <p:cNvPr id="27652" name="Oval 5">
-            <a:extLst>
-              <a:ext uri="{FF2B5EF4-FFF2-40B4-BE49-F238E27FC236}">
-                <a16:creationId xmlns:a16="http://schemas.microsoft.com/office/drawing/2014/main" id="{332B02B1-B970-054D-97B3-097D8A66A3F7}"/>
-              </a:ext>
-            </a:extLst>
-          </p:cNvPr>
-          <p:cNvSpPr>
-            <a:spLocks noChangeArrowheads="1"/>
-          </p:cNvSpPr>
-          <p:nvPr/>
-        </p:nvSpPr>
-        <p:spPr bwMode="auto">
-          <a:xfrm>
-            <a:off x="5486400" y="3048000"/>
-            <a:ext cx="1143000" cy="1143000"/>
-          </a:xfrm>
-          <a:prstGeom prst="ellipse">
-            <a:avLst/>
-          </a:prstGeom>
-          <a:noFill/>
-          <a:ln w="9525" algn="ctr">
-            <a:solidFill>
-              <a:schemeClr val="tx1"/>
-            </a:solidFill>
-            <a:round/>
-            <a:headEnd/>
-            <a:tailEnd/>
-          </a:ln>
-          <a:extLst>
-            <a:ext uri="{909E8E84-426E-40DD-AFC4-6F175D3DCCD1}">
-              <a14:hiddenFill xmlns:a14="http://schemas.microsoft.com/office/drawing/2010/main">
-                <a:solidFill>
-                  <a:srgbClr val="FFFFFF"/>
-                </a:solidFill>
-              </a14:hiddenFill>
-            </a:ext>
-          </a:extLst>
-        </p:spPr>
-        <p:txBody>
-          <a:bodyPr/>
-          <a:lstStyle>
-            <a:lvl1pPr>
-              <a:spcBef>
-                <a:spcPct val="20000"/>
-              </a:spcBef>
-              <a:buClr>
-                <a:schemeClr val="hlink"/>
-              </a:buClr>
-              <a:buSzPct val="80000"/>
-              <a:buFont typeface="Wingdings" pitchFamily="2" charset="2"/>
-              <a:buChar char="l"/>
-              <a:defRPr sz="3200">
-                <a:solidFill>
-                  <a:schemeClr val="tx1"/>
-                </a:solidFill>
-                <a:latin typeface="Arial" panose="020B0604020202020204" pitchFamily="34" charset="0"/>
-                <a:ea typeface="ＭＳ Ｐゴシック" panose="020B0600070205080204" pitchFamily="34" charset="-128"/>
-              </a:defRPr>
-            </a:lvl1pPr>
-            <a:lvl2pPr marL="742950" indent="-285750">
-              <a:spcBef>
-                <a:spcPct val="20000"/>
-              </a:spcBef>
-              <a:buClr>
-                <a:schemeClr val="accent1"/>
-              </a:buClr>
-              <a:buSzPct val="70000"/>
-              <a:buFont typeface="Wingdings" pitchFamily="2" charset="2"/>
-              <a:buChar char="l"/>
-              <a:defRPr sz="2800">
-                <a:solidFill>
-                  <a:schemeClr val="tx1"/>
-                </a:solidFill>
-                <a:latin typeface="Arial" panose="020B0604020202020204" pitchFamily="34" charset="0"/>
-                <a:ea typeface="ＭＳ Ｐゴシック" panose="020B0600070205080204" pitchFamily="34" charset="-128"/>
-              </a:defRPr>
-            </a:lvl2pPr>
-            <a:lvl3pPr marL="1143000" indent="-228600">
-              <a:spcBef>
-                <a:spcPct val="20000"/>
-              </a:spcBef>
-              <a:buClr>
-                <a:schemeClr val="bg2"/>
-              </a:buClr>
-              <a:buSzPct val="65000"/>
-              <a:buFont typeface="Wingdings" pitchFamily="2" charset="2"/>
-              <a:buChar char="l"/>
-              <a:defRPr sz="2400">
-                <a:solidFill>
-                  <a:schemeClr val="tx1"/>
-                </a:solidFill>
-                <a:latin typeface="Arial" panose="020B0604020202020204" pitchFamily="34" charset="0"/>
-                <a:ea typeface="ＭＳ Ｐゴシック" panose="020B0600070205080204" pitchFamily="34" charset="-128"/>
-              </a:defRPr>
-            </a:lvl3pPr>
-            <a:lvl4pPr marL="1600200" indent="-228600">
-              <a:spcBef>
-                <a:spcPct val="20000"/>
-              </a:spcBef>
-              <a:buClr>
-                <a:schemeClr val="hlink"/>
-              </a:buClr>
-              <a:buSzPct val="60000"/>
-              <a:buFont typeface="Wingdings" pitchFamily="2" charset="2"/>
-              <a:buChar char="l"/>
-              <a:defRPr sz="2000">
-                <a:solidFill>
-                  <a:schemeClr val="tx1"/>
-                </a:solidFill>
-                <a:latin typeface="Arial" panose="020B0604020202020204" pitchFamily="34" charset="0"/>
-                <a:ea typeface="ＭＳ Ｐゴシック" panose="020B0600070205080204" pitchFamily="34" charset="-128"/>
-              </a:defRPr>
-            </a:lvl4pPr>
-            <a:lvl5pPr marL="2057400" indent="-228600">
-              <a:spcBef>
-                <a:spcPct val="20000"/>
-              </a:spcBef>
-              <a:buClr>
-                <a:schemeClr val="bg2"/>
-              </a:buClr>
-              <a:buSzPct val="40000"/>
-              <a:buFont typeface="Wingdings" pitchFamily="2" charset="2"/>
-              <a:buChar char="l"/>
-              <a:defRPr sz="2000">
-                <a:solidFill>
-                  <a:schemeClr val="tx1"/>
-                </a:solidFill>
-                <a:latin typeface="Arial" panose="020B0604020202020204" pitchFamily="34" charset="0"/>
-                <a:ea typeface="ＭＳ Ｐゴシック" panose="020B0600070205080204" pitchFamily="34" charset="-128"/>
-              </a:defRPr>
-            </a:lvl5pPr>
-            <a:lvl6pPr marL="2514600" indent="-228600" eaLnBrk="0" fontAlgn="base" hangingPunct="0">
-              <a:spcBef>
-                <a:spcPct val="20000"/>
-              </a:spcBef>
-              <a:spcAft>
-                <a:spcPct val="0"/>
-              </a:spcAft>
-              <a:buClr>
-                <a:schemeClr val="bg2"/>
-              </a:buClr>
-              <a:buSzPct val="40000"/>
-              <a:buFont typeface="Wingdings" pitchFamily="2" charset="2"/>
-              <a:buChar char="l"/>
-              <a:defRPr sz="2000">
-                <a:solidFill>
-                  <a:schemeClr val="tx1"/>
-                </a:solidFill>
-                <a:latin typeface="Arial" panose="020B0604020202020204" pitchFamily="34" charset="0"/>
-                <a:ea typeface="ＭＳ Ｐゴシック" panose="020B0600070205080204" pitchFamily="34" charset="-128"/>
-              </a:defRPr>
-            </a:lvl6pPr>
-            <a:lvl7pPr marL="2971800" indent="-228600" eaLnBrk="0" fontAlgn="base" hangingPunct="0">
-              <a:spcBef>
-                <a:spcPct val="20000"/>
-              </a:spcBef>
-              <a:spcAft>
-                <a:spcPct val="0"/>
-              </a:spcAft>
-              <a:buClr>
-                <a:schemeClr val="bg2"/>
-              </a:buClr>
-              <a:buSzPct val="40000"/>
-              <a:buFont typeface="Wingdings" pitchFamily="2" charset="2"/>
-              <a:buChar char="l"/>
-              <a:defRPr sz="2000">
-                <a:solidFill>
-                  <a:schemeClr val="tx1"/>
-                </a:solidFill>
-                <a:latin typeface="Arial" panose="020B0604020202020204" pitchFamily="34" charset="0"/>
-                <a:ea typeface="ＭＳ Ｐゴシック" panose="020B0600070205080204" pitchFamily="34" charset="-128"/>
-              </a:defRPr>
-            </a:lvl7pPr>
-            <a:lvl8pPr marL="3429000" indent="-228600" eaLnBrk="0" fontAlgn="base" hangingPunct="0">
-              <a:spcBef>
-                <a:spcPct val="20000"/>
-              </a:spcBef>
-              <a:spcAft>
-                <a:spcPct val="0"/>
-              </a:spcAft>
-              <a:buClr>
-                <a:schemeClr val="bg2"/>
-              </a:buClr>
-              <a:buSzPct val="40000"/>
-              <a:buFont typeface="Wingdings" pitchFamily="2" charset="2"/>
-              <a:buChar char="l"/>
-              <a:defRPr sz="2000">
-                <a:solidFill>
-                  <a:schemeClr val="tx1"/>
-                </a:solidFill>
-                <a:latin typeface="Arial" panose="020B0604020202020204" pitchFamily="34" charset="0"/>
-                <a:ea typeface="ＭＳ Ｐゴシック" panose="020B0600070205080204" pitchFamily="34" charset="-128"/>
-              </a:defRPr>
-            </a:lvl8pPr>
-            <a:lvl9pPr marL="3886200" indent="-228600" eaLnBrk="0" fontAlgn="base" hangingPunct="0">
-              <a:spcBef>
-                <a:spcPct val="20000"/>
-              </a:spcBef>
-              <a:spcAft>
-                <a:spcPct val="0"/>
-              </a:spcAft>
-              <a:buClr>
-                <a:schemeClr val="bg2"/>
-              </a:buClr>
-              <a:buSzPct val="40000"/>
-              <a:buFont typeface="Wingdings" pitchFamily="2" charset="2"/>
-              <a:buChar char="l"/>
-              <a:defRPr sz="2000">
-                <a:solidFill>
-                  <a:schemeClr val="tx1"/>
-                </a:solidFill>
-                <a:latin typeface="Arial" panose="020B0604020202020204" pitchFamily="34" charset="0"/>
-                <a:ea typeface="ＭＳ Ｐゴシック" panose="020B0600070205080204" pitchFamily="34" charset="-128"/>
-              </a:defRPr>
-            </a:lvl9pPr>
-          </a:lstStyle>
-          <a:p>
-            <a:pPr>
-              <a:spcBef>
-                <a:spcPct val="0"/>
-              </a:spcBef>
-              <a:buClrTx/>
-              <a:buSzTx/>
-              <a:buFontTx/>
-              <a:buNone/>
-            </a:pPr>
-            <a:endParaRPr lang="en-US" altLang="en-US" sz="300">
-              <a:solidFill>
-                <a:srgbClr val="FF3300"/>
-              </a:solidFill>
-            </a:endParaRPr>
-          </a:p>
-        </p:txBody>
-      </p:sp>
-      <p:sp>
-        <p:nvSpPr>
-          <p:cNvPr id="27653" name="TextBox 6">
-            <a:extLst>
-              <a:ext uri="{FF2B5EF4-FFF2-40B4-BE49-F238E27FC236}">
-                <a16:creationId xmlns:a16="http://schemas.microsoft.com/office/drawing/2014/main" id="{E617297D-EA27-CE49-8BEC-67098259231C}"/>
-              </a:ext>
-            </a:extLst>
-          </p:cNvPr>
-          <p:cNvSpPr txBox="1">
-            <a:spLocks noChangeArrowheads="1"/>
-          </p:cNvSpPr>
-          <p:nvPr/>
-        </p:nvSpPr>
-        <p:spPr bwMode="auto">
-          <a:xfrm>
-            <a:off x="6227763" y="2438400"/>
-            <a:ext cx="401637" cy="338138"/>
-          </a:xfrm>
-          <a:prstGeom prst="rect">
-            <a:avLst/>
-          </a:prstGeom>
-          <a:noFill/>
-          <a:ln>
-            <a:noFill/>
-          </a:ln>
-          <a:extLst>
-            <a:ext uri="{909E8E84-426E-40DD-AFC4-6F175D3DCCD1}">
-              <a14:hiddenFill xmlns:a14="http://schemas.microsoft.com/office/drawing/2010/main">
-                <a:solidFill>
-                  <a:srgbClr val="FFFFFF"/>
-                </a:solidFill>
-              </a14:hiddenFill>
-            </a:ext>
-            <a:ext uri="{91240B29-F687-4F45-9708-019B960494DF}">
-              <a14:hiddenLine xmlns:a14="http://schemas.microsoft.com/office/drawing/2010/main" w="9525">
-                <a:solidFill>
-                  <a:srgbClr val="000000"/>
-                </a:solidFill>
-                <a:miter lim="800000"/>
-                <a:headEnd/>
-                <a:tailEnd/>
-              </a14:hiddenLine>
-            </a:ext>
-          </a:extLst>
-        </p:spPr>
-        <p:txBody>
-          <a:bodyPr wrap="none">
-            <a:spAutoFit/>
-          </a:bodyPr>
-          <a:lstStyle>
-            <a:lvl1pPr>
-              <a:spcBef>
-                <a:spcPct val="20000"/>
-              </a:spcBef>
-              <a:buClr>
-                <a:schemeClr val="hlink"/>
-              </a:buClr>
-              <a:buSzPct val="80000"/>
-              <a:buFont typeface="Wingdings" pitchFamily="2" charset="2"/>
-              <a:buChar char="l"/>
-              <a:defRPr sz="3200">
-                <a:solidFill>
-                  <a:schemeClr val="tx1"/>
-                </a:solidFill>
-                <a:latin typeface="Arial" panose="020B0604020202020204" pitchFamily="34" charset="0"/>
-                <a:ea typeface="ＭＳ Ｐゴシック" panose="020B0600070205080204" pitchFamily="34" charset="-128"/>
-              </a:defRPr>
-            </a:lvl1pPr>
-            <a:lvl2pPr marL="742950" indent="-285750">
-              <a:spcBef>
-                <a:spcPct val="20000"/>
-              </a:spcBef>
-              <a:buClr>
-                <a:schemeClr val="accent1"/>
-              </a:buClr>
-              <a:buSzPct val="70000"/>
-              <a:buFont typeface="Wingdings" pitchFamily="2" charset="2"/>
-              <a:buChar char="l"/>
-              <a:defRPr sz="2800">
-                <a:solidFill>
-                  <a:schemeClr val="tx1"/>
-                </a:solidFill>
-                <a:latin typeface="Arial" panose="020B0604020202020204" pitchFamily="34" charset="0"/>
-                <a:ea typeface="ＭＳ Ｐゴシック" panose="020B0600070205080204" pitchFamily="34" charset="-128"/>
-              </a:defRPr>
-            </a:lvl2pPr>
-            <a:lvl3pPr marL="1143000" indent="-228600">
-              <a:spcBef>
-                <a:spcPct val="20000"/>
-              </a:spcBef>
-              <a:buClr>
-                <a:schemeClr val="bg2"/>
-              </a:buClr>
-              <a:buSzPct val="65000"/>
-              <a:buFont typeface="Wingdings" pitchFamily="2" charset="2"/>
-              <a:buChar char="l"/>
-              <a:defRPr sz="2400">
-                <a:solidFill>
-                  <a:schemeClr val="tx1"/>
-                </a:solidFill>
-                <a:latin typeface="Arial" panose="020B0604020202020204" pitchFamily="34" charset="0"/>
-                <a:ea typeface="ＭＳ Ｐゴシック" panose="020B0600070205080204" pitchFamily="34" charset="-128"/>
-              </a:defRPr>
-            </a:lvl3pPr>
-            <a:lvl4pPr marL="1600200" indent="-228600">
-              <a:spcBef>
-                <a:spcPct val="20000"/>
-              </a:spcBef>
-              <a:buClr>
-                <a:schemeClr val="hlink"/>
-              </a:buClr>
-              <a:buSzPct val="60000"/>
-              <a:buFont typeface="Wingdings" pitchFamily="2" charset="2"/>
-              <a:buChar char="l"/>
-              <a:defRPr sz="2000">
-                <a:solidFill>
-                  <a:schemeClr val="tx1"/>
-                </a:solidFill>
-                <a:latin typeface="Arial" panose="020B0604020202020204" pitchFamily="34" charset="0"/>
-                <a:ea typeface="ＭＳ Ｐゴシック" panose="020B0600070205080204" pitchFamily="34" charset="-128"/>
-              </a:defRPr>
-            </a:lvl4pPr>
-            <a:lvl5pPr marL="2057400" indent="-228600">
-              <a:spcBef>
-                <a:spcPct val="20000"/>
-              </a:spcBef>
-              <a:buClr>
-                <a:schemeClr val="bg2"/>
-              </a:buClr>
-              <a:buSzPct val="40000"/>
-              <a:buFont typeface="Wingdings" pitchFamily="2" charset="2"/>
-              <a:buChar char="l"/>
-              <a:defRPr sz="2000">
-                <a:solidFill>
-                  <a:schemeClr val="tx1"/>
-                </a:solidFill>
-                <a:latin typeface="Arial" panose="020B0604020202020204" pitchFamily="34" charset="0"/>
-                <a:ea typeface="ＭＳ Ｐゴシック" panose="020B0600070205080204" pitchFamily="34" charset="-128"/>
-              </a:defRPr>
-            </a:lvl5pPr>
-            <a:lvl6pPr marL="2514600" indent="-228600" eaLnBrk="0" fontAlgn="base" hangingPunct="0">
-              <a:spcBef>
-                <a:spcPct val="20000"/>
-              </a:spcBef>
-              <a:spcAft>
-                <a:spcPct val="0"/>
-              </a:spcAft>
-              <a:buClr>
-                <a:schemeClr val="bg2"/>
-              </a:buClr>
-              <a:buSzPct val="40000"/>
-              <a:buFont typeface="Wingdings" pitchFamily="2" charset="2"/>
-              <a:buChar char="l"/>
-              <a:defRPr sz="2000">
-                <a:solidFill>
-                  <a:schemeClr val="tx1"/>
-                </a:solidFill>
-                <a:latin typeface="Arial" panose="020B0604020202020204" pitchFamily="34" charset="0"/>
-                <a:ea typeface="ＭＳ Ｐゴシック" panose="020B0600070205080204" pitchFamily="34" charset="-128"/>
-              </a:defRPr>
-            </a:lvl6pPr>
-            <a:lvl7pPr marL="2971800" indent="-228600" eaLnBrk="0" fontAlgn="base" hangingPunct="0">
-              <a:spcBef>
-                <a:spcPct val="20000"/>
-              </a:spcBef>
-              <a:spcAft>
-                <a:spcPct val="0"/>
-              </a:spcAft>
-              <a:buClr>
-                <a:schemeClr val="bg2"/>
-              </a:buClr>
-              <a:buSzPct val="40000"/>
-              <a:buFont typeface="Wingdings" pitchFamily="2" charset="2"/>
-              <a:buChar char="l"/>
-              <a:defRPr sz="2000">
-                <a:solidFill>
-                  <a:schemeClr val="tx1"/>
-                </a:solidFill>
-                <a:latin typeface="Arial" panose="020B0604020202020204" pitchFamily="34" charset="0"/>
-                <a:ea typeface="ＭＳ Ｐゴシック" panose="020B0600070205080204" pitchFamily="34" charset="-128"/>
-              </a:defRPr>
-            </a:lvl7pPr>
-            <a:lvl8pPr marL="3429000" indent="-228600" eaLnBrk="0" fontAlgn="base" hangingPunct="0">
-              <a:spcBef>
-                <a:spcPct val="20000"/>
-              </a:spcBef>
-              <a:spcAft>
-                <a:spcPct val="0"/>
-              </a:spcAft>
-              <a:buClr>
-                <a:schemeClr val="bg2"/>
-              </a:buClr>
-              <a:buSzPct val="40000"/>
-              <a:buFont typeface="Wingdings" pitchFamily="2" charset="2"/>
-              <a:buChar char="l"/>
-              <a:defRPr sz="2000">
-                <a:solidFill>
-                  <a:schemeClr val="tx1"/>
-                </a:solidFill>
-                <a:latin typeface="Arial" panose="020B0604020202020204" pitchFamily="34" charset="0"/>
-                <a:ea typeface="ＭＳ Ｐゴシック" panose="020B0600070205080204" pitchFamily="34" charset="-128"/>
-              </a:defRPr>
-            </a:lvl8pPr>
-            <a:lvl9pPr marL="3886200" indent="-228600" eaLnBrk="0" fontAlgn="base" hangingPunct="0">
-              <a:spcBef>
-                <a:spcPct val="20000"/>
-              </a:spcBef>
-              <a:spcAft>
-                <a:spcPct val="0"/>
-              </a:spcAft>
-              <a:buClr>
-                <a:schemeClr val="bg2"/>
-              </a:buClr>
-              <a:buSzPct val="40000"/>
-              <a:buFont typeface="Wingdings" pitchFamily="2" charset="2"/>
-              <a:buChar char="l"/>
-              <a:defRPr sz="2000">
-                <a:solidFill>
-                  <a:schemeClr val="tx1"/>
-                </a:solidFill>
-                <a:latin typeface="Arial" panose="020B0604020202020204" pitchFamily="34" charset="0"/>
-                <a:ea typeface="ＭＳ Ｐゴシック" panose="020B0600070205080204" pitchFamily="34" charset="-128"/>
-              </a:defRPr>
-            </a:lvl9pPr>
-          </a:lstStyle>
-          <a:p>
-            <a:pPr>
-              <a:spcBef>
-                <a:spcPct val="0"/>
-              </a:spcBef>
-              <a:buClrTx/>
-              <a:buSzTx/>
-              <a:buFontTx/>
-              <a:buNone/>
-            </a:pPr>
-            <a:r>
-              <a:rPr lang="en-US" altLang="en-US" sz="1600"/>
-              <a:t>int</a:t>
-            </a:r>
-          </a:p>
-        </p:txBody>
-      </p:sp>
-      <p:sp>
-        <p:nvSpPr>
-          <p:cNvPr id="27654" name="TextBox 7">
-            <a:extLst>
-              <a:ext uri="{FF2B5EF4-FFF2-40B4-BE49-F238E27FC236}">
-                <a16:creationId xmlns:a16="http://schemas.microsoft.com/office/drawing/2014/main" id="{64C3920B-9EAD-B546-A486-B056D1FAE01C}"/>
-              </a:ext>
-            </a:extLst>
-          </p:cNvPr>
-          <p:cNvSpPr txBox="1">
-            <a:spLocks noChangeArrowheads="1"/>
-          </p:cNvSpPr>
-          <p:nvPr/>
-        </p:nvSpPr>
-        <p:spPr bwMode="auto">
-          <a:xfrm>
-            <a:off x="5715000" y="3429000"/>
-            <a:ext cx="641350" cy="338138"/>
-          </a:xfrm>
-          <a:prstGeom prst="rect">
-            <a:avLst/>
-          </a:prstGeom>
-          <a:noFill/>
-          <a:ln>
-            <a:noFill/>
-          </a:ln>
-          <a:extLst>
-            <a:ext uri="{909E8E84-426E-40DD-AFC4-6F175D3DCCD1}">
-              <a14:hiddenFill xmlns:a14="http://schemas.microsoft.com/office/drawing/2010/main">
-                <a:solidFill>
-                  <a:srgbClr val="FFFFFF"/>
-                </a:solidFill>
-              </a14:hiddenFill>
-            </a:ext>
-            <a:ext uri="{91240B29-F687-4F45-9708-019B960494DF}">
-              <a14:hiddenLine xmlns:a14="http://schemas.microsoft.com/office/drawing/2010/main" w="9525">
-                <a:solidFill>
-                  <a:srgbClr val="000000"/>
-                </a:solidFill>
-                <a:miter lim="800000"/>
-                <a:headEnd/>
-                <a:tailEnd/>
-              </a14:hiddenLine>
-            </a:ext>
-          </a:extLst>
-        </p:spPr>
-        <p:txBody>
-          <a:bodyPr wrap="none">
-            <a:spAutoFit/>
-          </a:bodyPr>
-          <a:lstStyle>
-            <a:lvl1pPr>
-              <a:spcBef>
-                <a:spcPct val="20000"/>
-              </a:spcBef>
-              <a:buClr>
-                <a:schemeClr val="hlink"/>
-              </a:buClr>
-              <a:buSzPct val="80000"/>
-              <a:buFont typeface="Wingdings" pitchFamily="2" charset="2"/>
-              <a:buChar char="l"/>
-              <a:defRPr sz="3200">
-                <a:solidFill>
-                  <a:schemeClr val="tx1"/>
-                </a:solidFill>
-                <a:latin typeface="Arial" panose="020B0604020202020204" pitchFamily="34" charset="0"/>
-                <a:ea typeface="ＭＳ Ｐゴシック" panose="020B0600070205080204" pitchFamily="34" charset="-128"/>
-              </a:defRPr>
-            </a:lvl1pPr>
-            <a:lvl2pPr marL="742950" indent="-285750">
-              <a:spcBef>
-                <a:spcPct val="20000"/>
-              </a:spcBef>
-              <a:buClr>
-                <a:schemeClr val="accent1"/>
-              </a:buClr>
-              <a:buSzPct val="70000"/>
-              <a:buFont typeface="Wingdings" pitchFamily="2" charset="2"/>
-              <a:buChar char="l"/>
-              <a:defRPr sz="2800">
-                <a:solidFill>
-                  <a:schemeClr val="tx1"/>
-                </a:solidFill>
-                <a:latin typeface="Arial" panose="020B0604020202020204" pitchFamily="34" charset="0"/>
-                <a:ea typeface="ＭＳ Ｐゴシック" panose="020B0600070205080204" pitchFamily="34" charset="-128"/>
-              </a:defRPr>
-            </a:lvl2pPr>
-            <a:lvl3pPr marL="1143000" indent="-228600">
-              <a:spcBef>
-                <a:spcPct val="20000"/>
-              </a:spcBef>
-              <a:buClr>
-                <a:schemeClr val="bg2"/>
-              </a:buClr>
-              <a:buSzPct val="65000"/>
-              <a:buFont typeface="Wingdings" pitchFamily="2" charset="2"/>
-              <a:buChar char="l"/>
-              <a:defRPr sz="2400">
-                <a:solidFill>
-                  <a:schemeClr val="tx1"/>
-                </a:solidFill>
-                <a:latin typeface="Arial" panose="020B0604020202020204" pitchFamily="34" charset="0"/>
-                <a:ea typeface="ＭＳ Ｐゴシック" panose="020B0600070205080204" pitchFamily="34" charset="-128"/>
-              </a:defRPr>
-            </a:lvl3pPr>
-            <a:lvl4pPr marL="1600200" indent="-228600">
-              <a:spcBef>
-                <a:spcPct val="20000"/>
-              </a:spcBef>
-              <a:buClr>
-                <a:schemeClr val="hlink"/>
-              </a:buClr>
-              <a:buSzPct val="60000"/>
-              <a:buFont typeface="Wingdings" pitchFamily="2" charset="2"/>
-              <a:buChar char="l"/>
-              <a:defRPr sz="2000">
-                <a:solidFill>
-                  <a:schemeClr val="tx1"/>
-                </a:solidFill>
-                <a:latin typeface="Arial" panose="020B0604020202020204" pitchFamily="34" charset="0"/>
-                <a:ea typeface="ＭＳ Ｐゴシック" panose="020B0600070205080204" pitchFamily="34" charset="-128"/>
-              </a:defRPr>
-            </a:lvl4pPr>
-            <a:lvl5pPr marL="2057400" indent="-228600">
-              <a:spcBef>
-                <a:spcPct val="20000"/>
-              </a:spcBef>
-              <a:buClr>
-                <a:schemeClr val="bg2"/>
-              </a:buClr>
-              <a:buSzPct val="40000"/>
-              <a:buFont typeface="Wingdings" pitchFamily="2" charset="2"/>
-              <a:buChar char="l"/>
-              <a:defRPr sz="2000">
-                <a:solidFill>
-                  <a:schemeClr val="tx1"/>
-                </a:solidFill>
-                <a:latin typeface="Arial" panose="020B0604020202020204" pitchFamily="34" charset="0"/>
-                <a:ea typeface="ＭＳ Ｐゴシック" panose="020B0600070205080204" pitchFamily="34" charset="-128"/>
-              </a:defRPr>
-            </a:lvl5pPr>
-            <a:lvl6pPr marL="2514600" indent="-228600" eaLnBrk="0" fontAlgn="base" hangingPunct="0">
-              <a:spcBef>
-                <a:spcPct val="20000"/>
-              </a:spcBef>
-              <a:spcAft>
-                <a:spcPct val="0"/>
-              </a:spcAft>
-              <a:buClr>
-                <a:schemeClr val="bg2"/>
-              </a:buClr>
-              <a:buSzPct val="40000"/>
-              <a:buFont typeface="Wingdings" pitchFamily="2" charset="2"/>
-              <a:buChar char="l"/>
-              <a:defRPr sz="2000">
-                <a:solidFill>
-                  <a:schemeClr val="tx1"/>
-                </a:solidFill>
-                <a:latin typeface="Arial" panose="020B0604020202020204" pitchFamily="34" charset="0"/>
-                <a:ea typeface="ＭＳ Ｐゴシック" panose="020B0600070205080204" pitchFamily="34" charset="-128"/>
-              </a:defRPr>
-            </a:lvl6pPr>
-            <a:lvl7pPr marL="2971800" indent="-228600" eaLnBrk="0" fontAlgn="base" hangingPunct="0">
-              <a:spcBef>
-                <a:spcPct val="20000"/>
-              </a:spcBef>
-              <a:spcAft>
-                <a:spcPct val="0"/>
-              </a:spcAft>
-              <a:buClr>
-                <a:schemeClr val="bg2"/>
-              </a:buClr>
-              <a:buSzPct val="40000"/>
-              <a:buFont typeface="Wingdings" pitchFamily="2" charset="2"/>
-              <a:buChar char="l"/>
-              <a:defRPr sz="2000">
-                <a:solidFill>
-                  <a:schemeClr val="tx1"/>
-                </a:solidFill>
-                <a:latin typeface="Arial" panose="020B0604020202020204" pitchFamily="34" charset="0"/>
-                <a:ea typeface="ＭＳ Ｐゴシック" panose="020B0600070205080204" pitchFamily="34" charset="-128"/>
-              </a:defRPr>
-            </a:lvl7pPr>
-            <a:lvl8pPr marL="3429000" indent="-228600" eaLnBrk="0" fontAlgn="base" hangingPunct="0">
-              <a:spcBef>
-                <a:spcPct val="20000"/>
-              </a:spcBef>
-              <a:spcAft>
-                <a:spcPct val="0"/>
-              </a:spcAft>
-              <a:buClr>
-                <a:schemeClr val="bg2"/>
-              </a:buClr>
-              <a:buSzPct val="40000"/>
-              <a:buFont typeface="Wingdings" pitchFamily="2" charset="2"/>
-              <a:buChar char="l"/>
-              <a:defRPr sz="2000">
-                <a:solidFill>
-                  <a:schemeClr val="tx1"/>
-                </a:solidFill>
-                <a:latin typeface="Arial" panose="020B0604020202020204" pitchFamily="34" charset="0"/>
-                <a:ea typeface="ＭＳ Ｐゴシック" panose="020B0600070205080204" pitchFamily="34" charset="-128"/>
-              </a:defRPr>
-            </a:lvl8pPr>
-            <a:lvl9pPr marL="3886200" indent="-228600" eaLnBrk="0" fontAlgn="base" hangingPunct="0">
-              <a:spcBef>
-                <a:spcPct val="20000"/>
-              </a:spcBef>
-              <a:spcAft>
-                <a:spcPct val="0"/>
-              </a:spcAft>
-              <a:buClr>
-                <a:schemeClr val="bg2"/>
-              </a:buClr>
-              <a:buSzPct val="40000"/>
-              <a:buFont typeface="Wingdings" pitchFamily="2" charset="2"/>
-              <a:buChar char="l"/>
-              <a:defRPr sz="2000">
-                <a:solidFill>
-                  <a:schemeClr val="tx1"/>
-                </a:solidFill>
-                <a:latin typeface="Arial" panose="020B0604020202020204" pitchFamily="34" charset="0"/>
-                <a:ea typeface="ＭＳ Ｐゴシック" panose="020B0600070205080204" pitchFamily="34" charset="-128"/>
-              </a:defRPr>
-            </a:lvl9pPr>
-          </a:lstStyle>
-          <a:p>
-            <a:pPr>
-              <a:spcBef>
-                <a:spcPct val="0"/>
-              </a:spcBef>
-              <a:buClrTx/>
-              <a:buSzTx/>
-              <a:buFontTx/>
-              <a:buNone/>
-            </a:pPr>
-            <a:r>
-              <a:rPr lang="en-US" altLang="en-US" sz="1600"/>
-              <a:t>short</a:t>
-            </a:r>
-          </a:p>
-        </p:txBody>
-      </p:sp>
-      <p:cxnSp>
-        <p:nvCxnSpPr>
-          <p:cNvPr id="27655" name="Curved Connector 9">
-            <a:extLst>
-              <a:ext uri="{FF2B5EF4-FFF2-40B4-BE49-F238E27FC236}">
-                <a16:creationId xmlns:a16="http://schemas.microsoft.com/office/drawing/2014/main" id="{15EF9875-24AD-A345-9342-FE1A63C9489D}"/>
-              </a:ext>
-            </a:extLst>
-          </p:cNvPr>
-          <p:cNvCxnSpPr>
-            <a:cxnSpLocks noChangeShapeType="1"/>
-            <a:stCxn id="27654" idx="0"/>
-          </p:cNvCxnSpPr>
-          <p:nvPr/>
-        </p:nvCxnSpPr>
-        <p:spPr bwMode="auto">
-          <a:xfrm rot="16200000" flipV="1">
-            <a:off x="5472907" y="2866231"/>
-            <a:ext cx="652462" cy="473075"/>
-          </a:xfrm>
-          <a:prstGeom prst="curvedConnector3">
-            <a:avLst>
-              <a:gd name="adj1" fmla="val 50000"/>
-            </a:avLst>
-          </a:prstGeom>
-          <a:noFill/>
-          <a:ln w="15875" algn="ctr">
-            <a:solidFill>
-              <a:srgbClr val="92D050"/>
-            </a:solidFill>
-            <a:round/>
-            <a:headEnd/>
-            <a:tailEnd type="triangle" w="med" len="med"/>
-          </a:ln>
-          <a:extLst>
-            <a:ext uri="{909E8E84-426E-40DD-AFC4-6F175D3DCCD1}">
-              <a14:hiddenFill xmlns:a14="http://schemas.microsoft.com/office/drawing/2010/main">
-                <a:noFill/>
-              </a14:hiddenFill>
-            </a:ext>
-          </a:extLst>
-        </p:spPr>
-      </p:cxnSp>
-      <p:cxnSp>
-        <p:nvCxnSpPr>
-          <p:cNvPr id="27656" name="Curved Connector 11">
-            <a:extLst>
-              <a:ext uri="{FF2B5EF4-FFF2-40B4-BE49-F238E27FC236}">
-                <a16:creationId xmlns:a16="http://schemas.microsoft.com/office/drawing/2014/main" id="{4FA4B7E3-8B0F-C441-9844-3DAB759935F6}"/>
-              </a:ext>
-            </a:extLst>
-          </p:cNvPr>
-          <p:cNvCxnSpPr>
-            <a:cxnSpLocks/>
-            <a:endCxn id="27654" idx="3"/>
-          </p:cNvCxnSpPr>
-          <p:nvPr/>
-        </p:nvCxnSpPr>
-        <p:spPr bwMode="auto">
-          <a:xfrm rot="5400000">
-            <a:off x="6331743" y="3072607"/>
-            <a:ext cx="550863" cy="501650"/>
-          </a:xfrm>
-          <a:prstGeom prst="curvedConnector2">
-            <a:avLst/>
-          </a:prstGeom>
-          <a:noFill/>
-          <a:ln w="9525" algn="ctr">
-            <a:solidFill>
-              <a:srgbClr val="FF0000"/>
-            </a:solidFill>
-            <a:round/>
-            <a:headEnd/>
-            <a:tailEnd type="triangle" w="med" len="med"/>
-          </a:ln>
-          <a:extLst>
-            <a:ext uri="{909E8E84-426E-40DD-AFC4-6F175D3DCCD1}">
-              <a14:hiddenFill xmlns:a14="http://schemas.microsoft.com/office/drawing/2010/main">
-                <a:noFill/>
-              </a14:hiddenFill>
-            </a:ext>
-          </a:extLst>
-        </p:spPr>
-      </p:cxnSp>
-      <p:sp>
-        <p:nvSpPr>
-          <p:cNvPr id="2" name="TextBox 1">
-            <a:extLst>
-              <a:ext uri="{FF2B5EF4-FFF2-40B4-BE49-F238E27FC236}">
-                <a16:creationId xmlns:a16="http://schemas.microsoft.com/office/drawing/2014/main" id="{EB40E5DC-19ED-B348-B1D5-6F815C52DBC4}"/>
-              </a:ext>
-            </a:extLst>
-          </p:cNvPr>
-          <p:cNvSpPr txBox="1"/>
-          <p:nvPr/>
-        </p:nvSpPr>
-        <p:spPr>
-          <a:xfrm>
-            <a:off x="950026" y="6139543"/>
-            <a:ext cx="3068469" cy="400110"/>
-          </a:xfrm>
-          <a:prstGeom prst="rect">
-            <a:avLst/>
-          </a:prstGeom>
-          <a:noFill/>
-        </p:spPr>
-        <p:txBody>
-          <a:bodyPr wrap="none" rtlCol="0">
-            <a:spAutoFit/>
-          </a:bodyPr>
-          <a:lstStyle/>
-          <a:p>
-            <a:r>
-              <a:rPr lang="en-US" dirty="0"/>
-              <a:t>In Rust we have i16 &lt; i32</a:t>
-            </a:r>
-          </a:p>
-        </p:txBody>
-      </p:sp>
     </p:spTree>
   </p:cSld>
   <p:clrMapOvr>

--- a/notes/csc493-ln002.pptx
+++ b/notes/csc493-ln002.pptx
@@ -19570,7 +19570,37 @@
           <a:bodyPr/>
           <a:lstStyle/>
           <a:p>
-            <a:endParaRPr lang="en-US"/>
+            <a:r>
+              <a:rPr lang="en-US" dirty="0"/>
+              <a:t>Section 1 of the paper “Type Systems” by Luca </a:t>
+            </a:r>
+            <a:r>
+              <a:rPr lang="en-US" dirty="0" err="1"/>
+              <a:t>Cardelli</a:t>
+            </a:r>
+            <a:r>
+              <a:rPr lang="en-US" dirty="0"/>
+              <a:t>, </a:t>
+            </a:r>
+            <a:r>
+              <a:rPr lang="en-US"/>
+              <a:t>Microsoft Research</a:t>
+            </a:r>
+            <a:endParaRPr lang="en-US" dirty="0"/>
+          </a:p>
+          <a:p>
+            <a:pPr lvl="1"/>
+            <a:r>
+              <a:rPr lang="en-US" sz="2000" dirty="0">
+                <a:hlinkClick r:id="rId2"/>
+              </a:rPr>
+              <a:t>lutzhamel.github.io/CSC493/docs/typesystems.pdf</a:t>
+            </a:r>
+            <a:endParaRPr lang="en-US" sz="2000" dirty="0"/>
+          </a:p>
+          <a:p>
+            <a:pPr lvl="1"/>
+            <a:endParaRPr lang="en-US" dirty="0"/>
           </a:p>
         </p:txBody>
       </p:sp>

--- a/notes/csc493-ln002.pptx
+++ b/notes/csc493-ln002.pptx
@@ -5,10 +5,10 @@
     <p:sldMasterId id="2147483651" r:id="rId1"/>
   </p:sldMasterIdLst>
   <p:notesMasterIdLst>
-    <p:notesMasterId r:id="rId35"/>
+    <p:notesMasterId r:id="rId36"/>
   </p:notesMasterIdLst>
   <p:handoutMasterIdLst>
-    <p:handoutMasterId r:id="rId36"/>
+    <p:handoutMasterId r:id="rId37"/>
   </p:handoutMasterIdLst>
   <p:sldIdLst>
     <p:sldId id="264" r:id="rId2"/>
@@ -36,14 +36,15 @@
     <p:sldId id="317" r:id="rId24"/>
     <p:sldId id="318" r:id="rId25"/>
     <p:sldId id="319" r:id="rId26"/>
-    <p:sldId id="323" r:id="rId27"/>
-    <p:sldId id="258" r:id="rId28"/>
-    <p:sldId id="259" r:id="rId29"/>
-    <p:sldId id="260" r:id="rId30"/>
-    <p:sldId id="261" r:id="rId31"/>
-    <p:sldId id="262" r:id="rId32"/>
-    <p:sldId id="263" r:id="rId33"/>
-    <p:sldId id="279" r:id="rId34"/>
+    <p:sldId id="326" r:id="rId27"/>
+    <p:sldId id="323" r:id="rId28"/>
+    <p:sldId id="258" r:id="rId29"/>
+    <p:sldId id="259" r:id="rId30"/>
+    <p:sldId id="260" r:id="rId31"/>
+    <p:sldId id="261" r:id="rId32"/>
+    <p:sldId id="262" r:id="rId33"/>
+    <p:sldId id="263" r:id="rId34"/>
+    <p:sldId id="279" r:id="rId35"/>
   </p:sldIdLst>
   <p:sldSz cx="9144000" cy="6858000" type="screen4x3"/>
   <p:notesSz cx="6856413" cy="9083675"/>
@@ -17141,10 +17142,10 @@
       </p:grpSpPr>
       <p:sp>
         <p:nvSpPr>
-          <p:cNvPr id="3" name="Title 2">
+          <p:cNvPr id="2" name="Title 1">
             <a:extLst>
               <a:ext uri="{FF2B5EF4-FFF2-40B4-BE49-F238E27FC236}">
-                <a16:creationId xmlns:a16="http://schemas.microsoft.com/office/drawing/2014/main" id="{88818065-1D2C-F845-95EA-AA81F32070BE}"/>
+                <a16:creationId xmlns:a16="http://schemas.microsoft.com/office/drawing/2014/main" id="{DD5C3FED-AEC1-D142-8668-054237DB95F2}"/>
               </a:ext>
             </a:extLst>
           </p:cNvPr>
@@ -17162,17 +17163,22 @@
           <a:p>
             <a:r>
               <a:rPr lang="en-US" dirty="0"/>
-              <a:t>Imperative Programming – Asteroid </a:t>
-            </a:r>
+              <a:t>Type </a:t>
+            </a:r>
+            <a:r>
+              <a:rPr lang="en-US"/>
+              <a:t>Promotion – Rust </a:t>
+            </a:r>
+            <a:endParaRPr lang="en-US" dirty="0"/>
           </a:p>
         </p:txBody>
       </p:sp>
       <p:sp>
         <p:nvSpPr>
-          <p:cNvPr id="4" name="Content Placeholder 3">
+          <p:cNvPr id="3" name="Content Placeholder 2">
             <a:extLst>
               <a:ext uri="{FF2B5EF4-FFF2-40B4-BE49-F238E27FC236}">
-                <a16:creationId xmlns:a16="http://schemas.microsoft.com/office/drawing/2014/main" id="{E1A4F624-86EC-4D46-932C-AEE083906724}"/>
+                <a16:creationId xmlns:a16="http://schemas.microsoft.com/office/drawing/2014/main" id="{9790A530-92BB-F34F-BF63-8331A2AAF4DB}"/>
               </a:ext>
             </a:extLst>
           </p:cNvPr>
@@ -17183,20 +17189,292 @@
             <p:ph idx="1"/>
           </p:nvPr>
         </p:nvSpPr>
-        <p:spPr/>
+        <p:spPr>
+          <a:xfrm>
+            <a:off x="1524000" y="1905000"/>
+            <a:ext cx="7010400" cy="685800"/>
+          </a:xfrm>
+        </p:spPr>
         <p:txBody>
-          <a:bodyPr/>
+          <a:bodyPr>
+            <a:normAutofit fontScale="77500" lnSpcReduction="20000"/>
+          </a:bodyPr>
           <a:lstStyle/>
           <a:p>
             <a:r>
               <a:rPr lang="en-US" dirty="0"/>
-              <a:t>Let’s take a closer look at the imperative aspects of Asteroid</a:t>
-            </a:r>
-          </a:p>
-          <a:p>
-            <a:r>
-              <a:rPr lang="en-US" dirty="0"/>
-              <a:t>We start with the type system</a:t>
+              <a:t>Rust does not perform any automatic type promotion!</a:t>
+            </a:r>
+          </a:p>
+        </p:txBody>
+      </p:sp>
+      <p:pic>
+        <p:nvPicPr>
+          <p:cNvPr id="4" name="Picture 3">
+            <a:extLst>
+              <a:ext uri="{FF2B5EF4-FFF2-40B4-BE49-F238E27FC236}">
+                <a16:creationId xmlns:a16="http://schemas.microsoft.com/office/drawing/2014/main" id="{056E0E92-3F60-8944-8C7C-907380469E33}"/>
+              </a:ext>
+            </a:extLst>
+          </p:cNvPr>
+          <p:cNvPicPr>
+            <a:picLocks noChangeAspect="1"/>
+          </p:cNvPicPr>
+          <p:nvPr/>
+        </p:nvPicPr>
+        <p:blipFill>
+          <a:blip r:embed="rId2"/>
+          <a:stretch>
+            <a:fillRect/>
+          </a:stretch>
+        </p:blipFill>
+        <p:spPr>
+          <a:xfrm>
+            <a:off x="1143000" y="4648200"/>
+            <a:ext cx="5257800" cy="1864468"/>
+          </a:xfrm>
+          <a:prstGeom prst="rect">
+            <a:avLst/>
+          </a:prstGeom>
+          <a:ln>
+            <a:solidFill>
+              <a:schemeClr val="tx2"/>
+            </a:solidFill>
+          </a:ln>
+        </p:spPr>
+      </p:pic>
+      <p:pic>
+        <p:nvPicPr>
+          <p:cNvPr id="5" name="Picture 4">
+            <a:extLst>
+              <a:ext uri="{FF2B5EF4-FFF2-40B4-BE49-F238E27FC236}">
+                <a16:creationId xmlns:a16="http://schemas.microsoft.com/office/drawing/2014/main" id="{4372CE76-A5AB-494C-A39A-C3BAE089B7B9}"/>
+              </a:ext>
+            </a:extLst>
+          </p:cNvPr>
+          <p:cNvPicPr>
+            <a:picLocks noChangeAspect="1"/>
+          </p:cNvPicPr>
+          <p:nvPr/>
+        </p:nvPicPr>
+        <p:blipFill rotWithShape="1">
+          <a:blip r:embed="rId3"/>
+          <a:srcRect t="7753"/>
+          <a:stretch/>
+        </p:blipFill>
+        <p:spPr>
+          <a:xfrm>
+            <a:off x="685800" y="3200399"/>
+            <a:ext cx="2628900" cy="972375"/>
+          </a:xfrm>
+          <a:prstGeom prst="rect">
+            <a:avLst/>
+          </a:prstGeom>
+          <a:ln>
+            <a:solidFill>
+              <a:schemeClr val="tx2"/>
+            </a:solidFill>
+          </a:ln>
+        </p:spPr>
+      </p:pic>
+      <p:pic>
+        <p:nvPicPr>
+          <p:cNvPr id="6" name="Picture 5">
+            <a:extLst>
+              <a:ext uri="{FF2B5EF4-FFF2-40B4-BE49-F238E27FC236}">
+                <a16:creationId xmlns:a16="http://schemas.microsoft.com/office/drawing/2014/main" id="{0AFC1A47-1698-2244-895F-F9CBCC9D5571}"/>
+              </a:ext>
+            </a:extLst>
+          </p:cNvPr>
+          <p:cNvPicPr>
+            <a:picLocks noChangeAspect="1"/>
+          </p:cNvPicPr>
+          <p:nvPr/>
+        </p:nvPicPr>
+        <p:blipFill rotWithShape="1">
+          <a:blip r:embed="rId4"/>
+          <a:srcRect t="7753"/>
+          <a:stretch/>
+        </p:blipFill>
+        <p:spPr>
+          <a:xfrm>
+            <a:off x="4876800" y="3154094"/>
+            <a:ext cx="3048000" cy="972375"/>
+          </a:xfrm>
+          <a:prstGeom prst="rect">
+            <a:avLst/>
+          </a:prstGeom>
+          <a:ln>
+            <a:solidFill>
+              <a:schemeClr val="tx2"/>
+            </a:solidFill>
+          </a:ln>
+        </p:spPr>
+      </p:pic>
+      <p:sp>
+        <p:nvSpPr>
+          <p:cNvPr id="7" name="Right Arrow 6">
+            <a:extLst>
+              <a:ext uri="{FF2B5EF4-FFF2-40B4-BE49-F238E27FC236}">
+                <a16:creationId xmlns:a16="http://schemas.microsoft.com/office/drawing/2014/main" id="{8AA0685A-586F-CE4E-A3C4-761FB8792077}"/>
+              </a:ext>
+            </a:extLst>
+          </p:cNvPr>
+          <p:cNvSpPr/>
+          <p:nvPr/>
+        </p:nvSpPr>
+        <p:spPr bwMode="auto">
+          <a:xfrm>
+            <a:off x="3886200" y="3505200"/>
+            <a:ext cx="533400" cy="269875"/>
+          </a:xfrm>
+          <a:prstGeom prst="rightArrow">
+            <a:avLst/>
+          </a:prstGeom>
+          <a:solidFill>
+            <a:srgbClr val="FF0000"/>
+          </a:solidFill>
+          <a:ln w="9525" cap="flat" cmpd="sng" algn="ctr">
+            <a:solidFill>
+              <a:schemeClr val="tx1"/>
+            </a:solidFill>
+            <a:prstDash val="solid"/>
+            <a:round/>
+            <a:headEnd type="none" w="med" len="med"/>
+            <a:tailEnd type="none" w="med" len="med"/>
+          </a:ln>
+          <a:effectLst/>
+          <a:extLst>
+            <a:ext uri="{AF507438-7753-43e0-B8FC-AC1667EBCBE1}">
+              <a14:hiddenEffects xmlns:a14="http://schemas.microsoft.com/office/drawing/2010/main" xmlns="">
+                <a:effectLst>
+                  <a:outerShdw blurRad="63500" dist="38099" dir="2700000" algn="ctr" rotWithShape="0">
+                    <a:schemeClr val="bg2">
+                      <a:alpha val="74998"/>
+                    </a:schemeClr>
+                  </a:outerShdw>
+                </a:effectLst>
+              </a14:hiddenEffects>
+            </a:ext>
+          </a:extLst>
+        </p:spPr>
+        <p:txBody>
+          <a:bodyPr vert="horz" wrap="square" lIns="91440" tIns="45720" rIns="91440" bIns="45720" numCol="1" rtlCol="0" anchor="t" anchorCtr="0" compatLnSpc="1">
+            <a:prstTxWarp prst="textNoShape">
+              <a:avLst/>
+            </a:prstTxWarp>
+          </a:bodyPr>
+          <a:lstStyle/>
+          <a:p>
+            <a:pPr marL="0" marR="0" indent="0" algn="l" defTabSz="914400" rtl="0" eaLnBrk="0" fontAlgn="base" latinLnBrk="0" hangingPunct="0">
+              <a:lnSpc>
+                <a:spcPct val="100000"/>
+              </a:lnSpc>
+              <a:spcBef>
+                <a:spcPct val="0"/>
+              </a:spcBef>
+              <a:spcAft>
+                <a:spcPct val="0"/>
+              </a:spcAft>
+              <a:buClrTx/>
+              <a:buSzTx/>
+              <a:buFontTx/>
+              <a:buNone/>
+              <a:tabLst/>
+            </a:pPr>
+            <a:endParaRPr kumimoji="0" lang="en-US" sz="1600" b="0" i="0" u="none" strike="noStrike" cap="none" normalizeH="0" baseline="0">
+              <a:ln>
+                <a:noFill/>
+              </a:ln>
+              <a:solidFill>
+                <a:srgbClr val="000000"/>
+              </a:solidFill>
+              <a:effectLst/>
+              <a:latin typeface="Arial" charset="0"/>
+              <a:ea typeface="ＭＳ Ｐゴシック" charset="0"/>
+            </a:endParaRPr>
+          </a:p>
+        </p:txBody>
+      </p:sp>
+      <p:cxnSp>
+        <p:nvCxnSpPr>
+          <p:cNvPr id="9" name="Straight Arrow Connector 8">
+            <a:extLst>
+              <a:ext uri="{FF2B5EF4-FFF2-40B4-BE49-F238E27FC236}">
+                <a16:creationId xmlns:a16="http://schemas.microsoft.com/office/drawing/2014/main" id="{AEB09054-EAF8-594F-8F18-27CAA9611CE5}"/>
+              </a:ext>
+            </a:extLst>
+          </p:cNvPr>
+          <p:cNvCxnSpPr/>
+          <p:nvPr/>
+        </p:nvCxnSpPr>
+        <p:spPr bwMode="auto">
+          <a:xfrm flipH="1">
+            <a:off x="7162800" y="2743200"/>
+            <a:ext cx="228600" cy="685800"/>
+          </a:xfrm>
+          <a:prstGeom prst="straightConnector1">
+            <a:avLst/>
+          </a:prstGeom>
+          <a:solidFill>
+            <a:schemeClr val="accent1"/>
+          </a:solidFill>
+          <a:ln w="9525" cap="flat" cmpd="sng" algn="ctr">
+            <a:solidFill>
+              <a:schemeClr val="tx1"/>
+            </a:solidFill>
+            <a:prstDash val="solid"/>
+            <a:round/>
+            <a:headEnd type="none" w="med" len="med"/>
+            <a:tailEnd type="triangle"/>
+          </a:ln>
+          <a:effectLst/>
+          <a:extLst>
+            <a:ext uri="{AF507438-7753-43e0-B8FC-AC1667EBCBE1}">
+              <a14:hiddenEffects xmlns:a14="http://schemas.microsoft.com/office/drawing/2010/main" xmlns="">
+                <a:effectLst>
+                  <a:outerShdw blurRad="63500" dist="38099" dir="2700000" algn="ctr" rotWithShape="0">
+                    <a:schemeClr val="bg2">
+                      <a:alpha val="74998"/>
+                    </a:schemeClr>
+                  </a:outerShdw>
+                </a:effectLst>
+              </a14:hiddenEffects>
+            </a:ext>
+          </a:extLst>
+        </p:spPr>
+      </p:cxnSp>
+      <p:sp>
+        <p:nvSpPr>
+          <p:cNvPr id="10" name="TextBox 9">
+            <a:extLst>
+              <a:ext uri="{FF2B5EF4-FFF2-40B4-BE49-F238E27FC236}">
+                <a16:creationId xmlns:a16="http://schemas.microsoft.com/office/drawing/2014/main" id="{E79E88B8-46B9-2045-97F5-70DB100EBF10}"/>
+              </a:ext>
+            </a:extLst>
+          </p:cNvPr>
+          <p:cNvSpPr txBox="1"/>
+          <p:nvPr/>
+        </p:nvSpPr>
+        <p:spPr>
+          <a:xfrm>
+            <a:off x="6712953" y="2438400"/>
+            <a:ext cx="1669047" cy="307777"/>
+          </a:xfrm>
+          <a:prstGeom prst="rect">
+            <a:avLst/>
+          </a:prstGeom>
+          <a:noFill/>
+        </p:spPr>
+        <p:txBody>
+          <a:bodyPr wrap="none" rtlCol="0">
+            <a:spAutoFit/>
+          </a:bodyPr>
+          <a:lstStyle/>
+          <a:p>
+            <a:r>
+              <a:rPr lang="en-US" sz="1400" dirty="0"/>
+              <a:t>Explicit conversion</a:t>
             </a:r>
           </a:p>
         </p:txBody>
@@ -17204,7 +17482,7 @@
     </p:spTree>
     <p:extLst>
       <p:ext uri="{BB962C8B-B14F-4D97-AF65-F5344CB8AC3E}">
-        <p14:creationId xmlns:p14="http://schemas.microsoft.com/office/powerpoint/2010/main" val="3465625236"/>
+        <p14:creationId xmlns:p14="http://schemas.microsoft.com/office/powerpoint/2010/main" val="490582184"/>
       </p:ext>
     </p:extLst>
   </p:cSld>
@@ -17233,6 +17511,98 @@
       </p:grpSpPr>
       <p:sp>
         <p:nvSpPr>
+          <p:cNvPr id="3" name="Title 2">
+            <a:extLst>
+              <a:ext uri="{FF2B5EF4-FFF2-40B4-BE49-F238E27FC236}">
+                <a16:creationId xmlns:a16="http://schemas.microsoft.com/office/drawing/2014/main" id="{88818065-1D2C-F845-95EA-AA81F32070BE}"/>
+              </a:ext>
+            </a:extLst>
+          </p:cNvPr>
+          <p:cNvSpPr>
+            <a:spLocks noGrp="1"/>
+          </p:cNvSpPr>
+          <p:nvPr>
+            <p:ph type="title"/>
+          </p:nvPr>
+        </p:nvSpPr>
+        <p:spPr/>
+        <p:txBody>
+          <a:bodyPr/>
+          <a:lstStyle/>
+          <a:p>
+            <a:r>
+              <a:rPr lang="en-US" dirty="0"/>
+              <a:t>Imperative Programming – Asteroid </a:t>
+            </a:r>
+          </a:p>
+        </p:txBody>
+      </p:sp>
+      <p:sp>
+        <p:nvSpPr>
+          <p:cNvPr id="4" name="Content Placeholder 3">
+            <a:extLst>
+              <a:ext uri="{FF2B5EF4-FFF2-40B4-BE49-F238E27FC236}">
+                <a16:creationId xmlns:a16="http://schemas.microsoft.com/office/drawing/2014/main" id="{E1A4F624-86EC-4D46-932C-AEE083906724}"/>
+              </a:ext>
+            </a:extLst>
+          </p:cNvPr>
+          <p:cNvSpPr>
+            <a:spLocks noGrp="1"/>
+          </p:cNvSpPr>
+          <p:nvPr>
+            <p:ph idx="1"/>
+          </p:nvPr>
+        </p:nvSpPr>
+        <p:spPr/>
+        <p:txBody>
+          <a:bodyPr/>
+          <a:lstStyle/>
+          <a:p>
+            <a:r>
+              <a:rPr lang="en-US" dirty="0"/>
+              <a:t>Let’s take a closer look at the imperative aspects of Asteroid</a:t>
+            </a:r>
+          </a:p>
+          <a:p>
+            <a:r>
+              <a:rPr lang="en-US" dirty="0"/>
+              <a:t>We start with the type system</a:t>
+            </a:r>
+          </a:p>
+        </p:txBody>
+      </p:sp>
+    </p:spTree>
+    <p:extLst>
+      <p:ext uri="{BB962C8B-B14F-4D97-AF65-F5344CB8AC3E}">
+        <p14:creationId xmlns:p14="http://schemas.microsoft.com/office/powerpoint/2010/main" val="3465625236"/>
+      </p:ext>
+    </p:extLst>
+  </p:cSld>
+  <p:clrMapOvr>
+    <a:masterClrMapping/>
+  </p:clrMapOvr>
+</p:sld>
+</file>
+
+<file path=ppt/slides/slide28.xml><?xml version="1.0" encoding="utf-8"?>
+<p:sld xmlns:a="http://schemas.openxmlformats.org/drawingml/2006/main" xmlns:r="http://schemas.openxmlformats.org/officeDocument/2006/relationships" xmlns:p="http://schemas.openxmlformats.org/presentationml/2006/main">
+  <p:cSld>
+    <p:spTree>
+      <p:nvGrpSpPr>
+        <p:cNvPr id="1" name=""/>
+        <p:cNvGrpSpPr/>
+        <p:nvPr/>
+      </p:nvGrpSpPr>
+      <p:grpSpPr>
+        <a:xfrm>
+          <a:off x="0" y="0"/>
+          <a:ext cx="0" cy="0"/>
+          <a:chOff x="0" y="0"/>
+          <a:chExt cx="0" cy="0"/>
+        </a:xfrm>
+      </p:grpSpPr>
+      <p:sp>
+        <p:nvSpPr>
           <p:cNvPr id="2" name="Title 1">
             <a:extLst>
               <a:ext uri="{FF2B5EF4-FFF2-40B4-BE49-F238E27FC236}">
@@ -17384,7 +17754,7 @@
 </p:sld>
 </file>
 
-<file path=ppt/slides/slide28.xml><?xml version="1.0" encoding="utf-8"?>
+<file path=ppt/slides/slide29.xml><?xml version="1.0" encoding="utf-8"?>
 <p:sld xmlns:a="http://schemas.openxmlformats.org/drawingml/2006/main" xmlns:r="http://schemas.openxmlformats.org/officeDocument/2006/relationships" xmlns:p="http://schemas.openxmlformats.org/presentationml/2006/main">
   <p:cSld>
     <p:spTree>
@@ -17664,294 +18034,6 @@
     <p:extLst>
       <p:ext uri="{BB962C8B-B14F-4D97-AF65-F5344CB8AC3E}">
         <p14:creationId xmlns:p14="http://schemas.microsoft.com/office/powerpoint/2010/main" val="3926209266"/>
-      </p:ext>
-    </p:extLst>
-  </p:cSld>
-  <p:clrMapOvr>
-    <a:masterClrMapping/>
-  </p:clrMapOvr>
-</p:sld>
-</file>
-
-<file path=ppt/slides/slide29.xml><?xml version="1.0" encoding="utf-8"?>
-<p:sld xmlns:a="http://schemas.openxmlformats.org/drawingml/2006/main" xmlns:r="http://schemas.openxmlformats.org/officeDocument/2006/relationships" xmlns:p="http://schemas.openxmlformats.org/presentationml/2006/main">
-  <p:cSld>
-    <p:spTree>
-      <p:nvGrpSpPr>
-        <p:cNvPr id="1" name=""/>
-        <p:cNvGrpSpPr/>
-        <p:nvPr/>
-      </p:nvGrpSpPr>
-      <p:grpSpPr>
-        <a:xfrm>
-          <a:off x="0" y="0"/>
-          <a:ext cx="0" cy="0"/>
-          <a:chOff x="0" y="0"/>
-          <a:chExt cx="0" cy="0"/>
-        </a:xfrm>
-      </p:grpSpPr>
-      <p:sp>
-        <p:nvSpPr>
-          <p:cNvPr id="2" name="Title 1">
-            <a:extLst>
-              <a:ext uri="{FF2B5EF4-FFF2-40B4-BE49-F238E27FC236}">
-                <a16:creationId xmlns:a16="http://schemas.microsoft.com/office/drawing/2014/main" id="{D9040FE4-EAC0-4C44-998C-2594D0CA0BBF}"/>
-              </a:ext>
-            </a:extLst>
-          </p:cNvPr>
-          <p:cNvSpPr>
-            <a:spLocks noGrp="1"/>
-          </p:cNvSpPr>
-          <p:nvPr>
-            <p:ph type="title"/>
-          </p:nvPr>
-        </p:nvSpPr>
-        <p:spPr/>
-        <p:txBody>
-          <a:bodyPr/>
-          <a:lstStyle/>
-          <a:p>
-            <a:r>
-              <a:rPr lang="en-US" dirty="0"/>
-              <a:t>Structured Data Types</a:t>
-            </a:r>
-          </a:p>
-        </p:txBody>
-      </p:sp>
-      <p:sp>
-        <p:nvSpPr>
-          <p:cNvPr id="3" name="Content Placeholder 2">
-            <a:extLst>
-              <a:ext uri="{FF2B5EF4-FFF2-40B4-BE49-F238E27FC236}">
-                <a16:creationId xmlns:a16="http://schemas.microsoft.com/office/drawing/2014/main" id="{53A83787-8CBB-0F47-ACAC-B71FEB7F0309}"/>
-              </a:ext>
-            </a:extLst>
-          </p:cNvPr>
-          <p:cNvSpPr>
-            <a:spLocks noGrp="1"/>
-          </p:cNvSpPr>
-          <p:nvPr>
-            <p:ph idx="1"/>
-          </p:nvPr>
-        </p:nvSpPr>
-        <p:spPr>
-          <a:xfrm>
-            <a:off x="1524000" y="1904999"/>
-            <a:ext cx="7010400" cy="3913189"/>
-          </a:xfrm>
-        </p:spPr>
-        <p:txBody>
-          <a:bodyPr>
-            <a:normAutofit fontScale="85000" lnSpcReduction="20000"/>
-          </a:bodyPr>
-          <a:lstStyle/>
-          <a:p>
-            <a:pPr algn="l"/>
-            <a:r>
-              <a:rPr lang="en-US" b="0" i="0" dirty="0">
-                <a:solidFill>
-                  <a:srgbClr val="404040"/>
-                </a:solidFill>
-                <a:effectLst/>
-                <a:latin typeface="Lato" panose="020F0502020204030203" pitchFamily="34" charset="0"/>
-              </a:rPr>
-              <a:t>Asteroid also supports the built-in data types:</a:t>
-            </a:r>
-          </a:p>
-          <a:p>
-            <a:pPr lvl="1">
-              <a:buFont typeface="Arial" panose="020B0604020202020204" pitchFamily="34" charset="0"/>
-              <a:buChar char="•"/>
-            </a:pPr>
-            <a:r>
-              <a:rPr lang="en-US" b="0" i="0" dirty="0">
-                <a:solidFill>
-                  <a:srgbClr val="404040"/>
-                </a:solidFill>
-                <a:effectLst/>
-                <a:latin typeface="Lato" panose="020F0502020204030203" pitchFamily="34" charset="0"/>
-              </a:rPr>
-              <a:t>list</a:t>
-            </a:r>
-          </a:p>
-          <a:p>
-            <a:pPr lvl="1">
-              <a:buFont typeface="Arial" panose="020B0604020202020204" pitchFamily="34" charset="0"/>
-              <a:buChar char="•"/>
-            </a:pPr>
-            <a:r>
-              <a:rPr lang="en-US" b="0" i="0" dirty="0">
-                <a:solidFill>
-                  <a:srgbClr val="404040"/>
-                </a:solidFill>
-                <a:effectLst/>
-                <a:latin typeface="Lato" panose="020F0502020204030203" pitchFamily="34" charset="0"/>
-              </a:rPr>
-              <a:t>tuple</a:t>
-            </a:r>
-          </a:p>
-          <a:p>
-            <a:pPr algn="l"/>
-            <a:r>
-              <a:rPr lang="en-US" b="0" i="0" dirty="0">
-                <a:solidFill>
-                  <a:srgbClr val="404040"/>
-                </a:solidFill>
-                <a:effectLst/>
-                <a:latin typeface="Lato" panose="020F0502020204030203" pitchFamily="34" charset="0"/>
-              </a:rPr>
-              <a:t>These are structured data types in that they can contain entities that belong to other data types.</a:t>
-            </a:r>
-          </a:p>
-          <a:p>
-            <a:pPr algn="l"/>
-            <a:r>
-              <a:rPr lang="en-US" b="0" i="0" dirty="0">
-                <a:solidFill>
-                  <a:srgbClr val="404040"/>
-                </a:solidFill>
-                <a:effectLst/>
-                <a:latin typeface="Lato" panose="020F0502020204030203" pitchFamily="34" charset="0"/>
-              </a:rPr>
-              <a:t>Lists are mutable objects whereas tuples are immutable. </a:t>
-            </a:r>
-          </a:p>
-          <a:p>
-            <a:pPr algn="l"/>
-            <a:r>
-              <a:rPr lang="en-US" dirty="0">
-                <a:solidFill>
-                  <a:srgbClr val="404040"/>
-                </a:solidFill>
-                <a:latin typeface="Lato" panose="020F0502020204030203" pitchFamily="34" charset="0"/>
-              </a:rPr>
-              <a:t>Some examples,</a:t>
-            </a:r>
-            <a:endParaRPr lang="en-US" b="0" i="0" dirty="0">
-              <a:solidFill>
-                <a:srgbClr val="404040"/>
-              </a:solidFill>
-              <a:effectLst/>
-              <a:latin typeface="Lato" panose="020F0502020204030203" pitchFamily="34" charset="0"/>
-            </a:endParaRPr>
-          </a:p>
-          <a:p>
-            <a:pPr marL="0" indent="0">
-              <a:buNone/>
-            </a:pPr>
-            <a:endParaRPr lang="en-US" dirty="0"/>
-          </a:p>
-        </p:txBody>
-      </p:sp>
-      <p:sp>
-        <p:nvSpPr>
-          <p:cNvPr id="6" name="TextBox 5">
-            <a:extLst>
-              <a:ext uri="{FF2B5EF4-FFF2-40B4-BE49-F238E27FC236}">
-                <a16:creationId xmlns:a16="http://schemas.microsoft.com/office/drawing/2014/main" id="{823B62C2-612B-5E42-8668-E7EB3A8D4A11}"/>
-              </a:ext>
-            </a:extLst>
-          </p:cNvPr>
-          <p:cNvSpPr txBox="1"/>
-          <p:nvPr/>
-        </p:nvSpPr>
-        <p:spPr>
-          <a:xfrm>
-            <a:off x="6781800" y="5181600"/>
-            <a:ext cx="1521570" cy="338554"/>
-          </a:xfrm>
-          <a:prstGeom prst="rect">
-            <a:avLst/>
-          </a:prstGeom>
-          <a:noFill/>
-        </p:spPr>
-        <p:txBody>
-          <a:bodyPr wrap="none" rtlCol="0">
-            <a:spAutoFit/>
-          </a:bodyPr>
-          <a:lstStyle/>
-          <a:p>
-            <a:r>
-              <a:rPr lang="en-US" sz="1600" dirty="0"/>
-              <a:t>Note: (1,) ≠ (1)</a:t>
-            </a:r>
-          </a:p>
-        </p:txBody>
-      </p:sp>
-      <p:pic>
-        <p:nvPicPr>
-          <p:cNvPr id="7" name="Picture 6">
-            <a:extLst>
-              <a:ext uri="{FF2B5EF4-FFF2-40B4-BE49-F238E27FC236}">
-                <a16:creationId xmlns:a16="http://schemas.microsoft.com/office/drawing/2014/main" id="{41569257-2A10-E44C-A4F8-7EC5D713E43F}"/>
-              </a:ext>
-            </a:extLst>
-          </p:cNvPr>
-          <p:cNvPicPr>
-            <a:picLocks noChangeAspect="1"/>
-          </p:cNvPicPr>
-          <p:nvPr/>
-        </p:nvPicPr>
-        <p:blipFill>
-          <a:blip r:embed="rId2"/>
-          <a:stretch>
-            <a:fillRect/>
-          </a:stretch>
-        </p:blipFill>
-        <p:spPr>
-          <a:xfrm>
-            <a:off x="2209800" y="5708983"/>
-            <a:ext cx="4191000" cy="762000"/>
-          </a:xfrm>
-          <a:prstGeom prst="rect">
-            <a:avLst/>
-          </a:prstGeom>
-          <a:ln>
-            <a:solidFill>
-              <a:schemeClr val="tx1"/>
-            </a:solidFill>
-          </a:ln>
-        </p:spPr>
-      </p:pic>
-      <p:sp>
-        <p:nvSpPr>
-          <p:cNvPr id="8" name="TextBox 7">
-            <a:extLst>
-              <a:ext uri="{FF2B5EF4-FFF2-40B4-BE49-F238E27FC236}">
-                <a16:creationId xmlns:a16="http://schemas.microsoft.com/office/drawing/2014/main" id="{F07E46FE-32B2-4741-945A-EEAD3FB075E2}"/>
-              </a:ext>
-            </a:extLst>
-          </p:cNvPr>
-          <p:cNvSpPr txBox="1"/>
-          <p:nvPr/>
-        </p:nvSpPr>
-        <p:spPr>
-          <a:xfrm>
-            <a:off x="6745184" y="5940623"/>
-            <a:ext cx="1249060" cy="307777"/>
-          </a:xfrm>
-          <a:prstGeom prst="rect">
-            <a:avLst/>
-          </a:prstGeom>
-          <a:noFill/>
-        </p:spPr>
-        <p:txBody>
-          <a:bodyPr wrap="none" rtlCol="0">
-            <a:spAutoFit/>
-          </a:bodyPr>
-          <a:lstStyle/>
-          <a:p>
-            <a:r>
-              <a:rPr lang="en-US" sz="1400" dirty="0"/>
-              <a:t>ln002/let1.ast</a:t>
-            </a:r>
-          </a:p>
-        </p:txBody>
-      </p:sp>
-    </p:spTree>
-    <p:extLst>
-      <p:ext uri="{BB962C8B-B14F-4D97-AF65-F5344CB8AC3E}">
-        <p14:creationId xmlns:p14="http://schemas.microsoft.com/office/powerpoint/2010/main" val="1498690590"/>
       </p:ext>
     </p:extLst>
   </p:cSld>
@@ -18135,6 +18217,294 @@
           <p:cNvPr id="2" name="Title 1">
             <a:extLst>
               <a:ext uri="{FF2B5EF4-FFF2-40B4-BE49-F238E27FC236}">
+                <a16:creationId xmlns:a16="http://schemas.microsoft.com/office/drawing/2014/main" id="{D9040FE4-EAC0-4C44-998C-2594D0CA0BBF}"/>
+              </a:ext>
+            </a:extLst>
+          </p:cNvPr>
+          <p:cNvSpPr>
+            <a:spLocks noGrp="1"/>
+          </p:cNvSpPr>
+          <p:nvPr>
+            <p:ph type="title"/>
+          </p:nvPr>
+        </p:nvSpPr>
+        <p:spPr/>
+        <p:txBody>
+          <a:bodyPr/>
+          <a:lstStyle/>
+          <a:p>
+            <a:r>
+              <a:rPr lang="en-US" dirty="0"/>
+              <a:t>Structured Data Types</a:t>
+            </a:r>
+          </a:p>
+        </p:txBody>
+      </p:sp>
+      <p:sp>
+        <p:nvSpPr>
+          <p:cNvPr id="3" name="Content Placeholder 2">
+            <a:extLst>
+              <a:ext uri="{FF2B5EF4-FFF2-40B4-BE49-F238E27FC236}">
+                <a16:creationId xmlns:a16="http://schemas.microsoft.com/office/drawing/2014/main" id="{53A83787-8CBB-0F47-ACAC-B71FEB7F0309}"/>
+              </a:ext>
+            </a:extLst>
+          </p:cNvPr>
+          <p:cNvSpPr>
+            <a:spLocks noGrp="1"/>
+          </p:cNvSpPr>
+          <p:nvPr>
+            <p:ph idx="1"/>
+          </p:nvPr>
+        </p:nvSpPr>
+        <p:spPr>
+          <a:xfrm>
+            <a:off x="1524000" y="1904999"/>
+            <a:ext cx="7010400" cy="3913189"/>
+          </a:xfrm>
+        </p:spPr>
+        <p:txBody>
+          <a:bodyPr>
+            <a:normAutofit fontScale="85000" lnSpcReduction="20000"/>
+          </a:bodyPr>
+          <a:lstStyle/>
+          <a:p>
+            <a:pPr algn="l"/>
+            <a:r>
+              <a:rPr lang="en-US" b="0" i="0" dirty="0">
+                <a:solidFill>
+                  <a:srgbClr val="404040"/>
+                </a:solidFill>
+                <a:effectLst/>
+                <a:latin typeface="Lato" panose="020F0502020204030203" pitchFamily="34" charset="0"/>
+              </a:rPr>
+              <a:t>Asteroid also supports the built-in data types:</a:t>
+            </a:r>
+          </a:p>
+          <a:p>
+            <a:pPr lvl="1">
+              <a:buFont typeface="Arial" panose="020B0604020202020204" pitchFamily="34" charset="0"/>
+              <a:buChar char="•"/>
+            </a:pPr>
+            <a:r>
+              <a:rPr lang="en-US" b="0" i="0" dirty="0">
+                <a:solidFill>
+                  <a:srgbClr val="404040"/>
+                </a:solidFill>
+                <a:effectLst/>
+                <a:latin typeface="Lato" panose="020F0502020204030203" pitchFamily="34" charset="0"/>
+              </a:rPr>
+              <a:t>list</a:t>
+            </a:r>
+          </a:p>
+          <a:p>
+            <a:pPr lvl="1">
+              <a:buFont typeface="Arial" panose="020B0604020202020204" pitchFamily="34" charset="0"/>
+              <a:buChar char="•"/>
+            </a:pPr>
+            <a:r>
+              <a:rPr lang="en-US" b="0" i="0" dirty="0">
+                <a:solidFill>
+                  <a:srgbClr val="404040"/>
+                </a:solidFill>
+                <a:effectLst/>
+                <a:latin typeface="Lato" panose="020F0502020204030203" pitchFamily="34" charset="0"/>
+              </a:rPr>
+              <a:t>tuple</a:t>
+            </a:r>
+          </a:p>
+          <a:p>
+            <a:pPr algn="l"/>
+            <a:r>
+              <a:rPr lang="en-US" b="0" i="0" dirty="0">
+                <a:solidFill>
+                  <a:srgbClr val="404040"/>
+                </a:solidFill>
+                <a:effectLst/>
+                <a:latin typeface="Lato" panose="020F0502020204030203" pitchFamily="34" charset="0"/>
+              </a:rPr>
+              <a:t>These are structured data types in that they can contain entities that belong to other data types.</a:t>
+            </a:r>
+          </a:p>
+          <a:p>
+            <a:pPr algn="l"/>
+            <a:r>
+              <a:rPr lang="en-US" b="0" i="0" dirty="0">
+                <a:solidFill>
+                  <a:srgbClr val="404040"/>
+                </a:solidFill>
+                <a:effectLst/>
+                <a:latin typeface="Lato" panose="020F0502020204030203" pitchFamily="34" charset="0"/>
+              </a:rPr>
+              <a:t>Lists are mutable objects whereas tuples are immutable. </a:t>
+            </a:r>
+          </a:p>
+          <a:p>
+            <a:pPr algn="l"/>
+            <a:r>
+              <a:rPr lang="en-US" dirty="0">
+                <a:solidFill>
+                  <a:srgbClr val="404040"/>
+                </a:solidFill>
+                <a:latin typeface="Lato" panose="020F0502020204030203" pitchFamily="34" charset="0"/>
+              </a:rPr>
+              <a:t>Some examples,</a:t>
+            </a:r>
+            <a:endParaRPr lang="en-US" b="0" i="0" dirty="0">
+              <a:solidFill>
+                <a:srgbClr val="404040"/>
+              </a:solidFill>
+              <a:effectLst/>
+              <a:latin typeface="Lato" panose="020F0502020204030203" pitchFamily="34" charset="0"/>
+            </a:endParaRPr>
+          </a:p>
+          <a:p>
+            <a:pPr marL="0" indent="0">
+              <a:buNone/>
+            </a:pPr>
+            <a:endParaRPr lang="en-US" dirty="0"/>
+          </a:p>
+        </p:txBody>
+      </p:sp>
+      <p:sp>
+        <p:nvSpPr>
+          <p:cNvPr id="6" name="TextBox 5">
+            <a:extLst>
+              <a:ext uri="{FF2B5EF4-FFF2-40B4-BE49-F238E27FC236}">
+                <a16:creationId xmlns:a16="http://schemas.microsoft.com/office/drawing/2014/main" id="{823B62C2-612B-5E42-8668-E7EB3A8D4A11}"/>
+              </a:ext>
+            </a:extLst>
+          </p:cNvPr>
+          <p:cNvSpPr txBox="1"/>
+          <p:nvPr/>
+        </p:nvSpPr>
+        <p:spPr>
+          <a:xfrm>
+            <a:off x="6781800" y="5181600"/>
+            <a:ext cx="1521570" cy="338554"/>
+          </a:xfrm>
+          <a:prstGeom prst="rect">
+            <a:avLst/>
+          </a:prstGeom>
+          <a:noFill/>
+        </p:spPr>
+        <p:txBody>
+          <a:bodyPr wrap="none" rtlCol="0">
+            <a:spAutoFit/>
+          </a:bodyPr>
+          <a:lstStyle/>
+          <a:p>
+            <a:r>
+              <a:rPr lang="en-US" sz="1600" dirty="0"/>
+              <a:t>Note: (1,) ≠ (1)</a:t>
+            </a:r>
+          </a:p>
+        </p:txBody>
+      </p:sp>
+      <p:pic>
+        <p:nvPicPr>
+          <p:cNvPr id="7" name="Picture 6">
+            <a:extLst>
+              <a:ext uri="{FF2B5EF4-FFF2-40B4-BE49-F238E27FC236}">
+                <a16:creationId xmlns:a16="http://schemas.microsoft.com/office/drawing/2014/main" id="{41569257-2A10-E44C-A4F8-7EC5D713E43F}"/>
+              </a:ext>
+            </a:extLst>
+          </p:cNvPr>
+          <p:cNvPicPr>
+            <a:picLocks noChangeAspect="1"/>
+          </p:cNvPicPr>
+          <p:nvPr/>
+        </p:nvPicPr>
+        <p:blipFill>
+          <a:blip r:embed="rId2"/>
+          <a:stretch>
+            <a:fillRect/>
+          </a:stretch>
+        </p:blipFill>
+        <p:spPr>
+          <a:xfrm>
+            <a:off x="2209800" y="5708983"/>
+            <a:ext cx="4191000" cy="762000"/>
+          </a:xfrm>
+          <a:prstGeom prst="rect">
+            <a:avLst/>
+          </a:prstGeom>
+          <a:ln>
+            <a:solidFill>
+              <a:schemeClr val="tx1"/>
+            </a:solidFill>
+          </a:ln>
+        </p:spPr>
+      </p:pic>
+      <p:sp>
+        <p:nvSpPr>
+          <p:cNvPr id="8" name="TextBox 7">
+            <a:extLst>
+              <a:ext uri="{FF2B5EF4-FFF2-40B4-BE49-F238E27FC236}">
+                <a16:creationId xmlns:a16="http://schemas.microsoft.com/office/drawing/2014/main" id="{F07E46FE-32B2-4741-945A-EEAD3FB075E2}"/>
+              </a:ext>
+            </a:extLst>
+          </p:cNvPr>
+          <p:cNvSpPr txBox="1"/>
+          <p:nvPr/>
+        </p:nvSpPr>
+        <p:spPr>
+          <a:xfrm>
+            <a:off x="6745184" y="5940623"/>
+            <a:ext cx="1249060" cy="307777"/>
+          </a:xfrm>
+          <a:prstGeom prst="rect">
+            <a:avLst/>
+          </a:prstGeom>
+          <a:noFill/>
+        </p:spPr>
+        <p:txBody>
+          <a:bodyPr wrap="none" rtlCol="0">
+            <a:spAutoFit/>
+          </a:bodyPr>
+          <a:lstStyle/>
+          <a:p>
+            <a:r>
+              <a:rPr lang="en-US" sz="1400" dirty="0"/>
+              <a:t>ln002/let1.ast</a:t>
+            </a:r>
+          </a:p>
+        </p:txBody>
+      </p:sp>
+    </p:spTree>
+    <p:extLst>
+      <p:ext uri="{BB962C8B-B14F-4D97-AF65-F5344CB8AC3E}">
+        <p14:creationId xmlns:p14="http://schemas.microsoft.com/office/powerpoint/2010/main" val="1498690590"/>
+      </p:ext>
+    </p:extLst>
+  </p:cSld>
+  <p:clrMapOvr>
+    <a:masterClrMapping/>
+  </p:clrMapOvr>
+</p:sld>
+</file>
+
+<file path=ppt/slides/slide31.xml><?xml version="1.0" encoding="utf-8"?>
+<p:sld xmlns:a="http://schemas.openxmlformats.org/drawingml/2006/main" xmlns:r="http://schemas.openxmlformats.org/officeDocument/2006/relationships" xmlns:p="http://schemas.openxmlformats.org/presentationml/2006/main">
+  <p:cSld>
+    <p:spTree>
+      <p:nvGrpSpPr>
+        <p:cNvPr id="1" name=""/>
+        <p:cNvGrpSpPr/>
+        <p:nvPr/>
+      </p:nvGrpSpPr>
+      <p:grpSpPr>
+        <a:xfrm>
+          <a:off x="0" y="0"/>
+          <a:ext cx="0" cy="0"/>
+          <a:chOff x="0" y="0"/>
+          <a:chExt cx="0" cy="0"/>
+        </a:xfrm>
+      </p:grpSpPr>
+      <p:sp>
+        <p:nvSpPr>
+          <p:cNvPr id="2" name="Title 1">
+            <a:extLst>
+              <a:ext uri="{FF2B5EF4-FFF2-40B4-BE49-F238E27FC236}">
                 <a16:creationId xmlns:a16="http://schemas.microsoft.com/office/drawing/2014/main" id="{142E532A-CA9E-8941-9475-B0F6C36F2D75}"/>
               </a:ext>
             </a:extLst>
@@ -18311,7 +18681,7 @@
 </p:sld>
 </file>
 
-<file path=ppt/slides/slide31.xml><?xml version="1.0" encoding="utf-8"?>
+<file path=ppt/slides/slide32.xml><?xml version="1.0" encoding="utf-8"?>
 <p:sld xmlns:a="http://schemas.openxmlformats.org/drawingml/2006/main" xmlns:r="http://schemas.openxmlformats.org/officeDocument/2006/relationships" xmlns:p="http://schemas.openxmlformats.org/presentationml/2006/main">
   <p:cSld>
     <p:spTree>
@@ -18501,7 +18871,7 @@
 </p:sld>
 </file>
 
-<file path=ppt/slides/slide32.xml><?xml version="1.0" encoding="utf-8"?>
+<file path=ppt/slides/slide33.xml><?xml version="1.0" encoding="utf-8"?>
 <p:sld xmlns:a="http://schemas.openxmlformats.org/drawingml/2006/main" xmlns:r="http://schemas.openxmlformats.org/officeDocument/2006/relationships" xmlns:p="http://schemas.openxmlformats.org/presentationml/2006/main">
   <p:cSld>
     <p:spTree>
@@ -18721,7 +19091,7 @@
 </p:sld>
 </file>
 
-<file path=ppt/slides/slide33.xml><?xml version="1.0" encoding="utf-8"?>
+<file path=ppt/slides/slide34.xml><?xml version="1.0" encoding="utf-8"?>
 <p:sld xmlns:a="http://schemas.openxmlformats.org/drawingml/2006/main" xmlns:r="http://schemas.openxmlformats.org/officeDocument/2006/relationships" xmlns:p="http://schemas.openxmlformats.org/presentationml/2006/main">
   <p:cSld>
     <p:spTree>
@@ -19580,13 +19950,8 @@
             </a:r>
             <a:r>
               <a:rPr lang="en-US" dirty="0"/>
-              <a:t>, </a:t>
-            </a:r>
-            <a:r>
-              <a:rPr lang="en-US"/>
-              <a:t>Microsoft Research</a:t>
-            </a:r>
-            <a:endParaRPr lang="en-US" dirty="0"/>
+              <a:t>, Microsoft Research</a:t>
+            </a:r>
           </a:p>
           <a:p>
             <a:pPr lvl="1"/>

--- a/notes/csc493-ln002.pptx
+++ b/notes/csc493-ln002.pptx
@@ -17163,13 +17163,8 @@
           <a:p>
             <a:r>
               <a:rPr lang="en-US" dirty="0"/>
-              <a:t>Type </a:t>
-            </a:r>
-            <a:r>
-              <a:rPr lang="en-US"/>
-              <a:t>Promotion – Rust </a:t>
-            </a:r>
-            <a:endParaRPr lang="en-US" dirty="0"/>
+              <a:t>Type Promotion – Rust </a:t>
+            </a:r>
           </a:p>
         </p:txBody>
       </p:sp>
@@ -18742,9 +18737,16 @@
             <p:ph idx="1"/>
           </p:nvPr>
         </p:nvSpPr>
-        <p:spPr/>
+        <p:spPr>
+          <a:xfrm>
+            <a:off x="1524000" y="1905000"/>
+            <a:ext cx="7010400" cy="4267200"/>
+          </a:xfrm>
+        </p:spPr>
         <p:txBody>
-          <a:bodyPr/>
+          <a:bodyPr>
+            <a:normAutofit fontScale="92500" lnSpcReduction="10000"/>
+          </a:bodyPr>
           <a:lstStyle/>
           <a:p>
             <a:r>
@@ -18854,7 +18856,55 @@
               </a:rPr>
               <a:t>That is: none = ()</a:t>
             </a:r>
-            <a:endParaRPr lang="en-US" dirty="0"/>
+          </a:p>
+          <a:p>
+            <a:r>
+              <a:rPr lang="en-US" dirty="0">
+                <a:solidFill>
+                  <a:srgbClr val="404040"/>
+                </a:solidFill>
+                <a:latin typeface="Lato" panose="020F0502020204030203" pitchFamily="34" charset="0"/>
+              </a:rPr>
+              <a:t>The none type is sometimes called the unit type and the empty pair of parentheses a 0-tuple.</a:t>
+            </a:r>
+          </a:p>
+        </p:txBody>
+      </p:sp>
+      <p:sp>
+        <p:nvSpPr>
+          <p:cNvPr id="4" name="TextBox 3">
+            <a:extLst>
+              <a:ext uri="{FF2B5EF4-FFF2-40B4-BE49-F238E27FC236}">
+                <a16:creationId xmlns:a16="http://schemas.microsoft.com/office/drawing/2014/main" id="{13A54339-7DB4-0142-B3E0-33753EFD1B50}"/>
+              </a:ext>
+            </a:extLst>
+          </p:cNvPr>
+          <p:cNvSpPr txBox="1"/>
+          <p:nvPr/>
+        </p:nvSpPr>
+        <p:spPr>
+          <a:xfrm>
+            <a:off x="2042556" y="6246421"/>
+            <a:ext cx="3171061" cy="307777"/>
+          </a:xfrm>
+          <a:prstGeom prst="rect">
+            <a:avLst/>
+          </a:prstGeom>
+          <a:noFill/>
+        </p:spPr>
+        <p:txBody>
+          <a:bodyPr wrap="none" rtlCol="0">
+            <a:spAutoFit/>
+          </a:bodyPr>
+          <a:lstStyle/>
+          <a:p>
+            <a:r>
+              <a:rPr lang="en-US" sz="1400" dirty="0">
+                <a:hlinkClick r:id="rId2"/>
+              </a:rPr>
+              <a:t>https://en.wikipedia.org/wiki/Unit_type</a:t>
+            </a:r>
+            <a:endParaRPr lang="en-US" sz="1400" dirty="0"/>
           </a:p>
         </p:txBody>
       </p:sp>

--- a/notes/csc493-ln002.pptx
+++ b/notes/csc493-ln002.pptx
@@ -5,10 +5,10 @@
     <p:sldMasterId id="2147483651" r:id="rId1"/>
   </p:sldMasterIdLst>
   <p:notesMasterIdLst>
-    <p:notesMasterId r:id="rId36"/>
+    <p:notesMasterId r:id="rId37"/>
   </p:notesMasterIdLst>
   <p:handoutMasterIdLst>
-    <p:handoutMasterId r:id="rId37"/>
+    <p:handoutMasterId r:id="rId38"/>
   </p:handoutMasterIdLst>
   <p:sldIdLst>
     <p:sldId id="264" r:id="rId2"/>
@@ -43,8 +43,9 @@
     <p:sldId id="260" r:id="rId31"/>
     <p:sldId id="261" r:id="rId32"/>
     <p:sldId id="262" r:id="rId33"/>
-    <p:sldId id="263" r:id="rId34"/>
-    <p:sldId id="279" r:id="rId35"/>
+    <p:sldId id="327" r:id="rId34"/>
+    <p:sldId id="263" r:id="rId35"/>
+    <p:sldId id="279" r:id="rId36"/>
   </p:sldIdLst>
   <p:sldSz cx="9144000" cy="6858000" type="screen4x3"/>
   <p:notesSz cx="6856413" cy="9083675"/>
@@ -251,14 +252,14 @@
           <a:effectLst/>
           <a:extLst>
             <a:ext uri="{909E8E84-426E-40dd-AFC4-6F175D3DCCD1}">
-              <a14:hiddenFill xmlns="" xmlns:a14="http://schemas.microsoft.com/office/drawing/2010/main">
+              <a14:hiddenFill xmlns:a14="http://schemas.microsoft.com/office/drawing/2010/main" xmlns="">
                 <a:solidFill>
                   <a:schemeClr val="accent1"/>
                 </a:solidFill>
               </a14:hiddenFill>
             </a:ext>
             <a:ext uri="{91240B29-F687-4f45-9708-019B960494DF}">
-              <a14:hiddenLine xmlns="" xmlns:a14="http://schemas.microsoft.com/office/drawing/2010/main" w="9525">
+              <a14:hiddenLine xmlns:a14="http://schemas.microsoft.com/office/drawing/2010/main" xmlns="" w="9525">
                 <a:solidFill>
                   <a:schemeClr val="tx1"/>
                 </a:solidFill>
@@ -268,7 +269,7 @@
               </a14:hiddenLine>
             </a:ext>
             <a:ext uri="{AF507438-7753-43e0-B8FC-AC1667EBCBE1}">
-              <a14:hiddenEffects xmlns="" xmlns:a14="http://schemas.microsoft.com/office/drawing/2010/main">
+              <a14:hiddenEffects xmlns:a14="http://schemas.microsoft.com/office/drawing/2010/main" xmlns="">
                 <a:effectLst>
                   <a:outerShdw blurRad="63500" dist="38099" dir="2700000" algn="ctr" rotWithShape="0">
                     <a:schemeClr val="bg2">
@@ -279,7 +280,7 @@
               </a14:hiddenEffects>
             </a:ext>
             <a:ext uri="{FAA26D3D-D897-4be2-8F04-BA451C77F1D7}">
-              <ma14:placeholderFlag xmlns="" xmlns:ma14="http://schemas.microsoft.com/office/mac/drawingml/2011/main" val="1"/>
+              <ma14:placeholderFlag xmlns:ma14="http://schemas.microsoft.com/office/mac/drawingml/2011/main" xmlns="" val="1"/>
             </a:ext>
           </a:extLst>
         </p:spPr>
@@ -337,14 +338,14 @@
           <a:effectLst/>
           <a:extLst>
             <a:ext uri="{909E8E84-426E-40dd-AFC4-6F175D3DCCD1}">
-              <a14:hiddenFill xmlns="" xmlns:a14="http://schemas.microsoft.com/office/drawing/2010/main">
+              <a14:hiddenFill xmlns:a14="http://schemas.microsoft.com/office/drawing/2010/main" xmlns="">
                 <a:solidFill>
                   <a:schemeClr val="accent1"/>
                 </a:solidFill>
               </a14:hiddenFill>
             </a:ext>
             <a:ext uri="{91240B29-F687-4f45-9708-019B960494DF}">
-              <a14:hiddenLine xmlns="" xmlns:a14="http://schemas.microsoft.com/office/drawing/2010/main" w="9525">
+              <a14:hiddenLine xmlns:a14="http://schemas.microsoft.com/office/drawing/2010/main" xmlns="" w="9525">
                 <a:solidFill>
                   <a:schemeClr val="tx1"/>
                 </a:solidFill>
@@ -354,7 +355,7 @@
               </a14:hiddenLine>
             </a:ext>
             <a:ext uri="{AF507438-7753-43e0-B8FC-AC1667EBCBE1}">
-              <a14:hiddenEffects xmlns="" xmlns:a14="http://schemas.microsoft.com/office/drawing/2010/main">
+              <a14:hiddenEffects xmlns:a14="http://schemas.microsoft.com/office/drawing/2010/main" xmlns="">
                 <a:effectLst>
                   <a:outerShdw blurRad="63500" dist="38099" dir="2700000" algn="ctr" rotWithShape="0">
                     <a:schemeClr val="bg2">
@@ -365,7 +366,7 @@
               </a14:hiddenEffects>
             </a:ext>
             <a:ext uri="{FAA26D3D-D897-4be2-8F04-BA451C77F1D7}">
-              <ma14:placeholderFlag xmlns="" xmlns:ma14="http://schemas.microsoft.com/office/mac/drawingml/2011/main" val="1"/>
+              <ma14:placeholderFlag xmlns:ma14="http://schemas.microsoft.com/office/mac/drawingml/2011/main" xmlns="" val="1"/>
             </a:ext>
           </a:extLst>
         </p:spPr>
@@ -423,14 +424,14 @@
           <a:effectLst/>
           <a:extLst>
             <a:ext uri="{909E8E84-426E-40dd-AFC4-6F175D3DCCD1}">
-              <a14:hiddenFill xmlns="" xmlns:a14="http://schemas.microsoft.com/office/drawing/2010/main">
+              <a14:hiddenFill xmlns:a14="http://schemas.microsoft.com/office/drawing/2010/main" xmlns="">
                 <a:solidFill>
                   <a:schemeClr val="accent1"/>
                 </a:solidFill>
               </a14:hiddenFill>
             </a:ext>
             <a:ext uri="{91240B29-F687-4f45-9708-019B960494DF}">
-              <a14:hiddenLine xmlns="" xmlns:a14="http://schemas.microsoft.com/office/drawing/2010/main" w="9525">
+              <a14:hiddenLine xmlns:a14="http://schemas.microsoft.com/office/drawing/2010/main" xmlns="" w="9525">
                 <a:solidFill>
                   <a:schemeClr val="tx1"/>
                 </a:solidFill>
@@ -440,7 +441,7 @@
               </a14:hiddenLine>
             </a:ext>
             <a:ext uri="{AF507438-7753-43e0-B8FC-AC1667EBCBE1}">
-              <a14:hiddenEffects xmlns="" xmlns:a14="http://schemas.microsoft.com/office/drawing/2010/main">
+              <a14:hiddenEffects xmlns:a14="http://schemas.microsoft.com/office/drawing/2010/main" xmlns="">
                 <a:effectLst>
                   <a:outerShdw blurRad="63500" dist="38099" dir="2700000" algn="ctr" rotWithShape="0">
                     <a:schemeClr val="bg2">
@@ -451,7 +452,7 @@
               </a14:hiddenEffects>
             </a:ext>
             <a:ext uri="{FAA26D3D-D897-4be2-8F04-BA451C77F1D7}">
-              <ma14:placeholderFlag xmlns="" xmlns:ma14="http://schemas.microsoft.com/office/mac/drawingml/2011/main" val="1"/>
+              <ma14:placeholderFlag xmlns:ma14="http://schemas.microsoft.com/office/mac/drawingml/2011/main" xmlns="" val="1"/>
             </a:ext>
           </a:extLst>
         </p:spPr>
@@ -509,14 +510,14 @@
           <a:effectLst/>
           <a:extLst>
             <a:ext uri="{909E8E84-426E-40dd-AFC4-6F175D3DCCD1}">
-              <a14:hiddenFill xmlns="" xmlns:a14="http://schemas.microsoft.com/office/drawing/2010/main">
+              <a14:hiddenFill xmlns:a14="http://schemas.microsoft.com/office/drawing/2010/main" xmlns="">
                 <a:solidFill>
                   <a:schemeClr val="accent1"/>
                 </a:solidFill>
               </a14:hiddenFill>
             </a:ext>
             <a:ext uri="{91240B29-F687-4f45-9708-019B960494DF}">
-              <a14:hiddenLine xmlns="" xmlns:a14="http://schemas.microsoft.com/office/drawing/2010/main" w="9525">
+              <a14:hiddenLine xmlns:a14="http://schemas.microsoft.com/office/drawing/2010/main" xmlns="" w="9525">
                 <a:solidFill>
                   <a:schemeClr val="tx1"/>
                 </a:solidFill>
@@ -526,7 +527,7 @@
               </a14:hiddenLine>
             </a:ext>
             <a:ext uri="{AF507438-7753-43e0-B8FC-AC1667EBCBE1}">
-              <a14:hiddenEffects xmlns="" xmlns:a14="http://schemas.microsoft.com/office/drawing/2010/main">
+              <a14:hiddenEffects xmlns:a14="http://schemas.microsoft.com/office/drawing/2010/main" xmlns="">
                 <a:effectLst>
                   <a:outerShdw blurRad="63500" dist="38099" dir="2700000" algn="ctr" rotWithShape="0">
                     <a:schemeClr val="bg2">
@@ -537,7 +538,7 @@
               </a14:hiddenEffects>
             </a:ext>
             <a:ext uri="{FAA26D3D-D897-4be2-8F04-BA451C77F1D7}">
-              <ma14:placeholderFlag xmlns="" xmlns:ma14="http://schemas.microsoft.com/office/mac/drawingml/2011/main" val="1"/>
+              <ma14:placeholderFlag xmlns:ma14="http://schemas.microsoft.com/office/mac/drawingml/2011/main" xmlns="" val="1"/>
             </a:ext>
           </a:extLst>
         </p:spPr>
@@ -629,14 +630,14 @@
           <a:effectLst/>
           <a:extLst>
             <a:ext uri="{909E8E84-426E-40dd-AFC4-6F175D3DCCD1}">
-              <a14:hiddenFill xmlns="" xmlns:a14="http://schemas.microsoft.com/office/drawing/2010/main">
+              <a14:hiddenFill xmlns:a14="http://schemas.microsoft.com/office/drawing/2010/main" xmlns="">
                 <a:solidFill>
                   <a:schemeClr val="accent1"/>
                 </a:solidFill>
               </a14:hiddenFill>
             </a:ext>
             <a:ext uri="{91240B29-F687-4f45-9708-019B960494DF}">
-              <a14:hiddenLine xmlns="" xmlns:a14="http://schemas.microsoft.com/office/drawing/2010/main" w="9525">
+              <a14:hiddenLine xmlns:a14="http://schemas.microsoft.com/office/drawing/2010/main" xmlns="" w="9525">
                 <a:solidFill>
                   <a:schemeClr val="tx1"/>
                 </a:solidFill>
@@ -646,7 +647,7 @@
               </a14:hiddenLine>
             </a:ext>
             <a:ext uri="{AF507438-7753-43e0-B8FC-AC1667EBCBE1}">
-              <a14:hiddenEffects xmlns="" xmlns:a14="http://schemas.microsoft.com/office/drawing/2010/main">
+              <a14:hiddenEffects xmlns:a14="http://schemas.microsoft.com/office/drawing/2010/main" xmlns="">
                 <a:effectLst>
                   <a:outerShdw blurRad="63500" dist="38099" dir="2700000" algn="ctr" rotWithShape="0">
                     <a:schemeClr val="bg2">
@@ -657,7 +658,7 @@
               </a14:hiddenEffects>
             </a:ext>
             <a:ext uri="{FAA26D3D-D897-4be2-8F04-BA451C77F1D7}">
-              <ma14:placeholderFlag xmlns="" xmlns:ma14="http://schemas.microsoft.com/office/mac/drawingml/2011/main" val="1"/>
+              <ma14:placeholderFlag xmlns:ma14="http://schemas.microsoft.com/office/mac/drawingml/2011/main" xmlns="" val="1"/>
             </a:ext>
           </a:extLst>
         </p:spPr>
@@ -715,14 +716,14 @@
           <a:effectLst/>
           <a:extLst>
             <a:ext uri="{909E8E84-426E-40dd-AFC4-6F175D3DCCD1}">
-              <a14:hiddenFill xmlns="" xmlns:a14="http://schemas.microsoft.com/office/drawing/2010/main">
+              <a14:hiddenFill xmlns:a14="http://schemas.microsoft.com/office/drawing/2010/main" xmlns="">
                 <a:solidFill>
                   <a:schemeClr val="accent1"/>
                 </a:solidFill>
               </a14:hiddenFill>
             </a:ext>
             <a:ext uri="{91240B29-F687-4f45-9708-019B960494DF}">
-              <a14:hiddenLine xmlns="" xmlns:a14="http://schemas.microsoft.com/office/drawing/2010/main" w="9525">
+              <a14:hiddenLine xmlns:a14="http://schemas.microsoft.com/office/drawing/2010/main" xmlns="" w="9525">
                 <a:solidFill>
                   <a:schemeClr val="tx1"/>
                 </a:solidFill>
@@ -732,7 +733,7 @@
               </a14:hiddenLine>
             </a:ext>
             <a:ext uri="{AF507438-7753-43e0-B8FC-AC1667EBCBE1}">
-              <a14:hiddenEffects xmlns="" xmlns:a14="http://schemas.microsoft.com/office/drawing/2010/main">
+              <a14:hiddenEffects xmlns:a14="http://schemas.microsoft.com/office/drawing/2010/main" xmlns="">
                 <a:effectLst>
                   <a:outerShdw blurRad="63500" dist="38099" dir="2700000" algn="ctr" rotWithShape="0">
                     <a:schemeClr val="bg2">
@@ -743,7 +744,7 @@
               </a14:hiddenEffects>
             </a:ext>
             <a:ext uri="{FAA26D3D-D897-4be2-8F04-BA451C77F1D7}">
-              <ma14:placeholderFlag xmlns="" xmlns:ma14="http://schemas.microsoft.com/office/mac/drawingml/2011/main" val="1"/>
+              <ma14:placeholderFlag xmlns:ma14="http://schemas.microsoft.com/office/mac/drawingml/2011/main" xmlns="" val="1"/>
             </a:ext>
           </a:extLst>
         </p:spPr>
@@ -806,7 +807,7 @@
           <a:effectLst/>
           <a:extLst>
             <a:ext uri="{AF507438-7753-43e0-B8FC-AC1667EBCBE1}">
-              <a14:hiddenEffects xmlns="" xmlns:a14="http://schemas.microsoft.com/office/drawing/2010/main">
+              <a14:hiddenEffects xmlns:a14="http://schemas.microsoft.com/office/drawing/2010/main" xmlns="">
                 <a:effectLst>
                   <a:outerShdw blurRad="63500" dist="38099" dir="2700000" algn="ctr" rotWithShape="0">
                     <a:srgbClr val="000000">
@@ -817,7 +818,7 @@
               </a14:hiddenEffects>
             </a:ext>
             <a:ext uri="{53640926-AAD7-44d8-BBD7-CCE9431645EC}">
-              <a14:shadowObscured xmlns="" xmlns:a14="http://schemas.microsoft.com/office/drawing/2010/main" val="1"/>
+              <a14:shadowObscured xmlns:a14="http://schemas.microsoft.com/office/drawing/2010/main" xmlns="" val="1"/>
             </a:ext>
           </a:extLst>
         </p:spPr>
@@ -853,14 +854,14 @@
           <a:effectLst/>
           <a:extLst>
             <a:ext uri="{909E8E84-426E-40dd-AFC4-6F175D3DCCD1}">
-              <a14:hiddenFill xmlns="" xmlns:a14="http://schemas.microsoft.com/office/drawing/2010/main">
+              <a14:hiddenFill xmlns:a14="http://schemas.microsoft.com/office/drawing/2010/main" xmlns="">
                 <a:solidFill>
                   <a:schemeClr val="accent1"/>
                 </a:solidFill>
               </a14:hiddenFill>
             </a:ext>
             <a:ext uri="{91240B29-F687-4f45-9708-019B960494DF}">
-              <a14:hiddenLine xmlns="" xmlns:a14="http://schemas.microsoft.com/office/drawing/2010/main" w="9525">
+              <a14:hiddenLine xmlns:a14="http://schemas.microsoft.com/office/drawing/2010/main" xmlns="" w="9525">
                 <a:solidFill>
                   <a:schemeClr val="tx1"/>
                 </a:solidFill>
@@ -870,7 +871,7 @@
               </a14:hiddenLine>
             </a:ext>
             <a:ext uri="{AF507438-7753-43e0-B8FC-AC1667EBCBE1}">
-              <a14:hiddenEffects xmlns="" xmlns:a14="http://schemas.microsoft.com/office/drawing/2010/main">
+              <a14:hiddenEffects xmlns:a14="http://schemas.microsoft.com/office/drawing/2010/main" xmlns="">
                 <a:effectLst>
                   <a:outerShdw blurRad="63500" dist="38099" dir="2700000" algn="ctr" rotWithShape="0">
                     <a:schemeClr val="bg2">
@@ -881,7 +882,7 @@
               </a14:hiddenEffects>
             </a:ext>
             <a:ext uri="{FAA26D3D-D897-4be2-8F04-BA451C77F1D7}">
-              <ma14:placeholderFlag xmlns="" xmlns:ma14="http://schemas.microsoft.com/office/mac/drawingml/2011/main" val="1"/>
+              <ma14:placeholderFlag xmlns:ma14="http://schemas.microsoft.com/office/mac/drawingml/2011/main" xmlns="" val="1"/>
             </a:ext>
           </a:extLst>
         </p:spPr>
@@ -960,14 +961,14 @@
           <a:effectLst/>
           <a:extLst>
             <a:ext uri="{909E8E84-426E-40dd-AFC4-6F175D3DCCD1}">
-              <a14:hiddenFill xmlns="" xmlns:a14="http://schemas.microsoft.com/office/drawing/2010/main">
+              <a14:hiddenFill xmlns:a14="http://schemas.microsoft.com/office/drawing/2010/main" xmlns="">
                 <a:solidFill>
                   <a:schemeClr val="accent1"/>
                 </a:solidFill>
               </a14:hiddenFill>
             </a:ext>
             <a:ext uri="{91240B29-F687-4f45-9708-019B960494DF}">
-              <a14:hiddenLine xmlns="" xmlns:a14="http://schemas.microsoft.com/office/drawing/2010/main" w="9525">
+              <a14:hiddenLine xmlns:a14="http://schemas.microsoft.com/office/drawing/2010/main" xmlns="" w="9525">
                 <a:solidFill>
                   <a:schemeClr val="tx1"/>
                 </a:solidFill>
@@ -977,7 +978,7 @@
               </a14:hiddenLine>
             </a:ext>
             <a:ext uri="{AF507438-7753-43e0-B8FC-AC1667EBCBE1}">
-              <a14:hiddenEffects xmlns="" xmlns:a14="http://schemas.microsoft.com/office/drawing/2010/main">
+              <a14:hiddenEffects xmlns:a14="http://schemas.microsoft.com/office/drawing/2010/main" xmlns="">
                 <a:effectLst>
                   <a:outerShdw blurRad="63500" dist="38099" dir="2700000" algn="ctr" rotWithShape="0">
                     <a:schemeClr val="bg2">
@@ -988,7 +989,7 @@
               </a14:hiddenEffects>
             </a:ext>
             <a:ext uri="{FAA26D3D-D897-4be2-8F04-BA451C77F1D7}">
-              <ma14:placeholderFlag xmlns="" xmlns:ma14="http://schemas.microsoft.com/office/mac/drawingml/2011/main" val="1"/>
+              <ma14:placeholderFlag xmlns:ma14="http://schemas.microsoft.com/office/mac/drawingml/2011/main" xmlns="" val="1"/>
             </a:ext>
           </a:extLst>
         </p:spPr>
@@ -1046,14 +1047,14 @@
           <a:effectLst/>
           <a:extLst>
             <a:ext uri="{909E8E84-426E-40dd-AFC4-6F175D3DCCD1}">
-              <a14:hiddenFill xmlns="" xmlns:a14="http://schemas.microsoft.com/office/drawing/2010/main">
+              <a14:hiddenFill xmlns:a14="http://schemas.microsoft.com/office/drawing/2010/main" xmlns="">
                 <a:solidFill>
                   <a:schemeClr val="accent1"/>
                 </a:solidFill>
               </a14:hiddenFill>
             </a:ext>
             <a:ext uri="{91240B29-F687-4f45-9708-019B960494DF}">
-              <a14:hiddenLine xmlns="" xmlns:a14="http://schemas.microsoft.com/office/drawing/2010/main" w="9525">
+              <a14:hiddenLine xmlns:a14="http://schemas.microsoft.com/office/drawing/2010/main" xmlns="" w="9525">
                 <a:solidFill>
                   <a:schemeClr val="tx1"/>
                 </a:solidFill>
@@ -1063,7 +1064,7 @@
               </a14:hiddenLine>
             </a:ext>
             <a:ext uri="{AF507438-7753-43e0-B8FC-AC1667EBCBE1}">
-              <a14:hiddenEffects xmlns="" xmlns:a14="http://schemas.microsoft.com/office/drawing/2010/main">
+              <a14:hiddenEffects xmlns:a14="http://schemas.microsoft.com/office/drawing/2010/main" xmlns="">
                 <a:effectLst>
                   <a:outerShdw blurRad="63500" dist="38099" dir="2700000" algn="ctr" rotWithShape="0">
                     <a:schemeClr val="bg2">
@@ -1074,7 +1075,7 @@
               </a14:hiddenEffects>
             </a:ext>
             <a:ext uri="{FAA26D3D-D897-4be2-8F04-BA451C77F1D7}">
-              <ma14:placeholderFlag xmlns="" xmlns:ma14="http://schemas.microsoft.com/office/mac/drawingml/2011/main" val="1"/>
+              <ma14:placeholderFlag xmlns:ma14="http://schemas.microsoft.com/office/mac/drawingml/2011/main" xmlns="" val="1"/>
             </a:ext>
           </a:extLst>
         </p:spPr>
@@ -3294,12 +3295,12 @@
           <a:effectLst/>
           <a:extLst>
             <a:ext uri="{909E8E84-426E-40dd-AFC4-6F175D3DCCD1}">
-              <a14:hiddenFill xmlns="" xmlns:a14="http://schemas.microsoft.com/office/drawing/2010/main">
+              <a14:hiddenFill xmlns:a14="http://schemas.microsoft.com/office/drawing/2010/main" xmlns="">
                 <a:noFill/>
               </a14:hiddenFill>
             </a:ext>
             <a:ext uri="{AF507438-7753-43e0-B8FC-AC1667EBCBE1}">
-              <a14:hiddenEffects xmlns="" xmlns:a14="http://schemas.microsoft.com/office/drawing/2010/main">
+              <a14:hiddenEffects xmlns:a14="http://schemas.microsoft.com/office/drawing/2010/main" xmlns="">
                 <a:effectLst>
                   <a:outerShdw blurRad="63500" dist="38099" dir="2700000" algn="ctr" rotWithShape="0">
                     <a:schemeClr val="bg2">
@@ -3414,14 +3415,14 @@
           </a:xfrm>
           <a:extLst>
             <a:ext uri="{909E8E84-426E-40dd-AFC4-6F175D3DCCD1}">
-              <a14:hiddenFill xmlns="" xmlns:a14="http://schemas.microsoft.com/office/drawing/2010/main">
+              <a14:hiddenFill xmlns:a14="http://schemas.microsoft.com/office/drawing/2010/main" xmlns="">
                 <a:solidFill>
                   <a:schemeClr val="accent1"/>
                 </a:solidFill>
               </a14:hiddenFill>
             </a:ext>
             <a:ext uri="{91240B29-F687-4f45-9708-019B960494DF}">
-              <a14:hiddenLine xmlns="" xmlns:a14="http://schemas.microsoft.com/office/drawing/2010/main" w="9525">
+              <a14:hiddenLine xmlns:a14="http://schemas.microsoft.com/office/drawing/2010/main" xmlns="" w="9525">
                 <a:solidFill>
                   <a:schemeClr val="tx1"/>
                 </a:solidFill>
@@ -3431,7 +3432,7 @@
               </a14:hiddenLine>
             </a:ext>
             <a:ext uri="{AF507438-7753-43e0-B8FC-AC1667EBCBE1}">
-              <a14:hiddenEffects xmlns="" xmlns:a14="http://schemas.microsoft.com/office/drawing/2010/main">
+              <a14:hiddenEffects xmlns:a14="http://schemas.microsoft.com/office/drawing/2010/main" xmlns="">
                 <a:effectLst>
                   <a:outerShdw blurRad="63500" dist="38099" dir="2700000" algn="ctr" rotWithShape="0">
                     <a:schemeClr val="bg2">
@@ -3442,7 +3443,7 @@
               </a14:hiddenEffects>
             </a:ext>
             <a:ext uri="{FAA26D3D-D897-4be2-8F04-BA451C77F1D7}">
-              <ma14:placeholderFlag xmlns="" xmlns:ma14="http://schemas.microsoft.com/office/mac/drawingml/2011/main" val="1"/>
+              <ma14:placeholderFlag xmlns:ma14="http://schemas.microsoft.com/office/mac/drawingml/2011/main" xmlns="" val="1"/>
             </a:ext>
           </a:extLst>
         </p:spPr>
@@ -3484,14 +3485,14 @@
           </a:xfrm>
           <a:extLst>
             <a:ext uri="{909E8E84-426E-40dd-AFC4-6F175D3DCCD1}">
-              <a14:hiddenFill xmlns="" xmlns:a14="http://schemas.microsoft.com/office/drawing/2010/main">
+              <a14:hiddenFill xmlns:a14="http://schemas.microsoft.com/office/drawing/2010/main" xmlns="">
                 <a:solidFill>
                   <a:schemeClr val="accent1"/>
                 </a:solidFill>
               </a14:hiddenFill>
             </a:ext>
             <a:ext uri="{91240B29-F687-4f45-9708-019B960494DF}">
-              <a14:hiddenLine xmlns="" xmlns:a14="http://schemas.microsoft.com/office/drawing/2010/main" w="9525">
+              <a14:hiddenLine xmlns:a14="http://schemas.microsoft.com/office/drawing/2010/main" xmlns="" w="9525">
                 <a:solidFill>
                   <a:schemeClr val="tx1"/>
                 </a:solidFill>
@@ -3501,7 +3502,7 @@
               </a14:hiddenLine>
             </a:ext>
             <a:ext uri="{AF507438-7753-43e0-B8FC-AC1667EBCBE1}">
-              <a14:hiddenEffects xmlns="" xmlns:a14="http://schemas.microsoft.com/office/drawing/2010/main">
+              <a14:hiddenEffects xmlns:a14="http://schemas.microsoft.com/office/drawing/2010/main" xmlns="">
                 <a:effectLst>
                   <a:outerShdw blurRad="63500" dist="38099" dir="2700000" algn="ctr" rotWithShape="0">
                     <a:schemeClr val="bg2">
@@ -3512,7 +3513,7 @@
               </a14:hiddenEffects>
             </a:ext>
             <a:ext uri="{FAA26D3D-D897-4be2-8F04-BA451C77F1D7}">
-              <ma14:placeholderFlag xmlns="" xmlns:ma14="http://schemas.microsoft.com/office/mac/drawingml/2011/main" val="1"/>
+              <ma14:placeholderFlag xmlns:ma14="http://schemas.microsoft.com/office/mac/drawingml/2011/main" xmlns="" val="1"/>
             </a:ext>
           </a:extLst>
         </p:spPr>
@@ -3554,14 +3555,14 @@
           </a:xfrm>
           <a:extLst>
             <a:ext uri="{909E8E84-426E-40dd-AFC4-6F175D3DCCD1}">
-              <a14:hiddenFill xmlns="" xmlns:a14="http://schemas.microsoft.com/office/drawing/2010/main">
+              <a14:hiddenFill xmlns:a14="http://schemas.microsoft.com/office/drawing/2010/main" xmlns="">
                 <a:solidFill>
                   <a:schemeClr val="accent1"/>
                 </a:solidFill>
               </a14:hiddenFill>
             </a:ext>
             <a:ext uri="{91240B29-F687-4f45-9708-019B960494DF}">
-              <a14:hiddenLine xmlns="" xmlns:a14="http://schemas.microsoft.com/office/drawing/2010/main" w="9525">
+              <a14:hiddenLine xmlns:a14="http://schemas.microsoft.com/office/drawing/2010/main" xmlns="" w="9525">
                 <a:solidFill>
                   <a:schemeClr val="tx1"/>
                 </a:solidFill>
@@ -3571,7 +3572,7 @@
               </a14:hiddenLine>
             </a:ext>
             <a:ext uri="{AF507438-7753-43e0-B8FC-AC1667EBCBE1}">
-              <a14:hiddenEffects xmlns="" xmlns:a14="http://schemas.microsoft.com/office/drawing/2010/main">
+              <a14:hiddenEffects xmlns:a14="http://schemas.microsoft.com/office/drawing/2010/main" xmlns="">
                 <a:effectLst>
                   <a:outerShdw blurRad="63500" dist="38099" dir="2700000" algn="ctr" rotWithShape="0">
                     <a:schemeClr val="bg2">
@@ -3582,7 +3583,7 @@
               </a14:hiddenEffects>
             </a:ext>
             <a:ext uri="{FAA26D3D-D897-4be2-8F04-BA451C77F1D7}">
-              <ma14:placeholderFlag xmlns="" xmlns:ma14="http://schemas.microsoft.com/office/mac/drawingml/2011/main" val="1"/>
+              <ma14:placeholderFlag xmlns:ma14="http://schemas.microsoft.com/office/mac/drawingml/2011/main" xmlns="" val="1"/>
             </a:ext>
           </a:extLst>
         </p:spPr>
@@ -6249,14 +6250,14 @@
           <a:effectLst/>
           <a:extLst>
             <a:ext uri="{909E8E84-426E-40dd-AFC4-6F175D3DCCD1}">
-              <a14:hiddenFill xmlns="" xmlns:a14="http://schemas.microsoft.com/office/drawing/2010/main">
+              <a14:hiddenFill xmlns:a14="http://schemas.microsoft.com/office/drawing/2010/main" xmlns="">
                 <a:solidFill>
                   <a:schemeClr val="accent1"/>
                 </a:solidFill>
               </a14:hiddenFill>
             </a:ext>
             <a:ext uri="{91240B29-F687-4f45-9708-019B960494DF}">
-              <a14:hiddenLine xmlns="" xmlns:a14="http://schemas.microsoft.com/office/drawing/2010/main" w="9525">
+              <a14:hiddenLine xmlns:a14="http://schemas.microsoft.com/office/drawing/2010/main" xmlns="" w="9525">
                 <a:solidFill>
                   <a:schemeClr val="tx1"/>
                 </a:solidFill>
@@ -6266,7 +6267,7 @@
               </a14:hiddenLine>
             </a:ext>
             <a:ext uri="{AF507438-7753-43e0-B8FC-AC1667EBCBE1}">
-              <a14:hiddenEffects xmlns="" xmlns:a14="http://schemas.microsoft.com/office/drawing/2010/main">
+              <a14:hiddenEffects xmlns:a14="http://schemas.microsoft.com/office/drawing/2010/main" xmlns="">
                 <a:effectLst>
                   <a:outerShdw blurRad="63500" dist="38099" dir="2700000" algn="ctr" rotWithShape="0">
                     <a:schemeClr val="bg2">
@@ -6277,7 +6278,7 @@
               </a14:hiddenEffects>
             </a:ext>
             <a:ext uri="{FAA26D3D-D897-4be2-8F04-BA451C77F1D7}">
-              <ma14:placeholderFlag xmlns="" xmlns:ma14="http://schemas.microsoft.com/office/mac/drawingml/2011/main" val="1"/>
+              <ma14:placeholderFlag xmlns:ma14="http://schemas.microsoft.com/office/mac/drawingml/2011/main" xmlns="" val="1"/>
             </a:ext>
           </a:extLst>
         </p:spPr>
@@ -6328,14 +6329,14 @@
           <a:effectLst/>
           <a:extLst>
             <a:ext uri="{909E8E84-426E-40dd-AFC4-6F175D3DCCD1}">
-              <a14:hiddenFill xmlns="" xmlns:a14="http://schemas.microsoft.com/office/drawing/2010/main">
+              <a14:hiddenFill xmlns:a14="http://schemas.microsoft.com/office/drawing/2010/main" xmlns="">
                 <a:solidFill>
                   <a:schemeClr val="accent1"/>
                 </a:solidFill>
               </a14:hiddenFill>
             </a:ext>
             <a:ext uri="{91240B29-F687-4f45-9708-019B960494DF}">
-              <a14:hiddenLine xmlns="" xmlns:a14="http://schemas.microsoft.com/office/drawing/2010/main" w="9525">
+              <a14:hiddenLine xmlns:a14="http://schemas.microsoft.com/office/drawing/2010/main" xmlns="" w="9525">
                 <a:solidFill>
                   <a:schemeClr val="tx1"/>
                 </a:solidFill>
@@ -6345,7 +6346,7 @@
               </a14:hiddenLine>
             </a:ext>
             <a:ext uri="{AF507438-7753-43e0-B8FC-AC1667EBCBE1}">
-              <a14:hiddenEffects xmlns="" xmlns:a14="http://schemas.microsoft.com/office/drawing/2010/main">
+              <a14:hiddenEffects xmlns:a14="http://schemas.microsoft.com/office/drawing/2010/main" xmlns="">
                 <a:effectLst>
                   <a:outerShdw blurRad="63500" dist="38099" dir="2700000" algn="ctr" rotWithShape="0">
                     <a:schemeClr val="bg2">
@@ -6356,7 +6357,7 @@
               </a14:hiddenEffects>
             </a:ext>
             <a:ext uri="{FAA26D3D-D897-4be2-8F04-BA451C77F1D7}">
-              <ma14:placeholderFlag xmlns="" xmlns:ma14="http://schemas.microsoft.com/office/mac/drawingml/2011/main" val="1"/>
+              <ma14:placeholderFlag xmlns:ma14="http://schemas.microsoft.com/office/mac/drawingml/2011/main" xmlns="" val="1"/>
             </a:ext>
           </a:extLst>
         </p:spPr>
@@ -6435,14 +6436,14 @@
           <a:effectLst/>
           <a:extLst>
             <a:ext uri="{909E8E84-426E-40dd-AFC4-6F175D3DCCD1}">
-              <a14:hiddenFill xmlns="" xmlns:a14="http://schemas.microsoft.com/office/drawing/2010/main">
+              <a14:hiddenFill xmlns:a14="http://schemas.microsoft.com/office/drawing/2010/main" xmlns="">
                 <a:solidFill>
                   <a:schemeClr val="accent1"/>
                 </a:solidFill>
               </a14:hiddenFill>
             </a:ext>
             <a:ext uri="{91240B29-F687-4f45-9708-019B960494DF}">
-              <a14:hiddenLine xmlns="" xmlns:a14="http://schemas.microsoft.com/office/drawing/2010/main" w="9525">
+              <a14:hiddenLine xmlns:a14="http://schemas.microsoft.com/office/drawing/2010/main" xmlns="" w="9525">
                 <a:solidFill>
                   <a:schemeClr val="tx1"/>
                 </a:solidFill>
@@ -6452,7 +6453,7 @@
               </a14:hiddenLine>
             </a:ext>
             <a:ext uri="{AF507438-7753-43e0-B8FC-AC1667EBCBE1}">
-              <a14:hiddenEffects xmlns="" xmlns:a14="http://schemas.microsoft.com/office/drawing/2010/main">
+              <a14:hiddenEffects xmlns:a14="http://schemas.microsoft.com/office/drawing/2010/main" xmlns="">
                 <a:effectLst>
                   <a:outerShdw blurRad="63500" dist="38099" dir="2700000" algn="ctr" rotWithShape="0">
                     <a:schemeClr val="bg2">
@@ -6463,7 +6464,7 @@
               </a14:hiddenEffects>
             </a:ext>
             <a:ext uri="{FAA26D3D-D897-4be2-8F04-BA451C77F1D7}">
-              <ma14:placeholderFlag xmlns="" xmlns:ma14="http://schemas.microsoft.com/office/mac/drawingml/2011/main" val="1"/>
+              <ma14:placeholderFlag xmlns:ma14="http://schemas.microsoft.com/office/mac/drawingml/2011/main" xmlns="" val="1"/>
             </a:ext>
           </a:extLst>
         </p:spPr>
@@ -6521,14 +6522,14 @@
           <a:effectLst/>
           <a:extLst>
             <a:ext uri="{909E8E84-426E-40dd-AFC4-6F175D3DCCD1}">
-              <a14:hiddenFill xmlns="" xmlns:a14="http://schemas.microsoft.com/office/drawing/2010/main">
+              <a14:hiddenFill xmlns:a14="http://schemas.microsoft.com/office/drawing/2010/main" xmlns="">
                 <a:solidFill>
                   <a:schemeClr val="accent1"/>
                 </a:solidFill>
               </a14:hiddenFill>
             </a:ext>
             <a:ext uri="{91240B29-F687-4f45-9708-019B960494DF}">
-              <a14:hiddenLine xmlns="" xmlns:a14="http://schemas.microsoft.com/office/drawing/2010/main" w="9525">
+              <a14:hiddenLine xmlns:a14="http://schemas.microsoft.com/office/drawing/2010/main" xmlns="" w="9525">
                 <a:solidFill>
                   <a:schemeClr val="tx1"/>
                 </a:solidFill>
@@ -6538,7 +6539,7 @@
               </a14:hiddenLine>
             </a:ext>
             <a:ext uri="{AF507438-7753-43e0-B8FC-AC1667EBCBE1}">
-              <a14:hiddenEffects xmlns="" xmlns:a14="http://schemas.microsoft.com/office/drawing/2010/main">
+              <a14:hiddenEffects xmlns:a14="http://schemas.microsoft.com/office/drawing/2010/main" xmlns="">
                 <a:effectLst>
                   <a:outerShdw blurRad="63500" dist="38099" dir="2700000" algn="ctr" rotWithShape="0">
                     <a:schemeClr val="bg2">
@@ -6549,7 +6550,7 @@
               </a14:hiddenEffects>
             </a:ext>
             <a:ext uri="{FAA26D3D-D897-4be2-8F04-BA451C77F1D7}">
-              <ma14:placeholderFlag xmlns="" xmlns:ma14="http://schemas.microsoft.com/office/mac/drawingml/2011/main" val="1"/>
+              <ma14:placeholderFlag xmlns:ma14="http://schemas.microsoft.com/office/mac/drawingml/2011/main" xmlns="" val="1"/>
             </a:ext>
           </a:extLst>
         </p:spPr>
@@ -6607,14 +6608,14 @@
           <a:effectLst/>
           <a:extLst>
             <a:ext uri="{909E8E84-426E-40dd-AFC4-6F175D3DCCD1}">
-              <a14:hiddenFill xmlns="" xmlns:a14="http://schemas.microsoft.com/office/drawing/2010/main">
+              <a14:hiddenFill xmlns:a14="http://schemas.microsoft.com/office/drawing/2010/main" xmlns="">
                 <a:solidFill>
                   <a:schemeClr val="accent1"/>
                 </a:solidFill>
               </a14:hiddenFill>
             </a:ext>
             <a:ext uri="{91240B29-F687-4f45-9708-019B960494DF}">
-              <a14:hiddenLine xmlns="" xmlns:a14="http://schemas.microsoft.com/office/drawing/2010/main" w="9525">
+              <a14:hiddenLine xmlns:a14="http://schemas.microsoft.com/office/drawing/2010/main" xmlns="" w="9525">
                 <a:solidFill>
                   <a:schemeClr val="tx1"/>
                 </a:solidFill>
@@ -6624,7 +6625,7 @@
               </a14:hiddenLine>
             </a:ext>
             <a:ext uri="{AF507438-7753-43e0-B8FC-AC1667EBCBE1}">
-              <a14:hiddenEffects xmlns="" xmlns:a14="http://schemas.microsoft.com/office/drawing/2010/main">
+              <a14:hiddenEffects xmlns:a14="http://schemas.microsoft.com/office/drawing/2010/main" xmlns="">
                 <a:effectLst>
                   <a:outerShdw blurRad="63500" dist="38099" dir="2700000" algn="ctr" rotWithShape="0">
                     <a:schemeClr val="bg2">
@@ -6635,7 +6636,7 @@
               </a14:hiddenEffects>
             </a:ext>
             <a:ext uri="{FAA26D3D-D897-4be2-8F04-BA451C77F1D7}">
-              <ma14:placeholderFlag xmlns="" xmlns:ma14="http://schemas.microsoft.com/office/mac/drawingml/2011/main" val="1"/>
+              <ma14:placeholderFlag xmlns:ma14="http://schemas.microsoft.com/office/mac/drawingml/2011/main" xmlns="" val="1"/>
             </a:ext>
           </a:extLst>
         </p:spPr>
@@ -6694,12 +6695,12 @@
           <a:effectLst/>
           <a:extLst>
             <a:ext uri="{909E8E84-426E-40dd-AFC4-6F175D3DCCD1}">
-              <a14:hiddenFill xmlns="" xmlns:a14="http://schemas.microsoft.com/office/drawing/2010/main">
+              <a14:hiddenFill xmlns:a14="http://schemas.microsoft.com/office/drawing/2010/main" xmlns="">
                 <a:noFill/>
               </a14:hiddenFill>
             </a:ext>
             <a:ext uri="{AF507438-7753-43e0-B8FC-AC1667EBCBE1}">
-              <a14:hiddenEffects xmlns="" xmlns:a14="http://schemas.microsoft.com/office/drawing/2010/main">
+              <a14:hiddenEffects xmlns:a14="http://schemas.microsoft.com/office/drawing/2010/main" xmlns="">
                 <a:effectLst>
                   <a:outerShdw blurRad="63500" dist="38099" dir="2700000" algn="ctr" rotWithShape="0">
                     <a:schemeClr val="bg2">
@@ -16028,7 +16029,7 @@
           <a:effectLst/>
           <a:extLst>
             <a:ext uri="{AF507438-7753-43e0-B8FC-AC1667EBCBE1}">
-              <a14:hiddenEffects xmlns:a14="http://schemas.microsoft.com/office/drawing/2010/main" xmlns="">
+              <a14:hiddenEffects xmlns="" xmlns:a14="http://schemas.microsoft.com/office/drawing/2010/main">
                 <a:effectLst>
                   <a:outerShdw blurRad="63500" dist="38099" dir="2700000" algn="ctr" rotWithShape="0">
                     <a:schemeClr val="bg2">
@@ -16883,7 +16884,7 @@
           <a:effectLst/>
           <a:extLst>
             <a:ext uri="{AF507438-7753-43e0-B8FC-AC1667EBCBE1}">
-              <a14:hiddenEffects xmlns:a14="http://schemas.microsoft.com/office/drawing/2010/main" xmlns="">
+              <a14:hiddenEffects xmlns="" xmlns:a14="http://schemas.microsoft.com/office/drawing/2010/main">
                 <a:effectLst>
                   <a:outerShdw blurRad="63500" dist="38099" dir="2700000" algn="ctr" rotWithShape="0">
                     <a:schemeClr val="bg2">
@@ -17062,7 +17063,7 @@
           <a:effectLst/>
           <a:extLst>
             <a:ext uri="{AF507438-7753-43e0-B8FC-AC1667EBCBE1}">
-              <a14:hiddenEffects xmlns:a14="http://schemas.microsoft.com/office/drawing/2010/main" xmlns="">
+              <a14:hiddenEffects xmlns="" xmlns:a14="http://schemas.microsoft.com/office/drawing/2010/main">
                 <a:effectLst>
                   <a:outerShdw blurRad="63500" dist="38099" dir="2700000" algn="ctr" rotWithShape="0">
                     <a:schemeClr val="bg2">
@@ -17341,7 +17342,7 @@
           <a:effectLst/>
           <a:extLst>
             <a:ext uri="{AF507438-7753-43e0-B8FC-AC1667EBCBE1}">
-              <a14:hiddenEffects xmlns:a14="http://schemas.microsoft.com/office/drawing/2010/main" xmlns="">
+              <a14:hiddenEffects xmlns="" xmlns:a14="http://schemas.microsoft.com/office/drawing/2010/main">
                 <a:effectLst>
                   <a:outerShdw blurRad="63500" dist="38099" dir="2700000" algn="ctr" rotWithShape="0">
                     <a:schemeClr val="bg2">
@@ -17426,7 +17427,7 @@
           <a:effectLst/>
           <a:extLst>
             <a:ext uri="{AF507438-7753-43e0-B8FC-AC1667EBCBE1}">
-              <a14:hiddenEffects xmlns:a14="http://schemas.microsoft.com/office/drawing/2010/main" xmlns="">
+              <a14:hiddenEffects xmlns="" xmlns:a14="http://schemas.microsoft.com/office/drawing/2010/main">
                 <a:effectLst>
                   <a:outerShdw blurRad="63500" dist="38099" dir="2700000" algn="ctr" rotWithShape="0">
                     <a:schemeClr val="bg2">
@@ -17942,7 +17943,7 @@
           <a:effectLst/>
           <a:extLst>
             <a:ext uri="{AF507438-7753-43e0-B8FC-AC1667EBCBE1}">
-              <a14:hiddenEffects xmlns:a14="http://schemas.microsoft.com/office/drawing/2010/main" xmlns="">
+              <a14:hiddenEffects xmlns="" xmlns:a14="http://schemas.microsoft.com/office/drawing/2010/main">
                 <a:effectLst>
                   <a:outerShdw blurRad="63500" dist="38099" dir="2700000" algn="ctr" rotWithShape="0">
                     <a:schemeClr val="bg2">
@@ -18745,7 +18746,7 @@
         </p:spPr>
         <p:txBody>
           <a:bodyPr>
-            <a:normAutofit fontScale="92500" lnSpcReduction="10000"/>
+            <a:normAutofit/>
           </a:bodyPr>
           <a:lstStyle/>
           <a:p>
@@ -18856,55 +18857,6 @@
               </a:rPr>
               <a:t>That is: none = ()</a:t>
             </a:r>
-          </a:p>
-          <a:p>
-            <a:r>
-              <a:rPr lang="en-US" dirty="0">
-                <a:solidFill>
-                  <a:srgbClr val="404040"/>
-                </a:solidFill>
-                <a:latin typeface="Lato" panose="020F0502020204030203" pitchFamily="34" charset="0"/>
-              </a:rPr>
-              <a:t>The none type is sometimes called the unit type and the empty pair of parentheses a 0-tuple.</a:t>
-            </a:r>
-          </a:p>
-        </p:txBody>
-      </p:sp>
-      <p:sp>
-        <p:nvSpPr>
-          <p:cNvPr id="4" name="TextBox 3">
-            <a:extLst>
-              <a:ext uri="{FF2B5EF4-FFF2-40B4-BE49-F238E27FC236}">
-                <a16:creationId xmlns:a16="http://schemas.microsoft.com/office/drawing/2014/main" id="{13A54339-7DB4-0142-B3E0-33753EFD1B50}"/>
-              </a:ext>
-            </a:extLst>
-          </p:cNvPr>
-          <p:cNvSpPr txBox="1"/>
-          <p:nvPr/>
-        </p:nvSpPr>
-        <p:spPr>
-          <a:xfrm>
-            <a:off x="2042556" y="6246421"/>
-            <a:ext cx="3171061" cy="307777"/>
-          </a:xfrm>
-          <a:prstGeom prst="rect">
-            <a:avLst/>
-          </a:prstGeom>
-          <a:noFill/>
-        </p:spPr>
-        <p:txBody>
-          <a:bodyPr wrap="none" rtlCol="0">
-            <a:spAutoFit/>
-          </a:bodyPr>
-          <a:lstStyle/>
-          <a:p>
-            <a:r>
-              <a:rPr lang="en-US" sz="1400" dirty="0">
-                <a:hlinkClick r:id="rId2"/>
-              </a:rPr>
-              <a:t>https://en.wikipedia.org/wiki/Unit_type</a:t>
-            </a:r>
-            <a:endParaRPr lang="en-US" sz="1400" dirty="0"/>
           </a:p>
         </p:txBody>
       </p:sp>
@@ -18943,6 +18895,242 @@
           <p:cNvPr id="2" name="Title 1">
             <a:extLst>
               <a:ext uri="{FF2B5EF4-FFF2-40B4-BE49-F238E27FC236}">
+                <a16:creationId xmlns:a16="http://schemas.microsoft.com/office/drawing/2014/main" id="{E12BCAB3-CB65-424E-B042-990175507A71}"/>
+              </a:ext>
+            </a:extLst>
+          </p:cNvPr>
+          <p:cNvSpPr>
+            <a:spLocks noGrp="1"/>
+          </p:cNvSpPr>
+          <p:nvPr>
+            <p:ph type="title"/>
+          </p:nvPr>
+        </p:nvSpPr>
+        <p:spPr/>
+        <p:txBody>
+          <a:bodyPr/>
+          <a:lstStyle/>
+          <a:p>
+            <a:r>
+              <a:rPr lang="en-US" dirty="0"/>
+              <a:t>The None Type</a:t>
+            </a:r>
+          </a:p>
+        </p:txBody>
+      </p:sp>
+      <p:sp>
+        <p:nvSpPr>
+          <p:cNvPr id="3" name="Content Placeholder 2">
+            <a:extLst>
+              <a:ext uri="{FF2B5EF4-FFF2-40B4-BE49-F238E27FC236}">
+                <a16:creationId xmlns:a16="http://schemas.microsoft.com/office/drawing/2014/main" id="{20A679CC-B21D-754B-966D-B8C92DCA63D6}"/>
+              </a:ext>
+            </a:extLst>
+          </p:cNvPr>
+          <p:cNvSpPr>
+            <a:spLocks noGrp="1"/>
+          </p:cNvSpPr>
+          <p:nvPr>
+            <p:ph idx="1"/>
+          </p:nvPr>
+        </p:nvSpPr>
+        <p:spPr>
+          <a:xfrm>
+            <a:off x="1524000" y="1905000"/>
+            <a:ext cx="7010400" cy="2362200"/>
+          </a:xfrm>
+        </p:spPr>
+        <p:txBody>
+          <a:bodyPr>
+            <a:normAutofit fontScale="70000" lnSpcReduction="20000"/>
+          </a:bodyPr>
+          <a:lstStyle/>
+          <a:p>
+            <a:r>
+              <a:rPr lang="en-US" dirty="0">
+                <a:solidFill>
+                  <a:srgbClr val="404040"/>
+                </a:solidFill>
+                <a:latin typeface="Lato" panose="020F0502020204030203" pitchFamily="34" charset="0"/>
+              </a:rPr>
+              <a:t>The none type plays an important role in many modern programming languages</a:t>
+            </a:r>
+          </a:p>
+          <a:p>
+            <a:pPr lvl="1"/>
+            <a:r>
+              <a:rPr lang="en-US" dirty="0">
+                <a:solidFill>
+                  <a:srgbClr val="404040"/>
+                </a:solidFill>
+                <a:latin typeface="Lato" panose="020F0502020204030203" pitchFamily="34" charset="0"/>
+              </a:rPr>
+              <a:t>Python: </a:t>
+            </a:r>
+            <a:r>
+              <a:rPr lang="en-US" dirty="0" err="1">
+                <a:solidFill>
+                  <a:srgbClr val="404040"/>
+                </a:solidFill>
+                <a:latin typeface="Lato" panose="020F0502020204030203" pitchFamily="34" charset="0"/>
+              </a:rPr>
+              <a:t>NoneType</a:t>
+            </a:r>
+            <a:r>
+              <a:rPr lang="en-US" dirty="0">
+                <a:solidFill>
+                  <a:srgbClr val="404040"/>
+                </a:solidFill>
+                <a:latin typeface="Lato" panose="020F0502020204030203" pitchFamily="34" charset="0"/>
+              </a:rPr>
+              <a:t> – None </a:t>
+            </a:r>
+          </a:p>
+          <a:p>
+            <a:pPr lvl="1"/>
+            <a:r>
+              <a:rPr lang="en-US" dirty="0">
+                <a:solidFill>
+                  <a:srgbClr val="404040"/>
+                </a:solidFill>
+                <a:latin typeface="Lato" panose="020F0502020204030203" pitchFamily="34" charset="0"/>
+              </a:rPr>
+              <a:t>Rust: Unit – ()</a:t>
+            </a:r>
+          </a:p>
+          <a:p>
+            <a:pPr lvl="1"/>
+            <a:r>
+              <a:rPr lang="en-US" dirty="0">
+                <a:solidFill>
+                  <a:srgbClr val="404040"/>
+                </a:solidFill>
+                <a:latin typeface="Lato" panose="020F0502020204030203" pitchFamily="34" charset="0"/>
+              </a:rPr>
+              <a:t>Asteroid: none – none or ()</a:t>
+            </a:r>
+          </a:p>
+          <a:p>
+            <a:r>
+              <a:rPr lang="en-US" dirty="0">
+                <a:solidFill>
+                  <a:srgbClr val="404040"/>
+                </a:solidFill>
+                <a:latin typeface="Lato" panose="020F0502020204030203" pitchFamily="34" charset="0"/>
+              </a:rPr>
+              <a:t>The none type is employed when something like a function needs to return a value, but no such value exists, e.g. Python</a:t>
+            </a:r>
+          </a:p>
+        </p:txBody>
+      </p:sp>
+      <p:sp>
+        <p:nvSpPr>
+          <p:cNvPr id="4" name="TextBox 3">
+            <a:extLst>
+              <a:ext uri="{FF2B5EF4-FFF2-40B4-BE49-F238E27FC236}">
+                <a16:creationId xmlns:a16="http://schemas.microsoft.com/office/drawing/2014/main" id="{13A54339-7DB4-0142-B3E0-33753EFD1B50}"/>
+              </a:ext>
+            </a:extLst>
+          </p:cNvPr>
+          <p:cNvSpPr txBox="1"/>
+          <p:nvPr/>
+        </p:nvSpPr>
+        <p:spPr>
+          <a:xfrm>
+            <a:off x="2042556" y="6246421"/>
+            <a:ext cx="3171061" cy="307777"/>
+          </a:xfrm>
+          <a:prstGeom prst="rect">
+            <a:avLst/>
+          </a:prstGeom>
+          <a:noFill/>
+        </p:spPr>
+        <p:txBody>
+          <a:bodyPr wrap="none" rtlCol="0">
+            <a:spAutoFit/>
+          </a:bodyPr>
+          <a:lstStyle/>
+          <a:p>
+            <a:r>
+              <a:rPr lang="en-US" sz="1400" dirty="0">
+                <a:hlinkClick r:id="rId2"/>
+              </a:rPr>
+              <a:t>https://en.wikipedia.org/wiki/Unit_type</a:t>
+            </a:r>
+            <a:endParaRPr lang="en-US" sz="1400" dirty="0"/>
+          </a:p>
+        </p:txBody>
+      </p:sp>
+      <p:pic>
+        <p:nvPicPr>
+          <p:cNvPr id="5" name="Picture 4">
+            <a:extLst>
+              <a:ext uri="{FF2B5EF4-FFF2-40B4-BE49-F238E27FC236}">
+                <a16:creationId xmlns:a16="http://schemas.microsoft.com/office/drawing/2014/main" id="{CA4AAFC7-D73C-B940-B686-A19F4D61DC7F}"/>
+              </a:ext>
+            </a:extLst>
+          </p:cNvPr>
+          <p:cNvPicPr>
+            <a:picLocks noChangeAspect="1"/>
+          </p:cNvPicPr>
+          <p:nvPr/>
+        </p:nvPicPr>
+        <p:blipFill>
+          <a:blip r:embed="rId3"/>
+          <a:stretch>
+            <a:fillRect/>
+          </a:stretch>
+        </p:blipFill>
+        <p:spPr>
+          <a:xfrm>
+            <a:off x="2514600" y="4429085"/>
+            <a:ext cx="3171061" cy="1556491"/>
+          </a:xfrm>
+          <a:prstGeom prst="rect">
+            <a:avLst/>
+          </a:prstGeom>
+          <a:ln>
+            <a:solidFill>
+              <a:schemeClr val="tx1"/>
+            </a:solidFill>
+          </a:ln>
+        </p:spPr>
+      </p:pic>
+    </p:spTree>
+    <p:extLst>
+      <p:ext uri="{BB962C8B-B14F-4D97-AF65-F5344CB8AC3E}">
+        <p14:creationId xmlns:p14="http://schemas.microsoft.com/office/powerpoint/2010/main" val="1413333932"/>
+      </p:ext>
+    </p:extLst>
+  </p:cSld>
+  <p:clrMapOvr>
+    <a:masterClrMapping/>
+  </p:clrMapOvr>
+</p:sld>
+</file>
+
+<file path=ppt/slides/slide34.xml><?xml version="1.0" encoding="utf-8"?>
+<p:sld xmlns:a="http://schemas.openxmlformats.org/drawingml/2006/main" xmlns:r="http://schemas.openxmlformats.org/officeDocument/2006/relationships" xmlns:p="http://schemas.openxmlformats.org/presentationml/2006/main">
+  <p:cSld>
+    <p:spTree>
+      <p:nvGrpSpPr>
+        <p:cNvPr id="1" name=""/>
+        <p:cNvGrpSpPr/>
+        <p:nvPr/>
+      </p:nvGrpSpPr>
+      <p:grpSpPr>
+        <a:xfrm>
+          <a:off x="0" y="0"/>
+          <a:ext cx="0" cy="0"/>
+          <a:chOff x="0" y="0"/>
+          <a:chExt cx="0" cy="0"/>
+        </a:xfrm>
+      </p:grpSpPr>
+      <p:sp>
+        <p:nvSpPr>
+          <p:cNvPr id="2" name="Title 1">
+            <a:extLst>
+              <a:ext uri="{FF2B5EF4-FFF2-40B4-BE49-F238E27FC236}">
                 <a16:creationId xmlns:a16="http://schemas.microsoft.com/office/drawing/2014/main" id="{0038E3C5-65DE-C14F-881B-BD8E922E1E7D}"/>
               </a:ext>
             </a:extLst>
@@ -19141,7 +19329,7 @@
 </p:sld>
 </file>
 
-<file path=ppt/slides/slide34.xml><?xml version="1.0" encoding="utf-8"?>
+<file path=ppt/slides/slide35.xml><?xml version="1.0" encoding="utf-8"?>
 <p:sld xmlns:a="http://schemas.openxmlformats.org/drawingml/2006/main" xmlns:r="http://schemas.openxmlformats.org/officeDocument/2006/relationships" xmlns:p="http://schemas.openxmlformats.org/presentationml/2006/main">
   <p:cSld>
     <p:spTree>
@@ -19482,15 +19670,6 @@
           <a:solidFill>
             <a:srgbClr val="FFFFFF"/>
           </a:solidFill>
-          <a:extLst>
-            <a:ext uri="{909E8E84-426E-40DD-AFC4-6F175D3DCCD1}">
-              <a14:hiddenFill xmlns:a14="http://schemas.microsoft.com/office/drawing/2010/main">
-                <a:solidFill>
-                  <a:srgbClr val="FFFFFF"/>
-                </a:solidFill>
-              </a14:hiddenFill>
-            </a:ext>
-          </a:extLst>
         </p:spPr>
       </p:pic>
       <p:sp>
@@ -20887,7 +21066,7 @@
         <a:effectLst/>
         <a:extLst>
           <a:ext uri="{AF507438-7753-43e0-B8FC-AC1667EBCBE1}">
-            <a14:hiddenEffects xmlns="" xmlns:a14="http://schemas.microsoft.com/office/drawing/2010/main">
+            <a14:hiddenEffects xmlns:a14="http://schemas.microsoft.com/office/drawing/2010/main" xmlns="">
               <a:effectLst>
                 <a:outerShdw blurRad="63500" dist="38099" dir="2700000" algn="ctr" rotWithShape="0">
                   <a:schemeClr val="bg2">
@@ -20963,7 +21142,7 @@
         <a:effectLst/>
         <a:extLst>
           <a:ext uri="{AF507438-7753-43e0-B8FC-AC1667EBCBE1}">
-            <a14:hiddenEffects xmlns="" xmlns:a14="http://schemas.microsoft.com/office/drawing/2010/main">
+            <a14:hiddenEffects xmlns:a14="http://schemas.microsoft.com/office/drawing/2010/main" xmlns="">
               <a:effectLst>
                 <a:outerShdw blurRad="63500" dist="38099" dir="2700000" algn="ctr" rotWithShape="0">
                   <a:schemeClr val="bg2">

--- a/notes/csc493-ln002.pptx
+++ b/notes/csc493-ln002.pptx
@@ -5,10 +5,10 @@
     <p:sldMasterId id="2147483651" r:id="rId1"/>
   </p:sldMasterIdLst>
   <p:notesMasterIdLst>
-    <p:notesMasterId r:id="rId37"/>
+    <p:notesMasterId r:id="rId38"/>
   </p:notesMasterIdLst>
   <p:handoutMasterIdLst>
-    <p:handoutMasterId r:id="rId38"/>
+    <p:handoutMasterId r:id="rId39"/>
   </p:handoutMasterIdLst>
   <p:sldIdLst>
     <p:sldId id="264" r:id="rId2"/>
@@ -46,6 +46,7 @@
     <p:sldId id="327" r:id="rId34"/>
     <p:sldId id="263" r:id="rId35"/>
     <p:sldId id="279" r:id="rId36"/>
+    <p:sldId id="328" r:id="rId37"/>
   </p:sldIdLst>
   <p:sldSz cx="9144000" cy="6858000" type="screen4x3"/>
   <p:notesSz cx="6856413" cy="9083675"/>
@@ -19425,6 +19426,97 @@
     <p:extLst>
       <p:ext uri="{BB962C8B-B14F-4D97-AF65-F5344CB8AC3E}">
         <p14:creationId xmlns:p14="http://schemas.microsoft.com/office/powerpoint/2010/main" val="3037335692"/>
+      </p:ext>
+    </p:extLst>
+  </p:cSld>
+  <p:clrMapOvr>
+    <a:masterClrMapping/>
+  </p:clrMapOvr>
+</p:sld>
+</file>
+
+<file path=ppt/slides/slide36.xml><?xml version="1.0" encoding="utf-8"?>
+<p:sld xmlns:a="http://schemas.openxmlformats.org/drawingml/2006/main" xmlns:r="http://schemas.openxmlformats.org/officeDocument/2006/relationships" xmlns:p="http://schemas.openxmlformats.org/presentationml/2006/main">
+  <p:cSld>
+    <p:spTree>
+      <p:nvGrpSpPr>
+        <p:cNvPr id="1" name=""/>
+        <p:cNvGrpSpPr/>
+        <p:nvPr/>
+      </p:nvGrpSpPr>
+      <p:grpSpPr>
+        <a:xfrm>
+          <a:off x="0" y="0"/>
+          <a:ext cx="0" cy="0"/>
+          <a:chOff x="0" y="0"/>
+          <a:chExt cx="0" cy="0"/>
+        </a:xfrm>
+      </p:grpSpPr>
+      <p:sp>
+        <p:nvSpPr>
+          <p:cNvPr id="2" name="Title 1">
+            <a:extLst>
+              <a:ext uri="{FF2B5EF4-FFF2-40B4-BE49-F238E27FC236}">
+                <a16:creationId xmlns:a16="http://schemas.microsoft.com/office/drawing/2014/main" id="{14A8AA01-DE0D-FC47-9652-71FBC137E23F}"/>
+              </a:ext>
+            </a:extLst>
+          </p:cNvPr>
+          <p:cNvSpPr>
+            <a:spLocks noGrp="1"/>
+          </p:cNvSpPr>
+          <p:nvPr>
+            <p:ph type="title"/>
+          </p:nvPr>
+        </p:nvSpPr>
+        <p:spPr/>
+        <p:txBody>
+          <a:bodyPr/>
+          <a:lstStyle/>
+          <a:p>
+            <a:r>
+              <a:rPr lang="en-US" dirty="0"/>
+              <a:t>Team Exercise</a:t>
+            </a:r>
+          </a:p>
+        </p:txBody>
+      </p:sp>
+      <p:sp>
+        <p:nvSpPr>
+          <p:cNvPr id="3" name="Content Placeholder 2">
+            <a:extLst>
+              <a:ext uri="{FF2B5EF4-FFF2-40B4-BE49-F238E27FC236}">
+                <a16:creationId xmlns:a16="http://schemas.microsoft.com/office/drawing/2014/main" id="{B4D392DE-99AD-DD47-82CC-C8287AB2B124}"/>
+              </a:ext>
+            </a:extLst>
+          </p:cNvPr>
+          <p:cNvSpPr>
+            <a:spLocks noGrp="1"/>
+          </p:cNvSpPr>
+          <p:nvPr>
+            <p:ph idx="1"/>
+          </p:nvPr>
+        </p:nvSpPr>
+        <p:spPr/>
+        <p:txBody>
+          <a:bodyPr/>
+          <a:lstStyle/>
+          <a:p>
+            <a:r>
+              <a:rPr lang="en-US" dirty="0"/>
+              <a:t>Assignment #1 see </a:t>
+            </a:r>
+            <a:r>
+              <a:rPr lang="en-US" dirty="0" err="1"/>
+              <a:t>BrightSpace</a:t>
+            </a:r>
+            <a:endParaRPr lang="en-US" dirty="0"/>
+          </a:p>
+        </p:txBody>
+      </p:sp>
+    </p:spTree>
+    <p:extLst>
+      <p:ext uri="{BB962C8B-B14F-4D97-AF65-F5344CB8AC3E}">
+        <p14:creationId xmlns:p14="http://schemas.microsoft.com/office/powerpoint/2010/main" val="2661495327"/>
       </p:ext>
     </p:extLst>
   </p:cSld>
